--- a/ZagovorSeminarske_JarcDejan.pptx
+++ b/ZagovorSeminarske_JarcDejan.pptx
@@ -5,11 +5,14 @@
     <p:sldMasterId id="2147483660" r:id="rId1"/>
   </p:sldMasterIdLst>
   <p:notesMasterIdLst>
-    <p:notesMasterId r:id="rId4"/>
+    <p:notesMasterId r:id="rId7"/>
   </p:notesMasterIdLst>
   <p:sldIdLst>
     <p:sldId id="256" r:id="rId2"/>
     <p:sldId id="257" r:id="rId3"/>
+    <p:sldId id="258" r:id="rId4"/>
+    <p:sldId id="259" r:id="rId5"/>
+    <p:sldId id="260" r:id="rId6"/>
   </p:sldIdLst>
   <p:sldSz cx="12192000" cy="6858000"/>
   <p:notesSz cx="6858000" cy="9144000"/>
@@ -108,6 +111,11 @@
       </a:defRPr>
     </a:lvl9pPr>
   </p:defaultTextStyle>
+  <p:extLst>
+    <p:ext uri="{EFAFB233-063F-42B5-8137-9DF3F51BA10A}">
+      <p15:sldGuideLst xmlns:p15="http://schemas.microsoft.com/office/powerpoint/2012/main"/>
+    </p:ext>
+  </p:extLst>
 </p:presentation>
 </file>
 
@@ -193,7 +201,7 @@
           <a:p>
             <a:fld id="{40FA49F6-6208-4197-92FA-DC7BC97E654D}" type="datetimeFigureOut">
               <a:rPr lang="sl-SI" smtClean="0"/>
-              <a:t>11. 04. 2021</a:t>
+              <a:t>14. 04. 2021</a:t>
             </a:fld>
             <a:endParaRPr lang="sl-SI"/>
           </a:p>
@@ -544,6 +552,174 @@
 </p:notes>
 </file>
 
+<file path=ppt/notesSlides/notesSlide2.xml><?xml version="1.0" encoding="utf-8"?>
+<p:notes xmlns:a="http://schemas.openxmlformats.org/drawingml/2006/main" xmlns:r="http://schemas.openxmlformats.org/officeDocument/2006/relationships" xmlns:p="http://schemas.openxmlformats.org/presentationml/2006/main">
+  <p:cSld>
+    <p:spTree>
+      <p:nvGrpSpPr>
+        <p:cNvPr id="1" name=""/>
+        <p:cNvGrpSpPr/>
+        <p:nvPr/>
+      </p:nvGrpSpPr>
+      <p:grpSpPr>
+        <a:xfrm>
+          <a:off x="0" y="0"/>
+          <a:ext cx="0" cy="0"/>
+          <a:chOff x="0" y="0"/>
+          <a:chExt cx="0" cy="0"/>
+        </a:xfrm>
+      </p:grpSpPr>
+      <p:sp>
+        <p:nvSpPr>
+          <p:cNvPr id="2" name="Označba mesta stranske slike 1"/>
+          <p:cNvSpPr>
+            <a:spLocks noGrp="1" noRot="1" noChangeAspect="1"/>
+          </p:cNvSpPr>
+          <p:nvPr>
+            <p:ph type="sldImg"/>
+          </p:nvPr>
+        </p:nvSpPr>
+        <p:spPr/>
+      </p:sp>
+      <p:sp>
+        <p:nvSpPr>
+          <p:cNvPr id="3" name="Označba mesta opomb 2"/>
+          <p:cNvSpPr>
+            <a:spLocks noGrp="1"/>
+          </p:cNvSpPr>
+          <p:nvPr>
+            <p:ph type="body" idx="1"/>
+          </p:nvPr>
+        </p:nvSpPr>
+        <p:spPr/>
+        <p:txBody>
+          <a:bodyPr/>
+          <a:lstStyle/>
+          <a:p>
+            <a:endParaRPr lang="sl-SI" dirty="0"/>
+          </a:p>
+        </p:txBody>
+      </p:sp>
+      <p:sp>
+        <p:nvSpPr>
+          <p:cNvPr id="4" name="Označba mesta številke diapozitiva 3"/>
+          <p:cNvSpPr>
+            <a:spLocks noGrp="1"/>
+          </p:cNvSpPr>
+          <p:nvPr>
+            <p:ph type="sldNum" sz="quarter" idx="5"/>
+          </p:nvPr>
+        </p:nvSpPr>
+        <p:spPr/>
+        <p:txBody>
+          <a:bodyPr/>
+          <a:lstStyle/>
+          <a:p>
+            <a:fld id="{753682EA-5CE9-4EF9-863F-74E69C3874EB}" type="slidenum">
+              <a:rPr lang="sl-SI" smtClean="0"/>
+              <a:t>2</a:t>
+            </a:fld>
+            <a:endParaRPr lang="sl-SI"/>
+          </a:p>
+        </p:txBody>
+      </p:sp>
+    </p:spTree>
+    <p:extLst>
+      <p:ext uri="{BB962C8B-B14F-4D97-AF65-F5344CB8AC3E}">
+        <p14:creationId xmlns:p14="http://schemas.microsoft.com/office/powerpoint/2010/main" val="4089331377"/>
+      </p:ext>
+    </p:extLst>
+  </p:cSld>
+  <p:clrMapOvr>
+    <a:masterClrMapping/>
+  </p:clrMapOvr>
+</p:notes>
+</file>
+
+<file path=ppt/notesSlides/notesSlide3.xml><?xml version="1.0" encoding="utf-8"?>
+<p:notes xmlns:a="http://schemas.openxmlformats.org/drawingml/2006/main" xmlns:r="http://schemas.openxmlformats.org/officeDocument/2006/relationships" xmlns:p="http://schemas.openxmlformats.org/presentationml/2006/main">
+  <p:cSld>
+    <p:spTree>
+      <p:nvGrpSpPr>
+        <p:cNvPr id="1" name=""/>
+        <p:cNvGrpSpPr/>
+        <p:nvPr/>
+      </p:nvGrpSpPr>
+      <p:grpSpPr>
+        <a:xfrm>
+          <a:off x="0" y="0"/>
+          <a:ext cx="0" cy="0"/>
+          <a:chOff x="0" y="0"/>
+          <a:chExt cx="0" cy="0"/>
+        </a:xfrm>
+      </p:grpSpPr>
+      <p:sp>
+        <p:nvSpPr>
+          <p:cNvPr id="2" name="Označba mesta stranske slike 1"/>
+          <p:cNvSpPr>
+            <a:spLocks noGrp="1" noRot="1" noChangeAspect="1"/>
+          </p:cNvSpPr>
+          <p:nvPr>
+            <p:ph type="sldImg"/>
+          </p:nvPr>
+        </p:nvSpPr>
+        <p:spPr/>
+      </p:sp>
+      <p:sp>
+        <p:nvSpPr>
+          <p:cNvPr id="3" name="Označba mesta opomb 2"/>
+          <p:cNvSpPr>
+            <a:spLocks noGrp="1"/>
+          </p:cNvSpPr>
+          <p:nvPr>
+            <p:ph type="body" idx="1"/>
+          </p:nvPr>
+        </p:nvSpPr>
+        <p:spPr/>
+        <p:txBody>
+          <a:bodyPr/>
+          <a:lstStyle/>
+          <a:p>
+            <a:endParaRPr lang="sl-SI" dirty="0"/>
+          </a:p>
+        </p:txBody>
+      </p:sp>
+      <p:sp>
+        <p:nvSpPr>
+          <p:cNvPr id="4" name="Označba mesta številke diapozitiva 3"/>
+          <p:cNvSpPr>
+            <a:spLocks noGrp="1"/>
+          </p:cNvSpPr>
+          <p:nvPr>
+            <p:ph type="sldNum" sz="quarter" idx="5"/>
+          </p:nvPr>
+        </p:nvSpPr>
+        <p:spPr/>
+        <p:txBody>
+          <a:bodyPr/>
+          <a:lstStyle/>
+          <a:p>
+            <a:fld id="{753682EA-5CE9-4EF9-863F-74E69C3874EB}" type="slidenum">
+              <a:rPr lang="sl-SI" smtClean="0"/>
+              <a:t>3</a:t>
+            </a:fld>
+            <a:endParaRPr lang="sl-SI"/>
+          </a:p>
+        </p:txBody>
+      </p:sp>
+    </p:spTree>
+    <p:extLst>
+      <p:ext uri="{BB962C8B-B14F-4D97-AF65-F5344CB8AC3E}">
+        <p14:creationId xmlns:p14="http://schemas.microsoft.com/office/powerpoint/2010/main" val="3048191906"/>
+      </p:ext>
+    </p:extLst>
+  </p:cSld>
+  <p:clrMapOvr>
+    <a:masterClrMapping/>
+  </p:clrMapOvr>
+</p:notes>
+</file>
+
 <file path=ppt/slideLayouts/slideLayout1.xml><?xml version="1.0" encoding="utf-8"?>
 <p:sldLayout xmlns:a="http://schemas.openxmlformats.org/drawingml/2006/main" xmlns:r="http://schemas.openxmlformats.org/officeDocument/2006/relationships" xmlns:p="http://schemas.openxmlformats.org/presentationml/2006/main" type="title" preserve="1">
   <p:cSld name="Naslovni diapozitiv">
@@ -730,7 +906,7 @@
           <a:p>
             <a:fld id="{1843AC4B-3984-4398-A582-3B1C31F223BE}" type="datetimeFigureOut">
               <a:rPr lang="sl-SI" smtClean="0"/>
-              <a:t>11. 04. 2021</a:t>
+              <a:t>14. 04. 2021</a:t>
             </a:fld>
             <a:endParaRPr lang="sl-SI"/>
           </a:p>
@@ -1005,7 +1181,7 @@
           <a:p>
             <a:fld id="{1843AC4B-3984-4398-A582-3B1C31F223BE}" type="datetimeFigureOut">
               <a:rPr lang="sl-SI" smtClean="0"/>
-              <a:t>11. 04. 2021</a:t>
+              <a:t>14. 04. 2021</a:t>
             </a:fld>
             <a:endParaRPr lang="sl-SI"/>
           </a:p>
@@ -1199,7 +1375,7 @@
           <a:p>
             <a:fld id="{1843AC4B-3984-4398-A582-3B1C31F223BE}" type="datetimeFigureOut">
               <a:rPr lang="sl-SI" smtClean="0"/>
-              <a:t>11. 04. 2021</a:t>
+              <a:t>14. 04. 2021</a:t>
             </a:fld>
             <a:endParaRPr lang="sl-SI"/>
           </a:p>
@@ -1472,7 +1648,7 @@
           <a:p>
             <a:fld id="{1843AC4B-3984-4398-A582-3B1C31F223BE}" type="datetimeFigureOut">
               <a:rPr lang="sl-SI" smtClean="0"/>
-              <a:t>11. 04. 2021</a:t>
+              <a:t>14. 04. 2021</a:t>
             </a:fld>
             <a:endParaRPr lang="sl-SI"/>
           </a:p>
@@ -1813,7 +1989,7 @@
           <a:p>
             <a:fld id="{1843AC4B-3984-4398-A582-3B1C31F223BE}" type="datetimeFigureOut">
               <a:rPr lang="sl-SI" smtClean="0"/>
-              <a:t>11. 04. 2021</a:t>
+              <a:t>14. 04. 2021</a:t>
             </a:fld>
             <a:endParaRPr lang="sl-SI"/>
           </a:p>
@@ -2436,7 +2612,7 @@
           <a:p>
             <a:fld id="{1843AC4B-3984-4398-A582-3B1C31F223BE}" type="datetimeFigureOut">
               <a:rPr lang="sl-SI" smtClean="0"/>
-              <a:t>11. 04. 2021</a:t>
+              <a:t>14. 04. 2021</a:t>
             </a:fld>
             <a:endParaRPr lang="sl-SI"/>
           </a:p>
@@ -3296,7 +3472,7 @@
           <a:p>
             <a:fld id="{1843AC4B-3984-4398-A582-3B1C31F223BE}" type="datetimeFigureOut">
               <a:rPr lang="sl-SI" smtClean="0"/>
-              <a:t>11. 04. 2021</a:t>
+              <a:t>14. 04. 2021</a:t>
             </a:fld>
             <a:endParaRPr lang="sl-SI"/>
           </a:p>
@@ -3466,7 +3642,7 @@
           <a:p>
             <a:fld id="{1843AC4B-3984-4398-A582-3B1C31F223BE}" type="datetimeFigureOut">
               <a:rPr lang="sl-SI" smtClean="0"/>
-              <a:t>11. 04. 2021</a:t>
+              <a:t>14. 04. 2021</a:t>
             </a:fld>
             <a:endParaRPr lang="sl-SI"/>
           </a:p>
@@ -3646,7 +3822,7 @@
           <a:p>
             <a:fld id="{1843AC4B-3984-4398-A582-3B1C31F223BE}" type="datetimeFigureOut">
               <a:rPr lang="sl-SI" smtClean="0"/>
-              <a:t>11. 04. 2021</a:t>
+              <a:t>14. 04. 2021</a:t>
             </a:fld>
             <a:endParaRPr lang="sl-SI"/>
           </a:p>
@@ -3816,7 +3992,7 @@
           <a:p>
             <a:fld id="{1843AC4B-3984-4398-A582-3B1C31F223BE}" type="datetimeFigureOut">
               <a:rPr lang="sl-SI" smtClean="0"/>
-              <a:t>11. 04. 2021</a:t>
+              <a:t>14. 04. 2021</a:t>
             </a:fld>
             <a:endParaRPr lang="sl-SI"/>
           </a:p>
@@ -4063,7 +4239,7 @@
           <a:p>
             <a:fld id="{1843AC4B-3984-4398-A582-3B1C31F223BE}" type="datetimeFigureOut">
               <a:rPr lang="sl-SI" smtClean="0"/>
-              <a:t>11. 04. 2021</a:t>
+              <a:t>14. 04. 2021</a:t>
             </a:fld>
             <a:endParaRPr lang="sl-SI"/>
           </a:p>
@@ -4355,7 +4531,7 @@
           <a:p>
             <a:fld id="{1843AC4B-3984-4398-A582-3B1C31F223BE}" type="datetimeFigureOut">
               <a:rPr lang="sl-SI" smtClean="0"/>
-              <a:t>11. 04. 2021</a:t>
+              <a:t>14. 04. 2021</a:t>
             </a:fld>
             <a:endParaRPr lang="sl-SI"/>
           </a:p>
@@ -4799,7 +4975,7 @@
           <a:p>
             <a:fld id="{1843AC4B-3984-4398-A582-3B1C31F223BE}" type="datetimeFigureOut">
               <a:rPr lang="sl-SI" smtClean="0"/>
-              <a:t>11. 04. 2021</a:t>
+              <a:t>14. 04. 2021</a:t>
             </a:fld>
             <a:endParaRPr lang="sl-SI"/>
           </a:p>
@@ -4917,7 +5093,7 @@
           <a:p>
             <a:fld id="{1843AC4B-3984-4398-A582-3B1C31F223BE}" type="datetimeFigureOut">
               <a:rPr lang="sl-SI" smtClean="0"/>
-              <a:t>11. 04. 2021</a:t>
+              <a:t>14. 04. 2021</a:t>
             </a:fld>
             <a:endParaRPr lang="sl-SI"/>
           </a:p>
@@ -5012,7 +5188,7 @@
           <a:p>
             <a:fld id="{1843AC4B-3984-4398-A582-3B1C31F223BE}" type="datetimeFigureOut">
               <a:rPr lang="sl-SI" smtClean="0"/>
-              <a:t>11. 04. 2021</a:t>
+              <a:t>14. 04. 2021</a:t>
             </a:fld>
             <a:endParaRPr lang="sl-SI"/>
           </a:p>
@@ -5291,7 +5467,7 @@
           <a:p>
             <a:fld id="{1843AC4B-3984-4398-A582-3B1C31F223BE}" type="datetimeFigureOut">
               <a:rPr lang="sl-SI" smtClean="0"/>
-              <a:t>11. 04. 2021</a:t>
+              <a:t>14. 04. 2021</a:t>
             </a:fld>
             <a:endParaRPr lang="sl-SI"/>
           </a:p>
@@ -5566,7 +5742,7 @@
           <a:p>
             <a:fld id="{1843AC4B-3984-4398-A582-3B1C31F223BE}" type="datetimeFigureOut">
               <a:rPr lang="sl-SI" smtClean="0"/>
-              <a:t>11. 04. 2021</a:t>
+              <a:t>14. 04. 2021</a:t>
             </a:fld>
             <a:endParaRPr lang="sl-SI"/>
           </a:p>
@@ -5995,7 +6171,7 @@
           <a:p>
             <a:fld id="{1843AC4B-3984-4398-A582-3B1C31F223BE}" type="datetimeFigureOut">
               <a:rPr lang="sl-SI" smtClean="0"/>
-              <a:t>11. 04. 2021</a:t>
+              <a:t>14. 04. 2021</a:t>
             </a:fld>
             <a:endParaRPr lang="sl-SI"/>
           </a:p>
@@ -6646,8 +6822,8 @@
         </p:nvSpPr>
         <p:spPr>
           <a:xfrm>
-            <a:off x="8602476" y="4890117"/>
-            <a:ext cx="2343911" cy="400110"/>
+            <a:off x="8020586" y="4890117"/>
+            <a:ext cx="2925801" cy="400110"/>
           </a:xfrm>
           <a:prstGeom prst="rect">
             <a:avLst/>
@@ -6662,7 +6838,7 @@
           <a:p>
             <a:r>
               <a:rPr lang="sl-SI" sz="2000" b="1" dirty="0"/>
-              <a:t>Avtor: Dejan Jarc</a:t>
+              <a:t>Avtor: Dejan Jarc, T4C</a:t>
             </a:r>
           </a:p>
         </p:txBody>
@@ -6757,6 +6933,14 @@
 <file path=ppt/slides/slide2.xml><?xml version="1.0" encoding="utf-8"?>
 <p:sld xmlns:a="http://schemas.openxmlformats.org/drawingml/2006/main" xmlns:r="http://schemas.openxmlformats.org/officeDocument/2006/relationships" xmlns:p="http://schemas.openxmlformats.org/presentationml/2006/main">
   <p:cSld>
+    <p:bg>
+      <p:bgPr>
+        <a:solidFill>
+          <a:schemeClr val="bg1"/>
+        </a:solidFill>
+        <a:effectLst/>
+      </p:bgPr>
+    </p:bg>
     <p:spTree>
       <p:nvGrpSpPr>
         <p:cNvPr id="1" name=""/>
@@ -6773,6 +6957,66 @@
       </p:grpSpPr>
       <p:sp>
         <p:nvSpPr>
+          <p:cNvPr id="9" name="Rectangle 8">
+            <a:extLst>
+              <a:ext uri="{FF2B5EF4-FFF2-40B4-BE49-F238E27FC236}">
+                <a16:creationId xmlns:a16="http://schemas.microsoft.com/office/drawing/2014/main" id="{B4AAD3FD-83A5-4B89-9F8F-01B8870865BE}"/>
+              </a:ext>
+              <a:ext uri="{C183D7F6-B498-43B3-948B-1728B52AA6E4}">
+                <adec:decorative xmlns:adec="http://schemas.microsoft.com/office/drawing/2017/decorative" val="1"/>
+              </a:ext>
+            </a:extLst>
+          </p:cNvPr>
+          <p:cNvSpPr>
+            <a:spLocks noGrp="1" noRot="1" noChangeAspect="1" noMove="1" noResize="1" noEditPoints="1" noAdjustHandles="1" noChangeArrowheads="1" noChangeShapeType="1" noTextEdit="1"/>
+          </p:cNvSpPr>
+          <p:nvPr>
+            <p:extLst>
+              <p:ext uri="{386F3935-93C4-4BCD-93E2-E3B085C9AB24}">
+                <p16:designElem xmlns:p16="http://schemas.microsoft.com/office/powerpoint/2015/main" val="1"/>
+              </p:ext>
+            </p:extLst>
+          </p:nvPr>
+        </p:nvSpPr>
+        <p:spPr>
+          <a:xfrm>
+            <a:off x="0" y="0"/>
+            <a:ext cx="12192000" cy="6858000"/>
+          </a:xfrm>
+          <a:prstGeom prst="rect">
+            <a:avLst/>
+          </a:prstGeom>
+          <a:ln>
+            <a:noFill/>
+          </a:ln>
+        </p:spPr>
+        <p:style>
+          <a:lnRef idx="2">
+            <a:schemeClr val="accent1">
+              <a:shade val="50000"/>
+            </a:schemeClr>
+          </a:lnRef>
+          <a:fillRef idx="1003">
+            <a:schemeClr val="dk2"/>
+          </a:fillRef>
+          <a:effectRef idx="0">
+            <a:schemeClr val="accent1"/>
+          </a:effectRef>
+          <a:fontRef idx="minor">
+            <a:schemeClr val="lt1"/>
+          </a:fontRef>
+        </p:style>
+        <p:txBody>
+          <a:bodyPr rtlCol="0" anchor="ctr"/>
+          <a:lstStyle/>
+          <a:p>
+            <a:pPr algn="ctr"/>
+            <a:endParaRPr lang="en-US"/>
+          </a:p>
+        </p:txBody>
+      </p:sp>
+      <p:sp>
+        <p:nvSpPr>
           <p:cNvPr id="2" name="Naslov 1">
             <a:extLst>
               <a:ext uri="{FF2B5EF4-FFF2-40B4-BE49-F238E27FC236}">
@@ -6787,14 +7031,932 @@
             <p:ph type="title"/>
           </p:nvPr>
         </p:nvSpPr>
-        <p:spPr/>
-        <p:txBody>
-          <a:bodyPr/>
+        <p:spPr>
+          <a:xfrm>
+            <a:off x="648931" y="629266"/>
+            <a:ext cx="4166510" cy="1622321"/>
+          </a:xfrm>
+        </p:spPr>
+        <p:txBody>
+          <a:bodyPr>
+            <a:normAutofit/>
+          </a:bodyPr>
           <a:lstStyle/>
           <a:p>
-            <a:endParaRPr lang="sl-SI"/>
-          </a:p>
-        </p:txBody>
+            <a:r>
+              <a:rPr lang="sl-SI">
+                <a:solidFill>
+                  <a:srgbClr val="EBEBEB"/>
+                </a:solidFill>
+              </a:rPr>
+              <a:t>Ideja </a:t>
+            </a:r>
+          </a:p>
+        </p:txBody>
+      </p:sp>
+      <p:sp>
+        <p:nvSpPr>
+          <p:cNvPr id="11" name="Freeform 31">
+            <a:extLst>
+              <a:ext uri="{FF2B5EF4-FFF2-40B4-BE49-F238E27FC236}">
+                <a16:creationId xmlns:a16="http://schemas.microsoft.com/office/drawing/2014/main" id="{61752F1D-FC0F-4103-9584-630E643CCDA6}"/>
+              </a:ext>
+              <a:ext uri="{C183D7F6-B498-43B3-948B-1728B52AA6E4}">
+                <adec:decorative xmlns:adec="http://schemas.microsoft.com/office/drawing/2017/decorative" val="1"/>
+              </a:ext>
+            </a:extLst>
+          </p:cNvPr>
+          <p:cNvSpPr>
+            <a:spLocks noGrp="1" noRot="1" noChangeAspect="1" noMove="1" noResize="1" noEditPoints="1" noAdjustHandles="1" noChangeArrowheads="1" noChangeShapeType="1" noTextEdit="1"/>
+          </p:cNvSpPr>
+          <p:nvPr>
+            <p:extLst>
+              <p:ext uri="{386F3935-93C4-4BCD-93E2-E3B085C9AB24}">
+                <p16:designElem xmlns:p16="http://schemas.microsoft.com/office/powerpoint/2015/main" val="1"/>
+              </p:ext>
+            </p:extLst>
+          </p:nvPr>
+        </p:nvSpPr>
+        <p:spPr>
+          <a:xfrm>
+            <a:off x="4994020" y="-1"/>
+            <a:ext cx="559472" cy="3709642"/>
+          </a:xfrm>
+          <a:custGeom>
+            <a:avLst/>
+            <a:gdLst>
+              <a:gd name="connsiteX0" fmla="*/ 0 w 559472"/>
+              <a:gd name="connsiteY0" fmla="*/ 0 h 3709642"/>
+              <a:gd name="connsiteX1" fmla="*/ 473952 w 559472"/>
+              <a:gd name="connsiteY1" fmla="*/ 0 h 3709642"/>
+              <a:gd name="connsiteX2" fmla="*/ 485840 w 559472"/>
+              <a:gd name="connsiteY2" fmla="*/ 161194 h 3709642"/>
+              <a:gd name="connsiteX3" fmla="*/ 523949 w 559472"/>
+              <a:gd name="connsiteY3" fmla="*/ 3672197 h 3709642"/>
+              <a:gd name="connsiteX4" fmla="*/ 454748 w 559472"/>
+              <a:gd name="connsiteY4" fmla="*/ 3709642 h 3709642"/>
+              <a:gd name="connsiteX5" fmla="*/ 448224 w 559472"/>
+              <a:gd name="connsiteY5" fmla="*/ 3510471 h 3709642"/>
+              <a:gd name="connsiteX6" fmla="*/ 443564 w 559472"/>
+              <a:gd name="connsiteY6" fmla="*/ 3408563 h 3709642"/>
+              <a:gd name="connsiteX7" fmla="*/ 438902 w 559472"/>
+              <a:gd name="connsiteY7" fmla="*/ 3304407 h 3709642"/>
+              <a:gd name="connsiteX8" fmla="*/ 433941 w 559472"/>
+              <a:gd name="connsiteY8" fmla="*/ 3198777 h 3709642"/>
+              <a:gd name="connsiteX9" fmla="*/ 427584 w 559472"/>
+              <a:gd name="connsiteY9" fmla="*/ 3092510 h 3709642"/>
+              <a:gd name="connsiteX10" fmla="*/ 420988 w 559472"/>
+              <a:gd name="connsiteY10" fmla="*/ 2984390 h 3709642"/>
+              <a:gd name="connsiteX11" fmla="*/ 414330 w 559472"/>
+              <a:gd name="connsiteY11" fmla="*/ 2874401 h 3709642"/>
+              <a:gd name="connsiteX12" fmla="*/ 406840 w 559472"/>
+              <a:gd name="connsiteY12" fmla="*/ 2762980 h 3709642"/>
+              <a:gd name="connsiteX13" fmla="*/ 397745 w 559472"/>
+              <a:gd name="connsiteY13" fmla="*/ 2650566 h 3709642"/>
+              <a:gd name="connsiteX14" fmla="*/ 389154 w 559472"/>
+              <a:gd name="connsiteY14" fmla="*/ 2536612 h 3709642"/>
+              <a:gd name="connsiteX15" fmla="*/ 379225 w 559472"/>
+              <a:gd name="connsiteY15" fmla="*/ 2421642 h 3709642"/>
+              <a:gd name="connsiteX16" fmla="*/ 368316 w 559472"/>
+              <a:gd name="connsiteY16" fmla="*/ 2305627 h 3709642"/>
+              <a:gd name="connsiteX17" fmla="*/ 357466 w 559472"/>
+              <a:gd name="connsiteY17" fmla="*/ 2189233 h 3709642"/>
+              <a:gd name="connsiteX18" fmla="*/ 344982 w 559472"/>
+              <a:gd name="connsiteY18" fmla="*/ 2071473 h 3709642"/>
+              <a:gd name="connsiteX19" fmla="*/ 332466 w 559472"/>
+              <a:gd name="connsiteY19" fmla="*/ 1952216 h 3709642"/>
+              <a:gd name="connsiteX20" fmla="*/ 319121 w 559472"/>
+              <a:gd name="connsiteY20" fmla="*/ 1833776 h 3709642"/>
+              <a:gd name="connsiteX21" fmla="*/ 304408 w 559472"/>
+              <a:gd name="connsiteY21" fmla="*/ 1713948 h 3709642"/>
+              <a:gd name="connsiteX22" fmla="*/ 288685 w 559472"/>
+              <a:gd name="connsiteY22" fmla="*/ 1592703 h 3709642"/>
+              <a:gd name="connsiteX23" fmla="*/ 273050 w 559472"/>
+              <a:gd name="connsiteY23" fmla="*/ 1471451 h 3709642"/>
+              <a:gd name="connsiteX24" fmla="*/ 255813 w 559472"/>
+              <a:gd name="connsiteY24" fmla="*/ 1350328 h 3709642"/>
+              <a:gd name="connsiteX25" fmla="*/ 237060 w 559472"/>
+              <a:gd name="connsiteY25" fmla="*/ 1227080 h 3709642"/>
+              <a:gd name="connsiteX26" fmla="*/ 218488 w 559472"/>
+              <a:gd name="connsiteY26" fmla="*/ 1106065 h 3709642"/>
+              <a:gd name="connsiteX27" fmla="*/ 198221 w 559472"/>
+              <a:gd name="connsiteY27" fmla="*/ 982940 h 3709642"/>
+              <a:gd name="connsiteX28" fmla="*/ 177152 w 559472"/>
+              <a:gd name="connsiteY28" fmla="*/ 858755 h 3709642"/>
+              <a:gd name="connsiteX29" fmla="*/ 155551 w 559472"/>
+              <a:gd name="connsiteY29" fmla="*/ 736861 h 3709642"/>
+              <a:gd name="connsiteX30" fmla="*/ 131782 w 559472"/>
+              <a:gd name="connsiteY30" fmla="*/ 613645 h 3709642"/>
+              <a:gd name="connsiteX31" fmla="*/ 107123 w 559472"/>
+              <a:gd name="connsiteY31" fmla="*/ 490500 h 3709642"/>
+              <a:gd name="connsiteX32" fmla="*/ 82552 w 559472"/>
+              <a:gd name="connsiteY32" fmla="*/ 367348 h 3709642"/>
+              <a:gd name="connsiteX33" fmla="*/ 55608 w 559472"/>
+              <a:gd name="connsiteY33" fmla="*/ 244762 h 3709642"/>
+              <a:gd name="connsiteX34" fmla="*/ 28130 w 559472"/>
+              <a:gd name="connsiteY34" fmla="*/ 122220 h 3709642"/>
+              <a:gd name="connsiteX35" fmla="*/ 0 w 559472"/>
+              <a:gd name="connsiteY35" fmla="*/ 0 h 3709642"/>
+            </a:gdLst>
+            <a:ahLst/>
+            <a:cxnLst>
+              <a:cxn ang="0">
+                <a:pos x="connsiteX0" y="connsiteY0"/>
+              </a:cxn>
+              <a:cxn ang="0">
+                <a:pos x="connsiteX1" y="connsiteY1"/>
+              </a:cxn>
+              <a:cxn ang="0">
+                <a:pos x="connsiteX2" y="connsiteY2"/>
+              </a:cxn>
+              <a:cxn ang="0">
+                <a:pos x="connsiteX3" y="connsiteY3"/>
+              </a:cxn>
+              <a:cxn ang="0">
+                <a:pos x="connsiteX4" y="connsiteY4"/>
+              </a:cxn>
+              <a:cxn ang="0">
+                <a:pos x="connsiteX5" y="connsiteY5"/>
+              </a:cxn>
+              <a:cxn ang="0">
+                <a:pos x="connsiteX6" y="connsiteY6"/>
+              </a:cxn>
+              <a:cxn ang="0">
+                <a:pos x="connsiteX7" y="connsiteY7"/>
+              </a:cxn>
+              <a:cxn ang="0">
+                <a:pos x="connsiteX8" y="connsiteY8"/>
+              </a:cxn>
+              <a:cxn ang="0">
+                <a:pos x="connsiteX9" y="connsiteY9"/>
+              </a:cxn>
+              <a:cxn ang="0">
+                <a:pos x="connsiteX10" y="connsiteY10"/>
+              </a:cxn>
+              <a:cxn ang="0">
+                <a:pos x="connsiteX11" y="connsiteY11"/>
+              </a:cxn>
+              <a:cxn ang="0">
+                <a:pos x="connsiteX12" y="connsiteY12"/>
+              </a:cxn>
+              <a:cxn ang="0">
+                <a:pos x="connsiteX13" y="connsiteY13"/>
+              </a:cxn>
+              <a:cxn ang="0">
+                <a:pos x="connsiteX14" y="connsiteY14"/>
+              </a:cxn>
+              <a:cxn ang="0">
+                <a:pos x="connsiteX15" y="connsiteY15"/>
+              </a:cxn>
+              <a:cxn ang="0">
+                <a:pos x="connsiteX16" y="connsiteY16"/>
+              </a:cxn>
+              <a:cxn ang="0">
+                <a:pos x="connsiteX17" y="connsiteY17"/>
+              </a:cxn>
+              <a:cxn ang="0">
+                <a:pos x="connsiteX18" y="connsiteY18"/>
+              </a:cxn>
+              <a:cxn ang="0">
+                <a:pos x="connsiteX19" y="connsiteY19"/>
+              </a:cxn>
+              <a:cxn ang="0">
+                <a:pos x="connsiteX20" y="connsiteY20"/>
+              </a:cxn>
+              <a:cxn ang="0">
+                <a:pos x="connsiteX21" y="connsiteY21"/>
+              </a:cxn>
+              <a:cxn ang="0">
+                <a:pos x="connsiteX22" y="connsiteY22"/>
+              </a:cxn>
+              <a:cxn ang="0">
+                <a:pos x="connsiteX23" y="connsiteY23"/>
+              </a:cxn>
+              <a:cxn ang="0">
+                <a:pos x="connsiteX24" y="connsiteY24"/>
+              </a:cxn>
+              <a:cxn ang="0">
+                <a:pos x="connsiteX25" y="connsiteY25"/>
+              </a:cxn>
+              <a:cxn ang="0">
+                <a:pos x="connsiteX26" y="connsiteY26"/>
+              </a:cxn>
+              <a:cxn ang="0">
+                <a:pos x="connsiteX27" y="connsiteY27"/>
+              </a:cxn>
+              <a:cxn ang="0">
+                <a:pos x="connsiteX28" y="connsiteY28"/>
+              </a:cxn>
+              <a:cxn ang="0">
+                <a:pos x="connsiteX29" y="connsiteY29"/>
+              </a:cxn>
+              <a:cxn ang="0">
+                <a:pos x="connsiteX30" y="connsiteY30"/>
+              </a:cxn>
+              <a:cxn ang="0">
+                <a:pos x="connsiteX31" y="connsiteY31"/>
+              </a:cxn>
+              <a:cxn ang="0">
+                <a:pos x="connsiteX32" y="connsiteY32"/>
+              </a:cxn>
+              <a:cxn ang="0">
+                <a:pos x="connsiteX33" y="connsiteY33"/>
+              </a:cxn>
+              <a:cxn ang="0">
+                <a:pos x="connsiteX34" y="connsiteY34"/>
+              </a:cxn>
+              <a:cxn ang="0">
+                <a:pos x="connsiteX35" y="connsiteY35"/>
+              </a:cxn>
+            </a:cxnLst>
+            <a:rect l="l" t="t" r="r" b="b"/>
+            <a:pathLst>
+              <a:path w="559472" h="3709642">
+                <a:moveTo>
+                  <a:pt x="0" y="0"/>
+                </a:moveTo>
+                <a:lnTo>
+                  <a:pt x="473952" y="0"/>
+                </a:lnTo>
+                <a:lnTo>
+                  <a:pt x="485840" y="161194"/>
+                </a:lnTo>
+                <a:cubicBezTo>
+                  <a:pt x="552063" y="1147770"/>
+                  <a:pt x="592441" y="3086737"/>
+                  <a:pt x="523949" y="3672197"/>
+                </a:cubicBezTo>
+                <a:cubicBezTo>
+                  <a:pt x="500842" y="3684557"/>
+                  <a:pt x="477855" y="3697282"/>
+                  <a:pt x="454748" y="3709642"/>
+                </a:cubicBezTo>
+                <a:lnTo>
+                  <a:pt x="448224" y="3510471"/>
+                </a:lnTo>
+                <a:lnTo>
+                  <a:pt x="443564" y="3408563"/>
+                </a:lnTo>
+                <a:lnTo>
+                  <a:pt x="438902" y="3304407"/>
+                </a:lnTo>
+                <a:lnTo>
+                  <a:pt x="433941" y="3198777"/>
+                </a:lnTo>
+                <a:lnTo>
+                  <a:pt x="427584" y="3092510"/>
+                </a:lnTo>
+                <a:lnTo>
+                  <a:pt x="420988" y="2984390"/>
+                </a:lnTo>
+                <a:lnTo>
+                  <a:pt x="414330" y="2874401"/>
+                </a:lnTo>
+                <a:lnTo>
+                  <a:pt x="406840" y="2762980"/>
+                </a:lnTo>
+                <a:lnTo>
+                  <a:pt x="397745" y="2650566"/>
+                </a:lnTo>
+                <a:lnTo>
+                  <a:pt x="389154" y="2536612"/>
+                </a:lnTo>
+                <a:lnTo>
+                  <a:pt x="379225" y="2421642"/>
+                </a:lnTo>
+                <a:lnTo>
+                  <a:pt x="368316" y="2305627"/>
+                </a:lnTo>
+                <a:lnTo>
+                  <a:pt x="357466" y="2189233"/>
+                </a:lnTo>
+                <a:lnTo>
+                  <a:pt x="344982" y="2071473"/>
+                </a:lnTo>
+                <a:lnTo>
+                  <a:pt x="332466" y="1952216"/>
+                </a:lnTo>
+                <a:lnTo>
+                  <a:pt x="319121" y="1833776"/>
+                </a:lnTo>
+                <a:lnTo>
+                  <a:pt x="304408" y="1713948"/>
+                </a:lnTo>
+                <a:lnTo>
+                  <a:pt x="288685" y="1592703"/>
+                </a:lnTo>
+                <a:lnTo>
+                  <a:pt x="273050" y="1471451"/>
+                </a:lnTo>
+                <a:lnTo>
+                  <a:pt x="255813" y="1350328"/>
+                </a:lnTo>
+                <a:lnTo>
+                  <a:pt x="237060" y="1227080"/>
+                </a:lnTo>
+                <a:lnTo>
+                  <a:pt x="218488" y="1106065"/>
+                </a:lnTo>
+                <a:lnTo>
+                  <a:pt x="198221" y="982940"/>
+                </a:lnTo>
+                <a:lnTo>
+                  <a:pt x="177152" y="858755"/>
+                </a:lnTo>
+                <a:lnTo>
+                  <a:pt x="155551" y="736861"/>
+                </a:lnTo>
+                <a:lnTo>
+                  <a:pt x="131782" y="613645"/>
+                </a:lnTo>
+                <a:lnTo>
+                  <a:pt x="107123" y="490500"/>
+                </a:lnTo>
+                <a:lnTo>
+                  <a:pt x="82552" y="367348"/>
+                </a:lnTo>
+                <a:lnTo>
+                  <a:pt x="55608" y="244762"/>
+                </a:lnTo>
+                <a:lnTo>
+                  <a:pt x="28130" y="122220"/>
+                </a:lnTo>
+                <a:lnTo>
+                  <a:pt x="0" y="0"/>
+                </a:lnTo>
+                <a:close/>
+              </a:path>
+            </a:pathLst>
+          </a:custGeom>
+          <a:solidFill>
+            <a:schemeClr val="bg1">
+              <a:alpha val="20000"/>
+            </a:schemeClr>
+          </a:solidFill>
+          <a:ln>
+            <a:noFill/>
+          </a:ln>
+        </p:spPr>
+        <p:txBody>
+          <a:bodyPr rtlCol="0" anchor="ctr"/>
+          <a:lstStyle/>
+          <a:p>
+            <a:pPr algn="ctr"/>
+            <a:endParaRPr lang="en-US"/>
+          </a:p>
+        </p:txBody>
+      </p:sp>
+      <p:sp useBgFill="1">
+        <p:nvSpPr>
+          <p:cNvPr id="13" name="Freeform: Shape 12">
+            <a:extLst>
+              <a:ext uri="{FF2B5EF4-FFF2-40B4-BE49-F238E27FC236}">
+                <a16:creationId xmlns:a16="http://schemas.microsoft.com/office/drawing/2014/main" id="{70151CB7-E7DE-4917-B831-01DF9CE01306}"/>
+              </a:ext>
+              <a:ext uri="{C183D7F6-B498-43B3-948B-1728B52AA6E4}">
+                <adec:decorative xmlns:adec="http://schemas.microsoft.com/office/drawing/2017/decorative" val="1"/>
+              </a:ext>
+            </a:extLst>
+          </p:cNvPr>
+          <p:cNvSpPr>
+            <a:spLocks noGrp="1" noRot="1" noChangeAspect="1" noMove="1" noResize="1" noEditPoints="1" noAdjustHandles="1" noChangeArrowheads="1" noChangeShapeType="1" noTextEdit="1"/>
+          </p:cNvSpPr>
+          <p:nvPr>
+            <p:extLst>
+              <p:ext uri="{386F3935-93C4-4BCD-93E2-E3B085C9AB24}">
+                <p16:designElem xmlns:p16="http://schemas.microsoft.com/office/powerpoint/2015/main" val="1"/>
+              </p:ext>
+            </p:extLst>
+          </p:nvPr>
+        </p:nvSpPr>
+        <p:spPr bwMode="gray">
+          <a:xfrm rot="16200000">
+            <a:off x="5270819" y="-63600"/>
+            <a:ext cx="6858001" cy="6985200"/>
+          </a:xfrm>
+          <a:custGeom>
+            <a:avLst/>
+            <a:gdLst>
+              <a:gd name="connsiteX0" fmla="*/ 6858001 w 6858001"/>
+              <a:gd name="connsiteY0" fmla="*/ 1177 h 6985200"/>
+              <a:gd name="connsiteX1" fmla="*/ 6858001 w 6858001"/>
+              <a:gd name="connsiteY1" fmla="*/ 1344715 h 6985200"/>
+              <a:gd name="connsiteX2" fmla="*/ 6858000 w 6858001"/>
+              <a:gd name="connsiteY2" fmla="*/ 1344715 h 6985200"/>
+              <a:gd name="connsiteX3" fmla="*/ 6858000 w 6858001"/>
+              <a:gd name="connsiteY3" fmla="*/ 6985200 h 6985200"/>
+              <a:gd name="connsiteX4" fmla="*/ 0 w 6858001"/>
+              <a:gd name="connsiteY4" fmla="*/ 6985199 h 6985200"/>
+              <a:gd name="connsiteX5" fmla="*/ 0 w 6858001"/>
+              <a:gd name="connsiteY5" fmla="*/ 886772 h 6985200"/>
+              <a:gd name="connsiteX6" fmla="*/ 1 w 6858001"/>
+              <a:gd name="connsiteY6" fmla="*/ 886772 h 6985200"/>
+              <a:gd name="connsiteX7" fmla="*/ 1 w 6858001"/>
+              <a:gd name="connsiteY7" fmla="*/ 0 h 6985200"/>
+              <a:gd name="connsiteX8" fmla="*/ 40463 w 6858001"/>
+              <a:gd name="connsiteY8" fmla="*/ 5883 h 6985200"/>
+              <a:gd name="connsiteX9" fmla="*/ 159107 w 6858001"/>
+              <a:gd name="connsiteY9" fmla="*/ 23196 h 6985200"/>
+              <a:gd name="connsiteX10" fmla="*/ 245518 w 6858001"/>
+              <a:gd name="connsiteY10" fmla="*/ 35299 h 6985200"/>
+              <a:gd name="connsiteX11" fmla="*/ 348388 w 6858001"/>
+              <a:gd name="connsiteY11" fmla="*/ 48073 h 6985200"/>
+              <a:gd name="connsiteX12" fmla="*/ 470460 w 6858001"/>
+              <a:gd name="connsiteY12" fmla="*/ 63369 h 6985200"/>
+              <a:gd name="connsiteX13" fmla="*/ 605563 w 6858001"/>
+              <a:gd name="connsiteY13" fmla="*/ 79506 h 6985200"/>
+              <a:gd name="connsiteX14" fmla="*/ 757810 w 6858001"/>
+              <a:gd name="connsiteY14" fmla="*/ 96483 h 6985200"/>
+              <a:gd name="connsiteX15" fmla="*/ 923774 w 6858001"/>
+              <a:gd name="connsiteY15" fmla="*/ 114469 h 6985200"/>
+              <a:gd name="connsiteX16" fmla="*/ 1104139 w 6858001"/>
+              <a:gd name="connsiteY16" fmla="*/ 132454 h 6985200"/>
+              <a:gd name="connsiteX17" fmla="*/ 1296163 w 6858001"/>
+              <a:gd name="connsiteY17" fmla="*/ 150776 h 6985200"/>
+              <a:gd name="connsiteX18" fmla="*/ 1503275 w 6858001"/>
+              <a:gd name="connsiteY18" fmla="*/ 167753 h 6985200"/>
+              <a:gd name="connsiteX19" fmla="*/ 1719988 w 6858001"/>
+              <a:gd name="connsiteY19" fmla="*/ 184058 h 6985200"/>
+              <a:gd name="connsiteX20" fmla="*/ 1949045 w 6858001"/>
+              <a:gd name="connsiteY20" fmla="*/ 198849 h 6985200"/>
+              <a:gd name="connsiteX21" fmla="*/ 2187703 w 6858001"/>
+              <a:gd name="connsiteY21" fmla="*/ 212969 h 6985200"/>
+              <a:gd name="connsiteX22" fmla="*/ 2436649 w 6858001"/>
+              <a:gd name="connsiteY22" fmla="*/ 226248 h 6985200"/>
+              <a:gd name="connsiteX23" fmla="*/ 2564208 w 6858001"/>
+              <a:gd name="connsiteY23" fmla="*/ 230955 h 6985200"/>
+              <a:gd name="connsiteX24" fmla="*/ 2694509 w 6858001"/>
+              <a:gd name="connsiteY24" fmla="*/ 236165 h 6985200"/>
+              <a:gd name="connsiteX25" fmla="*/ 2826869 w 6858001"/>
+              <a:gd name="connsiteY25" fmla="*/ 241040 h 6985200"/>
+              <a:gd name="connsiteX26" fmla="*/ 2959914 w 6858001"/>
+              <a:gd name="connsiteY26" fmla="*/ 244234 h 6985200"/>
+              <a:gd name="connsiteX27" fmla="*/ 3095702 w 6858001"/>
+              <a:gd name="connsiteY27" fmla="*/ 247091 h 6985200"/>
+              <a:gd name="connsiteX28" fmla="*/ 3232862 w 6858001"/>
+              <a:gd name="connsiteY28" fmla="*/ 250117 h 6985200"/>
+              <a:gd name="connsiteX29" fmla="*/ 3372766 w 6858001"/>
+              <a:gd name="connsiteY29" fmla="*/ 252134 h 6985200"/>
+              <a:gd name="connsiteX30" fmla="*/ 3514040 w 6858001"/>
+              <a:gd name="connsiteY30" fmla="*/ 252134 h 6985200"/>
+              <a:gd name="connsiteX31" fmla="*/ 3656686 w 6858001"/>
+              <a:gd name="connsiteY31" fmla="*/ 253142 h 6985200"/>
+              <a:gd name="connsiteX32" fmla="*/ 3800705 w 6858001"/>
+              <a:gd name="connsiteY32" fmla="*/ 252134 h 6985200"/>
+              <a:gd name="connsiteX33" fmla="*/ 3946780 w 6858001"/>
+              <a:gd name="connsiteY33" fmla="*/ 250117 h 6985200"/>
+              <a:gd name="connsiteX34" fmla="*/ 4092856 w 6858001"/>
+              <a:gd name="connsiteY34" fmla="*/ 248268 h 6985200"/>
+              <a:gd name="connsiteX35" fmla="*/ 4240988 w 6858001"/>
+              <a:gd name="connsiteY35" fmla="*/ 244234 h 6985200"/>
+              <a:gd name="connsiteX36" fmla="*/ 4390492 w 6858001"/>
+              <a:gd name="connsiteY36" fmla="*/ 240032 h 6985200"/>
+              <a:gd name="connsiteX37" fmla="*/ 4539997 w 6858001"/>
+              <a:gd name="connsiteY37" fmla="*/ 235157 h 6985200"/>
+              <a:gd name="connsiteX38" fmla="*/ 4690873 w 6858001"/>
+              <a:gd name="connsiteY38" fmla="*/ 228266 h 6985200"/>
+              <a:gd name="connsiteX39" fmla="*/ 4843120 w 6858001"/>
+              <a:gd name="connsiteY39" fmla="*/ 220029 h 6985200"/>
+              <a:gd name="connsiteX40" fmla="*/ 4996054 w 6858001"/>
+              <a:gd name="connsiteY40" fmla="*/ 212129 h 6985200"/>
+              <a:gd name="connsiteX41" fmla="*/ 5148987 w 6858001"/>
+              <a:gd name="connsiteY41" fmla="*/ 202044 h 6985200"/>
+              <a:gd name="connsiteX42" fmla="*/ 5303978 w 6858001"/>
+              <a:gd name="connsiteY42" fmla="*/ 189941 h 6985200"/>
+              <a:gd name="connsiteX43" fmla="*/ 5456911 w 6858001"/>
+              <a:gd name="connsiteY43" fmla="*/ 177839 h 6985200"/>
+              <a:gd name="connsiteX44" fmla="*/ 5612588 w 6858001"/>
+              <a:gd name="connsiteY44" fmla="*/ 163887 h 6985200"/>
+              <a:gd name="connsiteX45" fmla="*/ 5768950 w 6858001"/>
+              <a:gd name="connsiteY45" fmla="*/ 148591 h 6985200"/>
+              <a:gd name="connsiteX46" fmla="*/ 5923255 w 6858001"/>
+              <a:gd name="connsiteY46" fmla="*/ 132455 h 6985200"/>
+              <a:gd name="connsiteX47" fmla="*/ 6079618 w 6858001"/>
+              <a:gd name="connsiteY47" fmla="*/ 113629 h 6985200"/>
+              <a:gd name="connsiteX48" fmla="*/ 6235294 w 6858001"/>
+              <a:gd name="connsiteY48" fmla="*/ 93458 h 6985200"/>
+              <a:gd name="connsiteX49" fmla="*/ 6391657 w 6858001"/>
+              <a:gd name="connsiteY49" fmla="*/ 73455 h 6985200"/>
+              <a:gd name="connsiteX50" fmla="*/ 6547333 w 6858001"/>
+              <a:gd name="connsiteY50" fmla="*/ 50091 h 6985200"/>
+              <a:gd name="connsiteX51" fmla="*/ 6702324 w 6858001"/>
+              <a:gd name="connsiteY51" fmla="*/ 26222 h 6985200"/>
+            </a:gdLst>
+            <a:ahLst/>
+            <a:cxnLst>
+              <a:cxn ang="0">
+                <a:pos x="connsiteX0" y="connsiteY0"/>
+              </a:cxn>
+              <a:cxn ang="0">
+                <a:pos x="connsiteX1" y="connsiteY1"/>
+              </a:cxn>
+              <a:cxn ang="0">
+                <a:pos x="connsiteX2" y="connsiteY2"/>
+              </a:cxn>
+              <a:cxn ang="0">
+                <a:pos x="connsiteX3" y="connsiteY3"/>
+              </a:cxn>
+              <a:cxn ang="0">
+                <a:pos x="connsiteX4" y="connsiteY4"/>
+              </a:cxn>
+              <a:cxn ang="0">
+                <a:pos x="connsiteX5" y="connsiteY5"/>
+              </a:cxn>
+              <a:cxn ang="0">
+                <a:pos x="connsiteX6" y="connsiteY6"/>
+              </a:cxn>
+              <a:cxn ang="0">
+                <a:pos x="connsiteX7" y="connsiteY7"/>
+              </a:cxn>
+              <a:cxn ang="0">
+                <a:pos x="connsiteX8" y="connsiteY8"/>
+              </a:cxn>
+              <a:cxn ang="0">
+                <a:pos x="connsiteX9" y="connsiteY9"/>
+              </a:cxn>
+              <a:cxn ang="0">
+                <a:pos x="connsiteX10" y="connsiteY10"/>
+              </a:cxn>
+              <a:cxn ang="0">
+                <a:pos x="connsiteX11" y="connsiteY11"/>
+              </a:cxn>
+              <a:cxn ang="0">
+                <a:pos x="connsiteX12" y="connsiteY12"/>
+              </a:cxn>
+              <a:cxn ang="0">
+                <a:pos x="connsiteX13" y="connsiteY13"/>
+              </a:cxn>
+              <a:cxn ang="0">
+                <a:pos x="connsiteX14" y="connsiteY14"/>
+              </a:cxn>
+              <a:cxn ang="0">
+                <a:pos x="connsiteX15" y="connsiteY15"/>
+              </a:cxn>
+              <a:cxn ang="0">
+                <a:pos x="connsiteX16" y="connsiteY16"/>
+              </a:cxn>
+              <a:cxn ang="0">
+                <a:pos x="connsiteX17" y="connsiteY17"/>
+              </a:cxn>
+              <a:cxn ang="0">
+                <a:pos x="connsiteX18" y="connsiteY18"/>
+              </a:cxn>
+              <a:cxn ang="0">
+                <a:pos x="connsiteX19" y="connsiteY19"/>
+              </a:cxn>
+              <a:cxn ang="0">
+                <a:pos x="connsiteX20" y="connsiteY20"/>
+              </a:cxn>
+              <a:cxn ang="0">
+                <a:pos x="connsiteX21" y="connsiteY21"/>
+              </a:cxn>
+              <a:cxn ang="0">
+                <a:pos x="connsiteX22" y="connsiteY22"/>
+              </a:cxn>
+              <a:cxn ang="0">
+                <a:pos x="connsiteX23" y="connsiteY23"/>
+              </a:cxn>
+              <a:cxn ang="0">
+                <a:pos x="connsiteX24" y="connsiteY24"/>
+              </a:cxn>
+              <a:cxn ang="0">
+                <a:pos x="connsiteX25" y="connsiteY25"/>
+              </a:cxn>
+              <a:cxn ang="0">
+                <a:pos x="connsiteX26" y="connsiteY26"/>
+              </a:cxn>
+              <a:cxn ang="0">
+                <a:pos x="connsiteX27" y="connsiteY27"/>
+              </a:cxn>
+              <a:cxn ang="0">
+                <a:pos x="connsiteX28" y="connsiteY28"/>
+              </a:cxn>
+              <a:cxn ang="0">
+                <a:pos x="connsiteX29" y="connsiteY29"/>
+              </a:cxn>
+              <a:cxn ang="0">
+                <a:pos x="connsiteX30" y="connsiteY30"/>
+              </a:cxn>
+              <a:cxn ang="0">
+                <a:pos x="connsiteX31" y="connsiteY31"/>
+              </a:cxn>
+              <a:cxn ang="0">
+                <a:pos x="connsiteX32" y="connsiteY32"/>
+              </a:cxn>
+              <a:cxn ang="0">
+                <a:pos x="connsiteX33" y="connsiteY33"/>
+              </a:cxn>
+              <a:cxn ang="0">
+                <a:pos x="connsiteX34" y="connsiteY34"/>
+              </a:cxn>
+              <a:cxn ang="0">
+                <a:pos x="connsiteX35" y="connsiteY35"/>
+              </a:cxn>
+              <a:cxn ang="0">
+                <a:pos x="connsiteX36" y="connsiteY36"/>
+              </a:cxn>
+              <a:cxn ang="0">
+                <a:pos x="connsiteX37" y="connsiteY37"/>
+              </a:cxn>
+              <a:cxn ang="0">
+                <a:pos x="connsiteX38" y="connsiteY38"/>
+              </a:cxn>
+              <a:cxn ang="0">
+                <a:pos x="connsiteX39" y="connsiteY39"/>
+              </a:cxn>
+              <a:cxn ang="0">
+                <a:pos x="connsiteX40" y="connsiteY40"/>
+              </a:cxn>
+              <a:cxn ang="0">
+                <a:pos x="connsiteX41" y="connsiteY41"/>
+              </a:cxn>
+              <a:cxn ang="0">
+                <a:pos x="connsiteX42" y="connsiteY42"/>
+              </a:cxn>
+              <a:cxn ang="0">
+                <a:pos x="connsiteX43" y="connsiteY43"/>
+              </a:cxn>
+              <a:cxn ang="0">
+                <a:pos x="connsiteX44" y="connsiteY44"/>
+              </a:cxn>
+              <a:cxn ang="0">
+                <a:pos x="connsiteX45" y="connsiteY45"/>
+              </a:cxn>
+              <a:cxn ang="0">
+                <a:pos x="connsiteX46" y="connsiteY46"/>
+              </a:cxn>
+              <a:cxn ang="0">
+                <a:pos x="connsiteX47" y="connsiteY47"/>
+              </a:cxn>
+              <a:cxn ang="0">
+                <a:pos x="connsiteX48" y="connsiteY48"/>
+              </a:cxn>
+              <a:cxn ang="0">
+                <a:pos x="connsiteX49" y="connsiteY49"/>
+              </a:cxn>
+              <a:cxn ang="0">
+                <a:pos x="connsiteX50" y="connsiteY50"/>
+              </a:cxn>
+              <a:cxn ang="0">
+                <a:pos x="connsiteX51" y="connsiteY51"/>
+              </a:cxn>
+            </a:cxnLst>
+            <a:rect l="l" t="t" r="r" b="b"/>
+            <a:pathLst>
+              <a:path w="6858001" h="6985200">
+                <a:moveTo>
+                  <a:pt x="6858001" y="1177"/>
+                </a:moveTo>
+                <a:lnTo>
+                  <a:pt x="6858001" y="1344715"/>
+                </a:lnTo>
+                <a:lnTo>
+                  <a:pt x="6858000" y="1344715"/>
+                </a:lnTo>
+                <a:lnTo>
+                  <a:pt x="6858000" y="6985200"/>
+                </a:lnTo>
+                <a:lnTo>
+                  <a:pt x="0" y="6985199"/>
+                </a:lnTo>
+                <a:lnTo>
+                  <a:pt x="0" y="886772"/>
+                </a:lnTo>
+                <a:lnTo>
+                  <a:pt x="1" y="886772"/>
+                </a:lnTo>
+                <a:lnTo>
+                  <a:pt x="1" y="0"/>
+                </a:lnTo>
+                <a:lnTo>
+                  <a:pt x="40463" y="5883"/>
+                </a:lnTo>
+                <a:lnTo>
+                  <a:pt x="159107" y="23196"/>
+                </a:lnTo>
+                <a:lnTo>
+                  <a:pt x="245518" y="35299"/>
+                </a:lnTo>
+                <a:lnTo>
+                  <a:pt x="348388" y="48073"/>
+                </a:lnTo>
+                <a:lnTo>
+                  <a:pt x="470460" y="63369"/>
+                </a:lnTo>
+                <a:lnTo>
+                  <a:pt x="605563" y="79506"/>
+                </a:lnTo>
+                <a:lnTo>
+                  <a:pt x="757810" y="96483"/>
+                </a:lnTo>
+                <a:lnTo>
+                  <a:pt x="923774" y="114469"/>
+                </a:lnTo>
+                <a:lnTo>
+                  <a:pt x="1104139" y="132454"/>
+                </a:lnTo>
+                <a:lnTo>
+                  <a:pt x="1296163" y="150776"/>
+                </a:lnTo>
+                <a:lnTo>
+                  <a:pt x="1503275" y="167753"/>
+                </a:lnTo>
+                <a:lnTo>
+                  <a:pt x="1719988" y="184058"/>
+                </a:lnTo>
+                <a:lnTo>
+                  <a:pt x="1949045" y="198849"/>
+                </a:lnTo>
+                <a:lnTo>
+                  <a:pt x="2187703" y="212969"/>
+                </a:lnTo>
+                <a:lnTo>
+                  <a:pt x="2436649" y="226248"/>
+                </a:lnTo>
+                <a:lnTo>
+                  <a:pt x="2564208" y="230955"/>
+                </a:lnTo>
+                <a:lnTo>
+                  <a:pt x="2694509" y="236165"/>
+                </a:lnTo>
+                <a:lnTo>
+                  <a:pt x="2826869" y="241040"/>
+                </a:lnTo>
+                <a:lnTo>
+                  <a:pt x="2959914" y="244234"/>
+                </a:lnTo>
+                <a:lnTo>
+                  <a:pt x="3095702" y="247091"/>
+                </a:lnTo>
+                <a:lnTo>
+                  <a:pt x="3232862" y="250117"/>
+                </a:lnTo>
+                <a:lnTo>
+                  <a:pt x="3372766" y="252134"/>
+                </a:lnTo>
+                <a:lnTo>
+                  <a:pt x="3514040" y="252134"/>
+                </a:lnTo>
+                <a:lnTo>
+                  <a:pt x="3656686" y="253142"/>
+                </a:lnTo>
+                <a:lnTo>
+                  <a:pt x="3800705" y="252134"/>
+                </a:lnTo>
+                <a:lnTo>
+                  <a:pt x="3946780" y="250117"/>
+                </a:lnTo>
+                <a:lnTo>
+                  <a:pt x="4092856" y="248268"/>
+                </a:lnTo>
+                <a:lnTo>
+                  <a:pt x="4240988" y="244234"/>
+                </a:lnTo>
+                <a:lnTo>
+                  <a:pt x="4390492" y="240032"/>
+                </a:lnTo>
+                <a:lnTo>
+                  <a:pt x="4539997" y="235157"/>
+                </a:lnTo>
+                <a:lnTo>
+                  <a:pt x="4690873" y="228266"/>
+                </a:lnTo>
+                <a:lnTo>
+                  <a:pt x="4843120" y="220029"/>
+                </a:lnTo>
+                <a:lnTo>
+                  <a:pt x="4996054" y="212129"/>
+                </a:lnTo>
+                <a:lnTo>
+                  <a:pt x="5148987" y="202044"/>
+                </a:lnTo>
+                <a:lnTo>
+                  <a:pt x="5303978" y="189941"/>
+                </a:lnTo>
+                <a:lnTo>
+                  <a:pt x="5456911" y="177839"/>
+                </a:lnTo>
+                <a:lnTo>
+                  <a:pt x="5612588" y="163887"/>
+                </a:lnTo>
+                <a:lnTo>
+                  <a:pt x="5768950" y="148591"/>
+                </a:lnTo>
+                <a:lnTo>
+                  <a:pt x="5923255" y="132455"/>
+                </a:lnTo>
+                <a:lnTo>
+                  <a:pt x="6079618" y="113629"/>
+                </a:lnTo>
+                <a:lnTo>
+                  <a:pt x="6235294" y="93458"/>
+                </a:lnTo>
+                <a:lnTo>
+                  <a:pt x="6391657" y="73455"/>
+                </a:lnTo>
+                <a:lnTo>
+                  <a:pt x="6547333" y="50091"/>
+                </a:lnTo>
+                <a:lnTo>
+                  <a:pt x="6702324" y="26222"/>
+                </a:lnTo>
+                <a:close/>
+              </a:path>
+            </a:pathLst>
+          </a:custGeom>
+          <a:ln>
+            <a:noFill/>
+          </a:ln>
+        </p:spPr>
+      </p:sp>
+      <p:pic>
+        <p:nvPicPr>
+          <p:cNvPr id="4" name="Slika 3">
+            <a:extLst>
+              <a:ext uri="{FF2B5EF4-FFF2-40B4-BE49-F238E27FC236}">
+                <a16:creationId xmlns:a16="http://schemas.microsoft.com/office/drawing/2014/main" id="{9959A6BE-E855-4104-A996-AFFC7DA4E3D3}"/>
+              </a:ext>
+            </a:extLst>
+          </p:cNvPr>
+          <p:cNvPicPr/>
+          <p:nvPr/>
+        </p:nvPicPr>
+        <p:blipFill>
+          <a:blip r:embed="rId3">
+            <a:extLst>
+              <a:ext uri="{28A0092B-C50C-407E-A947-70E740481C1C}">
+                <a14:useLocalDpi xmlns:a14="http://schemas.microsoft.com/office/drawing/2010/main" val="0"/>
+              </a:ext>
+            </a:extLst>
+          </a:blip>
+          <a:stretch>
+            <a:fillRect/>
+          </a:stretch>
+        </p:blipFill>
+        <p:spPr bwMode="auto">
+          <a:xfrm>
+            <a:off x="6093992" y="1351229"/>
+            <a:ext cx="5449889" cy="4155539"/>
+          </a:xfrm>
+          <a:prstGeom prst="rect">
+            <a:avLst/>
+          </a:prstGeom>
+          <a:noFill/>
+          <a:effectLst/>
+        </p:spPr>
+      </p:pic>
+      <p:sp>
+        <p:nvSpPr>
+          <p:cNvPr id="15" name="Rectangle 14">
+            <a:extLst>
+              <a:ext uri="{FF2B5EF4-FFF2-40B4-BE49-F238E27FC236}">
+                <a16:creationId xmlns:a16="http://schemas.microsoft.com/office/drawing/2014/main" id="{A92A1116-1C84-41DF-B803-1F7B0883EC82}"/>
+              </a:ext>
+              <a:ext uri="{C183D7F6-B498-43B3-948B-1728B52AA6E4}">
+                <adec:decorative xmlns:adec="http://schemas.microsoft.com/office/drawing/2017/decorative" val="1"/>
+              </a:ext>
+            </a:extLst>
+          </p:cNvPr>
+          <p:cNvSpPr>
+            <a:spLocks noGrp="1" noRot="1" noChangeAspect="1" noMove="1" noResize="1" noEditPoints="1" noAdjustHandles="1" noChangeArrowheads="1" noChangeShapeType="1" noTextEdit="1"/>
+          </p:cNvSpPr>
+          <p:nvPr>
+            <p:extLst>
+              <p:ext uri="{386F3935-93C4-4BCD-93E2-E3B085C9AB24}">
+                <p16:designElem xmlns:p16="http://schemas.microsoft.com/office/powerpoint/2015/main" val="1"/>
+              </p:ext>
+            </p:extLst>
+          </p:nvPr>
+        </p:nvSpPr>
+        <p:spPr>
+          <a:xfrm>
+            <a:off x="10442448" y="0"/>
+            <a:ext cx="685800" cy="1143000"/>
+          </a:xfrm>
+          <a:prstGeom prst="rect">
+            <a:avLst/>
+          </a:prstGeom>
+          <a:solidFill>
+            <a:schemeClr val="accent1"/>
+          </a:solidFill>
+          <a:ln>
+            <a:noFill/>
+          </a:ln>
+        </p:spPr>
+        <p:style>
+          <a:lnRef idx="1">
+            <a:schemeClr val="accent1"/>
+          </a:lnRef>
+          <a:fillRef idx="3">
+            <a:schemeClr val="accent1"/>
+          </a:fillRef>
+          <a:effectRef idx="2">
+            <a:schemeClr val="accent1"/>
+          </a:effectRef>
+          <a:fontRef idx="minor">
+            <a:schemeClr val="lt1"/>
+          </a:fontRef>
+        </p:style>
       </p:sp>
       <p:sp>
         <p:nvSpPr>
@@ -6812,12 +7974,107 @@
             <p:ph idx="1"/>
           </p:nvPr>
         </p:nvSpPr>
-        <p:spPr/>
-        <p:txBody>
-          <a:bodyPr/>
+        <p:spPr>
+          <a:xfrm>
+            <a:off x="648931" y="2438400"/>
+            <a:ext cx="4166509" cy="3785419"/>
+          </a:xfrm>
+        </p:spPr>
+        <p:txBody>
+          <a:bodyPr>
+            <a:normAutofit/>
+          </a:bodyPr>
           <a:lstStyle/>
           <a:p>
-            <a:endParaRPr lang="sl-SI"/>
+            <a:pPr marL="0" indent="0">
+              <a:buNone/>
+            </a:pPr>
+            <a:r>
+              <a:rPr lang="sl-SI">
+                <a:solidFill>
+                  <a:srgbClr val="EBEBEB"/>
+                </a:solidFill>
+              </a:rPr>
+              <a:t>Aplikacija, ki:</a:t>
+            </a:r>
+          </a:p>
+          <a:p>
+            <a:pPr>
+              <a:buFont typeface="Wingdings" panose="05000000000000000000" pitchFamily="2" charset="2"/>
+              <a:buChar char="ü"/>
+            </a:pPr>
+            <a:r>
+              <a:rPr lang="sl-SI">
+                <a:solidFill>
+                  <a:srgbClr val="EBEBEB"/>
+                </a:solidFill>
+              </a:rPr>
+              <a:t>Prevaja v Morsejevo abecedo (in obratno)</a:t>
+            </a:r>
+          </a:p>
+          <a:p>
+            <a:pPr>
+              <a:buFont typeface="Wingdings" panose="05000000000000000000" pitchFamily="2" charset="2"/>
+              <a:buChar char="ü"/>
+            </a:pPr>
+            <a:r>
+              <a:rPr lang="sl-SI">
+                <a:solidFill>
+                  <a:srgbClr val="EBEBEB"/>
+                </a:solidFill>
+              </a:rPr>
+              <a:t>Pomaga pri učenju Morsejeve abecede</a:t>
+            </a:r>
+          </a:p>
+          <a:p>
+            <a:pPr>
+              <a:buFont typeface="Wingdings" panose="05000000000000000000" pitchFamily="2" charset="2"/>
+              <a:buChar char="ü"/>
+            </a:pPr>
+            <a:r>
+              <a:rPr lang="sl-SI">
+                <a:solidFill>
+                  <a:srgbClr val="EBEBEB"/>
+                </a:solidFill>
+              </a:rPr>
+              <a:t>Olajša delo v telegrafiji</a:t>
+            </a:r>
+          </a:p>
+          <a:p>
+            <a:pPr>
+              <a:buFont typeface="Wingdings" panose="05000000000000000000" pitchFamily="2" charset="2"/>
+              <a:buChar char="ü"/>
+            </a:pPr>
+            <a:r>
+              <a:rPr lang="sl-SI">
+                <a:solidFill>
+                  <a:srgbClr val="EBEBEB"/>
+                </a:solidFill>
+              </a:rPr>
+              <a:t>Je preprosta za uporabo</a:t>
+            </a:r>
+          </a:p>
+          <a:p>
+            <a:pPr>
+              <a:buFont typeface="Wingdings" panose="05000000000000000000" pitchFamily="2" charset="2"/>
+              <a:buChar char="ü"/>
+            </a:pPr>
+            <a:endParaRPr lang="sl-SI">
+              <a:solidFill>
+                <a:srgbClr val="EBEBEB"/>
+              </a:solidFill>
+            </a:endParaRPr>
+          </a:p>
+          <a:p>
+            <a:pPr>
+              <a:buFont typeface="Wingdings" panose="05000000000000000000" pitchFamily="2" charset="2"/>
+              <a:buChar char="ü"/>
+            </a:pPr>
+            <a:endParaRPr lang="sl-SI">
+              <a:solidFill>
+                <a:srgbClr val="EBEBEB"/>
+              </a:solidFill>
+            </a:endParaRPr>
           </a:p>
         </p:txBody>
       </p:sp>
@@ -6829,7 +8086,3879 @@
     </p:extLst>
   </p:cSld>
   <p:clrMapOvr>
-    <a:masterClrMapping/>
+    <a:overrideClrMapping bg1="lt1" tx1="dk1" bg2="lt2" tx2="dk2" accent1="accent1" accent2="accent2" accent3="accent3" accent4="accent4" accent5="accent5" accent6="accent6" hlink="hlink" folHlink="folHlink"/>
+  </p:clrMapOvr>
+</p:sld>
+</file>
+
+<file path=ppt/slides/slide3.xml><?xml version="1.0" encoding="utf-8"?>
+<p:sld xmlns:a="http://schemas.openxmlformats.org/drawingml/2006/main" xmlns:r="http://schemas.openxmlformats.org/officeDocument/2006/relationships" xmlns:p="http://schemas.openxmlformats.org/presentationml/2006/main">
+  <p:cSld>
+    <p:bg>
+      <p:bgPr>
+        <a:solidFill>
+          <a:schemeClr val="bg1"/>
+        </a:solidFill>
+        <a:effectLst/>
+      </p:bgPr>
+    </p:bg>
+    <p:spTree>
+      <p:nvGrpSpPr>
+        <p:cNvPr id="1" name=""/>
+        <p:cNvGrpSpPr/>
+        <p:nvPr/>
+      </p:nvGrpSpPr>
+      <p:grpSpPr>
+        <a:xfrm>
+          <a:off x="0" y="0"/>
+          <a:ext cx="0" cy="0"/>
+          <a:chOff x="0" y="0"/>
+          <a:chExt cx="0" cy="0"/>
+        </a:xfrm>
+      </p:grpSpPr>
+      <p:sp>
+        <p:nvSpPr>
+          <p:cNvPr id="9" name="Rectangle 8">
+            <a:extLst>
+              <a:ext uri="{FF2B5EF4-FFF2-40B4-BE49-F238E27FC236}">
+                <a16:creationId xmlns:a16="http://schemas.microsoft.com/office/drawing/2014/main" id="{B4AAD3FD-83A5-4B89-9F8F-01B8870865BE}"/>
+              </a:ext>
+              <a:ext uri="{C183D7F6-B498-43B3-948B-1728B52AA6E4}">
+                <adec:decorative xmlns:adec="http://schemas.microsoft.com/office/drawing/2017/decorative" val="1"/>
+              </a:ext>
+            </a:extLst>
+          </p:cNvPr>
+          <p:cNvSpPr>
+            <a:spLocks noGrp="1" noRot="1" noChangeAspect="1" noMove="1" noResize="1" noEditPoints="1" noAdjustHandles="1" noChangeArrowheads="1" noChangeShapeType="1" noTextEdit="1"/>
+          </p:cNvSpPr>
+          <p:nvPr>
+            <p:extLst>
+              <p:ext uri="{386F3935-93C4-4BCD-93E2-E3B085C9AB24}">
+                <p16:designElem xmlns:p16="http://schemas.microsoft.com/office/powerpoint/2015/main" val="1"/>
+              </p:ext>
+            </p:extLst>
+          </p:nvPr>
+        </p:nvSpPr>
+        <p:spPr>
+          <a:xfrm>
+            <a:off x="0" y="0"/>
+            <a:ext cx="12192000" cy="6858000"/>
+          </a:xfrm>
+          <a:prstGeom prst="rect">
+            <a:avLst/>
+          </a:prstGeom>
+          <a:ln>
+            <a:noFill/>
+          </a:ln>
+        </p:spPr>
+        <p:style>
+          <a:lnRef idx="2">
+            <a:schemeClr val="accent1">
+              <a:shade val="50000"/>
+            </a:schemeClr>
+          </a:lnRef>
+          <a:fillRef idx="1003">
+            <a:schemeClr val="dk2"/>
+          </a:fillRef>
+          <a:effectRef idx="0">
+            <a:schemeClr val="accent1"/>
+          </a:effectRef>
+          <a:fontRef idx="minor">
+            <a:schemeClr val="lt1"/>
+          </a:fontRef>
+        </p:style>
+        <p:txBody>
+          <a:bodyPr rtlCol="0" anchor="ctr"/>
+          <a:lstStyle/>
+          <a:p>
+            <a:pPr algn="ctr"/>
+            <a:endParaRPr lang="en-US"/>
+          </a:p>
+        </p:txBody>
+      </p:sp>
+      <p:sp>
+        <p:nvSpPr>
+          <p:cNvPr id="2" name="Naslov 1">
+            <a:extLst>
+              <a:ext uri="{FF2B5EF4-FFF2-40B4-BE49-F238E27FC236}">
+                <a16:creationId xmlns:a16="http://schemas.microsoft.com/office/drawing/2014/main" id="{5C6BD068-635D-4177-84C7-A2B136A6206D}"/>
+              </a:ext>
+            </a:extLst>
+          </p:cNvPr>
+          <p:cNvSpPr>
+            <a:spLocks noGrp="1"/>
+          </p:cNvSpPr>
+          <p:nvPr>
+            <p:ph type="title"/>
+          </p:nvPr>
+        </p:nvSpPr>
+        <p:spPr>
+          <a:xfrm>
+            <a:off x="648931" y="629266"/>
+            <a:ext cx="4166510" cy="1622321"/>
+          </a:xfrm>
+        </p:spPr>
+        <p:txBody>
+          <a:bodyPr>
+            <a:normAutofit/>
+          </a:bodyPr>
+          <a:lstStyle/>
+          <a:p>
+            <a:r>
+              <a:rPr lang="sl-SI">
+                <a:solidFill>
+                  <a:srgbClr val="EBEBEB"/>
+                </a:solidFill>
+              </a:rPr>
+              <a:t>Izbira okolja</a:t>
+            </a:r>
+          </a:p>
+        </p:txBody>
+      </p:sp>
+      <p:sp>
+        <p:nvSpPr>
+          <p:cNvPr id="11" name="Freeform 31">
+            <a:extLst>
+              <a:ext uri="{FF2B5EF4-FFF2-40B4-BE49-F238E27FC236}">
+                <a16:creationId xmlns:a16="http://schemas.microsoft.com/office/drawing/2014/main" id="{61752F1D-FC0F-4103-9584-630E643CCDA6}"/>
+              </a:ext>
+              <a:ext uri="{C183D7F6-B498-43B3-948B-1728B52AA6E4}">
+                <adec:decorative xmlns:adec="http://schemas.microsoft.com/office/drawing/2017/decorative" val="1"/>
+              </a:ext>
+            </a:extLst>
+          </p:cNvPr>
+          <p:cNvSpPr>
+            <a:spLocks noGrp="1" noRot="1" noChangeAspect="1" noMove="1" noResize="1" noEditPoints="1" noAdjustHandles="1" noChangeArrowheads="1" noChangeShapeType="1" noTextEdit="1"/>
+          </p:cNvSpPr>
+          <p:nvPr>
+            <p:extLst>
+              <p:ext uri="{386F3935-93C4-4BCD-93E2-E3B085C9AB24}">
+                <p16:designElem xmlns:p16="http://schemas.microsoft.com/office/powerpoint/2015/main" val="1"/>
+              </p:ext>
+            </p:extLst>
+          </p:nvPr>
+        </p:nvSpPr>
+        <p:spPr>
+          <a:xfrm>
+            <a:off x="4994020" y="-1"/>
+            <a:ext cx="559472" cy="3709642"/>
+          </a:xfrm>
+          <a:custGeom>
+            <a:avLst/>
+            <a:gdLst>
+              <a:gd name="connsiteX0" fmla="*/ 0 w 559472"/>
+              <a:gd name="connsiteY0" fmla="*/ 0 h 3709642"/>
+              <a:gd name="connsiteX1" fmla="*/ 473952 w 559472"/>
+              <a:gd name="connsiteY1" fmla="*/ 0 h 3709642"/>
+              <a:gd name="connsiteX2" fmla="*/ 485840 w 559472"/>
+              <a:gd name="connsiteY2" fmla="*/ 161194 h 3709642"/>
+              <a:gd name="connsiteX3" fmla="*/ 523949 w 559472"/>
+              <a:gd name="connsiteY3" fmla="*/ 3672197 h 3709642"/>
+              <a:gd name="connsiteX4" fmla="*/ 454748 w 559472"/>
+              <a:gd name="connsiteY4" fmla="*/ 3709642 h 3709642"/>
+              <a:gd name="connsiteX5" fmla="*/ 448224 w 559472"/>
+              <a:gd name="connsiteY5" fmla="*/ 3510471 h 3709642"/>
+              <a:gd name="connsiteX6" fmla="*/ 443564 w 559472"/>
+              <a:gd name="connsiteY6" fmla="*/ 3408563 h 3709642"/>
+              <a:gd name="connsiteX7" fmla="*/ 438902 w 559472"/>
+              <a:gd name="connsiteY7" fmla="*/ 3304407 h 3709642"/>
+              <a:gd name="connsiteX8" fmla="*/ 433941 w 559472"/>
+              <a:gd name="connsiteY8" fmla="*/ 3198777 h 3709642"/>
+              <a:gd name="connsiteX9" fmla="*/ 427584 w 559472"/>
+              <a:gd name="connsiteY9" fmla="*/ 3092510 h 3709642"/>
+              <a:gd name="connsiteX10" fmla="*/ 420988 w 559472"/>
+              <a:gd name="connsiteY10" fmla="*/ 2984390 h 3709642"/>
+              <a:gd name="connsiteX11" fmla="*/ 414330 w 559472"/>
+              <a:gd name="connsiteY11" fmla="*/ 2874401 h 3709642"/>
+              <a:gd name="connsiteX12" fmla="*/ 406840 w 559472"/>
+              <a:gd name="connsiteY12" fmla="*/ 2762980 h 3709642"/>
+              <a:gd name="connsiteX13" fmla="*/ 397745 w 559472"/>
+              <a:gd name="connsiteY13" fmla="*/ 2650566 h 3709642"/>
+              <a:gd name="connsiteX14" fmla="*/ 389154 w 559472"/>
+              <a:gd name="connsiteY14" fmla="*/ 2536612 h 3709642"/>
+              <a:gd name="connsiteX15" fmla="*/ 379225 w 559472"/>
+              <a:gd name="connsiteY15" fmla="*/ 2421642 h 3709642"/>
+              <a:gd name="connsiteX16" fmla="*/ 368316 w 559472"/>
+              <a:gd name="connsiteY16" fmla="*/ 2305627 h 3709642"/>
+              <a:gd name="connsiteX17" fmla="*/ 357466 w 559472"/>
+              <a:gd name="connsiteY17" fmla="*/ 2189233 h 3709642"/>
+              <a:gd name="connsiteX18" fmla="*/ 344982 w 559472"/>
+              <a:gd name="connsiteY18" fmla="*/ 2071473 h 3709642"/>
+              <a:gd name="connsiteX19" fmla="*/ 332466 w 559472"/>
+              <a:gd name="connsiteY19" fmla="*/ 1952216 h 3709642"/>
+              <a:gd name="connsiteX20" fmla="*/ 319121 w 559472"/>
+              <a:gd name="connsiteY20" fmla="*/ 1833776 h 3709642"/>
+              <a:gd name="connsiteX21" fmla="*/ 304408 w 559472"/>
+              <a:gd name="connsiteY21" fmla="*/ 1713948 h 3709642"/>
+              <a:gd name="connsiteX22" fmla="*/ 288685 w 559472"/>
+              <a:gd name="connsiteY22" fmla="*/ 1592703 h 3709642"/>
+              <a:gd name="connsiteX23" fmla="*/ 273050 w 559472"/>
+              <a:gd name="connsiteY23" fmla="*/ 1471451 h 3709642"/>
+              <a:gd name="connsiteX24" fmla="*/ 255813 w 559472"/>
+              <a:gd name="connsiteY24" fmla="*/ 1350328 h 3709642"/>
+              <a:gd name="connsiteX25" fmla="*/ 237060 w 559472"/>
+              <a:gd name="connsiteY25" fmla="*/ 1227080 h 3709642"/>
+              <a:gd name="connsiteX26" fmla="*/ 218488 w 559472"/>
+              <a:gd name="connsiteY26" fmla="*/ 1106065 h 3709642"/>
+              <a:gd name="connsiteX27" fmla="*/ 198221 w 559472"/>
+              <a:gd name="connsiteY27" fmla="*/ 982940 h 3709642"/>
+              <a:gd name="connsiteX28" fmla="*/ 177152 w 559472"/>
+              <a:gd name="connsiteY28" fmla="*/ 858755 h 3709642"/>
+              <a:gd name="connsiteX29" fmla="*/ 155551 w 559472"/>
+              <a:gd name="connsiteY29" fmla="*/ 736861 h 3709642"/>
+              <a:gd name="connsiteX30" fmla="*/ 131782 w 559472"/>
+              <a:gd name="connsiteY30" fmla="*/ 613645 h 3709642"/>
+              <a:gd name="connsiteX31" fmla="*/ 107123 w 559472"/>
+              <a:gd name="connsiteY31" fmla="*/ 490500 h 3709642"/>
+              <a:gd name="connsiteX32" fmla="*/ 82552 w 559472"/>
+              <a:gd name="connsiteY32" fmla="*/ 367348 h 3709642"/>
+              <a:gd name="connsiteX33" fmla="*/ 55608 w 559472"/>
+              <a:gd name="connsiteY33" fmla="*/ 244762 h 3709642"/>
+              <a:gd name="connsiteX34" fmla="*/ 28130 w 559472"/>
+              <a:gd name="connsiteY34" fmla="*/ 122220 h 3709642"/>
+              <a:gd name="connsiteX35" fmla="*/ 0 w 559472"/>
+              <a:gd name="connsiteY35" fmla="*/ 0 h 3709642"/>
+            </a:gdLst>
+            <a:ahLst/>
+            <a:cxnLst>
+              <a:cxn ang="0">
+                <a:pos x="connsiteX0" y="connsiteY0"/>
+              </a:cxn>
+              <a:cxn ang="0">
+                <a:pos x="connsiteX1" y="connsiteY1"/>
+              </a:cxn>
+              <a:cxn ang="0">
+                <a:pos x="connsiteX2" y="connsiteY2"/>
+              </a:cxn>
+              <a:cxn ang="0">
+                <a:pos x="connsiteX3" y="connsiteY3"/>
+              </a:cxn>
+              <a:cxn ang="0">
+                <a:pos x="connsiteX4" y="connsiteY4"/>
+              </a:cxn>
+              <a:cxn ang="0">
+                <a:pos x="connsiteX5" y="connsiteY5"/>
+              </a:cxn>
+              <a:cxn ang="0">
+                <a:pos x="connsiteX6" y="connsiteY6"/>
+              </a:cxn>
+              <a:cxn ang="0">
+                <a:pos x="connsiteX7" y="connsiteY7"/>
+              </a:cxn>
+              <a:cxn ang="0">
+                <a:pos x="connsiteX8" y="connsiteY8"/>
+              </a:cxn>
+              <a:cxn ang="0">
+                <a:pos x="connsiteX9" y="connsiteY9"/>
+              </a:cxn>
+              <a:cxn ang="0">
+                <a:pos x="connsiteX10" y="connsiteY10"/>
+              </a:cxn>
+              <a:cxn ang="0">
+                <a:pos x="connsiteX11" y="connsiteY11"/>
+              </a:cxn>
+              <a:cxn ang="0">
+                <a:pos x="connsiteX12" y="connsiteY12"/>
+              </a:cxn>
+              <a:cxn ang="0">
+                <a:pos x="connsiteX13" y="connsiteY13"/>
+              </a:cxn>
+              <a:cxn ang="0">
+                <a:pos x="connsiteX14" y="connsiteY14"/>
+              </a:cxn>
+              <a:cxn ang="0">
+                <a:pos x="connsiteX15" y="connsiteY15"/>
+              </a:cxn>
+              <a:cxn ang="0">
+                <a:pos x="connsiteX16" y="connsiteY16"/>
+              </a:cxn>
+              <a:cxn ang="0">
+                <a:pos x="connsiteX17" y="connsiteY17"/>
+              </a:cxn>
+              <a:cxn ang="0">
+                <a:pos x="connsiteX18" y="connsiteY18"/>
+              </a:cxn>
+              <a:cxn ang="0">
+                <a:pos x="connsiteX19" y="connsiteY19"/>
+              </a:cxn>
+              <a:cxn ang="0">
+                <a:pos x="connsiteX20" y="connsiteY20"/>
+              </a:cxn>
+              <a:cxn ang="0">
+                <a:pos x="connsiteX21" y="connsiteY21"/>
+              </a:cxn>
+              <a:cxn ang="0">
+                <a:pos x="connsiteX22" y="connsiteY22"/>
+              </a:cxn>
+              <a:cxn ang="0">
+                <a:pos x="connsiteX23" y="connsiteY23"/>
+              </a:cxn>
+              <a:cxn ang="0">
+                <a:pos x="connsiteX24" y="connsiteY24"/>
+              </a:cxn>
+              <a:cxn ang="0">
+                <a:pos x="connsiteX25" y="connsiteY25"/>
+              </a:cxn>
+              <a:cxn ang="0">
+                <a:pos x="connsiteX26" y="connsiteY26"/>
+              </a:cxn>
+              <a:cxn ang="0">
+                <a:pos x="connsiteX27" y="connsiteY27"/>
+              </a:cxn>
+              <a:cxn ang="0">
+                <a:pos x="connsiteX28" y="connsiteY28"/>
+              </a:cxn>
+              <a:cxn ang="0">
+                <a:pos x="connsiteX29" y="connsiteY29"/>
+              </a:cxn>
+              <a:cxn ang="0">
+                <a:pos x="connsiteX30" y="connsiteY30"/>
+              </a:cxn>
+              <a:cxn ang="0">
+                <a:pos x="connsiteX31" y="connsiteY31"/>
+              </a:cxn>
+              <a:cxn ang="0">
+                <a:pos x="connsiteX32" y="connsiteY32"/>
+              </a:cxn>
+              <a:cxn ang="0">
+                <a:pos x="connsiteX33" y="connsiteY33"/>
+              </a:cxn>
+              <a:cxn ang="0">
+                <a:pos x="connsiteX34" y="connsiteY34"/>
+              </a:cxn>
+              <a:cxn ang="0">
+                <a:pos x="connsiteX35" y="connsiteY35"/>
+              </a:cxn>
+            </a:cxnLst>
+            <a:rect l="l" t="t" r="r" b="b"/>
+            <a:pathLst>
+              <a:path w="559472" h="3709642">
+                <a:moveTo>
+                  <a:pt x="0" y="0"/>
+                </a:moveTo>
+                <a:lnTo>
+                  <a:pt x="473952" y="0"/>
+                </a:lnTo>
+                <a:lnTo>
+                  <a:pt x="485840" y="161194"/>
+                </a:lnTo>
+                <a:cubicBezTo>
+                  <a:pt x="552063" y="1147770"/>
+                  <a:pt x="592441" y="3086737"/>
+                  <a:pt x="523949" y="3672197"/>
+                </a:cubicBezTo>
+                <a:cubicBezTo>
+                  <a:pt x="500842" y="3684557"/>
+                  <a:pt x="477855" y="3697282"/>
+                  <a:pt x="454748" y="3709642"/>
+                </a:cubicBezTo>
+                <a:lnTo>
+                  <a:pt x="448224" y="3510471"/>
+                </a:lnTo>
+                <a:lnTo>
+                  <a:pt x="443564" y="3408563"/>
+                </a:lnTo>
+                <a:lnTo>
+                  <a:pt x="438902" y="3304407"/>
+                </a:lnTo>
+                <a:lnTo>
+                  <a:pt x="433941" y="3198777"/>
+                </a:lnTo>
+                <a:lnTo>
+                  <a:pt x="427584" y="3092510"/>
+                </a:lnTo>
+                <a:lnTo>
+                  <a:pt x="420988" y="2984390"/>
+                </a:lnTo>
+                <a:lnTo>
+                  <a:pt x="414330" y="2874401"/>
+                </a:lnTo>
+                <a:lnTo>
+                  <a:pt x="406840" y="2762980"/>
+                </a:lnTo>
+                <a:lnTo>
+                  <a:pt x="397745" y="2650566"/>
+                </a:lnTo>
+                <a:lnTo>
+                  <a:pt x="389154" y="2536612"/>
+                </a:lnTo>
+                <a:lnTo>
+                  <a:pt x="379225" y="2421642"/>
+                </a:lnTo>
+                <a:lnTo>
+                  <a:pt x="368316" y="2305627"/>
+                </a:lnTo>
+                <a:lnTo>
+                  <a:pt x="357466" y="2189233"/>
+                </a:lnTo>
+                <a:lnTo>
+                  <a:pt x="344982" y="2071473"/>
+                </a:lnTo>
+                <a:lnTo>
+                  <a:pt x="332466" y="1952216"/>
+                </a:lnTo>
+                <a:lnTo>
+                  <a:pt x="319121" y="1833776"/>
+                </a:lnTo>
+                <a:lnTo>
+                  <a:pt x="304408" y="1713948"/>
+                </a:lnTo>
+                <a:lnTo>
+                  <a:pt x="288685" y="1592703"/>
+                </a:lnTo>
+                <a:lnTo>
+                  <a:pt x="273050" y="1471451"/>
+                </a:lnTo>
+                <a:lnTo>
+                  <a:pt x="255813" y="1350328"/>
+                </a:lnTo>
+                <a:lnTo>
+                  <a:pt x="237060" y="1227080"/>
+                </a:lnTo>
+                <a:lnTo>
+                  <a:pt x="218488" y="1106065"/>
+                </a:lnTo>
+                <a:lnTo>
+                  <a:pt x="198221" y="982940"/>
+                </a:lnTo>
+                <a:lnTo>
+                  <a:pt x="177152" y="858755"/>
+                </a:lnTo>
+                <a:lnTo>
+                  <a:pt x="155551" y="736861"/>
+                </a:lnTo>
+                <a:lnTo>
+                  <a:pt x="131782" y="613645"/>
+                </a:lnTo>
+                <a:lnTo>
+                  <a:pt x="107123" y="490500"/>
+                </a:lnTo>
+                <a:lnTo>
+                  <a:pt x="82552" y="367348"/>
+                </a:lnTo>
+                <a:lnTo>
+                  <a:pt x="55608" y="244762"/>
+                </a:lnTo>
+                <a:lnTo>
+                  <a:pt x="28130" y="122220"/>
+                </a:lnTo>
+                <a:lnTo>
+                  <a:pt x="0" y="0"/>
+                </a:lnTo>
+                <a:close/>
+              </a:path>
+            </a:pathLst>
+          </a:custGeom>
+          <a:solidFill>
+            <a:schemeClr val="bg1">
+              <a:alpha val="20000"/>
+            </a:schemeClr>
+          </a:solidFill>
+          <a:ln>
+            <a:noFill/>
+          </a:ln>
+        </p:spPr>
+        <p:txBody>
+          <a:bodyPr rtlCol="0" anchor="ctr"/>
+          <a:lstStyle/>
+          <a:p>
+            <a:pPr algn="ctr"/>
+            <a:endParaRPr lang="en-US"/>
+          </a:p>
+        </p:txBody>
+      </p:sp>
+      <p:sp useBgFill="1">
+        <p:nvSpPr>
+          <p:cNvPr id="13" name="Freeform: Shape 12">
+            <a:extLst>
+              <a:ext uri="{FF2B5EF4-FFF2-40B4-BE49-F238E27FC236}">
+                <a16:creationId xmlns:a16="http://schemas.microsoft.com/office/drawing/2014/main" id="{70151CB7-E7DE-4917-B831-01DF9CE01306}"/>
+              </a:ext>
+              <a:ext uri="{C183D7F6-B498-43B3-948B-1728B52AA6E4}">
+                <adec:decorative xmlns:adec="http://schemas.microsoft.com/office/drawing/2017/decorative" val="1"/>
+              </a:ext>
+            </a:extLst>
+          </p:cNvPr>
+          <p:cNvSpPr>
+            <a:spLocks noGrp="1" noRot="1" noChangeAspect="1" noMove="1" noResize="1" noEditPoints="1" noAdjustHandles="1" noChangeArrowheads="1" noChangeShapeType="1" noTextEdit="1"/>
+          </p:cNvSpPr>
+          <p:nvPr>
+            <p:extLst>
+              <p:ext uri="{386F3935-93C4-4BCD-93E2-E3B085C9AB24}">
+                <p16:designElem xmlns:p16="http://schemas.microsoft.com/office/powerpoint/2015/main" val="1"/>
+              </p:ext>
+            </p:extLst>
+          </p:nvPr>
+        </p:nvSpPr>
+        <p:spPr bwMode="gray">
+          <a:xfrm rot="16200000">
+            <a:off x="5270819" y="-63600"/>
+            <a:ext cx="6858001" cy="6985200"/>
+          </a:xfrm>
+          <a:custGeom>
+            <a:avLst/>
+            <a:gdLst>
+              <a:gd name="connsiteX0" fmla="*/ 6858001 w 6858001"/>
+              <a:gd name="connsiteY0" fmla="*/ 1177 h 6985200"/>
+              <a:gd name="connsiteX1" fmla="*/ 6858001 w 6858001"/>
+              <a:gd name="connsiteY1" fmla="*/ 1344715 h 6985200"/>
+              <a:gd name="connsiteX2" fmla="*/ 6858000 w 6858001"/>
+              <a:gd name="connsiteY2" fmla="*/ 1344715 h 6985200"/>
+              <a:gd name="connsiteX3" fmla="*/ 6858000 w 6858001"/>
+              <a:gd name="connsiteY3" fmla="*/ 6985200 h 6985200"/>
+              <a:gd name="connsiteX4" fmla="*/ 0 w 6858001"/>
+              <a:gd name="connsiteY4" fmla="*/ 6985199 h 6985200"/>
+              <a:gd name="connsiteX5" fmla="*/ 0 w 6858001"/>
+              <a:gd name="connsiteY5" fmla="*/ 886772 h 6985200"/>
+              <a:gd name="connsiteX6" fmla="*/ 1 w 6858001"/>
+              <a:gd name="connsiteY6" fmla="*/ 886772 h 6985200"/>
+              <a:gd name="connsiteX7" fmla="*/ 1 w 6858001"/>
+              <a:gd name="connsiteY7" fmla="*/ 0 h 6985200"/>
+              <a:gd name="connsiteX8" fmla="*/ 40463 w 6858001"/>
+              <a:gd name="connsiteY8" fmla="*/ 5883 h 6985200"/>
+              <a:gd name="connsiteX9" fmla="*/ 159107 w 6858001"/>
+              <a:gd name="connsiteY9" fmla="*/ 23196 h 6985200"/>
+              <a:gd name="connsiteX10" fmla="*/ 245518 w 6858001"/>
+              <a:gd name="connsiteY10" fmla="*/ 35299 h 6985200"/>
+              <a:gd name="connsiteX11" fmla="*/ 348388 w 6858001"/>
+              <a:gd name="connsiteY11" fmla="*/ 48073 h 6985200"/>
+              <a:gd name="connsiteX12" fmla="*/ 470460 w 6858001"/>
+              <a:gd name="connsiteY12" fmla="*/ 63369 h 6985200"/>
+              <a:gd name="connsiteX13" fmla="*/ 605563 w 6858001"/>
+              <a:gd name="connsiteY13" fmla="*/ 79506 h 6985200"/>
+              <a:gd name="connsiteX14" fmla="*/ 757810 w 6858001"/>
+              <a:gd name="connsiteY14" fmla="*/ 96483 h 6985200"/>
+              <a:gd name="connsiteX15" fmla="*/ 923774 w 6858001"/>
+              <a:gd name="connsiteY15" fmla="*/ 114469 h 6985200"/>
+              <a:gd name="connsiteX16" fmla="*/ 1104139 w 6858001"/>
+              <a:gd name="connsiteY16" fmla="*/ 132454 h 6985200"/>
+              <a:gd name="connsiteX17" fmla="*/ 1296163 w 6858001"/>
+              <a:gd name="connsiteY17" fmla="*/ 150776 h 6985200"/>
+              <a:gd name="connsiteX18" fmla="*/ 1503275 w 6858001"/>
+              <a:gd name="connsiteY18" fmla="*/ 167753 h 6985200"/>
+              <a:gd name="connsiteX19" fmla="*/ 1719988 w 6858001"/>
+              <a:gd name="connsiteY19" fmla="*/ 184058 h 6985200"/>
+              <a:gd name="connsiteX20" fmla="*/ 1949045 w 6858001"/>
+              <a:gd name="connsiteY20" fmla="*/ 198849 h 6985200"/>
+              <a:gd name="connsiteX21" fmla="*/ 2187703 w 6858001"/>
+              <a:gd name="connsiteY21" fmla="*/ 212969 h 6985200"/>
+              <a:gd name="connsiteX22" fmla="*/ 2436649 w 6858001"/>
+              <a:gd name="connsiteY22" fmla="*/ 226248 h 6985200"/>
+              <a:gd name="connsiteX23" fmla="*/ 2564208 w 6858001"/>
+              <a:gd name="connsiteY23" fmla="*/ 230955 h 6985200"/>
+              <a:gd name="connsiteX24" fmla="*/ 2694509 w 6858001"/>
+              <a:gd name="connsiteY24" fmla="*/ 236165 h 6985200"/>
+              <a:gd name="connsiteX25" fmla="*/ 2826869 w 6858001"/>
+              <a:gd name="connsiteY25" fmla="*/ 241040 h 6985200"/>
+              <a:gd name="connsiteX26" fmla="*/ 2959914 w 6858001"/>
+              <a:gd name="connsiteY26" fmla="*/ 244234 h 6985200"/>
+              <a:gd name="connsiteX27" fmla="*/ 3095702 w 6858001"/>
+              <a:gd name="connsiteY27" fmla="*/ 247091 h 6985200"/>
+              <a:gd name="connsiteX28" fmla="*/ 3232862 w 6858001"/>
+              <a:gd name="connsiteY28" fmla="*/ 250117 h 6985200"/>
+              <a:gd name="connsiteX29" fmla="*/ 3372766 w 6858001"/>
+              <a:gd name="connsiteY29" fmla="*/ 252134 h 6985200"/>
+              <a:gd name="connsiteX30" fmla="*/ 3514040 w 6858001"/>
+              <a:gd name="connsiteY30" fmla="*/ 252134 h 6985200"/>
+              <a:gd name="connsiteX31" fmla="*/ 3656686 w 6858001"/>
+              <a:gd name="connsiteY31" fmla="*/ 253142 h 6985200"/>
+              <a:gd name="connsiteX32" fmla="*/ 3800705 w 6858001"/>
+              <a:gd name="connsiteY32" fmla="*/ 252134 h 6985200"/>
+              <a:gd name="connsiteX33" fmla="*/ 3946780 w 6858001"/>
+              <a:gd name="connsiteY33" fmla="*/ 250117 h 6985200"/>
+              <a:gd name="connsiteX34" fmla="*/ 4092856 w 6858001"/>
+              <a:gd name="connsiteY34" fmla="*/ 248268 h 6985200"/>
+              <a:gd name="connsiteX35" fmla="*/ 4240988 w 6858001"/>
+              <a:gd name="connsiteY35" fmla="*/ 244234 h 6985200"/>
+              <a:gd name="connsiteX36" fmla="*/ 4390492 w 6858001"/>
+              <a:gd name="connsiteY36" fmla="*/ 240032 h 6985200"/>
+              <a:gd name="connsiteX37" fmla="*/ 4539997 w 6858001"/>
+              <a:gd name="connsiteY37" fmla="*/ 235157 h 6985200"/>
+              <a:gd name="connsiteX38" fmla="*/ 4690873 w 6858001"/>
+              <a:gd name="connsiteY38" fmla="*/ 228266 h 6985200"/>
+              <a:gd name="connsiteX39" fmla="*/ 4843120 w 6858001"/>
+              <a:gd name="connsiteY39" fmla="*/ 220029 h 6985200"/>
+              <a:gd name="connsiteX40" fmla="*/ 4996054 w 6858001"/>
+              <a:gd name="connsiteY40" fmla="*/ 212129 h 6985200"/>
+              <a:gd name="connsiteX41" fmla="*/ 5148987 w 6858001"/>
+              <a:gd name="connsiteY41" fmla="*/ 202044 h 6985200"/>
+              <a:gd name="connsiteX42" fmla="*/ 5303978 w 6858001"/>
+              <a:gd name="connsiteY42" fmla="*/ 189941 h 6985200"/>
+              <a:gd name="connsiteX43" fmla="*/ 5456911 w 6858001"/>
+              <a:gd name="connsiteY43" fmla="*/ 177839 h 6985200"/>
+              <a:gd name="connsiteX44" fmla="*/ 5612588 w 6858001"/>
+              <a:gd name="connsiteY44" fmla="*/ 163887 h 6985200"/>
+              <a:gd name="connsiteX45" fmla="*/ 5768950 w 6858001"/>
+              <a:gd name="connsiteY45" fmla="*/ 148591 h 6985200"/>
+              <a:gd name="connsiteX46" fmla="*/ 5923255 w 6858001"/>
+              <a:gd name="connsiteY46" fmla="*/ 132455 h 6985200"/>
+              <a:gd name="connsiteX47" fmla="*/ 6079618 w 6858001"/>
+              <a:gd name="connsiteY47" fmla="*/ 113629 h 6985200"/>
+              <a:gd name="connsiteX48" fmla="*/ 6235294 w 6858001"/>
+              <a:gd name="connsiteY48" fmla="*/ 93458 h 6985200"/>
+              <a:gd name="connsiteX49" fmla="*/ 6391657 w 6858001"/>
+              <a:gd name="connsiteY49" fmla="*/ 73455 h 6985200"/>
+              <a:gd name="connsiteX50" fmla="*/ 6547333 w 6858001"/>
+              <a:gd name="connsiteY50" fmla="*/ 50091 h 6985200"/>
+              <a:gd name="connsiteX51" fmla="*/ 6702324 w 6858001"/>
+              <a:gd name="connsiteY51" fmla="*/ 26222 h 6985200"/>
+            </a:gdLst>
+            <a:ahLst/>
+            <a:cxnLst>
+              <a:cxn ang="0">
+                <a:pos x="connsiteX0" y="connsiteY0"/>
+              </a:cxn>
+              <a:cxn ang="0">
+                <a:pos x="connsiteX1" y="connsiteY1"/>
+              </a:cxn>
+              <a:cxn ang="0">
+                <a:pos x="connsiteX2" y="connsiteY2"/>
+              </a:cxn>
+              <a:cxn ang="0">
+                <a:pos x="connsiteX3" y="connsiteY3"/>
+              </a:cxn>
+              <a:cxn ang="0">
+                <a:pos x="connsiteX4" y="connsiteY4"/>
+              </a:cxn>
+              <a:cxn ang="0">
+                <a:pos x="connsiteX5" y="connsiteY5"/>
+              </a:cxn>
+              <a:cxn ang="0">
+                <a:pos x="connsiteX6" y="connsiteY6"/>
+              </a:cxn>
+              <a:cxn ang="0">
+                <a:pos x="connsiteX7" y="connsiteY7"/>
+              </a:cxn>
+              <a:cxn ang="0">
+                <a:pos x="connsiteX8" y="connsiteY8"/>
+              </a:cxn>
+              <a:cxn ang="0">
+                <a:pos x="connsiteX9" y="connsiteY9"/>
+              </a:cxn>
+              <a:cxn ang="0">
+                <a:pos x="connsiteX10" y="connsiteY10"/>
+              </a:cxn>
+              <a:cxn ang="0">
+                <a:pos x="connsiteX11" y="connsiteY11"/>
+              </a:cxn>
+              <a:cxn ang="0">
+                <a:pos x="connsiteX12" y="connsiteY12"/>
+              </a:cxn>
+              <a:cxn ang="0">
+                <a:pos x="connsiteX13" y="connsiteY13"/>
+              </a:cxn>
+              <a:cxn ang="0">
+                <a:pos x="connsiteX14" y="connsiteY14"/>
+              </a:cxn>
+              <a:cxn ang="0">
+                <a:pos x="connsiteX15" y="connsiteY15"/>
+              </a:cxn>
+              <a:cxn ang="0">
+                <a:pos x="connsiteX16" y="connsiteY16"/>
+              </a:cxn>
+              <a:cxn ang="0">
+                <a:pos x="connsiteX17" y="connsiteY17"/>
+              </a:cxn>
+              <a:cxn ang="0">
+                <a:pos x="connsiteX18" y="connsiteY18"/>
+              </a:cxn>
+              <a:cxn ang="0">
+                <a:pos x="connsiteX19" y="connsiteY19"/>
+              </a:cxn>
+              <a:cxn ang="0">
+                <a:pos x="connsiteX20" y="connsiteY20"/>
+              </a:cxn>
+              <a:cxn ang="0">
+                <a:pos x="connsiteX21" y="connsiteY21"/>
+              </a:cxn>
+              <a:cxn ang="0">
+                <a:pos x="connsiteX22" y="connsiteY22"/>
+              </a:cxn>
+              <a:cxn ang="0">
+                <a:pos x="connsiteX23" y="connsiteY23"/>
+              </a:cxn>
+              <a:cxn ang="0">
+                <a:pos x="connsiteX24" y="connsiteY24"/>
+              </a:cxn>
+              <a:cxn ang="0">
+                <a:pos x="connsiteX25" y="connsiteY25"/>
+              </a:cxn>
+              <a:cxn ang="0">
+                <a:pos x="connsiteX26" y="connsiteY26"/>
+              </a:cxn>
+              <a:cxn ang="0">
+                <a:pos x="connsiteX27" y="connsiteY27"/>
+              </a:cxn>
+              <a:cxn ang="0">
+                <a:pos x="connsiteX28" y="connsiteY28"/>
+              </a:cxn>
+              <a:cxn ang="0">
+                <a:pos x="connsiteX29" y="connsiteY29"/>
+              </a:cxn>
+              <a:cxn ang="0">
+                <a:pos x="connsiteX30" y="connsiteY30"/>
+              </a:cxn>
+              <a:cxn ang="0">
+                <a:pos x="connsiteX31" y="connsiteY31"/>
+              </a:cxn>
+              <a:cxn ang="0">
+                <a:pos x="connsiteX32" y="connsiteY32"/>
+              </a:cxn>
+              <a:cxn ang="0">
+                <a:pos x="connsiteX33" y="connsiteY33"/>
+              </a:cxn>
+              <a:cxn ang="0">
+                <a:pos x="connsiteX34" y="connsiteY34"/>
+              </a:cxn>
+              <a:cxn ang="0">
+                <a:pos x="connsiteX35" y="connsiteY35"/>
+              </a:cxn>
+              <a:cxn ang="0">
+                <a:pos x="connsiteX36" y="connsiteY36"/>
+              </a:cxn>
+              <a:cxn ang="0">
+                <a:pos x="connsiteX37" y="connsiteY37"/>
+              </a:cxn>
+              <a:cxn ang="0">
+                <a:pos x="connsiteX38" y="connsiteY38"/>
+              </a:cxn>
+              <a:cxn ang="0">
+                <a:pos x="connsiteX39" y="connsiteY39"/>
+              </a:cxn>
+              <a:cxn ang="0">
+                <a:pos x="connsiteX40" y="connsiteY40"/>
+              </a:cxn>
+              <a:cxn ang="0">
+                <a:pos x="connsiteX41" y="connsiteY41"/>
+              </a:cxn>
+              <a:cxn ang="0">
+                <a:pos x="connsiteX42" y="connsiteY42"/>
+              </a:cxn>
+              <a:cxn ang="0">
+                <a:pos x="connsiteX43" y="connsiteY43"/>
+              </a:cxn>
+              <a:cxn ang="0">
+                <a:pos x="connsiteX44" y="connsiteY44"/>
+              </a:cxn>
+              <a:cxn ang="0">
+                <a:pos x="connsiteX45" y="connsiteY45"/>
+              </a:cxn>
+              <a:cxn ang="0">
+                <a:pos x="connsiteX46" y="connsiteY46"/>
+              </a:cxn>
+              <a:cxn ang="0">
+                <a:pos x="connsiteX47" y="connsiteY47"/>
+              </a:cxn>
+              <a:cxn ang="0">
+                <a:pos x="connsiteX48" y="connsiteY48"/>
+              </a:cxn>
+              <a:cxn ang="0">
+                <a:pos x="connsiteX49" y="connsiteY49"/>
+              </a:cxn>
+              <a:cxn ang="0">
+                <a:pos x="connsiteX50" y="connsiteY50"/>
+              </a:cxn>
+              <a:cxn ang="0">
+                <a:pos x="connsiteX51" y="connsiteY51"/>
+              </a:cxn>
+            </a:cxnLst>
+            <a:rect l="l" t="t" r="r" b="b"/>
+            <a:pathLst>
+              <a:path w="6858001" h="6985200">
+                <a:moveTo>
+                  <a:pt x="6858001" y="1177"/>
+                </a:moveTo>
+                <a:lnTo>
+                  <a:pt x="6858001" y="1344715"/>
+                </a:lnTo>
+                <a:lnTo>
+                  <a:pt x="6858000" y="1344715"/>
+                </a:lnTo>
+                <a:lnTo>
+                  <a:pt x="6858000" y="6985200"/>
+                </a:lnTo>
+                <a:lnTo>
+                  <a:pt x="0" y="6985199"/>
+                </a:lnTo>
+                <a:lnTo>
+                  <a:pt x="0" y="886772"/>
+                </a:lnTo>
+                <a:lnTo>
+                  <a:pt x="1" y="886772"/>
+                </a:lnTo>
+                <a:lnTo>
+                  <a:pt x="1" y="0"/>
+                </a:lnTo>
+                <a:lnTo>
+                  <a:pt x="40463" y="5883"/>
+                </a:lnTo>
+                <a:lnTo>
+                  <a:pt x="159107" y="23196"/>
+                </a:lnTo>
+                <a:lnTo>
+                  <a:pt x="245518" y="35299"/>
+                </a:lnTo>
+                <a:lnTo>
+                  <a:pt x="348388" y="48073"/>
+                </a:lnTo>
+                <a:lnTo>
+                  <a:pt x="470460" y="63369"/>
+                </a:lnTo>
+                <a:lnTo>
+                  <a:pt x="605563" y="79506"/>
+                </a:lnTo>
+                <a:lnTo>
+                  <a:pt x="757810" y="96483"/>
+                </a:lnTo>
+                <a:lnTo>
+                  <a:pt x="923774" y="114469"/>
+                </a:lnTo>
+                <a:lnTo>
+                  <a:pt x="1104139" y="132454"/>
+                </a:lnTo>
+                <a:lnTo>
+                  <a:pt x="1296163" y="150776"/>
+                </a:lnTo>
+                <a:lnTo>
+                  <a:pt x="1503275" y="167753"/>
+                </a:lnTo>
+                <a:lnTo>
+                  <a:pt x="1719988" y="184058"/>
+                </a:lnTo>
+                <a:lnTo>
+                  <a:pt x="1949045" y="198849"/>
+                </a:lnTo>
+                <a:lnTo>
+                  <a:pt x="2187703" y="212969"/>
+                </a:lnTo>
+                <a:lnTo>
+                  <a:pt x="2436649" y="226248"/>
+                </a:lnTo>
+                <a:lnTo>
+                  <a:pt x="2564208" y="230955"/>
+                </a:lnTo>
+                <a:lnTo>
+                  <a:pt x="2694509" y="236165"/>
+                </a:lnTo>
+                <a:lnTo>
+                  <a:pt x="2826869" y="241040"/>
+                </a:lnTo>
+                <a:lnTo>
+                  <a:pt x="2959914" y="244234"/>
+                </a:lnTo>
+                <a:lnTo>
+                  <a:pt x="3095702" y="247091"/>
+                </a:lnTo>
+                <a:lnTo>
+                  <a:pt x="3232862" y="250117"/>
+                </a:lnTo>
+                <a:lnTo>
+                  <a:pt x="3372766" y="252134"/>
+                </a:lnTo>
+                <a:lnTo>
+                  <a:pt x="3514040" y="252134"/>
+                </a:lnTo>
+                <a:lnTo>
+                  <a:pt x="3656686" y="253142"/>
+                </a:lnTo>
+                <a:lnTo>
+                  <a:pt x="3800705" y="252134"/>
+                </a:lnTo>
+                <a:lnTo>
+                  <a:pt x="3946780" y="250117"/>
+                </a:lnTo>
+                <a:lnTo>
+                  <a:pt x="4092856" y="248268"/>
+                </a:lnTo>
+                <a:lnTo>
+                  <a:pt x="4240988" y="244234"/>
+                </a:lnTo>
+                <a:lnTo>
+                  <a:pt x="4390492" y="240032"/>
+                </a:lnTo>
+                <a:lnTo>
+                  <a:pt x="4539997" y="235157"/>
+                </a:lnTo>
+                <a:lnTo>
+                  <a:pt x="4690873" y="228266"/>
+                </a:lnTo>
+                <a:lnTo>
+                  <a:pt x="4843120" y="220029"/>
+                </a:lnTo>
+                <a:lnTo>
+                  <a:pt x="4996054" y="212129"/>
+                </a:lnTo>
+                <a:lnTo>
+                  <a:pt x="5148987" y="202044"/>
+                </a:lnTo>
+                <a:lnTo>
+                  <a:pt x="5303978" y="189941"/>
+                </a:lnTo>
+                <a:lnTo>
+                  <a:pt x="5456911" y="177839"/>
+                </a:lnTo>
+                <a:lnTo>
+                  <a:pt x="5612588" y="163887"/>
+                </a:lnTo>
+                <a:lnTo>
+                  <a:pt x="5768950" y="148591"/>
+                </a:lnTo>
+                <a:lnTo>
+                  <a:pt x="5923255" y="132455"/>
+                </a:lnTo>
+                <a:lnTo>
+                  <a:pt x="6079618" y="113629"/>
+                </a:lnTo>
+                <a:lnTo>
+                  <a:pt x="6235294" y="93458"/>
+                </a:lnTo>
+                <a:lnTo>
+                  <a:pt x="6391657" y="73455"/>
+                </a:lnTo>
+                <a:lnTo>
+                  <a:pt x="6547333" y="50091"/>
+                </a:lnTo>
+                <a:lnTo>
+                  <a:pt x="6702324" y="26222"/>
+                </a:lnTo>
+                <a:close/>
+              </a:path>
+            </a:pathLst>
+          </a:custGeom>
+          <a:ln>
+            <a:noFill/>
+          </a:ln>
+        </p:spPr>
+      </p:sp>
+      <p:pic>
+        <p:nvPicPr>
+          <p:cNvPr id="4" name="Slika 3">
+            <a:extLst>
+              <a:ext uri="{FF2B5EF4-FFF2-40B4-BE49-F238E27FC236}">
+                <a16:creationId xmlns:a16="http://schemas.microsoft.com/office/drawing/2014/main" id="{E5FB96F1-812C-4689-8CF8-75DFB3F36A6D}"/>
+              </a:ext>
+            </a:extLst>
+          </p:cNvPr>
+          <p:cNvPicPr/>
+          <p:nvPr/>
+        </p:nvPicPr>
+        <p:blipFill>
+          <a:blip r:embed="rId3" cstate="print">
+            <a:extLst>
+              <a:ext uri="{28A0092B-C50C-407E-A947-70E740481C1C}">
+                <a14:useLocalDpi xmlns:a14="http://schemas.microsoft.com/office/drawing/2010/main" val="0"/>
+              </a:ext>
+            </a:extLst>
+          </a:blip>
+          <a:stretch>
+            <a:fillRect/>
+          </a:stretch>
+        </p:blipFill>
+        <p:spPr bwMode="auto">
+          <a:xfrm>
+            <a:off x="5618809" y="1526865"/>
+            <a:ext cx="6336662" cy="4118155"/>
+          </a:xfrm>
+          <a:prstGeom prst="rect">
+            <a:avLst/>
+          </a:prstGeom>
+          <a:noFill/>
+          <a:effectLst/>
+        </p:spPr>
+      </p:pic>
+      <p:sp>
+        <p:nvSpPr>
+          <p:cNvPr id="15" name="Rectangle 14">
+            <a:extLst>
+              <a:ext uri="{FF2B5EF4-FFF2-40B4-BE49-F238E27FC236}">
+                <a16:creationId xmlns:a16="http://schemas.microsoft.com/office/drawing/2014/main" id="{A92A1116-1C84-41DF-B803-1F7B0883EC82}"/>
+              </a:ext>
+              <a:ext uri="{C183D7F6-B498-43B3-948B-1728B52AA6E4}">
+                <adec:decorative xmlns:adec="http://schemas.microsoft.com/office/drawing/2017/decorative" val="1"/>
+              </a:ext>
+            </a:extLst>
+          </p:cNvPr>
+          <p:cNvSpPr>
+            <a:spLocks noGrp="1" noRot="1" noChangeAspect="1" noMove="1" noResize="1" noEditPoints="1" noAdjustHandles="1" noChangeArrowheads="1" noChangeShapeType="1" noTextEdit="1"/>
+          </p:cNvSpPr>
+          <p:nvPr>
+            <p:extLst>
+              <p:ext uri="{386F3935-93C4-4BCD-93E2-E3B085C9AB24}">
+                <p16:designElem xmlns:p16="http://schemas.microsoft.com/office/powerpoint/2015/main" val="1"/>
+              </p:ext>
+            </p:extLst>
+          </p:nvPr>
+        </p:nvSpPr>
+        <p:spPr>
+          <a:xfrm>
+            <a:off x="10442448" y="0"/>
+            <a:ext cx="685800" cy="1143000"/>
+          </a:xfrm>
+          <a:prstGeom prst="rect">
+            <a:avLst/>
+          </a:prstGeom>
+          <a:solidFill>
+            <a:schemeClr val="accent1"/>
+          </a:solidFill>
+          <a:ln>
+            <a:noFill/>
+          </a:ln>
+        </p:spPr>
+        <p:style>
+          <a:lnRef idx="1">
+            <a:schemeClr val="accent1"/>
+          </a:lnRef>
+          <a:fillRef idx="3">
+            <a:schemeClr val="accent1"/>
+          </a:fillRef>
+          <a:effectRef idx="2">
+            <a:schemeClr val="accent1"/>
+          </a:effectRef>
+          <a:fontRef idx="minor">
+            <a:schemeClr val="lt1"/>
+          </a:fontRef>
+        </p:style>
+      </p:sp>
+      <p:sp>
+        <p:nvSpPr>
+          <p:cNvPr id="3" name="Označba mesta vsebine 2">
+            <a:extLst>
+              <a:ext uri="{FF2B5EF4-FFF2-40B4-BE49-F238E27FC236}">
+                <a16:creationId xmlns:a16="http://schemas.microsoft.com/office/drawing/2014/main" id="{04D46D47-06A5-4C6B-9684-0A18A29D2C4A}"/>
+              </a:ext>
+            </a:extLst>
+          </p:cNvPr>
+          <p:cNvSpPr>
+            <a:spLocks noGrp="1"/>
+          </p:cNvSpPr>
+          <p:nvPr>
+            <p:ph idx="1"/>
+          </p:nvPr>
+        </p:nvSpPr>
+        <p:spPr>
+          <a:xfrm>
+            <a:off x="648931" y="2438400"/>
+            <a:ext cx="4166509" cy="3785419"/>
+          </a:xfrm>
+        </p:spPr>
+        <p:txBody>
+          <a:bodyPr>
+            <a:normAutofit/>
+          </a:bodyPr>
+          <a:lstStyle/>
+          <a:p>
+            <a:pPr marL="0" indent="0">
+              <a:buNone/>
+            </a:pPr>
+            <a:r>
+              <a:rPr lang="sl-SI" b="1">
+                <a:solidFill>
+                  <a:srgbClr val="EBEBEB"/>
+                </a:solidFill>
+              </a:rPr>
+              <a:t>Android Studio</a:t>
+            </a:r>
+            <a:r>
+              <a:rPr lang="sl-SI">
+                <a:solidFill>
+                  <a:srgbClr val="EBEBEB"/>
+                </a:solidFill>
+              </a:rPr>
+              <a:t>:</a:t>
+            </a:r>
+          </a:p>
+          <a:p>
+            <a:pPr>
+              <a:buFont typeface="Arial" panose="020B0604020202020204" pitchFamily="34" charset="0"/>
+              <a:buChar char="•"/>
+            </a:pPr>
+            <a:r>
+              <a:rPr lang="sl-SI">
+                <a:solidFill>
+                  <a:srgbClr val="EBEBEB"/>
+                </a:solidFill>
+              </a:rPr>
+              <a:t>Java</a:t>
+            </a:r>
+          </a:p>
+          <a:p>
+            <a:pPr>
+              <a:buFont typeface="Arial" panose="020B0604020202020204" pitchFamily="34" charset="0"/>
+              <a:buChar char="•"/>
+            </a:pPr>
+            <a:r>
+              <a:rPr lang="sl-SI">
+                <a:solidFill>
+                  <a:srgbClr val="EBEBEB"/>
+                </a:solidFill>
+              </a:rPr>
+              <a:t>XML</a:t>
+            </a:r>
+          </a:p>
+          <a:p>
+            <a:pPr>
+              <a:buFont typeface="Arial" panose="020B0604020202020204" pitchFamily="34" charset="0"/>
+              <a:buChar char="•"/>
+            </a:pPr>
+            <a:r>
+              <a:rPr lang="sl-SI">
+                <a:solidFill>
+                  <a:srgbClr val="EBEBEB"/>
+                </a:solidFill>
+              </a:rPr>
+              <a:t>Gradle</a:t>
+            </a:r>
+          </a:p>
+          <a:p>
+            <a:pPr>
+              <a:buFont typeface="Arial" panose="020B0604020202020204" pitchFamily="34" charset="0"/>
+              <a:buChar char="•"/>
+            </a:pPr>
+            <a:r>
+              <a:rPr lang="sl-SI">
+                <a:solidFill>
+                  <a:srgbClr val="EBEBEB"/>
+                </a:solidFill>
+              </a:rPr>
+              <a:t>Android Virtual Device (AVD)</a:t>
+            </a:r>
+          </a:p>
+          <a:p>
+            <a:pPr>
+              <a:buFont typeface="Arial" panose="020B0604020202020204" pitchFamily="34" charset="0"/>
+              <a:buChar char="•"/>
+            </a:pPr>
+            <a:endParaRPr lang="sl-SI">
+              <a:solidFill>
+                <a:srgbClr val="EBEBEB"/>
+              </a:solidFill>
+            </a:endParaRPr>
+          </a:p>
+          <a:p>
+            <a:pPr>
+              <a:buFont typeface="Arial" panose="020B0604020202020204" pitchFamily="34" charset="0"/>
+              <a:buChar char="•"/>
+            </a:pPr>
+            <a:endParaRPr lang="sl-SI">
+              <a:solidFill>
+                <a:srgbClr val="EBEBEB"/>
+              </a:solidFill>
+            </a:endParaRPr>
+          </a:p>
+          <a:p>
+            <a:pPr marL="0" indent="0">
+              <a:buNone/>
+            </a:pPr>
+            <a:endParaRPr lang="sl-SI">
+              <a:solidFill>
+                <a:srgbClr val="EBEBEB"/>
+              </a:solidFill>
+            </a:endParaRPr>
+          </a:p>
+        </p:txBody>
+      </p:sp>
+    </p:spTree>
+    <p:extLst>
+      <p:ext uri="{BB962C8B-B14F-4D97-AF65-F5344CB8AC3E}">
+        <p14:creationId xmlns:p14="http://schemas.microsoft.com/office/powerpoint/2010/main" val="3709270258"/>
+      </p:ext>
+    </p:extLst>
+  </p:cSld>
+  <p:clrMapOvr>
+    <a:overrideClrMapping bg1="lt1" tx1="dk1" bg2="lt2" tx2="dk2" accent1="accent1" accent2="accent2" accent3="accent3" accent4="accent4" accent5="accent5" accent6="accent6" hlink="hlink" folHlink="folHlink"/>
+  </p:clrMapOvr>
+</p:sld>
+</file>
+
+<file path=ppt/slides/slide4.xml><?xml version="1.0" encoding="utf-8"?>
+<p:sld xmlns:a="http://schemas.openxmlformats.org/drawingml/2006/main" xmlns:r="http://schemas.openxmlformats.org/officeDocument/2006/relationships" xmlns:p="http://schemas.openxmlformats.org/presentationml/2006/main">
+  <p:cSld>
+    <p:bg>
+      <p:bgPr>
+        <a:solidFill>
+          <a:schemeClr val="bg1"/>
+        </a:solidFill>
+        <a:effectLst/>
+      </p:bgPr>
+    </p:bg>
+    <p:spTree>
+      <p:nvGrpSpPr>
+        <p:cNvPr id="1" name=""/>
+        <p:cNvGrpSpPr/>
+        <p:nvPr/>
+      </p:nvGrpSpPr>
+      <p:grpSpPr>
+        <a:xfrm>
+          <a:off x="0" y="0"/>
+          <a:ext cx="0" cy="0"/>
+          <a:chOff x="0" y="0"/>
+          <a:chExt cx="0" cy="0"/>
+        </a:xfrm>
+      </p:grpSpPr>
+      <p:sp>
+        <p:nvSpPr>
+          <p:cNvPr id="9" name="Rectangle 8">
+            <a:extLst>
+              <a:ext uri="{FF2B5EF4-FFF2-40B4-BE49-F238E27FC236}">
+                <a16:creationId xmlns:a16="http://schemas.microsoft.com/office/drawing/2014/main" id="{B4AAD3FD-83A5-4B89-9F8F-01B8870865BE}"/>
+              </a:ext>
+              <a:ext uri="{C183D7F6-B498-43B3-948B-1728B52AA6E4}">
+                <adec:decorative xmlns:adec="http://schemas.microsoft.com/office/drawing/2017/decorative" val="1"/>
+              </a:ext>
+            </a:extLst>
+          </p:cNvPr>
+          <p:cNvSpPr>
+            <a:spLocks noGrp="1" noRot="1" noChangeAspect="1" noMove="1" noResize="1" noEditPoints="1" noAdjustHandles="1" noChangeArrowheads="1" noChangeShapeType="1" noTextEdit="1"/>
+          </p:cNvSpPr>
+          <p:nvPr>
+            <p:extLst>
+              <p:ext uri="{386F3935-93C4-4BCD-93E2-E3B085C9AB24}">
+                <p16:designElem xmlns:p16="http://schemas.microsoft.com/office/powerpoint/2015/main" val="1"/>
+              </p:ext>
+            </p:extLst>
+          </p:nvPr>
+        </p:nvSpPr>
+        <p:spPr>
+          <a:xfrm>
+            <a:off x="0" y="0"/>
+            <a:ext cx="12192000" cy="6858000"/>
+          </a:xfrm>
+          <a:prstGeom prst="rect">
+            <a:avLst/>
+          </a:prstGeom>
+          <a:ln>
+            <a:noFill/>
+          </a:ln>
+        </p:spPr>
+        <p:style>
+          <a:lnRef idx="2">
+            <a:schemeClr val="accent1">
+              <a:shade val="50000"/>
+            </a:schemeClr>
+          </a:lnRef>
+          <a:fillRef idx="1003">
+            <a:schemeClr val="dk2"/>
+          </a:fillRef>
+          <a:effectRef idx="0">
+            <a:schemeClr val="accent1"/>
+          </a:effectRef>
+          <a:fontRef idx="minor">
+            <a:schemeClr val="lt1"/>
+          </a:fontRef>
+        </p:style>
+        <p:txBody>
+          <a:bodyPr rtlCol="0" anchor="ctr"/>
+          <a:lstStyle/>
+          <a:p>
+            <a:pPr algn="ctr"/>
+            <a:endParaRPr lang="en-US"/>
+          </a:p>
+        </p:txBody>
+      </p:sp>
+      <p:sp>
+        <p:nvSpPr>
+          <p:cNvPr id="2" name="Naslov 1">
+            <a:extLst>
+              <a:ext uri="{FF2B5EF4-FFF2-40B4-BE49-F238E27FC236}">
+                <a16:creationId xmlns:a16="http://schemas.microsoft.com/office/drawing/2014/main" id="{FA736354-F3CF-4266-A8DB-B4804F0EE439}"/>
+              </a:ext>
+            </a:extLst>
+          </p:cNvPr>
+          <p:cNvSpPr>
+            <a:spLocks noGrp="1"/>
+          </p:cNvSpPr>
+          <p:nvPr>
+            <p:ph type="title"/>
+          </p:nvPr>
+        </p:nvSpPr>
+        <p:spPr>
+          <a:xfrm>
+            <a:off x="648931" y="629266"/>
+            <a:ext cx="4166510" cy="1622321"/>
+          </a:xfrm>
+        </p:spPr>
+        <p:txBody>
+          <a:bodyPr>
+            <a:normAutofit/>
+          </a:bodyPr>
+          <a:lstStyle/>
+          <a:p>
+            <a:r>
+              <a:rPr lang="sl-SI">
+                <a:solidFill>
+                  <a:srgbClr val="EBEBEB"/>
+                </a:solidFill>
+              </a:rPr>
+              <a:t>Načrtovanje</a:t>
+            </a:r>
+          </a:p>
+        </p:txBody>
+      </p:sp>
+      <p:sp>
+        <p:nvSpPr>
+          <p:cNvPr id="11" name="Freeform 31">
+            <a:extLst>
+              <a:ext uri="{FF2B5EF4-FFF2-40B4-BE49-F238E27FC236}">
+                <a16:creationId xmlns:a16="http://schemas.microsoft.com/office/drawing/2014/main" id="{61752F1D-FC0F-4103-9584-630E643CCDA6}"/>
+              </a:ext>
+              <a:ext uri="{C183D7F6-B498-43B3-948B-1728B52AA6E4}">
+                <adec:decorative xmlns:adec="http://schemas.microsoft.com/office/drawing/2017/decorative" val="1"/>
+              </a:ext>
+            </a:extLst>
+          </p:cNvPr>
+          <p:cNvSpPr>
+            <a:spLocks noGrp="1" noRot="1" noChangeAspect="1" noMove="1" noResize="1" noEditPoints="1" noAdjustHandles="1" noChangeArrowheads="1" noChangeShapeType="1" noTextEdit="1"/>
+          </p:cNvSpPr>
+          <p:nvPr>
+            <p:extLst>
+              <p:ext uri="{386F3935-93C4-4BCD-93E2-E3B085C9AB24}">
+                <p16:designElem xmlns:p16="http://schemas.microsoft.com/office/powerpoint/2015/main" val="1"/>
+              </p:ext>
+            </p:extLst>
+          </p:nvPr>
+        </p:nvSpPr>
+        <p:spPr>
+          <a:xfrm>
+            <a:off x="4994020" y="-1"/>
+            <a:ext cx="559472" cy="3709642"/>
+          </a:xfrm>
+          <a:custGeom>
+            <a:avLst/>
+            <a:gdLst>
+              <a:gd name="connsiteX0" fmla="*/ 0 w 559472"/>
+              <a:gd name="connsiteY0" fmla="*/ 0 h 3709642"/>
+              <a:gd name="connsiteX1" fmla="*/ 473952 w 559472"/>
+              <a:gd name="connsiteY1" fmla="*/ 0 h 3709642"/>
+              <a:gd name="connsiteX2" fmla="*/ 485840 w 559472"/>
+              <a:gd name="connsiteY2" fmla="*/ 161194 h 3709642"/>
+              <a:gd name="connsiteX3" fmla="*/ 523949 w 559472"/>
+              <a:gd name="connsiteY3" fmla="*/ 3672197 h 3709642"/>
+              <a:gd name="connsiteX4" fmla="*/ 454748 w 559472"/>
+              <a:gd name="connsiteY4" fmla="*/ 3709642 h 3709642"/>
+              <a:gd name="connsiteX5" fmla="*/ 448224 w 559472"/>
+              <a:gd name="connsiteY5" fmla="*/ 3510471 h 3709642"/>
+              <a:gd name="connsiteX6" fmla="*/ 443564 w 559472"/>
+              <a:gd name="connsiteY6" fmla="*/ 3408563 h 3709642"/>
+              <a:gd name="connsiteX7" fmla="*/ 438902 w 559472"/>
+              <a:gd name="connsiteY7" fmla="*/ 3304407 h 3709642"/>
+              <a:gd name="connsiteX8" fmla="*/ 433941 w 559472"/>
+              <a:gd name="connsiteY8" fmla="*/ 3198777 h 3709642"/>
+              <a:gd name="connsiteX9" fmla="*/ 427584 w 559472"/>
+              <a:gd name="connsiteY9" fmla="*/ 3092510 h 3709642"/>
+              <a:gd name="connsiteX10" fmla="*/ 420988 w 559472"/>
+              <a:gd name="connsiteY10" fmla="*/ 2984390 h 3709642"/>
+              <a:gd name="connsiteX11" fmla="*/ 414330 w 559472"/>
+              <a:gd name="connsiteY11" fmla="*/ 2874401 h 3709642"/>
+              <a:gd name="connsiteX12" fmla="*/ 406840 w 559472"/>
+              <a:gd name="connsiteY12" fmla="*/ 2762980 h 3709642"/>
+              <a:gd name="connsiteX13" fmla="*/ 397745 w 559472"/>
+              <a:gd name="connsiteY13" fmla="*/ 2650566 h 3709642"/>
+              <a:gd name="connsiteX14" fmla="*/ 389154 w 559472"/>
+              <a:gd name="connsiteY14" fmla="*/ 2536612 h 3709642"/>
+              <a:gd name="connsiteX15" fmla="*/ 379225 w 559472"/>
+              <a:gd name="connsiteY15" fmla="*/ 2421642 h 3709642"/>
+              <a:gd name="connsiteX16" fmla="*/ 368316 w 559472"/>
+              <a:gd name="connsiteY16" fmla="*/ 2305627 h 3709642"/>
+              <a:gd name="connsiteX17" fmla="*/ 357466 w 559472"/>
+              <a:gd name="connsiteY17" fmla="*/ 2189233 h 3709642"/>
+              <a:gd name="connsiteX18" fmla="*/ 344982 w 559472"/>
+              <a:gd name="connsiteY18" fmla="*/ 2071473 h 3709642"/>
+              <a:gd name="connsiteX19" fmla="*/ 332466 w 559472"/>
+              <a:gd name="connsiteY19" fmla="*/ 1952216 h 3709642"/>
+              <a:gd name="connsiteX20" fmla="*/ 319121 w 559472"/>
+              <a:gd name="connsiteY20" fmla="*/ 1833776 h 3709642"/>
+              <a:gd name="connsiteX21" fmla="*/ 304408 w 559472"/>
+              <a:gd name="connsiteY21" fmla="*/ 1713948 h 3709642"/>
+              <a:gd name="connsiteX22" fmla="*/ 288685 w 559472"/>
+              <a:gd name="connsiteY22" fmla="*/ 1592703 h 3709642"/>
+              <a:gd name="connsiteX23" fmla="*/ 273050 w 559472"/>
+              <a:gd name="connsiteY23" fmla="*/ 1471451 h 3709642"/>
+              <a:gd name="connsiteX24" fmla="*/ 255813 w 559472"/>
+              <a:gd name="connsiteY24" fmla="*/ 1350328 h 3709642"/>
+              <a:gd name="connsiteX25" fmla="*/ 237060 w 559472"/>
+              <a:gd name="connsiteY25" fmla="*/ 1227080 h 3709642"/>
+              <a:gd name="connsiteX26" fmla="*/ 218488 w 559472"/>
+              <a:gd name="connsiteY26" fmla="*/ 1106065 h 3709642"/>
+              <a:gd name="connsiteX27" fmla="*/ 198221 w 559472"/>
+              <a:gd name="connsiteY27" fmla="*/ 982940 h 3709642"/>
+              <a:gd name="connsiteX28" fmla="*/ 177152 w 559472"/>
+              <a:gd name="connsiteY28" fmla="*/ 858755 h 3709642"/>
+              <a:gd name="connsiteX29" fmla="*/ 155551 w 559472"/>
+              <a:gd name="connsiteY29" fmla="*/ 736861 h 3709642"/>
+              <a:gd name="connsiteX30" fmla="*/ 131782 w 559472"/>
+              <a:gd name="connsiteY30" fmla="*/ 613645 h 3709642"/>
+              <a:gd name="connsiteX31" fmla="*/ 107123 w 559472"/>
+              <a:gd name="connsiteY31" fmla="*/ 490500 h 3709642"/>
+              <a:gd name="connsiteX32" fmla="*/ 82552 w 559472"/>
+              <a:gd name="connsiteY32" fmla="*/ 367348 h 3709642"/>
+              <a:gd name="connsiteX33" fmla="*/ 55608 w 559472"/>
+              <a:gd name="connsiteY33" fmla="*/ 244762 h 3709642"/>
+              <a:gd name="connsiteX34" fmla="*/ 28130 w 559472"/>
+              <a:gd name="connsiteY34" fmla="*/ 122220 h 3709642"/>
+              <a:gd name="connsiteX35" fmla="*/ 0 w 559472"/>
+              <a:gd name="connsiteY35" fmla="*/ 0 h 3709642"/>
+            </a:gdLst>
+            <a:ahLst/>
+            <a:cxnLst>
+              <a:cxn ang="0">
+                <a:pos x="connsiteX0" y="connsiteY0"/>
+              </a:cxn>
+              <a:cxn ang="0">
+                <a:pos x="connsiteX1" y="connsiteY1"/>
+              </a:cxn>
+              <a:cxn ang="0">
+                <a:pos x="connsiteX2" y="connsiteY2"/>
+              </a:cxn>
+              <a:cxn ang="0">
+                <a:pos x="connsiteX3" y="connsiteY3"/>
+              </a:cxn>
+              <a:cxn ang="0">
+                <a:pos x="connsiteX4" y="connsiteY4"/>
+              </a:cxn>
+              <a:cxn ang="0">
+                <a:pos x="connsiteX5" y="connsiteY5"/>
+              </a:cxn>
+              <a:cxn ang="0">
+                <a:pos x="connsiteX6" y="connsiteY6"/>
+              </a:cxn>
+              <a:cxn ang="0">
+                <a:pos x="connsiteX7" y="connsiteY7"/>
+              </a:cxn>
+              <a:cxn ang="0">
+                <a:pos x="connsiteX8" y="connsiteY8"/>
+              </a:cxn>
+              <a:cxn ang="0">
+                <a:pos x="connsiteX9" y="connsiteY9"/>
+              </a:cxn>
+              <a:cxn ang="0">
+                <a:pos x="connsiteX10" y="connsiteY10"/>
+              </a:cxn>
+              <a:cxn ang="0">
+                <a:pos x="connsiteX11" y="connsiteY11"/>
+              </a:cxn>
+              <a:cxn ang="0">
+                <a:pos x="connsiteX12" y="connsiteY12"/>
+              </a:cxn>
+              <a:cxn ang="0">
+                <a:pos x="connsiteX13" y="connsiteY13"/>
+              </a:cxn>
+              <a:cxn ang="0">
+                <a:pos x="connsiteX14" y="connsiteY14"/>
+              </a:cxn>
+              <a:cxn ang="0">
+                <a:pos x="connsiteX15" y="connsiteY15"/>
+              </a:cxn>
+              <a:cxn ang="0">
+                <a:pos x="connsiteX16" y="connsiteY16"/>
+              </a:cxn>
+              <a:cxn ang="0">
+                <a:pos x="connsiteX17" y="connsiteY17"/>
+              </a:cxn>
+              <a:cxn ang="0">
+                <a:pos x="connsiteX18" y="connsiteY18"/>
+              </a:cxn>
+              <a:cxn ang="0">
+                <a:pos x="connsiteX19" y="connsiteY19"/>
+              </a:cxn>
+              <a:cxn ang="0">
+                <a:pos x="connsiteX20" y="connsiteY20"/>
+              </a:cxn>
+              <a:cxn ang="0">
+                <a:pos x="connsiteX21" y="connsiteY21"/>
+              </a:cxn>
+              <a:cxn ang="0">
+                <a:pos x="connsiteX22" y="connsiteY22"/>
+              </a:cxn>
+              <a:cxn ang="0">
+                <a:pos x="connsiteX23" y="connsiteY23"/>
+              </a:cxn>
+              <a:cxn ang="0">
+                <a:pos x="connsiteX24" y="connsiteY24"/>
+              </a:cxn>
+              <a:cxn ang="0">
+                <a:pos x="connsiteX25" y="connsiteY25"/>
+              </a:cxn>
+              <a:cxn ang="0">
+                <a:pos x="connsiteX26" y="connsiteY26"/>
+              </a:cxn>
+              <a:cxn ang="0">
+                <a:pos x="connsiteX27" y="connsiteY27"/>
+              </a:cxn>
+              <a:cxn ang="0">
+                <a:pos x="connsiteX28" y="connsiteY28"/>
+              </a:cxn>
+              <a:cxn ang="0">
+                <a:pos x="connsiteX29" y="connsiteY29"/>
+              </a:cxn>
+              <a:cxn ang="0">
+                <a:pos x="connsiteX30" y="connsiteY30"/>
+              </a:cxn>
+              <a:cxn ang="0">
+                <a:pos x="connsiteX31" y="connsiteY31"/>
+              </a:cxn>
+              <a:cxn ang="0">
+                <a:pos x="connsiteX32" y="connsiteY32"/>
+              </a:cxn>
+              <a:cxn ang="0">
+                <a:pos x="connsiteX33" y="connsiteY33"/>
+              </a:cxn>
+              <a:cxn ang="0">
+                <a:pos x="connsiteX34" y="connsiteY34"/>
+              </a:cxn>
+              <a:cxn ang="0">
+                <a:pos x="connsiteX35" y="connsiteY35"/>
+              </a:cxn>
+            </a:cxnLst>
+            <a:rect l="l" t="t" r="r" b="b"/>
+            <a:pathLst>
+              <a:path w="559472" h="3709642">
+                <a:moveTo>
+                  <a:pt x="0" y="0"/>
+                </a:moveTo>
+                <a:lnTo>
+                  <a:pt x="473952" y="0"/>
+                </a:lnTo>
+                <a:lnTo>
+                  <a:pt x="485840" y="161194"/>
+                </a:lnTo>
+                <a:cubicBezTo>
+                  <a:pt x="552063" y="1147770"/>
+                  <a:pt x="592441" y="3086737"/>
+                  <a:pt x="523949" y="3672197"/>
+                </a:cubicBezTo>
+                <a:cubicBezTo>
+                  <a:pt x="500842" y="3684557"/>
+                  <a:pt x="477855" y="3697282"/>
+                  <a:pt x="454748" y="3709642"/>
+                </a:cubicBezTo>
+                <a:lnTo>
+                  <a:pt x="448224" y="3510471"/>
+                </a:lnTo>
+                <a:lnTo>
+                  <a:pt x="443564" y="3408563"/>
+                </a:lnTo>
+                <a:lnTo>
+                  <a:pt x="438902" y="3304407"/>
+                </a:lnTo>
+                <a:lnTo>
+                  <a:pt x="433941" y="3198777"/>
+                </a:lnTo>
+                <a:lnTo>
+                  <a:pt x="427584" y="3092510"/>
+                </a:lnTo>
+                <a:lnTo>
+                  <a:pt x="420988" y="2984390"/>
+                </a:lnTo>
+                <a:lnTo>
+                  <a:pt x="414330" y="2874401"/>
+                </a:lnTo>
+                <a:lnTo>
+                  <a:pt x="406840" y="2762980"/>
+                </a:lnTo>
+                <a:lnTo>
+                  <a:pt x="397745" y="2650566"/>
+                </a:lnTo>
+                <a:lnTo>
+                  <a:pt x="389154" y="2536612"/>
+                </a:lnTo>
+                <a:lnTo>
+                  <a:pt x="379225" y="2421642"/>
+                </a:lnTo>
+                <a:lnTo>
+                  <a:pt x="368316" y="2305627"/>
+                </a:lnTo>
+                <a:lnTo>
+                  <a:pt x="357466" y="2189233"/>
+                </a:lnTo>
+                <a:lnTo>
+                  <a:pt x="344982" y="2071473"/>
+                </a:lnTo>
+                <a:lnTo>
+                  <a:pt x="332466" y="1952216"/>
+                </a:lnTo>
+                <a:lnTo>
+                  <a:pt x="319121" y="1833776"/>
+                </a:lnTo>
+                <a:lnTo>
+                  <a:pt x="304408" y="1713948"/>
+                </a:lnTo>
+                <a:lnTo>
+                  <a:pt x="288685" y="1592703"/>
+                </a:lnTo>
+                <a:lnTo>
+                  <a:pt x="273050" y="1471451"/>
+                </a:lnTo>
+                <a:lnTo>
+                  <a:pt x="255813" y="1350328"/>
+                </a:lnTo>
+                <a:lnTo>
+                  <a:pt x="237060" y="1227080"/>
+                </a:lnTo>
+                <a:lnTo>
+                  <a:pt x="218488" y="1106065"/>
+                </a:lnTo>
+                <a:lnTo>
+                  <a:pt x="198221" y="982940"/>
+                </a:lnTo>
+                <a:lnTo>
+                  <a:pt x="177152" y="858755"/>
+                </a:lnTo>
+                <a:lnTo>
+                  <a:pt x="155551" y="736861"/>
+                </a:lnTo>
+                <a:lnTo>
+                  <a:pt x="131782" y="613645"/>
+                </a:lnTo>
+                <a:lnTo>
+                  <a:pt x="107123" y="490500"/>
+                </a:lnTo>
+                <a:lnTo>
+                  <a:pt x="82552" y="367348"/>
+                </a:lnTo>
+                <a:lnTo>
+                  <a:pt x="55608" y="244762"/>
+                </a:lnTo>
+                <a:lnTo>
+                  <a:pt x="28130" y="122220"/>
+                </a:lnTo>
+                <a:lnTo>
+                  <a:pt x="0" y="0"/>
+                </a:lnTo>
+                <a:close/>
+              </a:path>
+            </a:pathLst>
+          </a:custGeom>
+          <a:solidFill>
+            <a:schemeClr val="bg1">
+              <a:alpha val="20000"/>
+            </a:schemeClr>
+          </a:solidFill>
+          <a:ln>
+            <a:noFill/>
+          </a:ln>
+        </p:spPr>
+        <p:txBody>
+          <a:bodyPr rtlCol="0" anchor="ctr"/>
+          <a:lstStyle/>
+          <a:p>
+            <a:pPr algn="ctr"/>
+            <a:endParaRPr lang="en-US"/>
+          </a:p>
+        </p:txBody>
+      </p:sp>
+      <p:sp useBgFill="1">
+        <p:nvSpPr>
+          <p:cNvPr id="13" name="Freeform: Shape 12">
+            <a:extLst>
+              <a:ext uri="{FF2B5EF4-FFF2-40B4-BE49-F238E27FC236}">
+                <a16:creationId xmlns:a16="http://schemas.microsoft.com/office/drawing/2014/main" id="{70151CB7-E7DE-4917-B831-01DF9CE01306}"/>
+              </a:ext>
+              <a:ext uri="{C183D7F6-B498-43B3-948B-1728B52AA6E4}">
+                <adec:decorative xmlns:adec="http://schemas.microsoft.com/office/drawing/2017/decorative" val="1"/>
+              </a:ext>
+            </a:extLst>
+          </p:cNvPr>
+          <p:cNvSpPr>
+            <a:spLocks noGrp="1" noRot="1" noChangeAspect="1" noMove="1" noResize="1" noEditPoints="1" noAdjustHandles="1" noChangeArrowheads="1" noChangeShapeType="1" noTextEdit="1"/>
+          </p:cNvSpPr>
+          <p:nvPr>
+            <p:extLst>
+              <p:ext uri="{386F3935-93C4-4BCD-93E2-E3B085C9AB24}">
+                <p16:designElem xmlns:p16="http://schemas.microsoft.com/office/powerpoint/2015/main" val="1"/>
+              </p:ext>
+            </p:extLst>
+          </p:nvPr>
+        </p:nvSpPr>
+        <p:spPr bwMode="gray">
+          <a:xfrm rot="16200000">
+            <a:off x="5270819" y="-63600"/>
+            <a:ext cx="6858001" cy="6985200"/>
+          </a:xfrm>
+          <a:custGeom>
+            <a:avLst/>
+            <a:gdLst>
+              <a:gd name="connsiteX0" fmla="*/ 6858001 w 6858001"/>
+              <a:gd name="connsiteY0" fmla="*/ 1177 h 6985200"/>
+              <a:gd name="connsiteX1" fmla="*/ 6858001 w 6858001"/>
+              <a:gd name="connsiteY1" fmla="*/ 1344715 h 6985200"/>
+              <a:gd name="connsiteX2" fmla="*/ 6858000 w 6858001"/>
+              <a:gd name="connsiteY2" fmla="*/ 1344715 h 6985200"/>
+              <a:gd name="connsiteX3" fmla="*/ 6858000 w 6858001"/>
+              <a:gd name="connsiteY3" fmla="*/ 6985200 h 6985200"/>
+              <a:gd name="connsiteX4" fmla="*/ 0 w 6858001"/>
+              <a:gd name="connsiteY4" fmla="*/ 6985199 h 6985200"/>
+              <a:gd name="connsiteX5" fmla="*/ 0 w 6858001"/>
+              <a:gd name="connsiteY5" fmla="*/ 886772 h 6985200"/>
+              <a:gd name="connsiteX6" fmla="*/ 1 w 6858001"/>
+              <a:gd name="connsiteY6" fmla="*/ 886772 h 6985200"/>
+              <a:gd name="connsiteX7" fmla="*/ 1 w 6858001"/>
+              <a:gd name="connsiteY7" fmla="*/ 0 h 6985200"/>
+              <a:gd name="connsiteX8" fmla="*/ 40463 w 6858001"/>
+              <a:gd name="connsiteY8" fmla="*/ 5883 h 6985200"/>
+              <a:gd name="connsiteX9" fmla="*/ 159107 w 6858001"/>
+              <a:gd name="connsiteY9" fmla="*/ 23196 h 6985200"/>
+              <a:gd name="connsiteX10" fmla="*/ 245518 w 6858001"/>
+              <a:gd name="connsiteY10" fmla="*/ 35299 h 6985200"/>
+              <a:gd name="connsiteX11" fmla="*/ 348388 w 6858001"/>
+              <a:gd name="connsiteY11" fmla="*/ 48073 h 6985200"/>
+              <a:gd name="connsiteX12" fmla="*/ 470460 w 6858001"/>
+              <a:gd name="connsiteY12" fmla="*/ 63369 h 6985200"/>
+              <a:gd name="connsiteX13" fmla="*/ 605563 w 6858001"/>
+              <a:gd name="connsiteY13" fmla="*/ 79506 h 6985200"/>
+              <a:gd name="connsiteX14" fmla="*/ 757810 w 6858001"/>
+              <a:gd name="connsiteY14" fmla="*/ 96483 h 6985200"/>
+              <a:gd name="connsiteX15" fmla="*/ 923774 w 6858001"/>
+              <a:gd name="connsiteY15" fmla="*/ 114469 h 6985200"/>
+              <a:gd name="connsiteX16" fmla="*/ 1104139 w 6858001"/>
+              <a:gd name="connsiteY16" fmla="*/ 132454 h 6985200"/>
+              <a:gd name="connsiteX17" fmla="*/ 1296163 w 6858001"/>
+              <a:gd name="connsiteY17" fmla="*/ 150776 h 6985200"/>
+              <a:gd name="connsiteX18" fmla="*/ 1503275 w 6858001"/>
+              <a:gd name="connsiteY18" fmla="*/ 167753 h 6985200"/>
+              <a:gd name="connsiteX19" fmla="*/ 1719988 w 6858001"/>
+              <a:gd name="connsiteY19" fmla="*/ 184058 h 6985200"/>
+              <a:gd name="connsiteX20" fmla="*/ 1949045 w 6858001"/>
+              <a:gd name="connsiteY20" fmla="*/ 198849 h 6985200"/>
+              <a:gd name="connsiteX21" fmla="*/ 2187703 w 6858001"/>
+              <a:gd name="connsiteY21" fmla="*/ 212969 h 6985200"/>
+              <a:gd name="connsiteX22" fmla="*/ 2436649 w 6858001"/>
+              <a:gd name="connsiteY22" fmla="*/ 226248 h 6985200"/>
+              <a:gd name="connsiteX23" fmla="*/ 2564208 w 6858001"/>
+              <a:gd name="connsiteY23" fmla="*/ 230955 h 6985200"/>
+              <a:gd name="connsiteX24" fmla="*/ 2694509 w 6858001"/>
+              <a:gd name="connsiteY24" fmla="*/ 236165 h 6985200"/>
+              <a:gd name="connsiteX25" fmla="*/ 2826869 w 6858001"/>
+              <a:gd name="connsiteY25" fmla="*/ 241040 h 6985200"/>
+              <a:gd name="connsiteX26" fmla="*/ 2959914 w 6858001"/>
+              <a:gd name="connsiteY26" fmla="*/ 244234 h 6985200"/>
+              <a:gd name="connsiteX27" fmla="*/ 3095702 w 6858001"/>
+              <a:gd name="connsiteY27" fmla="*/ 247091 h 6985200"/>
+              <a:gd name="connsiteX28" fmla="*/ 3232862 w 6858001"/>
+              <a:gd name="connsiteY28" fmla="*/ 250117 h 6985200"/>
+              <a:gd name="connsiteX29" fmla="*/ 3372766 w 6858001"/>
+              <a:gd name="connsiteY29" fmla="*/ 252134 h 6985200"/>
+              <a:gd name="connsiteX30" fmla="*/ 3514040 w 6858001"/>
+              <a:gd name="connsiteY30" fmla="*/ 252134 h 6985200"/>
+              <a:gd name="connsiteX31" fmla="*/ 3656686 w 6858001"/>
+              <a:gd name="connsiteY31" fmla="*/ 253142 h 6985200"/>
+              <a:gd name="connsiteX32" fmla="*/ 3800705 w 6858001"/>
+              <a:gd name="connsiteY32" fmla="*/ 252134 h 6985200"/>
+              <a:gd name="connsiteX33" fmla="*/ 3946780 w 6858001"/>
+              <a:gd name="connsiteY33" fmla="*/ 250117 h 6985200"/>
+              <a:gd name="connsiteX34" fmla="*/ 4092856 w 6858001"/>
+              <a:gd name="connsiteY34" fmla="*/ 248268 h 6985200"/>
+              <a:gd name="connsiteX35" fmla="*/ 4240988 w 6858001"/>
+              <a:gd name="connsiteY35" fmla="*/ 244234 h 6985200"/>
+              <a:gd name="connsiteX36" fmla="*/ 4390492 w 6858001"/>
+              <a:gd name="connsiteY36" fmla="*/ 240032 h 6985200"/>
+              <a:gd name="connsiteX37" fmla="*/ 4539997 w 6858001"/>
+              <a:gd name="connsiteY37" fmla="*/ 235157 h 6985200"/>
+              <a:gd name="connsiteX38" fmla="*/ 4690873 w 6858001"/>
+              <a:gd name="connsiteY38" fmla="*/ 228266 h 6985200"/>
+              <a:gd name="connsiteX39" fmla="*/ 4843120 w 6858001"/>
+              <a:gd name="connsiteY39" fmla="*/ 220029 h 6985200"/>
+              <a:gd name="connsiteX40" fmla="*/ 4996054 w 6858001"/>
+              <a:gd name="connsiteY40" fmla="*/ 212129 h 6985200"/>
+              <a:gd name="connsiteX41" fmla="*/ 5148987 w 6858001"/>
+              <a:gd name="connsiteY41" fmla="*/ 202044 h 6985200"/>
+              <a:gd name="connsiteX42" fmla="*/ 5303978 w 6858001"/>
+              <a:gd name="connsiteY42" fmla="*/ 189941 h 6985200"/>
+              <a:gd name="connsiteX43" fmla="*/ 5456911 w 6858001"/>
+              <a:gd name="connsiteY43" fmla="*/ 177839 h 6985200"/>
+              <a:gd name="connsiteX44" fmla="*/ 5612588 w 6858001"/>
+              <a:gd name="connsiteY44" fmla="*/ 163887 h 6985200"/>
+              <a:gd name="connsiteX45" fmla="*/ 5768950 w 6858001"/>
+              <a:gd name="connsiteY45" fmla="*/ 148591 h 6985200"/>
+              <a:gd name="connsiteX46" fmla="*/ 5923255 w 6858001"/>
+              <a:gd name="connsiteY46" fmla="*/ 132455 h 6985200"/>
+              <a:gd name="connsiteX47" fmla="*/ 6079618 w 6858001"/>
+              <a:gd name="connsiteY47" fmla="*/ 113629 h 6985200"/>
+              <a:gd name="connsiteX48" fmla="*/ 6235294 w 6858001"/>
+              <a:gd name="connsiteY48" fmla="*/ 93458 h 6985200"/>
+              <a:gd name="connsiteX49" fmla="*/ 6391657 w 6858001"/>
+              <a:gd name="connsiteY49" fmla="*/ 73455 h 6985200"/>
+              <a:gd name="connsiteX50" fmla="*/ 6547333 w 6858001"/>
+              <a:gd name="connsiteY50" fmla="*/ 50091 h 6985200"/>
+              <a:gd name="connsiteX51" fmla="*/ 6702324 w 6858001"/>
+              <a:gd name="connsiteY51" fmla="*/ 26222 h 6985200"/>
+            </a:gdLst>
+            <a:ahLst/>
+            <a:cxnLst>
+              <a:cxn ang="0">
+                <a:pos x="connsiteX0" y="connsiteY0"/>
+              </a:cxn>
+              <a:cxn ang="0">
+                <a:pos x="connsiteX1" y="connsiteY1"/>
+              </a:cxn>
+              <a:cxn ang="0">
+                <a:pos x="connsiteX2" y="connsiteY2"/>
+              </a:cxn>
+              <a:cxn ang="0">
+                <a:pos x="connsiteX3" y="connsiteY3"/>
+              </a:cxn>
+              <a:cxn ang="0">
+                <a:pos x="connsiteX4" y="connsiteY4"/>
+              </a:cxn>
+              <a:cxn ang="0">
+                <a:pos x="connsiteX5" y="connsiteY5"/>
+              </a:cxn>
+              <a:cxn ang="0">
+                <a:pos x="connsiteX6" y="connsiteY6"/>
+              </a:cxn>
+              <a:cxn ang="0">
+                <a:pos x="connsiteX7" y="connsiteY7"/>
+              </a:cxn>
+              <a:cxn ang="0">
+                <a:pos x="connsiteX8" y="connsiteY8"/>
+              </a:cxn>
+              <a:cxn ang="0">
+                <a:pos x="connsiteX9" y="connsiteY9"/>
+              </a:cxn>
+              <a:cxn ang="0">
+                <a:pos x="connsiteX10" y="connsiteY10"/>
+              </a:cxn>
+              <a:cxn ang="0">
+                <a:pos x="connsiteX11" y="connsiteY11"/>
+              </a:cxn>
+              <a:cxn ang="0">
+                <a:pos x="connsiteX12" y="connsiteY12"/>
+              </a:cxn>
+              <a:cxn ang="0">
+                <a:pos x="connsiteX13" y="connsiteY13"/>
+              </a:cxn>
+              <a:cxn ang="0">
+                <a:pos x="connsiteX14" y="connsiteY14"/>
+              </a:cxn>
+              <a:cxn ang="0">
+                <a:pos x="connsiteX15" y="connsiteY15"/>
+              </a:cxn>
+              <a:cxn ang="0">
+                <a:pos x="connsiteX16" y="connsiteY16"/>
+              </a:cxn>
+              <a:cxn ang="0">
+                <a:pos x="connsiteX17" y="connsiteY17"/>
+              </a:cxn>
+              <a:cxn ang="0">
+                <a:pos x="connsiteX18" y="connsiteY18"/>
+              </a:cxn>
+              <a:cxn ang="0">
+                <a:pos x="connsiteX19" y="connsiteY19"/>
+              </a:cxn>
+              <a:cxn ang="0">
+                <a:pos x="connsiteX20" y="connsiteY20"/>
+              </a:cxn>
+              <a:cxn ang="0">
+                <a:pos x="connsiteX21" y="connsiteY21"/>
+              </a:cxn>
+              <a:cxn ang="0">
+                <a:pos x="connsiteX22" y="connsiteY22"/>
+              </a:cxn>
+              <a:cxn ang="0">
+                <a:pos x="connsiteX23" y="connsiteY23"/>
+              </a:cxn>
+              <a:cxn ang="0">
+                <a:pos x="connsiteX24" y="connsiteY24"/>
+              </a:cxn>
+              <a:cxn ang="0">
+                <a:pos x="connsiteX25" y="connsiteY25"/>
+              </a:cxn>
+              <a:cxn ang="0">
+                <a:pos x="connsiteX26" y="connsiteY26"/>
+              </a:cxn>
+              <a:cxn ang="0">
+                <a:pos x="connsiteX27" y="connsiteY27"/>
+              </a:cxn>
+              <a:cxn ang="0">
+                <a:pos x="connsiteX28" y="connsiteY28"/>
+              </a:cxn>
+              <a:cxn ang="0">
+                <a:pos x="connsiteX29" y="connsiteY29"/>
+              </a:cxn>
+              <a:cxn ang="0">
+                <a:pos x="connsiteX30" y="connsiteY30"/>
+              </a:cxn>
+              <a:cxn ang="0">
+                <a:pos x="connsiteX31" y="connsiteY31"/>
+              </a:cxn>
+              <a:cxn ang="0">
+                <a:pos x="connsiteX32" y="connsiteY32"/>
+              </a:cxn>
+              <a:cxn ang="0">
+                <a:pos x="connsiteX33" y="connsiteY33"/>
+              </a:cxn>
+              <a:cxn ang="0">
+                <a:pos x="connsiteX34" y="connsiteY34"/>
+              </a:cxn>
+              <a:cxn ang="0">
+                <a:pos x="connsiteX35" y="connsiteY35"/>
+              </a:cxn>
+              <a:cxn ang="0">
+                <a:pos x="connsiteX36" y="connsiteY36"/>
+              </a:cxn>
+              <a:cxn ang="0">
+                <a:pos x="connsiteX37" y="connsiteY37"/>
+              </a:cxn>
+              <a:cxn ang="0">
+                <a:pos x="connsiteX38" y="connsiteY38"/>
+              </a:cxn>
+              <a:cxn ang="0">
+                <a:pos x="connsiteX39" y="connsiteY39"/>
+              </a:cxn>
+              <a:cxn ang="0">
+                <a:pos x="connsiteX40" y="connsiteY40"/>
+              </a:cxn>
+              <a:cxn ang="0">
+                <a:pos x="connsiteX41" y="connsiteY41"/>
+              </a:cxn>
+              <a:cxn ang="0">
+                <a:pos x="connsiteX42" y="connsiteY42"/>
+              </a:cxn>
+              <a:cxn ang="0">
+                <a:pos x="connsiteX43" y="connsiteY43"/>
+              </a:cxn>
+              <a:cxn ang="0">
+                <a:pos x="connsiteX44" y="connsiteY44"/>
+              </a:cxn>
+              <a:cxn ang="0">
+                <a:pos x="connsiteX45" y="connsiteY45"/>
+              </a:cxn>
+              <a:cxn ang="0">
+                <a:pos x="connsiteX46" y="connsiteY46"/>
+              </a:cxn>
+              <a:cxn ang="0">
+                <a:pos x="connsiteX47" y="connsiteY47"/>
+              </a:cxn>
+              <a:cxn ang="0">
+                <a:pos x="connsiteX48" y="connsiteY48"/>
+              </a:cxn>
+              <a:cxn ang="0">
+                <a:pos x="connsiteX49" y="connsiteY49"/>
+              </a:cxn>
+              <a:cxn ang="0">
+                <a:pos x="connsiteX50" y="connsiteY50"/>
+              </a:cxn>
+              <a:cxn ang="0">
+                <a:pos x="connsiteX51" y="connsiteY51"/>
+              </a:cxn>
+            </a:cxnLst>
+            <a:rect l="l" t="t" r="r" b="b"/>
+            <a:pathLst>
+              <a:path w="6858001" h="6985200">
+                <a:moveTo>
+                  <a:pt x="6858001" y="1177"/>
+                </a:moveTo>
+                <a:lnTo>
+                  <a:pt x="6858001" y="1344715"/>
+                </a:lnTo>
+                <a:lnTo>
+                  <a:pt x="6858000" y="1344715"/>
+                </a:lnTo>
+                <a:lnTo>
+                  <a:pt x="6858000" y="6985200"/>
+                </a:lnTo>
+                <a:lnTo>
+                  <a:pt x="0" y="6985199"/>
+                </a:lnTo>
+                <a:lnTo>
+                  <a:pt x="0" y="886772"/>
+                </a:lnTo>
+                <a:lnTo>
+                  <a:pt x="1" y="886772"/>
+                </a:lnTo>
+                <a:lnTo>
+                  <a:pt x="1" y="0"/>
+                </a:lnTo>
+                <a:lnTo>
+                  <a:pt x="40463" y="5883"/>
+                </a:lnTo>
+                <a:lnTo>
+                  <a:pt x="159107" y="23196"/>
+                </a:lnTo>
+                <a:lnTo>
+                  <a:pt x="245518" y="35299"/>
+                </a:lnTo>
+                <a:lnTo>
+                  <a:pt x="348388" y="48073"/>
+                </a:lnTo>
+                <a:lnTo>
+                  <a:pt x="470460" y="63369"/>
+                </a:lnTo>
+                <a:lnTo>
+                  <a:pt x="605563" y="79506"/>
+                </a:lnTo>
+                <a:lnTo>
+                  <a:pt x="757810" y="96483"/>
+                </a:lnTo>
+                <a:lnTo>
+                  <a:pt x="923774" y="114469"/>
+                </a:lnTo>
+                <a:lnTo>
+                  <a:pt x="1104139" y="132454"/>
+                </a:lnTo>
+                <a:lnTo>
+                  <a:pt x="1296163" y="150776"/>
+                </a:lnTo>
+                <a:lnTo>
+                  <a:pt x="1503275" y="167753"/>
+                </a:lnTo>
+                <a:lnTo>
+                  <a:pt x="1719988" y="184058"/>
+                </a:lnTo>
+                <a:lnTo>
+                  <a:pt x="1949045" y="198849"/>
+                </a:lnTo>
+                <a:lnTo>
+                  <a:pt x="2187703" y="212969"/>
+                </a:lnTo>
+                <a:lnTo>
+                  <a:pt x="2436649" y="226248"/>
+                </a:lnTo>
+                <a:lnTo>
+                  <a:pt x="2564208" y="230955"/>
+                </a:lnTo>
+                <a:lnTo>
+                  <a:pt x="2694509" y="236165"/>
+                </a:lnTo>
+                <a:lnTo>
+                  <a:pt x="2826869" y="241040"/>
+                </a:lnTo>
+                <a:lnTo>
+                  <a:pt x="2959914" y="244234"/>
+                </a:lnTo>
+                <a:lnTo>
+                  <a:pt x="3095702" y="247091"/>
+                </a:lnTo>
+                <a:lnTo>
+                  <a:pt x="3232862" y="250117"/>
+                </a:lnTo>
+                <a:lnTo>
+                  <a:pt x="3372766" y="252134"/>
+                </a:lnTo>
+                <a:lnTo>
+                  <a:pt x="3514040" y="252134"/>
+                </a:lnTo>
+                <a:lnTo>
+                  <a:pt x="3656686" y="253142"/>
+                </a:lnTo>
+                <a:lnTo>
+                  <a:pt x="3800705" y="252134"/>
+                </a:lnTo>
+                <a:lnTo>
+                  <a:pt x="3946780" y="250117"/>
+                </a:lnTo>
+                <a:lnTo>
+                  <a:pt x="4092856" y="248268"/>
+                </a:lnTo>
+                <a:lnTo>
+                  <a:pt x="4240988" y="244234"/>
+                </a:lnTo>
+                <a:lnTo>
+                  <a:pt x="4390492" y="240032"/>
+                </a:lnTo>
+                <a:lnTo>
+                  <a:pt x="4539997" y="235157"/>
+                </a:lnTo>
+                <a:lnTo>
+                  <a:pt x="4690873" y="228266"/>
+                </a:lnTo>
+                <a:lnTo>
+                  <a:pt x="4843120" y="220029"/>
+                </a:lnTo>
+                <a:lnTo>
+                  <a:pt x="4996054" y="212129"/>
+                </a:lnTo>
+                <a:lnTo>
+                  <a:pt x="5148987" y="202044"/>
+                </a:lnTo>
+                <a:lnTo>
+                  <a:pt x="5303978" y="189941"/>
+                </a:lnTo>
+                <a:lnTo>
+                  <a:pt x="5456911" y="177839"/>
+                </a:lnTo>
+                <a:lnTo>
+                  <a:pt x="5612588" y="163887"/>
+                </a:lnTo>
+                <a:lnTo>
+                  <a:pt x="5768950" y="148591"/>
+                </a:lnTo>
+                <a:lnTo>
+                  <a:pt x="5923255" y="132455"/>
+                </a:lnTo>
+                <a:lnTo>
+                  <a:pt x="6079618" y="113629"/>
+                </a:lnTo>
+                <a:lnTo>
+                  <a:pt x="6235294" y="93458"/>
+                </a:lnTo>
+                <a:lnTo>
+                  <a:pt x="6391657" y="73455"/>
+                </a:lnTo>
+                <a:lnTo>
+                  <a:pt x="6547333" y="50091"/>
+                </a:lnTo>
+                <a:lnTo>
+                  <a:pt x="6702324" y="26222"/>
+                </a:lnTo>
+                <a:close/>
+              </a:path>
+            </a:pathLst>
+          </a:custGeom>
+          <a:ln>
+            <a:noFill/>
+          </a:ln>
+        </p:spPr>
+      </p:sp>
+      <p:pic>
+        <p:nvPicPr>
+          <p:cNvPr id="4" name="Slika 3">
+            <a:extLst>
+              <a:ext uri="{FF2B5EF4-FFF2-40B4-BE49-F238E27FC236}">
+                <a16:creationId xmlns:a16="http://schemas.microsoft.com/office/drawing/2014/main" id="{1FA619C3-A9C1-48F0-97F9-24A043D472C3}"/>
+              </a:ext>
+            </a:extLst>
+          </p:cNvPr>
+          <p:cNvPicPr/>
+          <p:nvPr/>
+        </p:nvPicPr>
+        <p:blipFill>
+          <a:blip r:embed="rId2">
+            <a:extLst>
+              <a:ext uri="{28A0092B-C50C-407E-A947-70E740481C1C}">
+                <a14:useLocalDpi xmlns:a14="http://schemas.microsoft.com/office/drawing/2010/main" val="0"/>
+              </a:ext>
+            </a:extLst>
+          </a:blip>
+          <a:stretch>
+            <a:fillRect/>
+          </a:stretch>
+        </p:blipFill>
+        <p:spPr bwMode="auto">
+          <a:xfrm>
+            <a:off x="5553493" y="1707503"/>
+            <a:ext cx="6422672" cy="3359020"/>
+          </a:xfrm>
+          <a:prstGeom prst="rect">
+            <a:avLst/>
+          </a:prstGeom>
+          <a:noFill/>
+          <a:effectLst/>
+        </p:spPr>
+      </p:pic>
+      <p:sp>
+        <p:nvSpPr>
+          <p:cNvPr id="15" name="Rectangle 14">
+            <a:extLst>
+              <a:ext uri="{FF2B5EF4-FFF2-40B4-BE49-F238E27FC236}">
+                <a16:creationId xmlns:a16="http://schemas.microsoft.com/office/drawing/2014/main" id="{A92A1116-1C84-41DF-B803-1F7B0883EC82}"/>
+              </a:ext>
+              <a:ext uri="{C183D7F6-B498-43B3-948B-1728B52AA6E4}">
+                <adec:decorative xmlns:adec="http://schemas.microsoft.com/office/drawing/2017/decorative" val="1"/>
+              </a:ext>
+            </a:extLst>
+          </p:cNvPr>
+          <p:cNvSpPr>
+            <a:spLocks noGrp="1" noRot="1" noChangeAspect="1" noMove="1" noResize="1" noEditPoints="1" noAdjustHandles="1" noChangeArrowheads="1" noChangeShapeType="1" noTextEdit="1"/>
+          </p:cNvSpPr>
+          <p:nvPr>
+            <p:extLst>
+              <p:ext uri="{386F3935-93C4-4BCD-93E2-E3B085C9AB24}">
+                <p16:designElem xmlns:p16="http://schemas.microsoft.com/office/powerpoint/2015/main" val="1"/>
+              </p:ext>
+            </p:extLst>
+          </p:nvPr>
+        </p:nvSpPr>
+        <p:spPr>
+          <a:xfrm>
+            <a:off x="10442448" y="0"/>
+            <a:ext cx="685800" cy="1143000"/>
+          </a:xfrm>
+          <a:prstGeom prst="rect">
+            <a:avLst/>
+          </a:prstGeom>
+          <a:solidFill>
+            <a:schemeClr val="accent1"/>
+          </a:solidFill>
+          <a:ln>
+            <a:noFill/>
+          </a:ln>
+        </p:spPr>
+        <p:style>
+          <a:lnRef idx="1">
+            <a:schemeClr val="accent1"/>
+          </a:lnRef>
+          <a:fillRef idx="3">
+            <a:schemeClr val="accent1"/>
+          </a:fillRef>
+          <a:effectRef idx="2">
+            <a:schemeClr val="accent1"/>
+          </a:effectRef>
+          <a:fontRef idx="minor">
+            <a:schemeClr val="lt1"/>
+          </a:fontRef>
+        </p:style>
+      </p:sp>
+      <p:sp>
+        <p:nvSpPr>
+          <p:cNvPr id="3" name="Označba mesta vsebine 2">
+            <a:extLst>
+              <a:ext uri="{FF2B5EF4-FFF2-40B4-BE49-F238E27FC236}">
+                <a16:creationId xmlns:a16="http://schemas.microsoft.com/office/drawing/2014/main" id="{B5203D1B-ACD2-44D8-B211-8809ECF8DF8F}"/>
+              </a:ext>
+            </a:extLst>
+          </p:cNvPr>
+          <p:cNvSpPr>
+            <a:spLocks noGrp="1"/>
+          </p:cNvSpPr>
+          <p:nvPr>
+            <p:ph idx="1"/>
+          </p:nvPr>
+        </p:nvSpPr>
+        <p:spPr>
+          <a:xfrm>
+            <a:off x="648931" y="2438400"/>
+            <a:ext cx="4166509" cy="3785419"/>
+          </a:xfrm>
+        </p:spPr>
+        <p:txBody>
+          <a:bodyPr>
+            <a:normAutofit/>
+          </a:bodyPr>
+          <a:lstStyle/>
+          <a:p>
+            <a:r>
+              <a:rPr lang="sl-SI">
+                <a:solidFill>
+                  <a:srgbClr val="EBEBEB"/>
+                </a:solidFill>
+              </a:rPr>
+              <a:t>Glavna ideja</a:t>
+            </a:r>
+          </a:p>
+          <a:p>
+            <a:r>
+              <a:rPr lang="sl-SI">
+                <a:solidFill>
+                  <a:srgbClr val="EBEBEB"/>
+                </a:solidFill>
+              </a:rPr>
+              <a:t>Funkcionalna dekompozicija</a:t>
+            </a:r>
+          </a:p>
+          <a:p>
+            <a:r>
+              <a:rPr lang="sl-SI">
+                <a:solidFill>
+                  <a:srgbClr val="EBEBEB"/>
+                </a:solidFill>
+              </a:rPr>
+              <a:t>Delitev izdelave po podproblemih</a:t>
+            </a:r>
+          </a:p>
+        </p:txBody>
+      </p:sp>
+    </p:spTree>
+    <p:extLst>
+      <p:ext uri="{BB962C8B-B14F-4D97-AF65-F5344CB8AC3E}">
+        <p14:creationId xmlns:p14="http://schemas.microsoft.com/office/powerpoint/2010/main" val="3691066073"/>
+      </p:ext>
+    </p:extLst>
+  </p:cSld>
+  <p:clrMapOvr>
+    <a:overrideClrMapping bg1="lt1" tx1="dk1" bg2="lt2" tx2="dk2" accent1="accent1" accent2="accent2" accent3="accent3" accent4="accent4" accent5="accent5" accent6="accent6" hlink="hlink" folHlink="folHlink"/>
+  </p:clrMapOvr>
+</p:sld>
+</file>
+
+<file path=ppt/slides/slide5.xml><?xml version="1.0" encoding="utf-8"?>
+<p:sld xmlns:a="http://schemas.openxmlformats.org/drawingml/2006/main" xmlns:r="http://schemas.openxmlformats.org/officeDocument/2006/relationships" xmlns:p="http://schemas.openxmlformats.org/presentationml/2006/main">
+  <p:cSld>
+    <p:bg>
+      <p:bgPr>
+        <a:solidFill>
+          <a:schemeClr val="bg1"/>
+        </a:solidFill>
+        <a:effectLst/>
+      </p:bgPr>
+    </p:bg>
+    <p:spTree>
+      <p:nvGrpSpPr>
+        <p:cNvPr id="1" name=""/>
+        <p:cNvGrpSpPr/>
+        <p:nvPr/>
+      </p:nvGrpSpPr>
+      <p:grpSpPr>
+        <a:xfrm>
+          <a:off x="0" y="0"/>
+          <a:ext cx="0" cy="0"/>
+          <a:chOff x="0" y="0"/>
+          <a:chExt cx="0" cy="0"/>
+        </a:xfrm>
+      </p:grpSpPr>
+      <p:sp>
+        <p:nvSpPr>
+          <p:cNvPr id="9" name="Rectangle 8">
+            <a:extLst>
+              <a:ext uri="{FF2B5EF4-FFF2-40B4-BE49-F238E27FC236}">
+                <a16:creationId xmlns:a16="http://schemas.microsoft.com/office/drawing/2014/main" id="{61515115-95FB-41E0-86F3-8744438C09D0}"/>
+              </a:ext>
+              <a:ext uri="{C183D7F6-B498-43B3-948B-1728B52AA6E4}">
+                <adec:decorative xmlns:adec="http://schemas.microsoft.com/office/drawing/2017/decorative" val="1"/>
+              </a:ext>
+            </a:extLst>
+          </p:cNvPr>
+          <p:cNvSpPr>
+            <a:spLocks noGrp="1" noRot="1" noChangeAspect="1" noMove="1" noResize="1" noEditPoints="1" noAdjustHandles="1" noChangeArrowheads="1" noChangeShapeType="1" noTextEdit="1"/>
+          </p:cNvSpPr>
+          <p:nvPr>
+            <p:extLst>
+              <p:ext uri="{386F3935-93C4-4BCD-93E2-E3B085C9AB24}">
+                <p16:designElem xmlns:p16="http://schemas.microsoft.com/office/powerpoint/2015/main" val="1"/>
+              </p:ext>
+            </p:extLst>
+          </p:nvPr>
+        </p:nvSpPr>
+        <p:spPr>
+          <a:xfrm>
+            <a:off x="0" y="0"/>
+            <a:ext cx="12192000" cy="6858000"/>
+          </a:xfrm>
+          <a:prstGeom prst="rect">
+            <a:avLst/>
+          </a:prstGeom>
+          <a:ln>
+            <a:noFill/>
+          </a:ln>
+        </p:spPr>
+        <p:style>
+          <a:lnRef idx="2">
+            <a:schemeClr val="accent1">
+              <a:shade val="50000"/>
+            </a:schemeClr>
+          </a:lnRef>
+          <a:fillRef idx="1003">
+            <a:schemeClr val="dk2"/>
+          </a:fillRef>
+          <a:effectRef idx="0">
+            <a:schemeClr val="accent1"/>
+          </a:effectRef>
+          <a:fontRef idx="minor">
+            <a:schemeClr val="lt1"/>
+          </a:fontRef>
+        </p:style>
+        <p:txBody>
+          <a:bodyPr rtlCol="0" anchor="ctr"/>
+          <a:lstStyle/>
+          <a:p>
+            <a:pPr algn="ctr"/>
+            <a:endParaRPr lang="en-US"/>
+          </a:p>
+        </p:txBody>
+      </p:sp>
+      <p:sp>
+        <p:nvSpPr>
+          <p:cNvPr id="2" name="Naslov 1">
+            <a:extLst>
+              <a:ext uri="{FF2B5EF4-FFF2-40B4-BE49-F238E27FC236}">
+                <a16:creationId xmlns:a16="http://schemas.microsoft.com/office/drawing/2014/main" id="{78A1CE68-0EBD-4937-A67F-93029E0105A5}"/>
+              </a:ext>
+            </a:extLst>
+          </p:cNvPr>
+          <p:cNvSpPr>
+            <a:spLocks noGrp="1"/>
+          </p:cNvSpPr>
+          <p:nvPr>
+            <p:ph type="title"/>
+          </p:nvPr>
+        </p:nvSpPr>
+        <p:spPr>
+          <a:xfrm>
+            <a:off x="648930" y="629266"/>
+            <a:ext cx="5616217" cy="1622321"/>
+          </a:xfrm>
+        </p:spPr>
+        <p:txBody>
+          <a:bodyPr>
+            <a:normAutofit/>
+          </a:bodyPr>
+          <a:lstStyle/>
+          <a:p>
+            <a:r>
+              <a:rPr lang="sl-SI" dirty="0">
+                <a:solidFill>
+                  <a:srgbClr val="EBEBEB"/>
+                </a:solidFill>
+              </a:rPr>
+              <a:t>Delovanje aplikacije</a:t>
+            </a:r>
+          </a:p>
+        </p:txBody>
+      </p:sp>
+      <p:sp>
+        <p:nvSpPr>
+          <p:cNvPr id="11" name="Freeform 31">
+            <a:extLst>
+              <a:ext uri="{FF2B5EF4-FFF2-40B4-BE49-F238E27FC236}">
+                <a16:creationId xmlns:a16="http://schemas.microsoft.com/office/drawing/2014/main" id="{8222A33F-BE2D-4D69-92A0-5DF8B17BAACA}"/>
+              </a:ext>
+              <a:ext uri="{C183D7F6-B498-43B3-948B-1728B52AA6E4}">
+                <adec:decorative xmlns:adec="http://schemas.microsoft.com/office/drawing/2017/decorative" val="1"/>
+              </a:ext>
+            </a:extLst>
+          </p:cNvPr>
+          <p:cNvSpPr>
+            <a:spLocks noGrp="1" noRot="1" noChangeAspect="1" noMove="1" noResize="1" noEditPoints="1" noAdjustHandles="1" noChangeArrowheads="1" noChangeShapeType="1" noTextEdit="1"/>
+          </p:cNvSpPr>
+          <p:nvPr>
+            <p:extLst>
+              <p:ext uri="{386F3935-93C4-4BCD-93E2-E3B085C9AB24}">
+                <p16:designElem xmlns:p16="http://schemas.microsoft.com/office/powerpoint/2015/main" val="1"/>
+              </p:ext>
+            </p:extLst>
+          </p:nvPr>
+        </p:nvSpPr>
+        <p:spPr>
+          <a:xfrm>
+            <a:off x="6449843" y="-1"/>
+            <a:ext cx="559472" cy="3709642"/>
+          </a:xfrm>
+          <a:custGeom>
+            <a:avLst/>
+            <a:gdLst>
+              <a:gd name="connsiteX0" fmla="*/ 0 w 559472"/>
+              <a:gd name="connsiteY0" fmla="*/ 0 h 3709642"/>
+              <a:gd name="connsiteX1" fmla="*/ 473952 w 559472"/>
+              <a:gd name="connsiteY1" fmla="*/ 0 h 3709642"/>
+              <a:gd name="connsiteX2" fmla="*/ 485840 w 559472"/>
+              <a:gd name="connsiteY2" fmla="*/ 161194 h 3709642"/>
+              <a:gd name="connsiteX3" fmla="*/ 523949 w 559472"/>
+              <a:gd name="connsiteY3" fmla="*/ 3672197 h 3709642"/>
+              <a:gd name="connsiteX4" fmla="*/ 454748 w 559472"/>
+              <a:gd name="connsiteY4" fmla="*/ 3709642 h 3709642"/>
+              <a:gd name="connsiteX5" fmla="*/ 448224 w 559472"/>
+              <a:gd name="connsiteY5" fmla="*/ 3510471 h 3709642"/>
+              <a:gd name="connsiteX6" fmla="*/ 443564 w 559472"/>
+              <a:gd name="connsiteY6" fmla="*/ 3408563 h 3709642"/>
+              <a:gd name="connsiteX7" fmla="*/ 438902 w 559472"/>
+              <a:gd name="connsiteY7" fmla="*/ 3304407 h 3709642"/>
+              <a:gd name="connsiteX8" fmla="*/ 433941 w 559472"/>
+              <a:gd name="connsiteY8" fmla="*/ 3198777 h 3709642"/>
+              <a:gd name="connsiteX9" fmla="*/ 427584 w 559472"/>
+              <a:gd name="connsiteY9" fmla="*/ 3092510 h 3709642"/>
+              <a:gd name="connsiteX10" fmla="*/ 420988 w 559472"/>
+              <a:gd name="connsiteY10" fmla="*/ 2984390 h 3709642"/>
+              <a:gd name="connsiteX11" fmla="*/ 414330 w 559472"/>
+              <a:gd name="connsiteY11" fmla="*/ 2874401 h 3709642"/>
+              <a:gd name="connsiteX12" fmla="*/ 406840 w 559472"/>
+              <a:gd name="connsiteY12" fmla="*/ 2762980 h 3709642"/>
+              <a:gd name="connsiteX13" fmla="*/ 397745 w 559472"/>
+              <a:gd name="connsiteY13" fmla="*/ 2650566 h 3709642"/>
+              <a:gd name="connsiteX14" fmla="*/ 389154 w 559472"/>
+              <a:gd name="connsiteY14" fmla="*/ 2536612 h 3709642"/>
+              <a:gd name="connsiteX15" fmla="*/ 379225 w 559472"/>
+              <a:gd name="connsiteY15" fmla="*/ 2421642 h 3709642"/>
+              <a:gd name="connsiteX16" fmla="*/ 368316 w 559472"/>
+              <a:gd name="connsiteY16" fmla="*/ 2305627 h 3709642"/>
+              <a:gd name="connsiteX17" fmla="*/ 357466 w 559472"/>
+              <a:gd name="connsiteY17" fmla="*/ 2189233 h 3709642"/>
+              <a:gd name="connsiteX18" fmla="*/ 344982 w 559472"/>
+              <a:gd name="connsiteY18" fmla="*/ 2071473 h 3709642"/>
+              <a:gd name="connsiteX19" fmla="*/ 332466 w 559472"/>
+              <a:gd name="connsiteY19" fmla="*/ 1952216 h 3709642"/>
+              <a:gd name="connsiteX20" fmla="*/ 319121 w 559472"/>
+              <a:gd name="connsiteY20" fmla="*/ 1833776 h 3709642"/>
+              <a:gd name="connsiteX21" fmla="*/ 304408 w 559472"/>
+              <a:gd name="connsiteY21" fmla="*/ 1713948 h 3709642"/>
+              <a:gd name="connsiteX22" fmla="*/ 288685 w 559472"/>
+              <a:gd name="connsiteY22" fmla="*/ 1592703 h 3709642"/>
+              <a:gd name="connsiteX23" fmla="*/ 273050 w 559472"/>
+              <a:gd name="connsiteY23" fmla="*/ 1471451 h 3709642"/>
+              <a:gd name="connsiteX24" fmla="*/ 255813 w 559472"/>
+              <a:gd name="connsiteY24" fmla="*/ 1350328 h 3709642"/>
+              <a:gd name="connsiteX25" fmla="*/ 237060 w 559472"/>
+              <a:gd name="connsiteY25" fmla="*/ 1227080 h 3709642"/>
+              <a:gd name="connsiteX26" fmla="*/ 218488 w 559472"/>
+              <a:gd name="connsiteY26" fmla="*/ 1106065 h 3709642"/>
+              <a:gd name="connsiteX27" fmla="*/ 198221 w 559472"/>
+              <a:gd name="connsiteY27" fmla="*/ 982940 h 3709642"/>
+              <a:gd name="connsiteX28" fmla="*/ 177152 w 559472"/>
+              <a:gd name="connsiteY28" fmla="*/ 858755 h 3709642"/>
+              <a:gd name="connsiteX29" fmla="*/ 155551 w 559472"/>
+              <a:gd name="connsiteY29" fmla="*/ 736861 h 3709642"/>
+              <a:gd name="connsiteX30" fmla="*/ 131782 w 559472"/>
+              <a:gd name="connsiteY30" fmla="*/ 613645 h 3709642"/>
+              <a:gd name="connsiteX31" fmla="*/ 107123 w 559472"/>
+              <a:gd name="connsiteY31" fmla="*/ 490500 h 3709642"/>
+              <a:gd name="connsiteX32" fmla="*/ 82552 w 559472"/>
+              <a:gd name="connsiteY32" fmla="*/ 367348 h 3709642"/>
+              <a:gd name="connsiteX33" fmla="*/ 55608 w 559472"/>
+              <a:gd name="connsiteY33" fmla="*/ 244762 h 3709642"/>
+              <a:gd name="connsiteX34" fmla="*/ 28130 w 559472"/>
+              <a:gd name="connsiteY34" fmla="*/ 122220 h 3709642"/>
+              <a:gd name="connsiteX35" fmla="*/ 0 w 559472"/>
+              <a:gd name="connsiteY35" fmla="*/ 0 h 3709642"/>
+            </a:gdLst>
+            <a:ahLst/>
+            <a:cxnLst>
+              <a:cxn ang="0">
+                <a:pos x="connsiteX0" y="connsiteY0"/>
+              </a:cxn>
+              <a:cxn ang="0">
+                <a:pos x="connsiteX1" y="connsiteY1"/>
+              </a:cxn>
+              <a:cxn ang="0">
+                <a:pos x="connsiteX2" y="connsiteY2"/>
+              </a:cxn>
+              <a:cxn ang="0">
+                <a:pos x="connsiteX3" y="connsiteY3"/>
+              </a:cxn>
+              <a:cxn ang="0">
+                <a:pos x="connsiteX4" y="connsiteY4"/>
+              </a:cxn>
+              <a:cxn ang="0">
+                <a:pos x="connsiteX5" y="connsiteY5"/>
+              </a:cxn>
+              <a:cxn ang="0">
+                <a:pos x="connsiteX6" y="connsiteY6"/>
+              </a:cxn>
+              <a:cxn ang="0">
+                <a:pos x="connsiteX7" y="connsiteY7"/>
+              </a:cxn>
+              <a:cxn ang="0">
+                <a:pos x="connsiteX8" y="connsiteY8"/>
+              </a:cxn>
+              <a:cxn ang="0">
+                <a:pos x="connsiteX9" y="connsiteY9"/>
+              </a:cxn>
+              <a:cxn ang="0">
+                <a:pos x="connsiteX10" y="connsiteY10"/>
+              </a:cxn>
+              <a:cxn ang="0">
+                <a:pos x="connsiteX11" y="connsiteY11"/>
+              </a:cxn>
+              <a:cxn ang="0">
+                <a:pos x="connsiteX12" y="connsiteY12"/>
+              </a:cxn>
+              <a:cxn ang="0">
+                <a:pos x="connsiteX13" y="connsiteY13"/>
+              </a:cxn>
+              <a:cxn ang="0">
+                <a:pos x="connsiteX14" y="connsiteY14"/>
+              </a:cxn>
+              <a:cxn ang="0">
+                <a:pos x="connsiteX15" y="connsiteY15"/>
+              </a:cxn>
+              <a:cxn ang="0">
+                <a:pos x="connsiteX16" y="connsiteY16"/>
+              </a:cxn>
+              <a:cxn ang="0">
+                <a:pos x="connsiteX17" y="connsiteY17"/>
+              </a:cxn>
+              <a:cxn ang="0">
+                <a:pos x="connsiteX18" y="connsiteY18"/>
+              </a:cxn>
+              <a:cxn ang="0">
+                <a:pos x="connsiteX19" y="connsiteY19"/>
+              </a:cxn>
+              <a:cxn ang="0">
+                <a:pos x="connsiteX20" y="connsiteY20"/>
+              </a:cxn>
+              <a:cxn ang="0">
+                <a:pos x="connsiteX21" y="connsiteY21"/>
+              </a:cxn>
+              <a:cxn ang="0">
+                <a:pos x="connsiteX22" y="connsiteY22"/>
+              </a:cxn>
+              <a:cxn ang="0">
+                <a:pos x="connsiteX23" y="connsiteY23"/>
+              </a:cxn>
+              <a:cxn ang="0">
+                <a:pos x="connsiteX24" y="connsiteY24"/>
+              </a:cxn>
+              <a:cxn ang="0">
+                <a:pos x="connsiteX25" y="connsiteY25"/>
+              </a:cxn>
+              <a:cxn ang="0">
+                <a:pos x="connsiteX26" y="connsiteY26"/>
+              </a:cxn>
+              <a:cxn ang="0">
+                <a:pos x="connsiteX27" y="connsiteY27"/>
+              </a:cxn>
+              <a:cxn ang="0">
+                <a:pos x="connsiteX28" y="connsiteY28"/>
+              </a:cxn>
+              <a:cxn ang="0">
+                <a:pos x="connsiteX29" y="connsiteY29"/>
+              </a:cxn>
+              <a:cxn ang="0">
+                <a:pos x="connsiteX30" y="connsiteY30"/>
+              </a:cxn>
+              <a:cxn ang="0">
+                <a:pos x="connsiteX31" y="connsiteY31"/>
+              </a:cxn>
+              <a:cxn ang="0">
+                <a:pos x="connsiteX32" y="connsiteY32"/>
+              </a:cxn>
+              <a:cxn ang="0">
+                <a:pos x="connsiteX33" y="connsiteY33"/>
+              </a:cxn>
+              <a:cxn ang="0">
+                <a:pos x="connsiteX34" y="connsiteY34"/>
+              </a:cxn>
+              <a:cxn ang="0">
+                <a:pos x="connsiteX35" y="connsiteY35"/>
+              </a:cxn>
+            </a:cxnLst>
+            <a:rect l="l" t="t" r="r" b="b"/>
+            <a:pathLst>
+              <a:path w="559472" h="3709642">
+                <a:moveTo>
+                  <a:pt x="0" y="0"/>
+                </a:moveTo>
+                <a:lnTo>
+                  <a:pt x="473952" y="0"/>
+                </a:lnTo>
+                <a:lnTo>
+                  <a:pt x="485840" y="161194"/>
+                </a:lnTo>
+                <a:cubicBezTo>
+                  <a:pt x="552063" y="1147770"/>
+                  <a:pt x="592441" y="3086737"/>
+                  <a:pt x="523949" y="3672197"/>
+                </a:cubicBezTo>
+                <a:cubicBezTo>
+                  <a:pt x="500842" y="3684557"/>
+                  <a:pt x="477855" y="3697282"/>
+                  <a:pt x="454748" y="3709642"/>
+                </a:cubicBezTo>
+                <a:lnTo>
+                  <a:pt x="448224" y="3510471"/>
+                </a:lnTo>
+                <a:lnTo>
+                  <a:pt x="443564" y="3408563"/>
+                </a:lnTo>
+                <a:lnTo>
+                  <a:pt x="438902" y="3304407"/>
+                </a:lnTo>
+                <a:lnTo>
+                  <a:pt x="433941" y="3198777"/>
+                </a:lnTo>
+                <a:lnTo>
+                  <a:pt x="427584" y="3092510"/>
+                </a:lnTo>
+                <a:lnTo>
+                  <a:pt x="420988" y="2984390"/>
+                </a:lnTo>
+                <a:lnTo>
+                  <a:pt x="414330" y="2874401"/>
+                </a:lnTo>
+                <a:lnTo>
+                  <a:pt x="406840" y="2762980"/>
+                </a:lnTo>
+                <a:lnTo>
+                  <a:pt x="397745" y="2650566"/>
+                </a:lnTo>
+                <a:lnTo>
+                  <a:pt x="389154" y="2536612"/>
+                </a:lnTo>
+                <a:lnTo>
+                  <a:pt x="379225" y="2421642"/>
+                </a:lnTo>
+                <a:lnTo>
+                  <a:pt x="368316" y="2305627"/>
+                </a:lnTo>
+                <a:lnTo>
+                  <a:pt x="357466" y="2189233"/>
+                </a:lnTo>
+                <a:lnTo>
+                  <a:pt x="344982" y="2071473"/>
+                </a:lnTo>
+                <a:lnTo>
+                  <a:pt x="332466" y="1952216"/>
+                </a:lnTo>
+                <a:lnTo>
+                  <a:pt x="319121" y="1833776"/>
+                </a:lnTo>
+                <a:lnTo>
+                  <a:pt x="304408" y="1713948"/>
+                </a:lnTo>
+                <a:lnTo>
+                  <a:pt x="288685" y="1592703"/>
+                </a:lnTo>
+                <a:lnTo>
+                  <a:pt x="273050" y="1471451"/>
+                </a:lnTo>
+                <a:lnTo>
+                  <a:pt x="255813" y="1350328"/>
+                </a:lnTo>
+                <a:lnTo>
+                  <a:pt x="237060" y="1227080"/>
+                </a:lnTo>
+                <a:lnTo>
+                  <a:pt x="218488" y="1106065"/>
+                </a:lnTo>
+                <a:lnTo>
+                  <a:pt x="198221" y="982940"/>
+                </a:lnTo>
+                <a:lnTo>
+                  <a:pt x="177152" y="858755"/>
+                </a:lnTo>
+                <a:lnTo>
+                  <a:pt x="155551" y="736861"/>
+                </a:lnTo>
+                <a:lnTo>
+                  <a:pt x="131782" y="613645"/>
+                </a:lnTo>
+                <a:lnTo>
+                  <a:pt x="107123" y="490500"/>
+                </a:lnTo>
+                <a:lnTo>
+                  <a:pt x="82552" y="367348"/>
+                </a:lnTo>
+                <a:lnTo>
+                  <a:pt x="55608" y="244762"/>
+                </a:lnTo>
+                <a:lnTo>
+                  <a:pt x="28130" y="122220"/>
+                </a:lnTo>
+                <a:lnTo>
+                  <a:pt x="0" y="0"/>
+                </a:lnTo>
+                <a:close/>
+              </a:path>
+            </a:pathLst>
+          </a:custGeom>
+          <a:solidFill>
+            <a:schemeClr val="bg1">
+              <a:alpha val="20000"/>
+            </a:schemeClr>
+          </a:solidFill>
+          <a:ln>
+            <a:noFill/>
+          </a:ln>
+        </p:spPr>
+        <p:txBody>
+          <a:bodyPr rtlCol="0" anchor="ctr"/>
+          <a:lstStyle/>
+          <a:p>
+            <a:pPr algn="ctr"/>
+            <a:endParaRPr lang="en-US">
+              <a:solidFill>
+                <a:srgbClr val="FFFFFF"/>
+              </a:solidFill>
+            </a:endParaRPr>
+          </a:p>
+        </p:txBody>
+      </p:sp>
+      <p:sp useBgFill="1">
+        <p:nvSpPr>
+          <p:cNvPr id="13" name="Freeform: Shape 12">
+            <a:extLst>
+              <a:ext uri="{FF2B5EF4-FFF2-40B4-BE49-F238E27FC236}">
+                <a16:creationId xmlns:a16="http://schemas.microsoft.com/office/drawing/2014/main" id="{CE1C74D0-9609-468A-9597-5D87C8A42B58}"/>
+              </a:ext>
+              <a:ext uri="{C183D7F6-B498-43B3-948B-1728B52AA6E4}">
+                <adec:decorative xmlns:adec="http://schemas.microsoft.com/office/drawing/2017/decorative" val="1"/>
+              </a:ext>
+            </a:extLst>
+          </p:cNvPr>
+          <p:cNvSpPr>
+            <a:spLocks noGrp="1" noRot="1" noChangeAspect="1" noMove="1" noResize="1" noEditPoints="1" noAdjustHandles="1" noChangeArrowheads="1" noChangeShapeType="1" noTextEdit="1"/>
+          </p:cNvSpPr>
+          <p:nvPr>
+            <p:extLst>
+              <p:ext uri="{386F3935-93C4-4BCD-93E2-E3B085C9AB24}">
+                <p16:designElem xmlns:p16="http://schemas.microsoft.com/office/powerpoint/2015/main" val="1"/>
+              </p:ext>
+            </p:extLst>
+          </p:nvPr>
+        </p:nvSpPr>
+        <p:spPr bwMode="gray">
+          <a:xfrm rot="16200000">
+            <a:off x="5998731" y="664312"/>
+            <a:ext cx="6858001" cy="5529377"/>
+          </a:xfrm>
+          <a:custGeom>
+            <a:avLst/>
+            <a:gdLst>
+              <a:gd name="connsiteX0" fmla="*/ 6858001 w 6858001"/>
+              <a:gd name="connsiteY0" fmla="*/ 1177 h 5529377"/>
+              <a:gd name="connsiteX1" fmla="*/ 6858001 w 6858001"/>
+              <a:gd name="connsiteY1" fmla="*/ 1344715 h 5529377"/>
+              <a:gd name="connsiteX2" fmla="*/ 6858000 w 6858001"/>
+              <a:gd name="connsiteY2" fmla="*/ 1344715 h 5529377"/>
+              <a:gd name="connsiteX3" fmla="*/ 6858000 w 6858001"/>
+              <a:gd name="connsiteY3" fmla="*/ 5529377 h 5529377"/>
+              <a:gd name="connsiteX4" fmla="*/ 0 w 6858001"/>
+              <a:gd name="connsiteY4" fmla="*/ 5529376 h 5529377"/>
+              <a:gd name="connsiteX5" fmla="*/ 0 w 6858001"/>
+              <a:gd name="connsiteY5" fmla="*/ 891096 h 5529377"/>
+              <a:gd name="connsiteX6" fmla="*/ 1 w 6858001"/>
+              <a:gd name="connsiteY6" fmla="*/ 891096 h 5529377"/>
+              <a:gd name="connsiteX7" fmla="*/ 1 w 6858001"/>
+              <a:gd name="connsiteY7" fmla="*/ 0 h 5529377"/>
+              <a:gd name="connsiteX8" fmla="*/ 40463 w 6858001"/>
+              <a:gd name="connsiteY8" fmla="*/ 5883 h 5529377"/>
+              <a:gd name="connsiteX9" fmla="*/ 159107 w 6858001"/>
+              <a:gd name="connsiteY9" fmla="*/ 23196 h 5529377"/>
+              <a:gd name="connsiteX10" fmla="*/ 245518 w 6858001"/>
+              <a:gd name="connsiteY10" fmla="*/ 35299 h 5529377"/>
+              <a:gd name="connsiteX11" fmla="*/ 348388 w 6858001"/>
+              <a:gd name="connsiteY11" fmla="*/ 48073 h 5529377"/>
+              <a:gd name="connsiteX12" fmla="*/ 470460 w 6858001"/>
+              <a:gd name="connsiteY12" fmla="*/ 63369 h 5529377"/>
+              <a:gd name="connsiteX13" fmla="*/ 605563 w 6858001"/>
+              <a:gd name="connsiteY13" fmla="*/ 79506 h 5529377"/>
+              <a:gd name="connsiteX14" fmla="*/ 757810 w 6858001"/>
+              <a:gd name="connsiteY14" fmla="*/ 96483 h 5529377"/>
+              <a:gd name="connsiteX15" fmla="*/ 923774 w 6858001"/>
+              <a:gd name="connsiteY15" fmla="*/ 114469 h 5529377"/>
+              <a:gd name="connsiteX16" fmla="*/ 1104139 w 6858001"/>
+              <a:gd name="connsiteY16" fmla="*/ 132454 h 5529377"/>
+              <a:gd name="connsiteX17" fmla="*/ 1296163 w 6858001"/>
+              <a:gd name="connsiteY17" fmla="*/ 150776 h 5529377"/>
+              <a:gd name="connsiteX18" fmla="*/ 1503275 w 6858001"/>
+              <a:gd name="connsiteY18" fmla="*/ 167753 h 5529377"/>
+              <a:gd name="connsiteX19" fmla="*/ 1719988 w 6858001"/>
+              <a:gd name="connsiteY19" fmla="*/ 184058 h 5529377"/>
+              <a:gd name="connsiteX20" fmla="*/ 1949045 w 6858001"/>
+              <a:gd name="connsiteY20" fmla="*/ 198849 h 5529377"/>
+              <a:gd name="connsiteX21" fmla="*/ 2187703 w 6858001"/>
+              <a:gd name="connsiteY21" fmla="*/ 212969 h 5529377"/>
+              <a:gd name="connsiteX22" fmla="*/ 2436649 w 6858001"/>
+              <a:gd name="connsiteY22" fmla="*/ 226248 h 5529377"/>
+              <a:gd name="connsiteX23" fmla="*/ 2564208 w 6858001"/>
+              <a:gd name="connsiteY23" fmla="*/ 230955 h 5529377"/>
+              <a:gd name="connsiteX24" fmla="*/ 2694509 w 6858001"/>
+              <a:gd name="connsiteY24" fmla="*/ 236165 h 5529377"/>
+              <a:gd name="connsiteX25" fmla="*/ 2826868 w 6858001"/>
+              <a:gd name="connsiteY25" fmla="*/ 241040 h 5529377"/>
+              <a:gd name="connsiteX26" fmla="*/ 2959914 w 6858001"/>
+              <a:gd name="connsiteY26" fmla="*/ 244234 h 5529377"/>
+              <a:gd name="connsiteX27" fmla="*/ 3095702 w 6858001"/>
+              <a:gd name="connsiteY27" fmla="*/ 247091 h 5529377"/>
+              <a:gd name="connsiteX28" fmla="*/ 3232862 w 6858001"/>
+              <a:gd name="connsiteY28" fmla="*/ 250117 h 5529377"/>
+              <a:gd name="connsiteX29" fmla="*/ 3372765 w 6858001"/>
+              <a:gd name="connsiteY29" fmla="*/ 252134 h 5529377"/>
+              <a:gd name="connsiteX30" fmla="*/ 3514040 w 6858001"/>
+              <a:gd name="connsiteY30" fmla="*/ 252134 h 5529377"/>
+              <a:gd name="connsiteX31" fmla="*/ 3656686 w 6858001"/>
+              <a:gd name="connsiteY31" fmla="*/ 253142 h 5529377"/>
+              <a:gd name="connsiteX32" fmla="*/ 3800704 w 6858001"/>
+              <a:gd name="connsiteY32" fmla="*/ 252134 h 5529377"/>
+              <a:gd name="connsiteX33" fmla="*/ 3946780 w 6858001"/>
+              <a:gd name="connsiteY33" fmla="*/ 250117 h 5529377"/>
+              <a:gd name="connsiteX34" fmla="*/ 4092855 w 6858001"/>
+              <a:gd name="connsiteY34" fmla="*/ 248268 h 5529377"/>
+              <a:gd name="connsiteX35" fmla="*/ 4240988 w 6858001"/>
+              <a:gd name="connsiteY35" fmla="*/ 244234 h 5529377"/>
+              <a:gd name="connsiteX36" fmla="*/ 4390492 w 6858001"/>
+              <a:gd name="connsiteY36" fmla="*/ 240032 h 5529377"/>
+              <a:gd name="connsiteX37" fmla="*/ 4539997 w 6858001"/>
+              <a:gd name="connsiteY37" fmla="*/ 235157 h 5529377"/>
+              <a:gd name="connsiteX38" fmla="*/ 4690873 w 6858001"/>
+              <a:gd name="connsiteY38" fmla="*/ 228266 h 5529377"/>
+              <a:gd name="connsiteX39" fmla="*/ 4843120 w 6858001"/>
+              <a:gd name="connsiteY39" fmla="*/ 220029 h 5529377"/>
+              <a:gd name="connsiteX40" fmla="*/ 4996054 w 6858001"/>
+              <a:gd name="connsiteY40" fmla="*/ 212129 h 5529377"/>
+              <a:gd name="connsiteX41" fmla="*/ 5148987 w 6858001"/>
+              <a:gd name="connsiteY41" fmla="*/ 202044 h 5529377"/>
+              <a:gd name="connsiteX42" fmla="*/ 5303978 w 6858001"/>
+              <a:gd name="connsiteY42" fmla="*/ 189941 h 5529377"/>
+              <a:gd name="connsiteX43" fmla="*/ 5456911 w 6858001"/>
+              <a:gd name="connsiteY43" fmla="*/ 177839 h 5529377"/>
+              <a:gd name="connsiteX44" fmla="*/ 5612588 w 6858001"/>
+              <a:gd name="connsiteY44" fmla="*/ 163887 h 5529377"/>
+              <a:gd name="connsiteX45" fmla="*/ 5768950 w 6858001"/>
+              <a:gd name="connsiteY45" fmla="*/ 148591 h 5529377"/>
+              <a:gd name="connsiteX46" fmla="*/ 5923255 w 6858001"/>
+              <a:gd name="connsiteY46" fmla="*/ 132455 h 5529377"/>
+              <a:gd name="connsiteX47" fmla="*/ 6079618 w 6858001"/>
+              <a:gd name="connsiteY47" fmla="*/ 113629 h 5529377"/>
+              <a:gd name="connsiteX48" fmla="*/ 6235294 w 6858001"/>
+              <a:gd name="connsiteY48" fmla="*/ 93458 h 5529377"/>
+              <a:gd name="connsiteX49" fmla="*/ 6391657 w 6858001"/>
+              <a:gd name="connsiteY49" fmla="*/ 73455 h 5529377"/>
+              <a:gd name="connsiteX50" fmla="*/ 6547333 w 6858001"/>
+              <a:gd name="connsiteY50" fmla="*/ 50091 h 5529377"/>
+              <a:gd name="connsiteX51" fmla="*/ 6702324 w 6858001"/>
+              <a:gd name="connsiteY51" fmla="*/ 26222 h 5529377"/>
+            </a:gdLst>
+            <a:ahLst/>
+            <a:cxnLst>
+              <a:cxn ang="0">
+                <a:pos x="connsiteX0" y="connsiteY0"/>
+              </a:cxn>
+              <a:cxn ang="0">
+                <a:pos x="connsiteX1" y="connsiteY1"/>
+              </a:cxn>
+              <a:cxn ang="0">
+                <a:pos x="connsiteX2" y="connsiteY2"/>
+              </a:cxn>
+              <a:cxn ang="0">
+                <a:pos x="connsiteX3" y="connsiteY3"/>
+              </a:cxn>
+              <a:cxn ang="0">
+                <a:pos x="connsiteX4" y="connsiteY4"/>
+              </a:cxn>
+              <a:cxn ang="0">
+                <a:pos x="connsiteX5" y="connsiteY5"/>
+              </a:cxn>
+              <a:cxn ang="0">
+                <a:pos x="connsiteX6" y="connsiteY6"/>
+              </a:cxn>
+              <a:cxn ang="0">
+                <a:pos x="connsiteX7" y="connsiteY7"/>
+              </a:cxn>
+              <a:cxn ang="0">
+                <a:pos x="connsiteX8" y="connsiteY8"/>
+              </a:cxn>
+              <a:cxn ang="0">
+                <a:pos x="connsiteX9" y="connsiteY9"/>
+              </a:cxn>
+              <a:cxn ang="0">
+                <a:pos x="connsiteX10" y="connsiteY10"/>
+              </a:cxn>
+              <a:cxn ang="0">
+                <a:pos x="connsiteX11" y="connsiteY11"/>
+              </a:cxn>
+              <a:cxn ang="0">
+                <a:pos x="connsiteX12" y="connsiteY12"/>
+              </a:cxn>
+              <a:cxn ang="0">
+                <a:pos x="connsiteX13" y="connsiteY13"/>
+              </a:cxn>
+              <a:cxn ang="0">
+                <a:pos x="connsiteX14" y="connsiteY14"/>
+              </a:cxn>
+              <a:cxn ang="0">
+                <a:pos x="connsiteX15" y="connsiteY15"/>
+              </a:cxn>
+              <a:cxn ang="0">
+                <a:pos x="connsiteX16" y="connsiteY16"/>
+              </a:cxn>
+              <a:cxn ang="0">
+                <a:pos x="connsiteX17" y="connsiteY17"/>
+              </a:cxn>
+              <a:cxn ang="0">
+                <a:pos x="connsiteX18" y="connsiteY18"/>
+              </a:cxn>
+              <a:cxn ang="0">
+                <a:pos x="connsiteX19" y="connsiteY19"/>
+              </a:cxn>
+              <a:cxn ang="0">
+                <a:pos x="connsiteX20" y="connsiteY20"/>
+              </a:cxn>
+              <a:cxn ang="0">
+                <a:pos x="connsiteX21" y="connsiteY21"/>
+              </a:cxn>
+              <a:cxn ang="0">
+                <a:pos x="connsiteX22" y="connsiteY22"/>
+              </a:cxn>
+              <a:cxn ang="0">
+                <a:pos x="connsiteX23" y="connsiteY23"/>
+              </a:cxn>
+              <a:cxn ang="0">
+                <a:pos x="connsiteX24" y="connsiteY24"/>
+              </a:cxn>
+              <a:cxn ang="0">
+                <a:pos x="connsiteX25" y="connsiteY25"/>
+              </a:cxn>
+              <a:cxn ang="0">
+                <a:pos x="connsiteX26" y="connsiteY26"/>
+              </a:cxn>
+              <a:cxn ang="0">
+                <a:pos x="connsiteX27" y="connsiteY27"/>
+              </a:cxn>
+              <a:cxn ang="0">
+                <a:pos x="connsiteX28" y="connsiteY28"/>
+              </a:cxn>
+              <a:cxn ang="0">
+                <a:pos x="connsiteX29" y="connsiteY29"/>
+              </a:cxn>
+              <a:cxn ang="0">
+                <a:pos x="connsiteX30" y="connsiteY30"/>
+              </a:cxn>
+              <a:cxn ang="0">
+                <a:pos x="connsiteX31" y="connsiteY31"/>
+              </a:cxn>
+              <a:cxn ang="0">
+                <a:pos x="connsiteX32" y="connsiteY32"/>
+              </a:cxn>
+              <a:cxn ang="0">
+                <a:pos x="connsiteX33" y="connsiteY33"/>
+              </a:cxn>
+              <a:cxn ang="0">
+                <a:pos x="connsiteX34" y="connsiteY34"/>
+              </a:cxn>
+              <a:cxn ang="0">
+                <a:pos x="connsiteX35" y="connsiteY35"/>
+              </a:cxn>
+              <a:cxn ang="0">
+                <a:pos x="connsiteX36" y="connsiteY36"/>
+              </a:cxn>
+              <a:cxn ang="0">
+                <a:pos x="connsiteX37" y="connsiteY37"/>
+              </a:cxn>
+              <a:cxn ang="0">
+                <a:pos x="connsiteX38" y="connsiteY38"/>
+              </a:cxn>
+              <a:cxn ang="0">
+                <a:pos x="connsiteX39" y="connsiteY39"/>
+              </a:cxn>
+              <a:cxn ang="0">
+                <a:pos x="connsiteX40" y="connsiteY40"/>
+              </a:cxn>
+              <a:cxn ang="0">
+                <a:pos x="connsiteX41" y="connsiteY41"/>
+              </a:cxn>
+              <a:cxn ang="0">
+                <a:pos x="connsiteX42" y="connsiteY42"/>
+              </a:cxn>
+              <a:cxn ang="0">
+                <a:pos x="connsiteX43" y="connsiteY43"/>
+              </a:cxn>
+              <a:cxn ang="0">
+                <a:pos x="connsiteX44" y="connsiteY44"/>
+              </a:cxn>
+              <a:cxn ang="0">
+                <a:pos x="connsiteX45" y="connsiteY45"/>
+              </a:cxn>
+              <a:cxn ang="0">
+                <a:pos x="connsiteX46" y="connsiteY46"/>
+              </a:cxn>
+              <a:cxn ang="0">
+                <a:pos x="connsiteX47" y="connsiteY47"/>
+              </a:cxn>
+              <a:cxn ang="0">
+                <a:pos x="connsiteX48" y="connsiteY48"/>
+              </a:cxn>
+              <a:cxn ang="0">
+                <a:pos x="connsiteX49" y="connsiteY49"/>
+              </a:cxn>
+              <a:cxn ang="0">
+                <a:pos x="connsiteX50" y="connsiteY50"/>
+              </a:cxn>
+              <a:cxn ang="0">
+                <a:pos x="connsiteX51" y="connsiteY51"/>
+              </a:cxn>
+            </a:cxnLst>
+            <a:rect l="l" t="t" r="r" b="b"/>
+            <a:pathLst>
+              <a:path w="6858001" h="5529377">
+                <a:moveTo>
+                  <a:pt x="6858001" y="1177"/>
+                </a:moveTo>
+                <a:lnTo>
+                  <a:pt x="6858001" y="1344715"/>
+                </a:lnTo>
+                <a:lnTo>
+                  <a:pt x="6858000" y="1344715"/>
+                </a:lnTo>
+                <a:lnTo>
+                  <a:pt x="6858000" y="5529377"/>
+                </a:lnTo>
+                <a:lnTo>
+                  <a:pt x="0" y="5529376"/>
+                </a:lnTo>
+                <a:lnTo>
+                  <a:pt x="0" y="891096"/>
+                </a:lnTo>
+                <a:lnTo>
+                  <a:pt x="1" y="891096"/>
+                </a:lnTo>
+                <a:lnTo>
+                  <a:pt x="1" y="0"/>
+                </a:lnTo>
+                <a:lnTo>
+                  <a:pt x="40463" y="5883"/>
+                </a:lnTo>
+                <a:lnTo>
+                  <a:pt x="159107" y="23196"/>
+                </a:lnTo>
+                <a:lnTo>
+                  <a:pt x="245518" y="35299"/>
+                </a:lnTo>
+                <a:lnTo>
+                  <a:pt x="348388" y="48073"/>
+                </a:lnTo>
+                <a:lnTo>
+                  <a:pt x="470460" y="63369"/>
+                </a:lnTo>
+                <a:lnTo>
+                  <a:pt x="605563" y="79506"/>
+                </a:lnTo>
+                <a:lnTo>
+                  <a:pt x="757810" y="96483"/>
+                </a:lnTo>
+                <a:lnTo>
+                  <a:pt x="923774" y="114469"/>
+                </a:lnTo>
+                <a:lnTo>
+                  <a:pt x="1104139" y="132454"/>
+                </a:lnTo>
+                <a:lnTo>
+                  <a:pt x="1296163" y="150776"/>
+                </a:lnTo>
+                <a:lnTo>
+                  <a:pt x="1503275" y="167753"/>
+                </a:lnTo>
+                <a:lnTo>
+                  <a:pt x="1719988" y="184058"/>
+                </a:lnTo>
+                <a:lnTo>
+                  <a:pt x="1949045" y="198849"/>
+                </a:lnTo>
+                <a:lnTo>
+                  <a:pt x="2187703" y="212969"/>
+                </a:lnTo>
+                <a:lnTo>
+                  <a:pt x="2436649" y="226248"/>
+                </a:lnTo>
+                <a:lnTo>
+                  <a:pt x="2564208" y="230955"/>
+                </a:lnTo>
+                <a:lnTo>
+                  <a:pt x="2694509" y="236165"/>
+                </a:lnTo>
+                <a:lnTo>
+                  <a:pt x="2826868" y="241040"/>
+                </a:lnTo>
+                <a:lnTo>
+                  <a:pt x="2959914" y="244234"/>
+                </a:lnTo>
+                <a:lnTo>
+                  <a:pt x="3095702" y="247091"/>
+                </a:lnTo>
+                <a:lnTo>
+                  <a:pt x="3232862" y="250117"/>
+                </a:lnTo>
+                <a:lnTo>
+                  <a:pt x="3372765" y="252134"/>
+                </a:lnTo>
+                <a:lnTo>
+                  <a:pt x="3514040" y="252134"/>
+                </a:lnTo>
+                <a:lnTo>
+                  <a:pt x="3656686" y="253142"/>
+                </a:lnTo>
+                <a:lnTo>
+                  <a:pt x="3800704" y="252134"/>
+                </a:lnTo>
+                <a:lnTo>
+                  <a:pt x="3946780" y="250117"/>
+                </a:lnTo>
+                <a:lnTo>
+                  <a:pt x="4092855" y="248268"/>
+                </a:lnTo>
+                <a:lnTo>
+                  <a:pt x="4240988" y="244234"/>
+                </a:lnTo>
+                <a:lnTo>
+                  <a:pt x="4390492" y="240032"/>
+                </a:lnTo>
+                <a:lnTo>
+                  <a:pt x="4539997" y="235157"/>
+                </a:lnTo>
+                <a:lnTo>
+                  <a:pt x="4690873" y="228266"/>
+                </a:lnTo>
+                <a:lnTo>
+                  <a:pt x="4843120" y="220029"/>
+                </a:lnTo>
+                <a:lnTo>
+                  <a:pt x="4996054" y="212129"/>
+                </a:lnTo>
+                <a:lnTo>
+                  <a:pt x="5148987" y="202044"/>
+                </a:lnTo>
+                <a:lnTo>
+                  <a:pt x="5303978" y="189941"/>
+                </a:lnTo>
+                <a:lnTo>
+                  <a:pt x="5456911" y="177839"/>
+                </a:lnTo>
+                <a:lnTo>
+                  <a:pt x="5612588" y="163887"/>
+                </a:lnTo>
+                <a:lnTo>
+                  <a:pt x="5768950" y="148591"/>
+                </a:lnTo>
+                <a:lnTo>
+                  <a:pt x="5923255" y="132455"/>
+                </a:lnTo>
+                <a:lnTo>
+                  <a:pt x="6079618" y="113629"/>
+                </a:lnTo>
+                <a:lnTo>
+                  <a:pt x="6235294" y="93458"/>
+                </a:lnTo>
+                <a:lnTo>
+                  <a:pt x="6391657" y="73455"/>
+                </a:lnTo>
+                <a:lnTo>
+                  <a:pt x="6547333" y="50091"/>
+                </a:lnTo>
+                <a:lnTo>
+                  <a:pt x="6702324" y="26222"/>
+                </a:lnTo>
+                <a:close/>
+              </a:path>
+            </a:pathLst>
+          </a:custGeom>
+          <a:ln>
+            <a:noFill/>
+          </a:ln>
+        </p:spPr>
+      </p:sp>
+      <p:pic>
+        <p:nvPicPr>
+          <p:cNvPr id="4" name="Slika 3">
+            <a:extLst>
+              <a:ext uri="{FF2B5EF4-FFF2-40B4-BE49-F238E27FC236}">
+                <a16:creationId xmlns:a16="http://schemas.microsoft.com/office/drawing/2014/main" id="{010EBEFE-9D77-47B6-858A-7A9196E4EECD}"/>
+              </a:ext>
+            </a:extLst>
+          </p:cNvPr>
+          <p:cNvPicPr/>
+          <p:nvPr/>
+        </p:nvPicPr>
+        <p:blipFill>
+          <a:blip r:embed="rId2">
+            <a:extLst>
+              <a:ext uri="{28A0092B-C50C-407E-A947-70E740481C1C}">
+                <a14:useLocalDpi xmlns:a14="http://schemas.microsoft.com/office/drawing/2010/main" val="0"/>
+              </a:ext>
+            </a:extLst>
+          </a:blip>
+          <a:srcRect/>
+          <a:stretch/>
+        </p:blipFill>
+        <p:spPr bwMode="auto">
+          <a:xfrm>
+            <a:off x="7106969" y="1440426"/>
+            <a:ext cx="4793909" cy="4574282"/>
+          </a:xfrm>
+          <a:prstGeom prst="rect">
+            <a:avLst/>
+          </a:prstGeom>
+          <a:noFill/>
+          <a:effectLst/>
+        </p:spPr>
+      </p:pic>
+      <p:sp>
+        <p:nvSpPr>
+          <p:cNvPr id="15" name="Rectangle 14">
+            <a:extLst>
+              <a:ext uri="{FF2B5EF4-FFF2-40B4-BE49-F238E27FC236}">
+                <a16:creationId xmlns:a16="http://schemas.microsoft.com/office/drawing/2014/main" id="{C137128D-E594-4905-9F76-E385F0831D60}"/>
+              </a:ext>
+              <a:ext uri="{C183D7F6-B498-43B3-948B-1728B52AA6E4}">
+                <adec:decorative xmlns:adec="http://schemas.microsoft.com/office/drawing/2017/decorative" val="1"/>
+              </a:ext>
+            </a:extLst>
+          </p:cNvPr>
+          <p:cNvSpPr>
+            <a:spLocks noGrp="1" noRot="1" noChangeAspect="1" noMove="1" noResize="1" noEditPoints="1" noAdjustHandles="1" noChangeArrowheads="1" noChangeShapeType="1" noTextEdit="1"/>
+          </p:cNvSpPr>
+          <p:nvPr>
+            <p:extLst>
+              <p:ext uri="{386F3935-93C4-4BCD-93E2-E3B085C9AB24}">
+                <p16:designElem xmlns:p16="http://schemas.microsoft.com/office/powerpoint/2015/main" val="1"/>
+              </p:ext>
+            </p:extLst>
+          </p:nvPr>
+        </p:nvSpPr>
+        <p:spPr>
+          <a:xfrm>
+            <a:off x="10442448" y="0"/>
+            <a:ext cx="685800" cy="1143000"/>
+          </a:xfrm>
+          <a:prstGeom prst="rect">
+            <a:avLst/>
+          </a:prstGeom>
+          <a:solidFill>
+            <a:schemeClr val="accent1"/>
+          </a:solidFill>
+          <a:ln>
+            <a:noFill/>
+          </a:ln>
+        </p:spPr>
+        <p:style>
+          <a:lnRef idx="1">
+            <a:schemeClr val="accent1"/>
+          </a:lnRef>
+          <a:fillRef idx="3">
+            <a:schemeClr val="accent1"/>
+          </a:fillRef>
+          <a:effectRef idx="2">
+            <a:schemeClr val="accent1"/>
+          </a:effectRef>
+          <a:fontRef idx="minor">
+            <a:schemeClr val="lt1"/>
+          </a:fontRef>
+        </p:style>
+      </p:sp>
+      <p:sp>
+        <p:nvSpPr>
+          <p:cNvPr id="3" name="Označba mesta vsebine 2">
+            <a:extLst>
+              <a:ext uri="{FF2B5EF4-FFF2-40B4-BE49-F238E27FC236}">
+                <a16:creationId xmlns:a16="http://schemas.microsoft.com/office/drawing/2014/main" id="{D2E5D62F-3B5A-426A-A195-F9EB747FFF9C}"/>
+              </a:ext>
+            </a:extLst>
+          </p:cNvPr>
+          <p:cNvSpPr>
+            <a:spLocks noGrp="1"/>
+          </p:cNvSpPr>
+          <p:nvPr>
+            <p:ph idx="1"/>
+          </p:nvPr>
+        </p:nvSpPr>
+        <p:spPr>
+          <a:xfrm>
+            <a:off x="461638" y="2438400"/>
+            <a:ext cx="2077376" cy="3785419"/>
+          </a:xfrm>
+        </p:spPr>
+        <p:txBody>
+          <a:bodyPr>
+            <a:normAutofit/>
+          </a:bodyPr>
+          <a:lstStyle/>
+          <a:p>
+            <a:r>
+              <a:rPr lang="sl-SI" dirty="0">
+                <a:solidFill>
+                  <a:srgbClr val="FFFFFF"/>
+                </a:solidFill>
+              </a:rPr>
+              <a:t>Gumbi </a:t>
+            </a:r>
+          </a:p>
+          <a:p>
+            <a:endParaRPr lang="sl-SI" dirty="0">
+              <a:solidFill>
+                <a:srgbClr val="FFFFFF"/>
+              </a:solidFill>
+            </a:endParaRPr>
+          </a:p>
+          <a:p>
+            <a:r>
+              <a:rPr lang="sl-SI" dirty="0">
+                <a:solidFill>
+                  <a:srgbClr val="FFFFFF"/>
+                </a:solidFill>
+              </a:rPr>
+              <a:t>Polja</a:t>
+            </a:r>
+          </a:p>
+          <a:p>
+            <a:endParaRPr lang="sl-SI" dirty="0">
+              <a:solidFill>
+                <a:srgbClr val="FFFFFF"/>
+              </a:solidFill>
+            </a:endParaRPr>
+          </a:p>
+          <a:p>
+            <a:r>
+              <a:rPr lang="sl-SI" dirty="0">
+                <a:solidFill>
+                  <a:srgbClr val="FFFFFF"/>
+                </a:solidFill>
+              </a:rPr>
+              <a:t>Postavitev</a:t>
+            </a:r>
+          </a:p>
+          <a:p>
+            <a:endParaRPr lang="sl-SI" dirty="0">
+              <a:solidFill>
+                <a:srgbClr val="FFFFFF"/>
+              </a:solidFill>
+            </a:endParaRPr>
+          </a:p>
+          <a:p>
+            <a:r>
+              <a:rPr lang="sl-SI" dirty="0">
+                <a:solidFill>
+                  <a:srgbClr val="FFFFFF"/>
+                </a:solidFill>
+              </a:rPr>
+              <a:t>Vsi elementi</a:t>
+            </a:r>
+          </a:p>
+        </p:txBody>
+      </p:sp>
+      <p:sp>
+        <p:nvSpPr>
+          <p:cNvPr id="5" name="PoljeZBesedilom 4">
+            <a:extLst>
+              <a:ext uri="{FF2B5EF4-FFF2-40B4-BE49-F238E27FC236}">
+                <a16:creationId xmlns:a16="http://schemas.microsoft.com/office/drawing/2014/main" id="{2A11E076-4186-4456-8498-4B670ED3D2A1}"/>
+              </a:ext>
+            </a:extLst>
+          </p:cNvPr>
+          <p:cNvSpPr txBox="1"/>
+          <p:nvPr/>
+        </p:nvSpPr>
+        <p:spPr>
+          <a:xfrm>
+            <a:off x="3861635" y="2441608"/>
+            <a:ext cx="3566620" cy="2246769"/>
+          </a:xfrm>
+          <a:prstGeom prst="rect">
+            <a:avLst/>
+          </a:prstGeom>
+          <a:noFill/>
+        </p:spPr>
+        <p:txBody>
+          <a:bodyPr wrap="square" rtlCol="0">
+            <a:spAutoFit/>
+          </a:bodyPr>
+          <a:lstStyle/>
+          <a:p>
+            <a:r>
+              <a:rPr lang="sl-SI" sz="2000" b="1" i="1" dirty="0" err="1">
+                <a:solidFill>
+                  <a:srgbClr val="FFFFFF"/>
+                </a:solidFill>
+                <a:latin typeface="+mj-lt"/>
+                <a:ea typeface="+mj-ea"/>
+                <a:cs typeface="+mj-cs"/>
+              </a:rPr>
+              <a:t>SetOnClickListener</a:t>
+            </a:r>
+            <a:r>
+              <a:rPr lang="sl-SI" sz="2000" b="1" i="1" dirty="0">
+                <a:solidFill>
+                  <a:srgbClr val="FFFFFF"/>
+                </a:solidFill>
+                <a:latin typeface="+mj-lt"/>
+                <a:ea typeface="+mj-ea"/>
+                <a:cs typeface="+mj-cs"/>
+              </a:rPr>
+              <a:t>()</a:t>
+            </a:r>
+          </a:p>
+          <a:p>
+            <a:endParaRPr lang="sl-SI" sz="2000" dirty="0">
+              <a:solidFill>
+                <a:srgbClr val="FFFFFF"/>
+              </a:solidFill>
+              <a:latin typeface="+mj-lt"/>
+              <a:ea typeface="+mj-ea"/>
+              <a:cs typeface="+mj-cs"/>
+            </a:endParaRPr>
+          </a:p>
+          <a:p>
+            <a:endParaRPr lang="sl-SI" sz="2000" dirty="0">
+              <a:solidFill>
+                <a:srgbClr val="FFFFFF"/>
+              </a:solidFill>
+              <a:latin typeface="+mj-lt"/>
+              <a:ea typeface="+mj-ea"/>
+              <a:cs typeface="+mj-cs"/>
+            </a:endParaRPr>
+          </a:p>
+          <a:p>
+            <a:r>
+              <a:rPr lang="sl-SI" sz="2000" b="1" i="1" dirty="0" err="1">
+                <a:solidFill>
+                  <a:srgbClr val="FFFFFF"/>
+                </a:solidFill>
+                <a:latin typeface="+mj-lt"/>
+                <a:ea typeface="+mj-ea"/>
+                <a:cs typeface="+mj-cs"/>
+              </a:rPr>
+              <a:t>SetText</a:t>
+            </a:r>
+            <a:r>
+              <a:rPr lang="sl-SI" sz="2000" b="1" i="1" dirty="0">
+                <a:solidFill>
+                  <a:srgbClr val="FFFFFF"/>
+                </a:solidFill>
+                <a:latin typeface="+mj-lt"/>
+                <a:ea typeface="+mj-ea"/>
+                <a:cs typeface="+mj-cs"/>
+              </a:rPr>
+              <a:t>()   in   </a:t>
+            </a:r>
+            <a:r>
+              <a:rPr lang="sl-SI" sz="2000" b="1" i="1" dirty="0" err="1">
+                <a:solidFill>
+                  <a:srgbClr val="FFFFFF"/>
+                </a:solidFill>
+                <a:latin typeface="+mj-lt"/>
+                <a:ea typeface="+mj-ea"/>
+                <a:cs typeface="+mj-cs"/>
+              </a:rPr>
+              <a:t>GetText</a:t>
+            </a:r>
+            <a:r>
+              <a:rPr lang="sl-SI" sz="2000" b="1" i="1" dirty="0">
+                <a:solidFill>
+                  <a:srgbClr val="FFFFFF"/>
+                </a:solidFill>
+                <a:latin typeface="+mj-lt"/>
+                <a:ea typeface="+mj-ea"/>
+                <a:cs typeface="+mj-cs"/>
+              </a:rPr>
+              <a:t>()</a:t>
+            </a:r>
+          </a:p>
+          <a:p>
+            <a:endParaRPr lang="sl-SI" sz="2000" dirty="0">
+              <a:solidFill>
+                <a:srgbClr val="FFFFFF"/>
+              </a:solidFill>
+              <a:latin typeface="+mj-lt"/>
+              <a:ea typeface="+mj-ea"/>
+              <a:cs typeface="+mj-cs"/>
+            </a:endParaRPr>
+          </a:p>
+          <a:p>
+            <a:endParaRPr lang="sl-SI" sz="2000" dirty="0">
+              <a:solidFill>
+                <a:srgbClr val="FFFFFF"/>
+              </a:solidFill>
+              <a:latin typeface="+mj-lt"/>
+              <a:ea typeface="+mj-ea"/>
+              <a:cs typeface="+mj-cs"/>
+            </a:endParaRPr>
+          </a:p>
+          <a:p>
+            <a:endParaRPr lang="sl-SI" sz="2000" dirty="0">
+              <a:solidFill>
+                <a:srgbClr val="FFFFFF"/>
+              </a:solidFill>
+              <a:latin typeface="+mj-lt"/>
+              <a:ea typeface="+mj-ea"/>
+              <a:cs typeface="+mj-cs"/>
+            </a:endParaRPr>
+          </a:p>
+        </p:txBody>
+      </p:sp>
+      <p:sp>
+        <p:nvSpPr>
+          <p:cNvPr id="6" name="PoljeZBesedilom 5">
+            <a:extLst>
+              <a:ext uri="{FF2B5EF4-FFF2-40B4-BE49-F238E27FC236}">
+                <a16:creationId xmlns:a16="http://schemas.microsoft.com/office/drawing/2014/main" id="{C8182A86-316C-4873-B328-E88A802145AD}"/>
+              </a:ext>
+            </a:extLst>
+          </p:cNvPr>
+          <p:cNvSpPr txBox="1"/>
+          <p:nvPr/>
+        </p:nvSpPr>
+        <p:spPr>
+          <a:xfrm>
+            <a:off x="3861215" y="4131054"/>
+            <a:ext cx="2396810" cy="400110"/>
+          </a:xfrm>
+          <a:prstGeom prst="rect">
+            <a:avLst/>
+          </a:prstGeom>
+          <a:noFill/>
+        </p:spPr>
+        <p:txBody>
+          <a:bodyPr wrap="none" rtlCol="0">
+            <a:spAutoFit/>
+          </a:bodyPr>
+          <a:lstStyle/>
+          <a:p>
+            <a:r>
+              <a:rPr lang="sl-SI" sz="2000" b="1" i="1" dirty="0" err="1">
+                <a:solidFill>
+                  <a:srgbClr val="FFFFFF"/>
+                </a:solidFill>
+                <a:latin typeface="+mj-lt"/>
+                <a:ea typeface="+mj-ea"/>
+                <a:cs typeface="+mj-cs"/>
+              </a:rPr>
+              <a:t>SetContentView</a:t>
+            </a:r>
+            <a:r>
+              <a:rPr lang="sl-SI" sz="2000" b="1" i="1" dirty="0">
+                <a:solidFill>
+                  <a:srgbClr val="FFFFFF"/>
+                </a:solidFill>
+                <a:latin typeface="+mj-lt"/>
+                <a:ea typeface="+mj-ea"/>
+                <a:cs typeface="+mj-cs"/>
+              </a:rPr>
+              <a:t>()</a:t>
+            </a:r>
+          </a:p>
+        </p:txBody>
+      </p:sp>
+      <p:cxnSp>
+        <p:nvCxnSpPr>
+          <p:cNvPr id="8" name="Raven puščični povezovalnik 7">
+            <a:extLst>
+              <a:ext uri="{FF2B5EF4-FFF2-40B4-BE49-F238E27FC236}">
+                <a16:creationId xmlns:a16="http://schemas.microsoft.com/office/drawing/2014/main" id="{EE185CB6-D02E-4328-A4BC-4B462ABE6D5E}"/>
+              </a:ext>
+            </a:extLst>
+          </p:cNvPr>
+          <p:cNvCxnSpPr>
+            <a:cxnSpLocks/>
+          </p:cNvCxnSpPr>
+          <p:nvPr/>
+        </p:nvCxnSpPr>
+        <p:spPr>
+          <a:xfrm>
+            <a:off x="2667688" y="2647041"/>
+            <a:ext cx="962118" cy="0"/>
+          </a:xfrm>
+          <a:prstGeom prst="straightConnector1">
+            <a:avLst/>
+          </a:prstGeom>
+          <a:ln>
+            <a:solidFill>
+              <a:schemeClr val="bg1"/>
+            </a:solidFill>
+            <a:tailEnd type="triangle"/>
+          </a:ln>
+          <a:effectLst>
+            <a:outerShdw blurRad="25400" dist="152400" dir="7800000" sx="111000" sy="111000" rotWithShape="0">
+              <a:prstClr val="black">
+                <a:alpha val="37000"/>
+              </a:prstClr>
+            </a:outerShdw>
+          </a:effectLst>
+        </p:spPr>
+        <p:style>
+          <a:lnRef idx="3">
+            <a:schemeClr val="dk1"/>
+          </a:lnRef>
+          <a:fillRef idx="0">
+            <a:schemeClr val="dk1"/>
+          </a:fillRef>
+          <a:effectRef idx="2">
+            <a:schemeClr val="dk1"/>
+          </a:effectRef>
+          <a:fontRef idx="minor">
+            <a:schemeClr val="tx1"/>
+          </a:fontRef>
+        </p:style>
+      </p:cxnSp>
+      <p:cxnSp>
+        <p:nvCxnSpPr>
+          <p:cNvPr id="14" name="Raven puščični povezovalnik 13">
+            <a:extLst>
+              <a:ext uri="{FF2B5EF4-FFF2-40B4-BE49-F238E27FC236}">
+                <a16:creationId xmlns:a16="http://schemas.microsoft.com/office/drawing/2014/main" id="{6CABFFA3-32C0-4908-8076-6669636647E4}"/>
+              </a:ext>
+            </a:extLst>
+          </p:cNvPr>
+          <p:cNvCxnSpPr>
+            <a:cxnSpLocks/>
+          </p:cNvCxnSpPr>
+          <p:nvPr/>
+        </p:nvCxnSpPr>
+        <p:spPr>
+          <a:xfrm>
+            <a:off x="2667688" y="3550585"/>
+            <a:ext cx="962118" cy="0"/>
+          </a:xfrm>
+          <a:prstGeom prst="straightConnector1">
+            <a:avLst/>
+          </a:prstGeom>
+          <a:ln>
+            <a:solidFill>
+              <a:schemeClr val="bg1"/>
+            </a:solidFill>
+            <a:tailEnd type="triangle"/>
+          </a:ln>
+          <a:effectLst>
+            <a:outerShdw blurRad="25400" dist="152400" dir="7800000" sx="111000" sy="111000" rotWithShape="0">
+              <a:prstClr val="black">
+                <a:alpha val="37000"/>
+              </a:prstClr>
+            </a:outerShdw>
+          </a:effectLst>
+        </p:spPr>
+        <p:style>
+          <a:lnRef idx="3">
+            <a:schemeClr val="dk1"/>
+          </a:lnRef>
+          <a:fillRef idx="0">
+            <a:schemeClr val="dk1"/>
+          </a:fillRef>
+          <a:effectRef idx="2">
+            <a:schemeClr val="dk1"/>
+          </a:effectRef>
+          <a:fontRef idx="minor">
+            <a:schemeClr val="tx1"/>
+          </a:fontRef>
+        </p:style>
+      </p:cxnSp>
+      <p:cxnSp>
+        <p:nvCxnSpPr>
+          <p:cNvPr id="16" name="Raven puščični povezovalnik 15">
+            <a:extLst>
+              <a:ext uri="{FF2B5EF4-FFF2-40B4-BE49-F238E27FC236}">
+                <a16:creationId xmlns:a16="http://schemas.microsoft.com/office/drawing/2014/main" id="{B4D3CD96-1BCB-4A20-B291-5701FC6105F6}"/>
+              </a:ext>
+            </a:extLst>
+          </p:cNvPr>
+          <p:cNvCxnSpPr>
+            <a:cxnSpLocks/>
+          </p:cNvCxnSpPr>
+          <p:nvPr/>
+        </p:nvCxnSpPr>
+        <p:spPr>
+          <a:xfrm>
+            <a:off x="2667688" y="4331109"/>
+            <a:ext cx="962118" cy="0"/>
+          </a:xfrm>
+          <a:prstGeom prst="straightConnector1">
+            <a:avLst/>
+          </a:prstGeom>
+          <a:ln>
+            <a:solidFill>
+              <a:schemeClr val="bg1"/>
+            </a:solidFill>
+            <a:tailEnd type="triangle"/>
+          </a:ln>
+          <a:effectLst>
+            <a:outerShdw blurRad="25400" dist="152400" dir="7800000" sx="111000" sy="111000" rotWithShape="0">
+              <a:prstClr val="black">
+                <a:alpha val="37000"/>
+              </a:prstClr>
+            </a:outerShdw>
+          </a:effectLst>
+        </p:spPr>
+        <p:style>
+          <a:lnRef idx="3">
+            <a:schemeClr val="dk1"/>
+          </a:lnRef>
+          <a:fillRef idx="0">
+            <a:schemeClr val="dk1"/>
+          </a:fillRef>
+          <a:effectRef idx="2">
+            <a:schemeClr val="dk1"/>
+          </a:effectRef>
+          <a:fontRef idx="minor">
+            <a:schemeClr val="tx1"/>
+          </a:fontRef>
+        </p:style>
+      </p:cxnSp>
+      <p:cxnSp>
+        <p:nvCxnSpPr>
+          <p:cNvPr id="17" name="Raven puščični povezovalnik 16">
+            <a:extLst>
+              <a:ext uri="{FF2B5EF4-FFF2-40B4-BE49-F238E27FC236}">
+                <a16:creationId xmlns:a16="http://schemas.microsoft.com/office/drawing/2014/main" id="{81C65454-66F3-4A7E-B373-2E78D9163030}"/>
+              </a:ext>
+            </a:extLst>
+          </p:cNvPr>
+          <p:cNvCxnSpPr>
+            <a:cxnSpLocks/>
+          </p:cNvCxnSpPr>
+          <p:nvPr/>
+        </p:nvCxnSpPr>
+        <p:spPr>
+          <a:xfrm>
+            <a:off x="2667688" y="5215382"/>
+            <a:ext cx="962118" cy="0"/>
+          </a:xfrm>
+          <a:prstGeom prst="straightConnector1">
+            <a:avLst/>
+          </a:prstGeom>
+          <a:ln>
+            <a:solidFill>
+              <a:schemeClr val="bg1"/>
+            </a:solidFill>
+            <a:tailEnd type="triangle"/>
+          </a:ln>
+          <a:effectLst>
+            <a:outerShdw blurRad="25400" dist="152400" dir="7800000" sx="111000" sy="111000" rotWithShape="0">
+              <a:prstClr val="black">
+                <a:alpha val="37000"/>
+              </a:prstClr>
+            </a:outerShdw>
+          </a:effectLst>
+        </p:spPr>
+        <p:style>
+          <a:lnRef idx="3">
+            <a:schemeClr val="dk1"/>
+          </a:lnRef>
+          <a:fillRef idx="0">
+            <a:schemeClr val="dk1"/>
+          </a:fillRef>
+          <a:effectRef idx="2">
+            <a:schemeClr val="dk1"/>
+          </a:effectRef>
+          <a:fontRef idx="minor">
+            <a:schemeClr val="tx1"/>
+          </a:fontRef>
+        </p:style>
+      </p:cxnSp>
+      <p:sp>
+        <p:nvSpPr>
+          <p:cNvPr id="12" name="PoljeZBesedilom 11">
+            <a:extLst>
+              <a:ext uri="{FF2B5EF4-FFF2-40B4-BE49-F238E27FC236}">
+                <a16:creationId xmlns:a16="http://schemas.microsoft.com/office/drawing/2014/main" id="{224D4B5B-740C-456A-B67C-ABCA24E2653A}"/>
+              </a:ext>
+            </a:extLst>
+          </p:cNvPr>
+          <p:cNvSpPr txBox="1"/>
+          <p:nvPr/>
+        </p:nvSpPr>
+        <p:spPr>
+          <a:xfrm>
+            <a:off x="3861215" y="5031712"/>
+            <a:ext cx="2077376" cy="400110"/>
+          </a:xfrm>
+          <a:prstGeom prst="rect">
+            <a:avLst/>
+          </a:prstGeom>
+          <a:noFill/>
+        </p:spPr>
+        <p:txBody>
+          <a:bodyPr wrap="square" rtlCol="0">
+            <a:spAutoFit/>
+          </a:bodyPr>
+          <a:lstStyle/>
+          <a:p>
+            <a:r>
+              <a:rPr lang="sl-SI" sz="2000" b="1" i="1" dirty="0" err="1">
+                <a:solidFill>
+                  <a:srgbClr val="FFFFFF"/>
+                </a:solidFill>
+                <a:latin typeface="+mj-lt"/>
+                <a:ea typeface="+mj-ea"/>
+                <a:cs typeface="+mj-cs"/>
+              </a:rPr>
+              <a:t>FindViewById</a:t>
+            </a:r>
+            <a:r>
+              <a:rPr lang="sl-SI" sz="2000" b="1" i="1" dirty="0">
+                <a:solidFill>
+                  <a:srgbClr val="FFFFFF"/>
+                </a:solidFill>
+                <a:latin typeface="+mj-lt"/>
+                <a:ea typeface="+mj-ea"/>
+                <a:cs typeface="+mj-cs"/>
+              </a:rPr>
+              <a:t>()</a:t>
+            </a:r>
+          </a:p>
+        </p:txBody>
+      </p:sp>
+    </p:spTree>
+    <p:extLst>
+      <p:ext uri="{BB962C8B-B14F-4D97-AF65-F5344CB8AC3E}">
+        <p14:creationId xmlns:p14="http://schemas.microsoft.com/office/powerpoint/2010/main" val="76714095"/>
+      </p:ext>
+    </p:extLst>
+  </p:cSld>
+  <p:clrMapOvr>
+    <a:overrideClrMapping bg1="lt1" tx1="dk1" bg2="lt2" tx2="dk2" accent1="accent1" accent2="accent2" accent3="accent3" accent4="accent4" accent5="accent5" accent6="accent6" hlink="hlink" folHlink="folHlink"/>
   </p:clrMapOvr>
 </p:sld>
 </file>

--- a/ZagovorSeminarske_JarcDejan.pptx
+++ b/ZagovorSeminarske_JarcDejan.pptx
@@ -5,7 +5,7 @@
     <p:sldMasterId id="2147483660" r:id="rId1"/>
   </p:sldMasterIdLst>
   <p:notesMasterIdLst>
-    <p:notesMasterId r:id="rId7"/>
+    <p:notesMasterId r:id="rId8"/>
   </p:notesMasterIdLst>
   <p:sldIdLst>
     <p:sldId id="256" r:id="rId2"/>
@@ -13,6 +13,7 @@
     <p:sldId id="258" r:id="rId4"/>
     <p:sldId id="259" r:id="rId5"/>
     <p:sldId id="260" r:id="rId6"/>
+    <p:sldId id="261" r:id="rId7"/>
   </p:sldIdLst>
   <p:sldSz cx="12192000" cy="6858000"/>
   <p:notesSz cx="6858000" cy="9144000"/>
@@ -11959,6 +11960,69 @@
   </p:cSld>
   <p:clrMapOvr>
     <a:overrideClrMapping bg1="lt1" tx1="dk1" bg2="lt2" tx2="dk2" accent1="accent1" accent2="accent2" accent3="accent3" accent4="accent4" accent5="accent5" accent6="accent6" hlink="hlink" folHlink="folHlink"/>
+  </p:clrMapOvr>
+</p:sld>
+</file>
+
+<file path=ppt/slides/slide6.xml><?xml version="1.0" encoding="utf-8"?>
+<p:sld xmlns:a="http://schemas.openxmlformats.org/drawingml/2006/main" xmlns:r="http://schemas.openxmlformats.org/officeDocument/2006/relationships" xmlns:p="http://schemas.openxmlformats.org/presentationml/2006/main">
+  <p:cSld>
+    <p:spTree>
+      <p:nvGrpSpPr>
+        <p:cNvPr id="1" name=""/>
+        <p:cNvGrpSpPr/>
+        <p:nvPr/>
+      </p:nvGrpSpPr>
+      <p:grpSpPr>
+        <a:xfrm>
+          <a:off x="0" y="0"/>
+          <a:ext cx="0" cy="0"/>
+          <a:chOff x="0" y="0"/>
+          <a:chExt cx="0" cy="0"/>
+        </a:xfrm>
+      </p:grpSpPr>
+      <p:sp>
+        <p:nvSpPr>
+          <p:cNvPr id="2" name="Naslov 1">
+            <a:extLst>
+              <a:ext uri="{FF2B5EF4-FFF2-40B4-BE49-F238E27FC236}">
+                <a16:creationId xmlns:a16="http://schemas.microsoft.com/office/drawing/2014/main" id="{8F7B0356-BF6B-4003-9B28-815DEC7BB579}"/>
+              </a:ext>
+            </a:extLst>
+          </p:cNvPr>
+          <p:cNvSpPr>
+            <a:spLocks noGrp="1"/>
+          </p:cNvSpPr>
+          <p:nvPr>
+            <p:ph type="title"/>
+          </p:nvPr>
+        </p:nvSpPr>
+        <p:spPr>
+          <a:xfrm>
+            <a:off x="3656604" y="3034529"/>
+            <a:ext cx="5150511" cy="788941"/>
+          </a:xfrm>
+        </p:spPr>
+        <p:txBody>
+          <a:bodyPr/>
+          <a:lstStyle/>
+          <a:p>
+            <a:r>
+              <a:rPr lang="sl-SI" b="1" i="1" dirty="0"/>
+              <a:t>Preizkus aplikacije</a:t>
+            </a:r>
+          </a:p>
+        </p:txBody>
+      </p:sp>
+    </p:spTree>
+    <p:extLst>
+      <p:ext uri="{BB962C8B-B14F-4D97-AF65-F5344CB8AC3E}">
+        <p14:creationId xmlns:p14="http://schemas.microsoft.com/office/powerpoint/2010/main" val="3029313313"/>
+      </p:ext>
+    </p:extLst>
+  </p:cSld>
+  <p:clrMapOvr>
+    <a:masterClrMapping/>
   </p:clrMapOvr>
 </p:sld>
 </file>

--- a/ZagovorSeminarske_JarcDejan.pptx
+++ b/ZagovorSeminarske_JarcDejan.pptx
@@ -5,7 +5,7 @@
     <p:sldMasterId id="2147483660" r:id="rId1"/>
   </p:sldMasterIdLst>
   <p:notesMasterIdLst>
-    <p:notesMasterId r:id="rId10"/>
+    <p:notesMasterId r:id="rId11"/>
   </p:notesMasterIdLst>
   <p:sldIdLst>
     <p:sldId id="256" r:id="rId2"/>
@@ -13,9 +13,10 @@
     <p:sldId id="258" r:id="rId4"/>
     <p:sldId id="259" r:id="rId5"/>
     <p:sldId id="260" r:id="rId6"/>
-    <p:sldId id="261" r:id="rId7"/>
-    <p:sldId id="263" r:id="rId8"/>
-    <p:sldId id="264" r:id="rId9"/>
+    <p:sldId id="265" r:id="rId7"/>
+    <p:sldId id="261" r:id="rId8"/>
+    <p:sldId id="263" r:id="rId9"/>
+    <p:sldId id="264" r:id="rId10"/>
   </p:sldIdLst>
   <p:sldSz cx="12192000" cy="6858000"/>
   <p:notesSz cx="6858000" cy="9144000"/>
@@ -204,7 +205,7 @@
           <a:p>
             <a:fld id="{40FA49F6-6208-4197-92FA-DC7BC97E654D}" type="datetimeFigureOut">
               <a:rPr lang="sl-SI" smtClean="0"/>
-              <a:t>14. 04. 2021</a:t>
+              <a:t>18. 04. 2021</a:t>
             </a:fld>
             <a:endParaRPr lang="sl-SI"/>
           </a:p>
@@ -909,7 +910,7 @@
           <a:p>
             <a:fld id="{1843AC4B-3984-4398-A582-3B1C31F223BE}" type="datetimeFigureOut">
               <a:rPr lang="sl-SI" smtClean="0"/>
-              <a:t>14. 04. 2021</a:t>
+              <a:t>18. 04. 2021</a:t>
             </a:fld>
             <a:endParaRPr lang="sl-SI"/>
           </a:p>
@@ -1184,7 +1185,7 @@
           <a:p>
             <a:fld id="{1843AC4B-3984-4398-A582-3B1C31F223BE}" type="datetimeFigureOut">
               <a:rPr lang="sl-SI" smtClean="0"/>
-              <a:t>14. 04. 2021</a:t>
+              <a:t>18. 04. 2021</a:t>
             </a:fld>
             <a:endParaRPr lang="sl-SI"/>
           </a:p>
@@ -1378,7 +1379,7 @@
           <a:p>
             <a:fld id="{1843AC4B-3984-4398-A582-3B1C31F223BE}" type="datetimeFigureOut">
               <a:rPr lang="sl-SI" smtClean="0"/>
-              <a:t>14. 04. 2021</a:t>
+              <a:t>18. 04. 2021</a:t>
             </a:fld>
             <a:endParaRPr lang="sl-SI"/>
           </a:p>
@@ -1651,7 +1652,7 @@
           <a:p>
             <a:fld id="{1843AC4B-3984-4398-A582-3B1C31F223BE}" type="datetimeFigureOut">
               <a:rPr lang="sl-SI" smtClean="0"/>
-              <a:t>14. 04. 2021</a:t>
+              <a:t>18. 04. 2021</a:t>
             </a:fld>
             <a:endParaRPr lang="sl-SI"/>
           </a:p>
@@ -1992,7 +1993,7 @@
           <a:p>
             <a:fld id="{1843AC4B-3984-4398-A582-3B1C31F223BE}" type="datetimeFigureOut">
               <a:rPr lang="sl-SI" smtClean="0"/>
-              <a:t>14. 04. 2021</a:t>
+              <a:t>18. 04. 2021</a:t>
             </a:fld>
             <a:endParaRPr lang="sl-SI"/>
           </a:p>
@@ -2615,7 +2616,7 @@
           <a:p>
             <a:fld id="{1843AC4B-3984-4398-A582-3B1C31F223BE}" type="datetimeFigureOut">
               <a:rPr lang="sl-SI" smtClean="0"/>
-              <a:t>14. 04. 2021</a:t>
+              <a:t>18. 04. 2021</a:t>
             </a:fld>
             <a:endParaRPr lang="sl-SI"/>
           </a:p>
@@ -3475,7 +3476,7 @@
           <a:p>
             <a:fld id="{1843AC4B-3984-4398-A582-3B1C31F223BE}" type="datetimeFigureOut">
               <a:rPr lang="sl-SI" smtClean="0"/>
-              <a:t>14. 04. 2021</a:t>
+              <a:t>18. 04. 2021</a:t>
             </a:fld>
             <a:endParaRPr lang="sl-SI"/>
           </a:p>
@@ -3645,7 +3646,7 @@
           <a:p>
             <a:fld id="{1843AC4B-3984-4398-A582-3B1C31F223BE}" type="datetimeFigureOut">
               <a:rPr lang="sl-SI" smtClean="0"/>
-              <a:t>14. 04. 2021</a:t>
+              <a:t>18. 04. 2021</a:t>
             </a:fld>
             <a:endParaRPr lang="sl-SI"/>
           </a:p>
@@ -3825,7 +3826,7 @@
           <a:p>
             <a:fld id="{1843AC4B-3984-4398-A582-3B1C31F223BE}" type="datetimeFigureOut">
               <a:rPr lang="sl-SI" smtClean="0"/>
-              <a:t>14. 04. 2021</a:t>
+              <a:t>18. 04. 2021</a:t>
             </a:fld>
             <a:endParaRPr lang="sl-SI"/>
           </a:p>
@@ -3995,7 +3996,7 @@
           <a:p>
             <a:fld id="{1843AC4B-3984-4398-A582-3B1C31F223BE}" type="datetimeFigureOut">
               <a:rPr lang="sl-SI" smtClean="0"/>
-              <a:t>14. 04. 2021</a:t>
+              <a:t>18. 04. 2021</a:t>
             </a:fld>
             <a:endParaRPr lang="sl-SI"/>
           </a:p>
@@ -4242,7 +4243,7 @@
           <a:p>
             <a:fld id="{1843AC4B-3984-4398-A582-3B1C31F223BE}" type="datetimeFigureOut">
               <a:rPr lang="sl-SI" smtClean="0"/>
-              <a:t>14. 04. 2021</a:t>
+              <a:t>18. 04. 2021</a:t>
             </a:fld>
             <a:endParaRPr lang="sl-SI"/>
           </a:p>
@@ -4534,7 +4535,7 @@
           <a:p>
             <a:fld id="{1843AC4B-3984-4398-A582-3B1C31F223BE}" type="datetimeFigureOut">
               <a:rPr lang="sl-SI" smtClean="0"/>
-              <a:t>14. 04. 2021</a:t>
+              <a:t>18. 04. 2021</a:t>
             </a:fld>
             <a:endParaRPr lang="sl-SI"/>
           </a:p>
@@ -4978,7 +4979,7 @@
           <a:p>
             <a:fld id="{1843AC4B-3984-4398-A582-3B1C31F223BE}" type="datetimeFigureOut">
               <a:rPr lang="sl-SI" smtClean="0"/>
-              <a:t>14. 04. 2021</a:t>
+              <a:t>18. 04. 2021</a:t>
             </a:fld>
             <a:endParaRPr lang="sl-SI"/>
           </a:p>
@@ -5096,7 +5097,7 @@
           <a:p>
             <a:fld id="{1843AC4B-3984-4398-A582-3B1C31F223BE}" type="datetimeFigureOut">
               <a:rPr lang="sl-SI" smtClean="0"/>
-              <a:t>14. 04. 2021</a:t>
+              <a:t>18. 04. 2021</a:t>
             </a:fld>
             <a:endParaRPr lang="sl-SI"/>
           </a:p>
@@ -5191,7 +5192,7 @@
           <a:p>
             <a:fld id="{1843AC4B-3984-4398-A582-3B1C31F223BE}" type="datetimeFigureOut">
               <a:rPr lang="sl-SI" smtClean="0"/>
-              <a:t>14. 04. 2021</a:t>
+              <a:t>18. 04. 2021</a:t>
             </a:fld>
             <a:endParaRPr lang="sl-SI"/>
           </a:p>
@@ -5470,7 +5471,7 @@
           <a:p>
             <a:fld id="{1843AC4B-3984-4398-A582-3B1C31F223BE}" type="datetimeFigureOut">
               <a:rPr lang="sl-SI" smtClean="0"/>
-              <a:t>14. 04. 2021</a:t>
+              <a:t>18. 04. 2021</a:t>
             </a:fld>
             <a:endParaRPr lang="sl-SI"/>
           </a:p>
@@ -5745,7 +5746,7 @@
           <a:p>
             <a:fld id="{1843AC4B-3984-4398-A582-3B1C31F223BE}" type="datetimeFigureOut">
               <a:rPr lang="sl-SI" smtClean="0"/>
-              <a:t>14. 04. 2021</a:t>
+              <a:t>18. 04. 2021</a:t>
             </a:fld>
             <a:endParaRPr lang="sl-SI"/>
           </a:p>
@@ -6174,7 +6175,7 @@
           <a:p>
             <a:fld id="{1843AC4B-3984-4398-A582-3B1C31F223BE}" type="datetimeFigureOut">
               <a:rPr lang="sl-SI" smtClean="0"/>
-              <a:t>14. 04. 2021</a:t>
+              <a:t>18. 04. 2021</a:t>
             </a:fld>
             <a:endParaRPr lang="sl-SI"/>
           </a:p>
@@ -10492,7 +10493,7 @@
                   <a:srgbClr val="EBEBEB"/>
                 </a:solidFill>
               </a:rPr>
-              <a:t>Delovanje aplikacije</a:t>
+              <a:t>Delovanje aplikacije po metodah</a:t>
             </a:r>
           </a:p>
         </p:txBody>
@@ -11969,6 +11970,14 @@
 <file path=ppt/slides/slide6.xml><?xml version="1.0" encoding="utf-8"?>
 <p:sld xmlns:a="http://schemas.openxmlformats.org/drawingml/2006/main" xmlns:r="http://schemas.openxmlformats.org/officeDocument/2006/relationships" xmlns:p="http://schemas.openxmlformats.org/presentationml/2006/main">
   <p:cSld>
+    <p:bg>
+      <p:bgPr>
+        <a:solidFill>
+          <a:schemeClr val="bg1"/>
+        </a:solidFill>
+        <a:effectLst/>
+      </p:bgPr>
+    </p:bg>
     <p:spTree>
       <p:nvGrpSpPr>
         <p:cNvPr id="1" name=""/>
@@ -11985,10 +11994,70 @@
       </p:grpSpPr>
       <p:sp>
         <p:nvSpPr>
+          <p:cNvPr id="10" name="Rectangle 9">
+            <a:extLst>
+              <a:ext uri="{FF2B5EF4-FFF2-40B4-BE49-F238E27FC236}">
+                <a16:creationId xmlns:a16="http://schemas.microsoft.com/office/drawing/2014/main" id="{B4AAD3FD-83A5-4B89-9F8F-01B8870865BE}"/>
+              </a:ext>
+              <a:ext uri="{C183D7F6-B498-43B3-948B-1728B52AA6E4}">
+                <adec:decorative xmlns:adec="http://schemas.microsoft.com/office/drawing/2017/decorative" val="1"/>
+              </a:ext>
+            </a:extLst>
+          </p:cNvPr>
+          <p:cNvSpPr>
+            <a:spLocks noGrp="1" noRot="1" noChangeAspect="1" noMove="1" noResize="1" noEditPoints="1" noAdjustHandles="1" noChangeArrowheads="1" noChangeShapeType="1" noTextEdit="1"/>
+          </p:cNvSpPr>
+          <p:nvPr>
+            <p:extLst>
+              <p:ext uri="{386F3935-93C4-4BCD-93E2-E3B085C9AB24}">
+                <p16:designElem xmlns:p16="http://schemas.microsoft.com/office/powerpoint/2015/main" val="1"/>
+              </p:ext>
+            </p:extLst>
+          </p:nvPr>
+        </p:nvSpPr>
+        <p:spPr>
+          <a:xfrm>
+            <a:off x="0" y="0"/>
+            <a:ext cx="12192000" cy="6858000"/>
+          </a:xfrm>
+          <a:prstGeom prst="rect">
+            <a:avLst/>
+          </a:prstGeom>
+          <a:ln>
+            <a:noFill/>
+          </a:ln>
+        </p:spPr>
+        <p:style>
+          <a:lnRef idx="2">
+            <a:schemeClr val="accent1">
+              <a:shade val="50000"/>
+            </a:schemeClr>
+          </a:lnRef>
+          <a:fillRef idx="1003">
+            <a:schemeClr val="dk2"/>
+          </a:fillRef>
+          <a:effectRef idx="0">
+            <a:schemeClr val="accent1"/>
+          </a:effectRef>
+          <a:fontRef idx="minor">
+            <a:schemeClr val="lt1"/>
+          </a:fontRef>
+        </p:style>
+        <p:txBody>
+          <a:bodyPr rtlCol="0" anchor="ctr"/>
+          <a:lstStyle/>
+          <a:p>
+            <a:pPr algn="ctr"/>
+            <a:endParaRPr lang="en-US"/>
+          </a:p>
+        </p:txBody>
+      </p:sp>
+      <p:sp>
+        <p:nvSpPr>
           <p:cNvPr id="2" name="Naslov 1">
             <a:extLst>
               <a:ext uri="{FF2B5EF4-FFF2-40B4-BE49-F238E27FC236}">
-                <a16:creationId xmlns:a16="http://schemas.microsoft.com/office/drawing/2014/main" id="{8F7B0356-BF6B-4003-9B28-815DEC7BB579}"/>
+                <a16:creationId xmlns:a16="http://schemas.microsoft.com/office/drawing/2014/main" id="{C667A31E-4BF3-4C70-8FD4-21709DE22BEC}"/>
               </a:ext>
             </a:extLst>
           </p:cNvPr>
@@ -12001,17 +12070,1660 @@
         </p:nvSpPr>
         <p:spPr>
           <a:xfrm>
-            <a:off x="3656604" y="3034529"/>
-            <a:ext cx="5150511" cy="788941"/>
+            <a:off x="648931" y="629266"/>
+            <a:ext cx="4166510" cy="1622321"/>
           </a:xfrm>
         </p:spPr>
         <p:txBody>
-          <a:bodyPr/>
+          <a:bodyPr>
+            <a:normAutofit/>
+          </a:bodyPr>
           <a:lstStyle/>
           <a:p>
             <a:r>
-              <a:rPr lang="sl-SI" b="1" i="1" dirty="0"/>
-              <a:t>Preizkus aplikacije</a:t>
+              <a:rPr lang="sl-SI" dirty="0">
+                <a:solidFill>
+                  <a:srgbClr val="EBEBEB"/>
+                </a:solidFill>
+              </a:rPr>
+              <a:t>Uporaba</a:t>
+            </a:r>
+          </a:p>
+        </p:txBody>
+      </p:sp>
+      <p:sp>
+        <p:nvSpPr>
+          <p:cNvPr id="12" name="Freeform 31">
+            <a:extLst>
+              <a:ext uri="{FF2B5EF4-FFF2-40B4-BE49-F238E27FC236}">
+                <a16:creationId xmlns:a16="http://schemas.microsoft.com/office/drawing/2014/main" id="{61752F1D-FC0F-4103-9584-630E643CCDA6}"/>
+              </a:ext>
+              <a:ext uri="{C183D7F6-B498-43B3-948B-1728B52AA6E4}">
+                <adec:decorative xmlns:adec="http://schemas.microsoft.com/office/drawing/2017/decorative" val="1"/>
+              </a:ext>
+            </a:extLst>
+          </p:cNvPr>
+          <p:cNvSpPr>
+            <a:spLocks noGrp="1" noRot="1" noChangeAspect="1" noMove="1" noResize="1" noEditPoints="1" noAdjustHandles="1" noChangeArrowheads="1" noChangeShapeType="1" noTextEdit="1"/>
+          </p:cNvSpPr>
+          <p:nvPr>
+            <p:extLst>
+              <p:ext uri="{386F3935-93C4-4BCD-93E2-E3B085C9AB24}">
+                <p16:designElem xmlns:p16="http://schemas.microsoft.com/office/powerpoint/2015/main" val="1"/>
+              </p:ext>
+            </p:extLst>
+          </p:nvPr>
+        </p:nvSpPr>
+        <p:spPr>
+          <a:xfrm>
+            <a:off x="4994020" y="-1"/>
+            <a:ext cx="559472" cy="3709642"/>
+          </a:xfrm>
+          <a:custGeom>
+            <a:avLst/>
+            <a:gdLst>
+              <a:gd name="connsiteX0" fmla="*/ 0 w 559472"/>
+              <a:gd name="connsiteY0" fmla="*/ 0 h 3709642"/>
+              <a:gd name="connsiteX1" fmla="*/ 473952 w 559472"/>
+              <a:gd name="connsiteY1" fmla="*/ 0 h 3709642"/>
+              <a:gd name="connsiteX2" fmla="*/ 485840 w 559472"/>
+              <a:gd name="connsiteY2" fmla="*/ 161194 h 3709642"/>
+              <a:gd name="connsiteX3" fmla="*/ 523949 w 559472"/>
+              <a:gd name="connsiteY3" fmla="*/ 3672197 h 3709642"/>
+              <a:gd name="connsiteX4" fmla="*/ 454748 w 559472"/>
+              <a:gd name="connsiteY4" fmla="*/ 3709642 h 3709642"/>
+              <a:gd name="connsiteX5" fmla="*/ 448224 w 559472"/>
+              <a:gd name="connsiteY5" fmla="*/ 3510471 h 3709642"/>
+              <a:gd name="connsiteX6" fmla="*/ 443564 w 559472"/>
+              <a:gd name="connsiteY6" fmla="*/ 3408563 h 3709642"/>
+              <a:gd name="connsiteX7" fmla="*/ 438902 w 559472"/>
+              <a:gd name="connsiteY7" fmla="*/ 3304407 h 3709642"/>
+              <a:gd name="connsiteX8" fmla="*/ 433941 w 559472"/>
+              <a:gd name="connsiteY8" fmla="*/ 3198777 h 3709642"/>
+              <a:gd name="connsiteX9" fmla="*/ 427584 w 559472"/>
+              <a:gd name="connsiteY9" fmla="*/ 3092510 h 3709642"/>
+              <a:gd name="connsiteX10" fmla="*/ 420988 w 559472"/>
+              <a:gd name="connsiteY10" fmla="*/ 2984390 h 3709642"/>
+              <a:gd name="connsiteX11" fmla="*/ 414330 w 559472"/>
+              <a:gd name="connsiteY11" fmla="*/ 2874401 h 3709642"/>
+              <a:gd name="connsiteX12" fmla="*/ 406840 w 559472"/>
+              <a:gd name="connsiteY12" fmla="*/ 2762980 h 3709642"/>
+              <a:gd name="connsiteX13" fmla="*/ 397745 w 559472"/>
+              <a:gd name="connsiteY13" fmla="*/ 2650566 h 3709642"/>
+              <a:gd name="connsiteX14" fmla="*/ 389154 w 559472"/>
+              <a:gd name="connsiteY14" fmla="*/ 2536612 h 3709642"/>
+              <a:gd name="connsiteX15" fmla="*/ 379225 w 559472"/>
+              <a:gd name="connsiteY15" fmla="*/ 2421642 h 3709642"/>
+              <a:gd name="connsiteX16" fmla="*/ 368316 w 559472"/>
+              <a:gd name="connsiteY16" fmla="*/ 2305627 h 3709642"/>
+              <a:gd name="connsiteX17" fmla="*/ 357466 w 559472"/>
+              <a:gd name="connsiteY17" fmla="*/ 2189233 h 3709642"/>
+              <a:gd name="connsiteX18" fmla="*/ 344982 w 559472"/>
+              <a:gd name="connsiteY18" fmla="*/ 2071473 h 3709642"/>
+              <a:gd name="connsiteX19" fmla="*/ 332466 w 559472"/>
+              <a:gd name="connsiteY19" fmla="*/ 1952216 h 3709642"/>
+              <a:gd name="connsiteX20" fmla="*/ 319121 w 559472"/>
+              <a:gd name="connsiteY20" fmla="*/ 1833776 h 3709642"/>
+              <a:gd name="connsiteX21" fmla="*/ 304408 w 559472"/>
+              <a:gd name="connsiteY21" fmla="*/ 1713948 h 3709642"/>
+              <a:gd name="connsiteX22" fmla="*/ 288685 w 559472"/>
+              <a:gd name="connsiteY22" fmla="*/ 1592703 h 3709642"/>
+              <a:gd name="connsiteX23" fmla="*/ 273050 w 559472"/>
+              <a:gd name="connsiteY23" fmla="*/ 1471451 h 3709642"/>
+              <a:gd name="connsiteX24" fmla="*/ 255813 w 559472"/>
+              <a:gd name="connsiteY24" fmla="*/ 1350328 h 3709642"/>
+              <a:gd name="connsiteX25" fmla="*/ 237060 w 559472"/>
+              <a:gd name="connsiteY25" fmla="*/ 1227080 h 3709642"/>
+              <a:gd name="connsiteX26" fmla="*/ 218488 w 559472"/>
+              <a:gd name="connsiteY26" fmla="*/ 1106065 h 3709642"/>
+              <a:gd name="connsiteX27" fmla="*/ 198221 w 559472"/>
+              <a:gd name="connsiteY27" fmla="*/ 982940 h 3709642"/>
+              <a:gd name="connsiteX28" fmla="*/ 177152 w 559472"/>
+              <a:gd name="connsiteY28" fmla="*/ 858755 h 3709642"/>
+              <a:gd name="connsiteX29" fmla="*/ 155551 w 559472"/>
+              <a:gd name="connsiteY29" fmla="*/ 736861 h 3709642"/>
+              <a:gd name="connsiteX30" fmla="*/ 131782 w 559472"/>
+              <a:gd name="connsiteY30" fmla="*/ 613645 h 3709642"/>
+              <a:gd name="connsiteX31" fmla="*/ 107123 w 559472"/>
+              <a:gd name="connsiteY31" fmla="*/ 490500 h 3709642"/>
+              <a:gd name="connsiteX32" fmla="*/ 82552 w 559472"/>
+              <a:gd name="connsiteY32" fmla="*/ 367348 h 3709642"/>
+              <a:gd name="connsiteX33" fmla="*/ 55608 w 559472"/>
+              <a:gd name="connsiteY33" fmla="*/ 244762 h 3709642"/>
+              <a:gd name="connsiteX34" fmla="*/ 28130 w 559472"/>
+              <a:gd name="connsiteY34" fmla="*/ 122220 h 3709642"/>
+              <a:gd name="connsiteX35" fmla="*/ 0 w 559472"/>
+              <a:gd name="connsiteY35" fmla="*/ 0 h 3709642"/>
+            </a:gdLst>
+            <a:ahLst/>
+            <a:cxnLst>
+              <a:cxn ang="0">
+                <a:pos x="connsiteX0" y="connsiteY0"/>
+              </a:cxn>
+              <a:cxn ang="0">
+                <a:pos x="connsiteX1" y="connsiteY1"/>
+              </a:cxn>
+              <a:cxn ang="0">
+                <a:pos x="connsiteX2" y="connsiteY2"/>
+              </a:cxn>
+              <a:cxn ang="0">
+                <a:pos x="connsiteX3" y="connsiteY3"/>
+              </a:cxn>
+              <a:cxn ang="0">
+                <a:pos x="connsiteX4" y="connsiteY4"/>
+              </a:cxn>
+              <a:cxn ang="0">
+                <a:pos x="connsiteX5" y="connsiteY5"/>
+              </a:cxn>
+              <a:cxn ang="0">
+                <a:pos x="connsiteX6" y="connsiteY6"/>
+              </a:cxn>
+              <a:cxn ang="0">
+                <a:pos x="connsiteX7" y="connsiteY7"/>
+              </a:cxn>
+              <a:cxn ang="0">
+                <a:pos x="connsiteX8" y="connsiteY8"/>
+              </a:cxn>
+              <a:cxn ang="0">
+                <a:pos x="connsiteX9" y="connsiteY9"/>
+              </a:cxn>
+              <a:cxn ang="0">
+                <a:pos x="connsiteX10" y="connsiteY10"/>
+              </a:cxn>
+              <a:cxn ang="0">
+                <a:pos x="connsiteX11" y="connsiteY11"/>
+              </a:cxn>
+              <a:cxn ang="0">
+                <a:pos x="connsiteX12" y="connsiteY12"/>
+              </a:cxn>
+              <a:cxn ang="0">
+                <a:pos x="connsiteX13" y="connsiteY13"/>
+              </a:cxn>
+              <a:cxn ang="0">
+                <a:pos x="connsiteX14" y="connsiteY14"/>
+              </a:cxn>
+              <a:cxn ang="0">
+                <a:pos x="connsiteX15" y="connsiteY15"/>
+              </a:cxn>
+              <a:cxn ang="0">
+                <a:pos x="connsiteX16" y="connsiteY16"/>
+              </a:cxn>
+              <a:cxn ang="0">
+                <a:pos x="connsiteX17" y="connsiteY17"/>
+              </a:cxn>
+              <a:cxn ang="0">
+                <a:pos x="connsiteX18" y="connsiteY18"/>
+              </a:cxn>
+              <a:cxn ang="0">
+                <a:pos x="connsiteX19" y="connsiteY19"/>
+              </a:cxn>
+              <a:cxn ang="0">
+                <a:pos x="connsiteX20" y="connsiteY20"/>
+              </a:cxn>
+              <a:cxn ang="0">
+                <a:pos x="connsiteX21" y="connsiteY21"/>
+              </a:cxn>
+              <a:cxn ang="0">
+                <a:pos x="connsiteX22" y="connsiteY22"/>
+              </a:cxn>
+              <a:cxn ang="0">
+                <a:pos x="connsiteX23" y="connsiteY23"/>
+              </a:cxn>
+              <a:cxn ang="0">
+                <a:pos x="connsiteX24" y="connsiteY24"/>
+              </a:cxn>
+              <a:cxn ang="0">
+                <a:pos x="connsiteX25" y="connsiteY25"/>
+              </a:cxn>
+              <a:cxn ang="0">
+                <a:pos x="connsiteX26" y="connsiteY26"/>
+              </a:cxn>
+              <a:cxn ang="0">
+                <a:pos x="connsiteX27" y="connsiteY27"/>
+              </a:cxn>
+              <a:cxn ang="0">
+                <a:pos x="connsiteX28" y="connsiteY28"/>
+              </a:cxn>
+              <a:cxn ang="0">
+                <a:pos x="connsiteX29" y="connsiteY29"/>
+              </a:cxn>
+              <a:cxn ang="0">
+                <a:pos x="connsiteX30" y="connsiteY30"/>
+              </a:cxn>
+              <a:cxn ang="0">
+                <a:pos x="connsiteX31" y="connsiteY31"/>
+              </a:cxn>
+              <a:cxn ang="0">
+                <a:pos x="connsiteX32" y="connsiteY32"/>
+              </a:cxn>
+              <a:cxn ang="0">
+                <a:pos x="connsiteX33" y="connsiteY33"/>
+              </a:cxn>
+              <a:cxn ang="0">
+                <a:pos x="connsiteX34" y="connsiteY34"/>
+              </a:cxn>
+              <a:cxn ang="0">
+                <a:pos x="connsiteX35" y="connsiteY35"/>
+              </a:cxn>
+            </a:cxnLst>
+            <a:rect l="l" t="t" r="r" b="b"/>
+            <a:pathLst>
+              <a:path w="559472" h="3709642">
+                <a:moveTo>
+                  <a:pt x="0" y="0"/>
+                </a:moveTo>
+                <a:lnTo>
+                  <a:pt x="473952" y="0"/>
+                </a:lnTo>
+                <a:lnTo>
+                  <a:pt x="485840" y="161194"/>
+                </a:lnTo>
+                <a:cubicBezTo>
+                  <a:pt x="552063" y="1147770"/>
+                  <a:pt x="592441" y="3086737"/>
+                  <a:pt x="523949" y="3672197"/>
+                </a:cubicBezTo>
+                <a:cubicBezTo>
+                  <a:pt x="500842" y="3684557"/>
+                  <a:pt x="477855" y="3697282"/>
+                  <a:pt x="454748" y="3709642"/>
+                </a:cubicBezTo>
+                <a:lnTo>
+                  <a:pt x="448224" y="3510471"/>
+                </a:lnTo>
+                <a:lnTo>
+                  <a:pt x="443564" y="3408563"/>
+                </a:lnTo>
+                <a:lnTo>
+                  <a:pt x="438902" y="3304407"/>
+                </a:lnTo>
+                <a:lnTo>
+                  <a:pt x="433941" y="3198777"/>
+                </a:lnTo>
+                <a:lnTo>
+                  <a:pt x="427584" y="3092510"/>
+                </a:lnTo>
+                <a:lnTo>
+                  <a:pt x="420988" y="2984390"/>
+                </a:lnTo>
+                <a:lnTo>
+                  <a:pt x="414330" y="2874401"/>
+                </a:lnTo>
+                <a:lnTo>
+                  <a:pt x="406840" y="2762980"/>
+                </a:lnTo>
+                <a:lnTo>
+                  <a:pt x="397745" y="2650566"/>
+                </a:lnTo>
+                <a:lnTo>
+                  <a:pt x="389154" y="2536612"/>
+                </a:lnTo>
+                <a:lnTo>
+                  <a:pt x="379225" y="2421642"/>
+                </a:lnTo>
+                <a:lnTo>
+                  <a:pt x="368316" y="2305627"/>
+                </a:lnTo>
+                <a:lnTo>
+                  <a:pt x="357466" y="2189233"/>
+                </a:lnTo>
+                <a:lnTo>
+                  <a:pt x="344982" y="2071473"/>
+                </a:lnTo>
+                <a:lnTo>
+                  <a:pt x="332466" y="1952216"/>
+                </a:lnTo>
+                <a:lnTo>
+                  <a:pt x="319121" y="1833776"/>
+                </a:lnTo>
+                <a:lnTo>
+                  <a:pt x="304408" y="1713948"/>
+                </a:lnTo>
+                <a:lnTo>
+                  <a:pt x="288685" y="1592703"/>
+                </a:lnTo>
+                <a:lnTo>
+                  <a:pt x="273050" y="1471451"/>
+                </a:lnTo>
+                <a:lnTo>
+                  <a:pt x="255813" y="1350328"/>
+                </a:lnTo>
+                <a:lnTo>
+                  <a:pt x="237060" y="1227080"/>
+                </a:lnTo>
+                <a:lnTo>
+                  <a:pt x="218488" y="1106065"/>
+                </a:lnTo>
+                <a:lnTo>
+                  <a:pt x="198221" y="982940"/>
+                </a:lnTo>
+                <a:lnTo>
+                  <a:pt x="177152" y="858755"/>
+                </a:lnTo>
+                <a:lnTo>
+                  <a:pt x="155551" y="736861"/>
+                </a:lnTo>
+                <a:lnTo>
+                  <a:pt x="131782" y="613645"/>
+                </a:lnTo>
+                <a:lnTo>
+                  <a:pt x="107123" y="490500"/>
+                </a:lnTo>
+                <a:lnTo>
+                  <a:pt x="82552" y="367348"/>
+                </a:lnTo>
+                <a:lnTo>
+                  <a:pt x="55608" y="244762"/>
+                </a:lnTo>
+                <a:lnTo>
+                  <a:pt x="28130" y="122220"/>
+                </a:lnTo>
+                <a:lnTo>
+                  <a:pt x="0" y="0"/>
+                </a:lnTo>
+                <a:close/>
+              </a:path>
+            </a:pathLst>
+          </a:custGeom>
+          <a:solidFill>
+            <a:schemeClr val="bg1">
+              <a:alpha val="20000"/>
+            </a:schemeClr>
+          </a:solidFill>
+          <a:ln>
+            <a:noFill/>
+          </a:ln>
+        </p:spPr>
+        <p:txBody>
+          <a:bodyPr rtlCol="0" anchor="ctr"/>
+          <a:lstStyle/>
+          <a:p>
+            <a:pPr algn="ctr"/>
+            <a:endParaRPr lang="en-US"/>
+          </a:p>
+        </p:txBody>
+      </p:sp>
+      <p:sp useBgFill="1">
+        <p:nvSpPr>
+          <p:cNvPr id="14" name="Freeform: Shape 13">
+            <a:extLst>
+              <a:ext uri="{FF2B5EF4-FFF2-40B4-BE49-F238E27FC236}">
+                <a16:creationId xmlns:a16="http://schemas.microsoft.com/office/drawing/2014/main" id="{70151CB7-E7DE-4917-B831-01DF9CE01306}"/>
+              </a:ext>
+              <a:ext uri="{C183D7F6-B498-43B3-948B-1728B52AA6E4}">
+                <adec:decorative xmlns:adec="http://schemas.microsoft.com/office/drawing/2017/decorative" val="1"/>
+              </a:ext>
+            </a:extLst>
+          </p:cNvPr>
+          <p:cNvSpPr>
+            <a:spLocks noGrp="1" noRot="1" noChangeAspect="1" noMove="1" noResize="1" noEditPoints="1" noAdjustHandles="1" noChangeArrowheads="1" noChangeShapeType="1" noTextEdit="1"/>
+          </p:cNvSpPr>
+          <p:nvPr>
+            <p:extLst>
+              <p:ext uri="{386F3935-93C4-4BCD-93E2-E3B085C9AB24}">
+                <p16:designElem xmlns:p16="http://schemas.microsoft.com/office/powerpoint/2015/main" val="1"/>
+              </p:ext>
+            </p:extLst>
+          </p:nvPr>
+        </p:nvSpPr>
+        <p:spPr bwMode="gray">
+          <a:xfrm rot="16200000">
+            <a:off x="5270819" y="-63600"/>
+            <a:ext cx="6858001" cy="6985200"/>
+          </a:xfrm>
+          <a:custGeom>
+            <a:avLst/>
+            <a:gdLst>
+              <a:gd name="connsiteX0" fmla="*/ 6858001 w 6858001"/>
+              <a:gd name="connsiteY0" fmla="*/ 1177 h 6985200"/>
+              <a:gd name="connsiteX1" fmla="*/ 6858001 w 6858001"/>
+              <a:gd name="connsiteY1" fmla="*/ 1344715 h 6985200"/>
+              <a:gd name="connsiteX2" fmla="*/ 6858000 w 6858001"/>
+              <a:gd name="connsiteY2" fmla="*/ 1344715 h 6985200"/>
+              <a:gd name="connsiteX3" fmla="*/ 6858000 w 6858001"/>
+              <a:gd name="connsiteY3" fmla="*/ 6985200 h 6985200"/>
+              <a:gd name="connsiteX4" fmla="*/ 0 w 6858001"/>
+              <a:gd name="connsiteY4" fmla="*/ 6985199 h 6985200"/>
+              <a:gd name="connsiteX5" fmla="*/ 0 w 6858001"/>
+              <a:gd name="connsiteY5" fmla="*/ 886772 h 6985200"/>
+              <a:gd name="connsiteX6" fmla="*/ 1 w 6858001"/>
+              <a:gd name="connsiteY6" fmla="*/ 886772 h 6985200"/>
+              <a:gd name="connsiteX7" fmla="*/ 1 w 6858001"/>
+              <a:gd name="connsiteY7" fmla="*/ 0 h 6985200"/>
+              <a:gd name="connsiteX8" fmla="*/ 40463 w 6858001"/>
+              <a:gd name="connsiteY8" fmla="*/ 5883 h 6985200"/>
+              <a:gd name="connsiteX9" fmla="*/ 159107 w 6858001"/>
+              <a:gd name="connsiteY9" fmla="*/ 23196 h 6985200"/>
+              <a:gd name="connsiteX10" fmla="*/ 245518 w 6858001"/>
+              <a:gd name="connsiteY10" fmla="*/ 35299 h 6985200"/>
+              <a:gd name="connsiteX11" fmla="*/ 348388 w 6858001"/>
+              <a:gd name="connsiteY11" fmla="*/ 48073 h 6985200"/>
+              <a:gd name="connsiteX12" fmla="*/ 470460 w 6858001"/>
+              <a:gd name="connsiteY12" fmla="*/ 63369 h 6985200"/>
+              <a:gd name="connsiteX13" fmla="*/ 605563 w 6858001"/>
+              <a:gd name="connsiteY13" fmla="*/ 79506 h 6985200"/>
+              <a:gd name="connsiteX14" fmla="*/ 757810 w 6858001"/>
+              <a:gd name="connsiteY14" fmla="*/ 96483 h 6985200"/>
+              <a:gd name="connsiteX15" fmla="*/ 923774 w 6858001"/>
+              <a:gd name="connsiteY15" fmla="*/ 114469 h 6985200"/>
+              <a:gd name="connsiteX16" fmla="*/ 1104139 w 6858001"/>
+              <a:gd name="connsiteY16" fmla="*/ 132454 h 6985200"/>
+              <a:gd name="connsiteX17" fmla="*/ 1296163 w 6858001"/>
+              <a:gd name="connsiteY17" fmla="*/ 150776 h 6985200"/>
+              <a:gd name="connsiteX18" fmla="*/ 1503275 w 6858001"/>
+              <a:gd name="connsiteY18" fmla="*/ 167753 h 6985200"/>
+              <a:gd name="connsiteX19" fmla="*/ 1719988 w 6858001"/>
+              <a:gd name="connsiteY19" fmla="*/ 184058 h 6985200"/>
+              <a:gd name="connsiteX20" fmla="*/ 1949045 w 6858001"/>
+              <a:gd name="connsiteY20" fmla="*/ 198849 h 6985200"/>
+              <a:gd name="connsiteX21" fmla="*/ 2187703 w 6858001"/>
+              <a:gd name="connsiteY21" fmla="*/ 212969 h 6985200"/>
+              <a:gd name="connsiteX22" fmla="*/ 2436649 w 6858001"/>
+              <a:gd name="connsiteY22" fmla="*/ 226248 h 6985200"/>
+              <a:gd name="connsiteX23" fmla="*/ 2564208 w 6858001"/>
+              <a:gd name="connsiteY23" fmla="*/ 230955 h 6985200"/>
+              <a:gd name="connsiteX24" fmla="*/ 2694509 w 6858001"/>
+              <a:gd name="connsiteY24" fmla="*/ 236165 h 6985200"/>
+              <a:gd name="connsiteX25" fmla="*/ 2826869 w 6858001"/>
+              <a:gd name="connsiteY25" fmla="*/ 241040 h 6985200"/>
+              <a:gd name="connsiteX26" fmla="*/ 2959914 w 6858001"/>
+              <a:gd name="connsiteY26" fmla="*/ 244234 h 6985200"/>
+              <a:gd name="connsiteX27" fmla="*/ 3095702 w 6858001"/>
+              <a:gd name="connsiteY27" fmla="*/ 247091 h 6985200"/>
+              <a:gd name="connsiteX28" fmla="*/ 3232862 w 6858001"/>
+              <a:gd name="connsiteY28" fmla="*/ 250117 h 6985200"/>
+              <a:gd name="connsiteX29" fmla="*/ 3372766 w 6858001"/>
+              <a:gd name="connsiteY29" fmla="*/ 252134 h 6985200"/>
+              <a:gd name="connsiteX30" fmla="*/ 3514040 w 6858001"/>
+              <a:gd name="connsiteY30" fmla="*/ 252134 h 6985200"/>
+              <a:gd name="connsiteX31" fmla="*/ 3656686 w 6858001"/>
+              <a:gd name="connsiteY31" fmla="*/ 253142 h 6985200"/>
+              <a:gd name="connsiteX32" fmla="*/ 3800705 w 6858001"/>
+              <a:gd name="connsiteY32" fmla="*/ 252134 h 6985200"/>
+              <a:gd name="connsiteX33" fmla="*/ 3946780 w 6858001"/>
+              <a:gd name="connsiteY33" fmla="*/ 250117 h 6985200"/>
+              <a:gd name="connsiteX34" fmla="*/ 4092856 w 6858001"/>
+              <a:gd name="connsiteY34" fmla="*/ 248268 h 6985200"/>
+              <a:gd name="connsiteX35" fmla="*/ 4240988 w 6858001"/>
+              <a:gd name="connsiteY35" fmla="*/ 244234 h 6985200"/>
+              <a:gd name="connsiteX36" fmla="*/ 4390492 w 6858001"/>
+              <a:gd name="connsiteY36" fmla="*/ 240032 h 6985200"/>
+              <a:gd name="connsiteX37" fmla="*/ 4539997 w 6858001"/>
+              <a:gd name="connsiteY37" fmla="*/ 235157 h 6985200"/>
+              <a:gd name="connsiteX38" fmla="*/ 4690873 w 6858001"/>
+              <a:gd name="connsiteY38" fmla="*/ 228266 h 6985200"/>
+              <a:gd name="connsiteX39" fmla="*/ 4843120 w 6858001"/>
+              <a:gd name="connsiteY39" fmla="*/ 220029 h 6985200"/>
+              <a:gd name="connsiteX40" fmla="*/ 4996054 w 6858001"/>
+              <a:gd name="connsiteY40" fmla="*/ 212129 h 6985200"/>
+              <a:gd name="connsiteX41" fmla="*/ 5148987 w 6858001"/>
+              <a:gd name="connsiteY41" fmla="*/ 202044 h 6985200"/>
+              <a:gd name="connsiteX42" fmla="*/ 5303978 w 6858001"/>
+              <a:gd name="connsiteY42" fmla="*/ 189941 h 6985200"/>
+              <a:gd name="connsiteX43" fmla="*/ 5456911 w 6858001"/>
+              <a:gd name="connsiteY43" fmla="*/ 177839 h 6985200"/>
+              <a:gd name="connsiteX44" fmla="*/ 5612588 w 6858001"/>
+              <a:gd name="connsiteY44" fmla="*/ 163887 h 6985200"/>
+              <a:gd name="connsiteX45" fmla="*/ 5768950 w 6858001"/>
+              <a:gd name="connsiteY45" fmla="*/ 148591 h 6985200"/>
+              <a:gd name="connsiteX46" fmla="*/ 5923255 w 6858001"/>
+              <a:gd name="connsiteY46" fmla="*/ 132455 h 6985200"/>
+              <a:gd name="connsiteX47" fmla="*/ 6079618 w 6858001"/>
+              <a:gd name="connsiteY47" fmla="*/ 113629 h 6985200"/>
+              <a:gd name="connsiteX48" fmla="*/ 6235294 w 6858001"/>
+              <a:gd name="connsiteY48" fmla="*/ 93458 h 6985200"/>
+              <a:gd name="connsiteX49" fmla="*/ 6391657 w 6858001"/>
+              <a:gd name="connsiteY49" fmla="*/ 73455 h 6985200"/>
+              <a:gd name="connsiteX50" fmla="*/ 6547333 w 6858001"/>
+              <a:gd name="connsiteY50" fmla="*/ 50091 h 6985200"/>
+              <a:gd name="connsiteX51" fmla="*/ 6702324 w 6858001"/>
+              <a:gd name="connsiteY51" fmla="*/ 26222 h 6985200"/>
+            </a:gdLst>
+            <a:ahLst/>
+            <a:cxnLst>
+              <a:cxn ang="0">
+                <a:pos x="connsiteX0" y="connsiteY0"/>
+              </a:cxn>
+              <a:cxn ang="0">
+                <a:pos x="connsiteX1" y="connsiteY1"/>
+              </a:cxn>
+              <a:cxn ang="0">
+                <a:pos x="connsiteX2" y="connsiteY2"/>
+              </a:cxn>
+              <a:cxn ang="0">
+                <a:pos x="connsiteX3" y="connsiteY3"/>
+              </a:cxn>
+              <a:cxn ang="0">
+                <a:pos x="connsiteX4" y="connsiteY4"/>
+              </a:cxn>
+              <a:cxn ang="0">
+                <a:pos x="connsiteX5" y="connsiteY5"/>
+              </a:cxn>
+              <a:cxn ang="0">
+                <a:pos x="connsiteX6" y="connsiteY6"/>
+              </a:cxn>
+              <a:cxn ang="0">
+                <a:pos x="connsiteX7" y="connsiteY7"/>
+              </a:cxn>
+              <a:cxn ang="0">
+                <a:pos x="connsiteX8" y="connsiteY8"/>
+              </a:cxn>
+              <a:cxn ang="0">
+                <a:pos x="connsiteX9" y="connsiteY9"/>
+              </a:cxn>
+              <a:cxn ang="0">
+                <a:pos x="connsiteX10" y="connsiteY10"/>
+              </a:cxn>
+              <a:cxn ang="0">
+                <a:pos x="connsiteX11" y="connsiteY11"/>
+              </a:cxn>
+              <a:cxn ang="0">
+                <a:pos x="connsiteX12" y="connsiteY12"/>
+              </a:cxn>
+              <a:cxn ang="0">
+                <a:pos x="connsiteX13" y="connsiteY13"/>
+              </a:cxn>
+              <a:cxn ang="0">
+                <a:pos x="connsiteX14" y="connsiteY14"/>
+              </a:cxn>
+              <a:cxn ang="0">
+                <a:pos x="connsiteX15" y="connsiteY15"/>
+              </a:cxn>
+              <a:cxn ang="0">
+                <a:pos x="connsiteX16" y="connsiteY16"/>
+              </a:cxn>
+              <a:cxn ang="0">
+                <a:pos x="connsiteX17" y="connsiteY17"/>
+              </a:cxn>
+              <a:cxn ang="0">
+                <a:pos x="connsiteX18" y="connsiteY18"/>
+              </a:cxn>
+              <a:cxn ang="0">
+                <a:pos x="connsiteX19" y="connsiteY19"/>
+              </a:cxn>
+              <a:cxn ang="0">
+                <a:pos x="connsiteX20" y="connsiteY20"/>
+              </a:cxn>
+              <a:cxn ang="0">
+                <a:pos x="connsiteX21" y="connsiteY21"/>
+              </a:cxn>
+              <a:cxn ang="0">
+                <a:pos x="connsiteX22" y="connsiteY22"/>
+              </a:cxn>
+              <a:cxn ang="0">
+                <a:pos x="connsiteX23" y="connsiteY23"/>
+              </a:cxn>
+              <a:cxn ang="0">
+                <a:pos x="connsiteX24" y="connsiteY24"/>
+              </a:cxn>
+              <a:cxn ang="0">
+                <a:pos x="connsiteX25" y="connsiteY25"/>
+              </a:cxn>
+              <a:cxn ang="0">
+                <a:pos x="connsiteX26" y="connsiteY26"/>
+              </a:cxn>
+              <a:cxn ang="0">
+                <a:pos x="connsiteX27" y="connsiteY27"/>
+              </a:cxn>
+              <a:cxn ang="0">
+                <a:pos x="connsiteX28" y="connsiteY28"/>
+              </a:cxn>
+              <a:cxn ang="0">
+                <a:pos x="connsiteX29" y="connsiteY29"/>
+              </a:cxn>
+              <a:cxn ang="0">
+                <a:pos x="connsiteX30" y="connsiteY30"/>
+              </a:cxn>
+              <a:cxn ang="0">
+                <a:pos x="connsiteX31" y="connsiteY31"/>
+              </a:cxn>
+              <a:cxn ang="0">
+                <a:pos x="connsiteX32" y="connsiteY32"/>
+              </a:cxn>
+              <a:cxn ang="0">
+                <a:pos x="connsiteX33" y="connsiteY33"/>
+              </a:cxn>
+              <a:cxn ang="0">
+                <a:pos x="connsiteX34" y="connsiteY34"/>
+              </a:cxn>
+              <a:cxn ang="0">
+                <a:pos x="connsiteX35" y="connsiteY35"/>
+              </a:cxn>
+              <a:cxn ang="0">
+                <a:pos x="connsiteX36" y="connsiteY36"/>
+              </a:cxn>
+              <a:cxn ang="0">
+                <a:pos x="connsiteX37" y="connsiteY37"/>
+              </a:cxn>
+              <a:cxn ang="0">
+                <a:pos x="connsiteX38" y="connsiteY38"/>
+              </a:cxn>
+              <a:cxn ang="0">
+                <a:pos x="connsiteX39" y="connsiteY39"/>
+              </a:cxn>
+              <a:cxn ang="0">
+                <a:pos x="connsiteX40" y="connsiteY40"/>
+              </a:cxn>
+              <a:cxn ang="0">
+                <a:pos x="connsiteX41" y="connsiteY41"/>
+              </a:cxn>
+              <a:cxn ang="0">
+                <a:pos x="connsiteX42" y="connsiteY42"/>
+              </a:cxn>
+              <a:cxn ang="0">
+                <a:pos x="connsiteX43" y="connsiteY43"/>
+              </a:cxn>
+              <a:cxn ang="0">
+                <a:pos x="connsiteX44" y="connsiteY44"/>
+              </a:cxn>
+              <a:cxn ang="0">
+                <a:pos x="connsiteX45" y="connsiteY45"/>
+              </a:cxn>
+              <a:cxn ang="0">
+                <a:pos x="connsiteX46" y="connsiteY46"/>
+              </a:cxn>
+              <a:cxn ang="0">
+                <a:pos x="connsiteX47" y="connsiteY47"/>
+              </a:cxn>
+              <a:cxn ang="0">
+                <a:pos x="connsiteX48" y="connsiteY48"/>
+              </a:cxn>
+              <a:cxn ang="0">
+                <a:pos x="connsiteX49" y="connsiteY49"/>
+              </a:cxn>
+              <a:cxn ang="0">
+                <a:pos x="connsiteX50" y="connsiteY50"/>
+              </a:cxn>
+              <a:cxn ang="0">
+                <a:pos x="connsiteX51" y="connsiteY51"/>
+              </a:cxn>
+            </a:cxnLst>
+            <a:rect l="l" t="t" r="r" b="b"/>
+            <a:pathLst>
+              <a:path w="6858001" h="6985200">
+                <a:moveTo>
+                  <a:pt x="6858001" y="1177"/>
+                </a:moveTo>
+                <a:lnTo>
+                  <a:pt x="6858001" y="1344715"/>
+                </a:lnTo>
+                <a:lnTo>
+                  <a:pt x="6858000" y="1344715"/>
+                </a:lnTo>
+                <a:lnTo>
+                  <a:pt x="6858000" y="6985200"/>
+                </a:lnTo>
+                <a:lnTo>
+                  <a:pt x="0" y="6985199"/>
+                </a:lnTo>
+                <a:lnTo>
+                  <a:pt x="0" y="886772"/>
+                </a:lnTo>
+                <a:lnTo>
+                  <a:pt x="1" y="886772"/>
+                </a:lnTo>
+                <a:lnTo>
+                  <a:pt x="1" y="0"/>
+                </a:lnTo>
+                <a:lnTo>
+                  <a:pt x="40463" y="5883"/>
+                </a:lnTo>
+                <a:lnTo>
+                  <a:pt x="159107" y="23196"/>
+                </a:lnTo>
+                <a:lnTo>
+                  <a:pt x="245518" y="35299"/>
+                </a:lnTo>
+                <a:lnTo>
+                  <a:pt x="348388" y="48073"/>
+                </a:lnTo>
+                <a:lnTo>
+                  <a:pt x="470460" y="63369"/>
+                </a:lnTo>
+                <a:lnTo>
+                  <a:pt x="605563" y="79506"/>
+                </a:lnTo>
+                <a:lnTo>
+                  <a:pt x="757810" y="96483"/>
+                </a:lnTo>
+                <a:lnTo>
+                  <a:pt x="923774" y="114469"/>
+                </a:lnTo>
+                <a:lnTo>
+                  <a:pt x="1104139" y="132454"/>
+                </a:lnTo>
+                <a:lnTo>
+                  <a:pt x="1296163" y="150776"/>
+                </a:lnTo>
+                <a:lnTo>
+                  <a:pt x="1503275" y="167753"/>
+                </a:lnTo>
+                <a:lnTo>
+                  <a:pt x="1719988" y="184058"/>
+                </a:lnTo>
+                <a:lnTo>
+                  <a:pt x="1949045" y="198849"/>
+                </a:lnTo>
+                <a:lnTo>
+                  <a:pt x="2187703" y="212969"/>
+                </a:lnTo>
+                <a:lnTo>
+                  <a:pt x="2436649" y="226248"/>
+                </a:lnTo>
+                <a:lnTo>
+                  <a:pt x="2564208" y="230955"/>
+                </a:lnTo>
+                <a:lnTo>
+                  <a:pt x="2694509" y="236165"/>
+                </a:lnTo>
+                <a:lnTo>
+                  <a:pt x="2826869" y="241040"/>
+                </a:lnTo>
+                <a:lnTo>
+                  <a:pt x="2959914" y="244234"/>
+                </a:lnTo>
+                <a:lnTo>
+                  <a:pt x="3095702" y="247091"/>
+                </a:lnTo>
+                <a:lnTo>
+                  <a:pt x="3232862" y="250117"/>
+                </a:lnTo>
+                <a:lnTo>
+                  <a:pt x="3372766" y="252134"/>
+                </a:lnTo>
+                <a:lnTo>
+                  <a:pt x="3514040" y="252134"/>
+                </a:lnTo>
+                <a:lnTo>
+                  <a:pt x="3656686" y="253142"/>
+                </a:lnTo>
+                <a:lnTo>
+                  <a:pt x="3800705" y="252134"/>
+                </a:lnTo>
+                <a:lnTo>
+                  <a:pt x="3946780" y="250117"/>
+                </a:lnTo>
+                <a:lnTo>
+                  <a:pt x="4092856" y="248268"/>
+                </a:lnTo>
+                <a:lnTo>
+                  <a:pt x="4240988" y="244234"/>
+                </a:lnTo>
+                <a:lnTo>
+                  <a:pt x="4390492" y="240032"/>
+                </a:lnTo>
+                <a:lnTo>
+                  <a:pt x="4539997" y="235157"/>
+                </a:lnTo>
+                <a:lnTo>
+                  <a:pt x="4690873" y="228266"/>
+                </a:lnTo>
+                <a:lnTo>
+                  <a:pt x="4843120" y="220029"/>
+                </a:lnTo>
+                <a:lnTo>
+                  <a:pt x="4996054" y="212129"/>
+                </a:lnTo>
+                <a:lnTo>
+                  <a:pt x="5148987" y="202044"/>
+                </a:lnTo>
+                <a:lnTo>
+                  <a:pt x="5303978" y="189941"/>
+                </a:lnTo>
+                <a:lnTo>
+                  <a:pt x="5456911" y="177839"/>
+                </a:lnTo>
+                <a:lnTo>
+                  <a:pt x="5612588" y="163887"/>
+                </a:lnTo>
+                <a:lnTo>
+                  <a:pt x="5768950" y="148591"/>
+                </a:lnTo>
+                <a:lnTo>
+                  <a:pt x="5923255" y="132455"/>
+                </a:lnTo>
+                <a:lnTo>
+                  <a:pt x="6079618" y="113629"/>
+                </a:lnTo>
+                <a:lnTo>
+                  <a:pt x="6235294" y="93458"/>
+                </a:lnTo>
+                <a:lnTo>
+                  <a:pt x="6391657" y="73455"/>
+                </a:lnTo>
+                <a:lnTo>
+                  <a:pt x="6547333" y="50091"/>
+                </a:lnTo>
+                <a:lnTo>
+                  <a:pt x="6702324" y="26222"/>
+                </a:lnTo>
+                <a:close/>
+              </a:path>
+            </a:pathLst>
+          </a:custGeom>
+          <a:ln>
+            <a:noFill/>
+          </a:ln>
+        </p:spPr>
+      </p:sp>
+      <p:pic>
+        <p:nvPicPr>
+          <p:cNvPr id="5" name="Slika 4">
+            <a:extLst>
+              <a:ext uri="{FF2B5EF4-FFF2-40B4-BE49-F238E27FC236}">
+                <a16:creationId xmlns:a16="http://schemas.microsoft.com/office/drawing/2014/main" id="{DC394E47-3164-4EA1-A309-4C06C61FC963}"/>
+              </a:ext>
+            </a:extLst>
+          </p:cNvPr>
+          <p:cNvPicPr>
+            <a:picLocks noChangeAspect="1"/>
+          </p:cNvPicPr>
+          <p:nvPr/>
+        </p:nvPicPr>
+        <p:blipFill>
+          <a:blip r:embed="rId2"/>
+          <a:stretch>
+            <a:fillRect/>
+          </a:stretch>
+        </p:blipFill>
+        <p:spPr>
+          <a:xfrm>
+            <a:off x="6736701" y="213628"/>
+            <a:ext cx="3086755" cy="6430744"/>
+          </a:xfrm>
+          <a:prstGeom prst="rect">
+            <a:avLst/>
+          </a:prstGeom>
+          <a:effectLst/>
+        </p:spPr>
+      </p:pic>
+      <p:sp>
+        <p:nvSpPr>
+          <p:cNvPr id="16" name="Rectangle 15">
+            <a:extLst>
+              <a:ext uri="{FF2B5EF4-FFF2-40B4-BE49-F238E27FC236}">
+                <a16:creationId xmlns:a16="http://schemas.microsoft.com/office/drawing/2014/main" id="{A92A1116-1C84-41DF-B803-1F7B0883EC82}"/>
+              </a:ext>
+              <a:ext uri="{C183D7F6-B498-43B3-948B-1728B52AA6E4}">
+                <adec:decorative xmlns:adec="http://schemas.microsoft.com/office/drawing/2017/decorative" val="1"/>
+              </a:ext>
+            </a:extLst>
+          </p:cNvPr>
+          <p:cNvSpPr>
+            <a:spLocks noGrp="1" noRot="1" noChangeAspect="1" noMove="1" noResize="1" noEditPoints="1" noAdjustHandles="1" noChangeArrowheads="1" noChangeShapeType="1" noTextEdit="1"/>
+          </p:cNvSpPr>
+          <p:nvPr>
+            <p:extLst>
+              <p:ext uri="{386F3935-93C4-4BCD-93E2-E3B085C9AB24}">
+                <p16:designElem xmlns:p16="http://schemas.microsoft.com/office/powerpoint/2015/main" val="1"/>
+              </p:ext>
+            </p:extLst>
+          </p:nvPr>
+        </p:nvSpPr>
+        <p:spPr>
+          <a:xfrm>
+            <a:off x="10442448" y="0"/>
+            <a:ext cx="685800" cy="1143000"/>
+          </a:xfrm>
+          <a:prstGeom prst="rect">
+            <a:avLst/>
+          </a:prstGeom>
+          <a:solidFill>
+            <a:schemeClr val="accent1"/>
+          </a:solidFill>
+          <a:ln>
+            <a:noFill/>
+          </a:ln>
+        </p:spPr>
+        <p:style>
+          <a:lnRef idx="1">
+            <a:schemeClr val="accent1"/>
+          </a:lnRef>
+          <a:fillRef idx="3">
+            <a:schemeClr val="accent1"/>
+          </a:fillRef>
+          <a:effectRef idx="2">
+            <a:schemeClr val="accent1"/>
+          </a:effectRef>
+          <a:fontRef idx="minor">
+            <a:schemeClr val="lt1"/>
+          </a:fontRef>
+        </p:style>
+      </p:sp>
+      <p:sp>
+        <p:nvSpPr>
+          <p:cNvPr id="3" name="Označba mesta vsebine 2">
+            <a:extLst>
+              <a:ext uri="{FF2B5EF4-FFF2-40B4-BE49-F238E27FC236}">
+                <a16:creationId xmlns:a16="http://schemas.microsoft.com/office/drawing/2014/main" id="{9353CF70-238E-40CD-BABD-DD8FC33A373A}"/>
+              </a:ext>
+            </a:extLst>
+          </p:cNvPr>
+          <p:cNvSpPr>
+            <a:spLocks noGrp="1"/>
+          </p:cNvSpPr>
+          <p:nvPr>
+            <p:ph idx="1"/>
+          </p:nvPr>
+        </p:nvSpPr>
+        <p:spPr>
+          <a:xfrm>
+            <a:off x="373225" y="2438400"/>
+            <a:ext cx="4963886" cy="3785419"/>
+          </a:xfrm>
+        </p:spPr>
+        <p:txBody>
+          <a:bodyPr>
+            <a:normAutofit/>
+          </a:bodyPr>
+          <a:lstStyle/>
+          <a:p>
+            <a:r>
+              <a:rPr lang="sl-SI" dirty="0">
+                <a:solidFill>
+                  <a:srgbClr val="EBEBEB"/>
+                </a:solidFill>
+              </a:rPr>
+              <a:t>Prevajanje z gumboma za prevod</a:t>
+            </a:r>
+          </a:p>
+          <a:p>
+            <a:r>
+              <a:rPr lang="sl-SI" dirty="0">
+                <a:solidFill>
+                  <a:srgbClr val="EBEBEB"/>
+                </a:solidFill>
+              </a:rPr>
+              <a:t>Menjava besedila</a:t>
+            </a:r>
+          </a:p>
+          <a:p>
+            <a:r>
+              <a:rPr lang="sl-SI" dirty="0">
+                <a:solidFill>
+                  <a:srgbClr val="EBEBEB"/>
+                </a:solidFill>
+              </a:rPr>
+              <a:t>Kopiranje besedila</a:t>
+            </a:r>
+          </a:p>
+          <a:p>
+            <a:r>
+              <a:rPr lang="sl-SI" dirty="0">
+                <a:solidFill>
+                  <a:srgbClr val="EBEBEB"/>
+                </a:solidFill>
+              </a:rPr>
+              <a:t>Brisanje besedila</a:t>
+            </a:r>
+          </a:p>
+          <a:p>
+            <a:r>
+              <a:rPr lang="sl-SI" dirty="0">
+                <a:solidFill>
+                  <a:srgbClr val="EBEBEB"/>
+                </a:solidFill>
+              </a:rPr>
+              <a:t>Prikaz navodil</a:t>
+            </a:r>
+          </a:p>
+          <a:p>
+            <a:r>
+              <a:rPr lang="sl-SI" dirty="0">
+                <a:solidFill>
+                  <a:srgbClr val="EBEBEB"/>
+                </a:solidFill>
+              </a:rPr>
+              <a:t>Prikaz tabele znakov</a:t>
+            </a:r>
+          </a:p>
+        </p:txBody>
+      </p:sp>
+      <p:cxnSp>
+        <p:nvCxnSpPr>
+          <p:cNvPr id="13" name="Povezovalnik: kolenski 12">
+            <a:extLst>
+              <a:ext uri="{FF2B5EF4-FFF2-40B4-BE49-F238E27FC236}">
+                <a16:creationId xmlns:a16="http://schemas.microsoft.com/office/drawing/2014/main" id="{AD90EF39-B296-49B2-B5CC-9C443E3FE595}"/>
+              </a:ext>
+            </a:extLst>
+          </p:cNvPr>
+          <p:cNvCxnSpPr>
+            <a:cxnSpLocks/>
+          </p:cNvCxnSpPr>
+          <p:nvPr/>
+        </p:nvCxnSpPr>
+        <p:spPr>
+          <a:xfrm flipV="1">
+            <a:off x="9472474" y="3484486"/>
+            <a:ext cx="944715" cy="93217"/>
+          </a:xfrm>
+          <a:prstGeom prst="bentConnector3">
+            <a:avLst/>
+          </a:prstGeom>
+          <a:ln>
+            <a:tailEnd type="triangle"/>
+          </a:ln>
+        </p:spPr>
+        <p:style>
+          <a:lnRef idx="2">
+            <a:schemeClr val="dk1"/>
+          </a:lnRef>
+          <a:fillRef idx="0">
+            <a:schemeClr val="dk1"/>
+          </a:fillRef>
+          <a:effectRef idx="1">
+            <a:schemeClr val="dk1"/>
+          </a:effectRef>
+          <a:fontRef idx="minor">
+            <a:schemeClr val="tx1"/>
+          </a:fontRef>
+        </p:style>
+      </p:cxnSp>
+      <p:cxnSp>
+        <p:nvCxnSpPr>
+          <p:cNvPr id="17" name="Raven puščični povezovalnik 16">
+            <a:extLst>
+              <a:ext uri="{FF2B5EF4-FFF2-40B4-BE49-F238E27FC236}">
+                <a16:creationId xmlns:a16="http://schemas.microsoft.com/office/drawing/2014/main" id="{C70E09DE-98FF-46C1-A93A-C3EAF67B9790}"/>
+              </a:ext>
+            </a:extLst>
+          </p:cNvPr>
+          <p:cNvCxnSpPr/>
+          <p:nvPr/>
+        </p:nvCxnSpPr>
+        <p:spPr>
+          <a:xfrm>
+            <a:off x="9543495" y="2698812"/>
+            <a:ext cx="898953" cy="0"/>
+          </a:xfrm>
+          <a:prstGeom prst="straightConnector1">
+            <a:avLst/>
+          </a:prstGeom>
+          <a:ln>
+            <a:tailEnd type="triangle"/>
+          </a:ln>
+        </p:spPr>
+        <p:style>
+          <a:lnRef idx="2">
+            <a:schemeClr val="dk1"/>
+          </a:lnRef>
+          <a:fillRef idx="0">
+            <a:schemeClr val="dk1"/>
+          </a:fillRef>
+          <a:effectRef idx="1">
+            <a:schemeClr val="dk1"/>
+          </a:effectRef>
+          <a:fontRef idx="minor">
+            <a:schemeClr val="tx1"/>
+          </a:fontRef>
+        </p:style>
+      </p:cxnSp>
+      <p:cxnSp>
+        <p:nvCxnSpPr>
+          <p:cNvPr id="19" name="Raven puščični povezovalnik 18">
+            <a:extLst>
+              <a:ext uri="{FF2B5EF4-FFF2-40B4-BE49-F238E27FC236}">
+                <a16:creationId xmlns:a16="http://schemas.microsoft.com/office/drawing/2014/main" id="{83D6ED36-C046-418B-A243-A9B2B1971381}"/>
+              </a:ext>
+            </a:extLst>
+          </p:cNvPr>
+          <p:cNvCxnSpPr/>
+          <p:nvPr/>
+        </p:nvCxnSpPr>
+        <p:spPr>
+          <a:xfrm>
+            <a:off x="9543495" y="2024109"/>
+            <a:ext cx="898953" cy="0"/>
+          </a:xfrm>
+          <a:prstGeom prst="straightConnector1">
+            <a:avLst/>
+          </a:prstGeom>
+          <a:ln>
+            <a:tailEnd type="triangle"/>
+          </a:ln>
+        </p:spPr>
+        <p:style>
+          <a:lnRef idx="2">
+            <a:schemeClr val="dk1"/>
+          </a:lnRef>
+          <a:fillRef idx="0">
+            <a:schemeClr val="dk1"/>
+          </a:fillRef>
+          <a:effectRef idx="1">
+            <a:schemeClr val="dk1"/>
+          </a:effectRef>
+          <a:fontRef idx="minor">
+            <a:schemeClr val="tx1"/>
+          </a:fontRef>
+        </p:style>
+      </p:cxnSp>
+      <p:cxnSp>
+        <p:nvCxnSpPr>
+          <p:cNvPr id="21" name="Raven puščični povezovalnik 20">
+            <a:extLst>
+              <a:ext uri="{FF2B5EF4-FFF2-40B4-BE49-F238E27FC236}">
+                <a16:creationId xmlns:a16="http://schemas.microsoft.com/office/drawing/2014/main" id="{C61327E8-2C7F-4565-810A-AF03FB4AB732}"/>
+              </a:ext>
+            </a:extLst>
+          </p:cNvPr>
+          <p:cNvCxnSpPr/>
+          <p:nvPr/>
+        </p:nvCxnSpPr>
+        <p:spPr>
+          <a:xfrm flipH="1">
+            <a:off x="6578353" y="2032986"/>
+            <a:ext cx="461639" cy="0"/>
+          </a:xfrm>
+          <a:prstGeom prst="straightConnector1">
+            <a:avLst/>
+          </a:prstGeom>
+          <a:ln>
+            <a:tailEnd type="triangle"/>
+          </a:ln>
+        </p:spPr>
+        <p:style>
+          <a:lnRef idx="2">
+            <a:schemeClr val="dk1"/>
+          </a:lnRef>
+          <a:fillRef idx="0">
+            <a:schemeClr val="dk1"/>
+          </a:fillRef>
+          <a:effectRef idx="1">
+            <a:schemeClr val="dk1"/>
+          </a:effectRef>
+          <a:fontRef idx="minor">
+            <a:schemeClr val="tx1"/>
+          </a:fontRef>
+        </p:style>
+      </p:cxnSp>
+      <p:cxnSp>
+        <p:nvCxnSpPr>
+          <p:cNvPr id="23" name="Raven puščični povezovalnik 22">
+            <a:extLst>
+              <a:ext uri="{FF2B5EF4-FFF2-40B4-BE49-F238E27FC236}">
+                <a16:creationId xmlns:a16="http://schemas.microsoft.com/office/drawing/2014/main" id="{5BC7621A-521A-44DE-AB01-E8B36663B808}"/>
+              </a:ext>
+            </a:extLst>
+          </p:cNvPr>
+          <p:cNvCxnSpPr/>
+          <p:nvPr/>
+        </p:nvCxnSpPr>
+        <p:spPr>
+          <a:xfrm flipH="1">
+            <a:off x="6560598" y="3293616"/>
+            <a:ext cx="461639" cy="0"/>
+          </a:xfrm>
+          <a:prstGeom prst="straightConnector1">
+            <a:avLst/>
+          </a:prstGeom>
+          <a:ln>
+            <a:tailEnd type="triangle"/>
+          </a:ln>
+        </p:spPr>
+        <p:style>
+          <a:lnRef idx="2">
+            <a:schemeClr val="dk1"/>
+          </a:lnRef>
+          <a:fillRef idx="0">
+            <a:schemeClr val="dk1"/>
+          </a:fillRef>
+          <a:effectRef idx="1">
+            <a:schemeClr val="dk1"/>
+          </a:effectRef>
+          <a:fontRef idx="minor">
+            <a:schemeClr val="tx1"/>
+          </a:fontRef>
+        </p:style>
+      </p:cxnSp>
+      <p:cxnSp>
+        <p:nvCxnSpPr>
+          <p:cNvPr id="24" name="Raven puščični povezovalnik 23">
+            <a:extLst>
+              <a:ext uri="{FF2B5EF4-FFF2-40B4-BE49-F238E27FC236}">
+                <a16:creationId xmlns:a16="http://schemas.microsoft.com/office/drawing/2014/main" id="{DBC0AE85-8261-4479-A740-7576623EBB19}"/>
+              </a:ext>
+            </a:extLst>
+          </p:cNvPr>
+          <p:cNvCxnSpPr/>
+          <p:nvPr/>
+        </p:nvCxnSpPr>
+        <p:spPr>
+          <a:xfrm flipH="1">
+            <a:off x="6569475" y="3622091"/>
+            <a:ext cx="461639" cy="0"/>
+          </a:xfrm>
+          <a:prstGeom prst="straightConnector1">
+            <a:avLst/>
+          </a:prstGeom>
+          <a:ln>
+            <a:tailEnd type="triangle"/>
+          </a:ln>
+        </p:spPr>
+        <p:style>
+          <a:lnRef idx="2">
+            <a:schemeClr val="dk1"/>
+          </a:lnRef>
+          <a:fillRef idx="0">
+            <a:schemeClr val="dk1"/>
+          </a:fillRef>
+          <a:effectRef idx="1">
+            <a:schemeClr val="dk1"/>
+          </a:effectRef>
+          <a:fontRef idx="minor">
+            <a:schemeClr val="tx1"/>
+          </a:fontRef>
+        </p:style>
+      </p:cxnSp>
+      <p:sp>
+        <p:nvSpPr>
+          <p:cNvPr id="25" name="PoljeZBesedilom 24">
+            <a:extLst>
+              <a:ext uri="{FF2B5EF4-FFF2-40B4-BE49-F238E27FC236}">
+                <a16:creationId xmlns:a16="http://schemas.microsoft.com/office/drawing/2014/main" id="{C5262592-4638-4EA4-B36B-45BEC48FB6E4}"/>
+              </a:ext>
+            </a:extLst>
+          </p:cNvPr>
+          <p:cNvSpPr txBox="1"/>
+          <p:nvPr/>
+        </p:nvSpPr>
+        <p:spPr>
+          <a:xfrm>
+            <a:off x="5608702" y="1879097"/>
+            <a:ext cx="974947" cy="307777"/>
+          </a:xfrm>
+          <a:prstGeom prst="rect">
+            <a:avLst/>
+          </a:prstGeom>
+          <a:noFill/>
+        </p:spPr>
+        <p:txBody>
+          <a:bodyPr wrap="none" rtlCol="0">
+            <a:spAutoFit/>
+          </a:bodyPr>
+          <a:lstStyle/>
+          <a:p>
+            <a:r>
+              <a:rPr lang="sl-SI" sz="1400" b="1" dirty="0"/>
+              <a:t>Navodila</a:t>
+            </a:r>
+          </a:p>
+        </p:txBody>
+      </p:sp>
+      <p:sp>
+        <p:nvSpPr>
+          <p:cNvPr id="26" name="PoljeZBesedilom 25">
+            <a:extLst>
+              <a:ext uri="{FF2B5EF4-FFF2-40B4-BE49-F238E27FC236}">
+                <a16:creationId xmlns:a16="http://schemas.microsoft.com/office/drawing/2014/main" id="{E7190B41-8B61-449E-BE56-C6892EA5B41E}"/>
+              </a:ext>
+            </a:extLst>
+          </p:cNvPr>
+          <p:cNvSpPr txBox="1"/>
+          <p:nvPr/>
+        </p:nvSpPr>
+        <p:spPr>
+          <a:xfrm>
+            <a:off x="10485424" y="1854819"/>
+            <a:ext cx="1462260" cy="307777"/>
+          </a:xfrm>
+          <a:prstGeom prst="rect">
+            <a:avLst/>
+          </a:prstGeom>
+          <a:noFill/>
+        </p:spPr>
+        <p:txBody>
+          <a:bodyPr wrap="none" rtlCol="0">
+            <a:spAutoFit/>
+          </a:bodyPr>
+          <a:lstStyle/>
+          <a:p>
+            <a:r>
+              <a:rPr lang="sl-SI" sz="1400" b="1" dirty="0"/>
+              <a:t>Tabela</a:t>
+            </a:r>
+            <a:r>
+              <a:rPr lang="sl-SI" sz="1400" dirty="0"/>
+              <a:t> </a:t>
+            </a:r>
+            <a:r>
+              <a:rPr lang="sl-SI" sz="1400" b="1" dirty="0"/>
+              <a:t>znakov</a:t>
+            </a:r>
+          </a:p>
+        </p:txBody>
+      </p:sp>
+      <p:sp>
+        <p:nvSpPr>
+          <p:cNvPr id="27" name="PoljeZBesedilom 26">
+            <a:extLst>
+              <a:ext uri="{FF2B5EF4-FFF2-40B4-BE49-F238E27FC236}">
+                <a16:creationId xmlns:a16="http://schemas.microsoft.com/office/drawing/2014/main" id="{8EC35F0F-640E-48FA-9F04-42B9459005F7}"/>
+              </a:ext>
+            </a:extLst>
+          </p:cNvPr>
+          <p:cNvSpPr txBox="1"/>
+          <p:nvPr/>
+        </p:nvSpPr>
+        <p:spPr>
+          <a:xfrm>
+            <a:off x="10497199" y="2527167"/>
+            <a:ext cx="856325" cy="307777"/>
+          </a:xfrm>
+          <a:prstGeom prst="rect">
+            <a:avLst/>
+          </a:prstGeom>
+          <a:noFill/>
+        </p:spPr>
+        <p:txBody>
+          <a:bodyPr wrap="none" rtlCol="0">
+            <a:spAutoFit/>
+          </a:bodyPr>
+          <a:lstStyle/>
+          <a:p>
+            <a:r>
+              <a:rPr lang="sl-SI" sz="1400" b="1" dirty="0"/>
+              <a:t>Brisanje</a:t>
+            </a:r>
+          </a:p>
+        </p:txBody>
+      </p:sp>
+      <p:sp>
+        <p:nvSpPr>
+          <p:cNvPr id="28" name="PoljeZBesedilom 27">
+            <a:extLst>
+              <a:ext uri="{FF2B5EF4-FFF2-40B4-BE49-F238E27FC236}">
+                <a16:creationId xmlns:a16="http://schemas.microsoft.com/office/drawing/2014/main" id="{9CBA8B86-6DE5-411D-B286-43132FB6F2E9}"/>
+              </a:ext>
+            </a:extLst>
+          </p:cNvPr>
+          <p:cNvSpPr txBox="1"/>
+          <p:nvPr/>
+        </p:nvSpPr>
+        <p:spPr>
+          <a:xfrm>
+            <a:off x="5624732" y="3134123"/>
+            <a:ext cx="958917" cy="307777"/>
+          </a:xfrm>
+          <a:prstGeom prst="rect">
+            <a:avLst/>
+          </a:prstGeom>
+          <a:noFill/>
+        </p:spPr>
+        <p:txBody>
+          <a:bodyPr wrap="none" rtlCol="0">
+            <a:spAutoFit/>
+          </a:bodyPr>
+          <a:lstStyle/>
+          <a:p>
+            <a:r>
+              <a:rPr lang="sl-SI" sz="1400" b="1" dirty="0"/>
+              <a:t>Menjava</a:t>
+            </a:r>
+          </a:p>
+        </p:txBody>
+      </p:sp>
+      <p:sp>
+        <p:nvSpPr>
+          <p:cNvPr id="29" name="PoljeZBesedilom 28">
+            <a:extLst>
+              <a:ext uri="{FF2B5EF4-FFF2-40B4-BE49-F238E27FC236}">
+                <a16:creationId xmlns:a16="http://schemas.microsoft.com/office/drawing/2014/main" id="{39C6923E-833E-4913-B40E-3B321F709696}"/>
+              </a:ext>
+            </a:extLst>
+          </p:cNvPr>
+          <p:cNvSpPr txBox="1"/>
+          <p:nvPr/>
+        </p:nvSpPr>
+        <p:spPr>
+          <a:xfrm>
+            <a:off x="5595076" y="3468201"/>
+            <a:ext cx="1018227" cy="307777"/>
+          </a:xfrm>
+          <a:prstGeom prst="rect">
+            <a:avLst/>
+          </a:prstGeom>
+          <a:noFill/>
+        </p:spPr>
+        <p:txBody>
+          <a:bodyPr wrap="none" rtlCol="0">
+            <a:spAutoFit/>
+          </a:bodyPr>
+          <a:lstStyle/>
+          <a:p>
+            <a:r>
+              <a:rPr lang="sl-SI" sz="1400" b="1" dirty="0"/>
+              <a:t>Kopiranje</a:t>
+            </a:r>
+          </a:p>
+        </p:txBody>
+      </p:sp>
+      <p:sp>
+        <p:nvSpPr>
+          <p:cNvPr id="30" name="PoljeZBesedilom 29">
+            <a:extLst>
+              <a:ext uri="{FF2B5EF4-FFF2-40B4-BE49-F238E27FC236}">
+                <a16:creationId xmlns:a16="http://schemas.microsoft.com/office/drawing/2014/main" id="{3CA9C1B9-EFD7-4D7D-BB4F-6626DF2879B7}"/>
+              </a:ext>
+            </a:extLst>
+          </p:cNvPr>
+          <p:cNvSpPr txBox="1"/>
+          <p:nvPr/>
+        </p:nvSpPr>
+        <p:spPr>
+          <a:xfrm>
+            <a:off x="10485424" y="3251994"/>
+            <a:ext cx="1107996" cy="307777"/>
+          </a:xfrm>
+          <a:prstGeom prst="rect">
+            <a:avLst/>
+          </a:prstGeom>
+          <a:noFill/>
+        </p:spPr>
+        <p:txBody>
+          <a:bodyPr wrap="none" rtlCol="0">
+            <a:spAutoFit/>
+          </a:bodyPr>
+          <a:lstStyle/>
+          <a:p>
+            <a:r>
+              <a:rPr lang="sl-SI" sz="1400" b="1" dirty="0"/>
+              <a:t>Prevajanje</a:t>
+            </a:r>
+          </a:p>
+        </p:txBody>
+      </p:sp>
+      <p:cxnSp>
+        <p:nvCxnSpPr>
+          <p:cNvPr id="32" name="Povezovalnik: kolenski 31">
+            <a:extLst>
+              <a:ext uri="{FF2B5EF4-FFF2-40B4-BE49-F238E27FC236}">
+                <a16:creationId xmlns:a16="http://schemas.microsoft.com/office/drawing/2014/main" id="{16C79A3E-1993-49E2-B1DF-DC49A7F7C94F}"/>
+              </a:ext>
+            </a:extLst>
+          </p:cNvPr>
+          <p:cNvCxnSpPr>
+            <a:cxnSpLocks/>
+          </p:cNvCxnSpPr>
+          <p:nvPr/>
+        </p:nvCxnSpPr>
+        <p:spPr>
+          <a:xfrm>
+            <a:off x="9497733" y="3269027"/>
+            <a:ext cx="919456" cy="104488"/>
+          </a:xfrm>
+          <a:prstGeom prst="bentConnector3">
+            <a:avLst>
+              <a:gd name="adj1" fmla="val 48069"/>
+            </a:avLst>
+          </a:prstGeom>
+          <a:ln>
+            <a:tailEnd type="triangle"/>
+          </a:ln>
+        </p:spPr>
+        <p:style>
+          <a:lnRef idx="2">
+            <a:schemeClr val="dk1"/>
+          </a:lnRef>
+          <a:fillRef idx="0">
+            <a:schemeClr val="dk1"/>
+          </a:fillRef>
+          <a:effectRef idx="1">
+            <a:schemeClr val="dk1"/>
+          </a:effectRef>
+          <a:fontRef idx="minor">
+            <a:schemeClr val="tx1"/>
+          </a:fontRef>
+        </p:style>
+      </p:cxnSp>
+      <p:cxnSp>
+        <p:nvCxnSpPr>
+          <p:cNvPr id="36" name="Raven puščični povezovalnik 35">
+            <a:extLst>
+              <a:ext uri="{FF2B5EF4-FFF2-40B4-BE49-F238E27FC236}">
+                <a16:creationId xmlns:a16="http://schemas.microsoft.com/office/drawing/2014/main" id="{F8D2B112-488B-42B5-AF17-BB9921A5A509}"/>
+              </a:ext>
+            </a:extLst>
+          </p:cNvPr>
+          <p:cNvCxnSpPr>
+            <a:cxnSpLocks/>
+          </p:cNvCxnSpPr>
+          <p:nvPr/>
+        </p:nvCxnSpPr>
+        <p:spPr>
+          <a:xfrm>
+            <a:off x="9243134" y="4546847"/>
+            <a:ext cx="1174055" cy="0"/>
+          </a:xfrm>
+          <a:prstGeom prst="straightConnector1">
+            <a:avLst/>
+          </a:prstGeom>
+          <a:ln>
+            <a:tailEnd type="triangle"/>
+          </a:ln>
+        </p:spPr>
+        <p:style>
+          <a:lnRef idx="2">
+            <a:schemeClr val="dk1"/>
+          </a:lnRef>
+          <a:fillRef idx="0">
+            <a:schemeClr val="dk1"/>
+          </a:fillRef>
+          <a:effectRef idx="1">
+            <a:schemeClr val="dk1"/>
+          </a:effectRef>
+          <a:fontRef idx="minor">
+            <a:schemeClr val="tx1"/>
+          </a:fontRef>
+        </p:style>
+      </p:cxnSp>
+      <p:cxnSp>
+        <p:nvCxnSpPr>
+          <p:cNvPr id="38" name="Raven puščični povezovalnik 37">
+            <a:extLst>
+              <a:ext uri="{FF2B5EF4-FFF2-40B4-BE49-F238E27FC236}">
+                <a16:creationId xmlns:a16="http://schemas.microsoft.com/office/drawing/2014/main" id="{761CB5C4-E87A-44E1-A488-96304F08E857}"/>
+              </a:ext>
+            </a:extLst>
+          </p:cNvPr>
+          <p:cNvCxnSpPr>
+            <a:cxnSpLocks/>
+          </p:cNvCxnSpPr>
+          <p:nvPr/>
+        </p:nvCxnSpPr>
+        <p:spPr>
+          <a:xfrm flipH="1">
+            <a:off x="6578354" y="2537524"/>
+            <a:ext cx="639192" cy="0"/>
+          </a:xfrm>
+          <a:prstGeom prst="straightConnector1">
+            <a:avLst/>
+          </a:prstGeom>
+          <a:ln>
+            <a:tailEnd type="triangle"/>
+          </a:ln>
+        </p:spPr>
+        <p:style>
+          <a:lnRef idx="2">
+            <a:schemeClr val="dk1"/>
+          </a:lnRef>
+          <a:fillRef idx="0">
+            <a:schemeClr val="dk1"/>
+          </a:fillRef>
+          <a:effectRef idx="1">
+            <a:schemeClr val="dk1"/>
+          </a:effectRef>
+          <a:fontRef idx="minor">
+            <a:schemeClr val="tx1"/>
+          </a:fontRef>
+        </p:style>
+      </p:cxnSp>
+      <p:sp>
+        <p:nvSpPr>
+          <p:cNvPr id="40" name="PoljeZBesedilom 39">
+            <a:extLst>
+              <a:ext uri="{FF2B5EF4-FFF2-40B4-BE49-F238E27FC236}">
+                <a16:creationId xmlns:a16="http://schemas.microsoft.com/office/drawing/2014/main" id="{732CE2C0-ED5A-4D06-BBB2-13C043EF071C}"/>
+              </a:ext>
+            </a:extLst>
+          </p:cNvPr>
+          <p:cNvSpPr txBox="1"/>
+          <p:nvPr/>
+        </p:nvSpPr>
+        <p:spPr>
+          <a:xfrm>
+            <a:off x="5963577" y="2378022"/>
+            <a:ext cx="611065" cy="307777"/>
+          </a:xfrm>
+          <a:prstGeom prst="rect">
+            <a:avLst/>
+          </a:prstGeom>
+          <a:noFill/>
+        </p:spPr>
+        <p:txBody>
+          <a:bodyPr wrap="none" rtlCol="0">
+            <a:spAutoFit/>
+          </a:bodyPr>
+          <a:lstStyle/>
+          <a:p>
+            <a:r>
+              <a:rPr lang="sl-SI" sz="1400" b="1" dirty="0"/>
+              <a:t>Vnos</a:t>
+            </a:r>
+          </a:p>
+        </p:txBody>
+      </p:sp>
+      <p:sp>
+        <p:nvSpPr>
+          <p:cNvPr id="41" name="PoljeZBesedilom 40">
+            <a:extLst>
+              <a:ext uri="{FF2B5EF4-FFF2-40B4-BE49-F238E27FC236}">
+                <a16:creationId xmlns:a16="http://schemas.microsoft.com/office/drawing/2014/main" id="{8C10AF19-0753-4AFE-9BCF-61EB3ACCF417}"/>
+              </a:ext>
+            </a:extLst>
+          </p:cNvPr>
+          <p:cNvSpPr txBox="1"/>
+          <p:nvPr/>
+        </p:nvSpPr>
+        <p:spPr>
+          <a:xfrm>
+            <a:off x="10485424" y="4392958"/>
+            <a:ext cx="558166" cy="307777"/>
+          </a:xfrm>
+          <a:prstGeom prst="rect">
+            <a:avLst/>
+          </a:prstGeom>
+          <a:noFill/>
+        </p:spPr>
+        <p:txBody>
+          <a:bodyPr wrap="none" rtlCol="0">
+            <a:spAutoFit/>
+          </a:bodyPr>
+          <a:lstStyle/>
+          <a:p>
+            <a:r>
+              <a:rPr lang="sl-SI" sz="1400" b="1" dirty="0"/>
+              <a:t>Izpis</a:t>
             </a:r>
           </a:p>
         </p:txBody>
@@ -12019,12 +13731,12 @@
     </p:spTree>
     <p:extLst>
       <p:ext uri="{BB962C8B-B14F-4D97-AF65-F5344CB8AC3E}">
-        <p14:creationId xmlns:p14="http://schemas.microsoft.com/office/powerpoint/2010/main" val="3029313313"/>
+        <p14:creationId xmlns:p14="http://schemas.microsoft.com/office/powerpoint/2010/main" val="3647308190"/>
       </p:ext>
     </p:extLst>
   </p:cSld>
   <p:clrMapOvr>
-    <a:masterClrMapping/>
+    <a:overrideClrMapping bg1="lt1" tx1="dk1" bg2="lt2" tx2="dk2" accent1="accent1" accent2="accent2" accent3="accent3" accent4="accent4" accent5="accent5" accent6="accent6" hlink="hlink" folHlink="folHlink"/>
   </p:clrMapOvr>
 </p:sld>
 </file>
@@ -12064,6 +13776,69 @@
         </p:nvSpPr>
         <p:spPr>
           <a:xfrm>
+            <a:off x="3656604" y="3034529"/>
+            <a:ext cx="5150511" cy="788941"/>
+          </a:xfrm>
+        </p:spPr>
+        <p:txBody>
+          <a:bodyPr/>
+          <a:lstStyle/>
+          <a:p>
+            <a:r>
+              <a:rPr lang="sl-SI" b="1" i="1" dirty="0"/>
+              <a:t>Preizkus aplikacije</a:t>
+            </a:r>
+          </a:p>
+        </p:txBody>
+      </p:sp>
+    </p:spTree>
+    <p:extLst>
+      <p:ext uri="{BB962C8B-B14F-4D97-AF65-F5344CB8AC3E}">
+        <p14:creationId xmlns:p14="http://schemas.microsoft.com/office/powerpoint/2010/main" val="3029313313"/>
+      </p:ext>
+    </p:extLst>
+  </p:cSld>
+  <p:clrMapOvr>
+    <a:masterClrMapping/>
+  </p:clrMapOvr>
+</p:sld>
+</file>
+
+<file path=ppt/slides/slide8.xml><?xml version="1.0" encoding="utf-8"?>
+<p:sld xmlns:a="http://schemas.openxmlformats.org/drawingml/2006/main" xmlns:r="http://schemas.openxmlformats.org/officeDocument/2006/relationships" xmlns:p="http://schemas.openxmlformats.org/presentationml/2006/main">
+  <p:cSld>
+    <p:spTree>
+      <p:nvGrpSpPr>
+        <p:cNvPr id="1" name=""/>
+        <p:cNvGrpSpPr/>
+        <p:nvPr/>
+      </p:nvGrpSpPr>
+      <p:grpSpPr>
+        <a:xfrm>
+          <a:off x="0" y="0"/>
+          <a:ext cx="0" cy="0"/>
+          <a:chOff x="0" y="0"/>
+          <a:chExt cx="0" cy="0"/>
+        </a:xfrm>
+      </p:grpSpPr>
+      <p:sp>
+        <p:nvSpPr>
+          <p:cNvPr id="2" name="Naslov 1">
+            <a:extLst>
+              <a:ext uri="{FF2B5EF4-FFF2-40B4-BE49-F238E27FC236}">
+                <a16:creationId xmlns:a16="http://schemas.microsoft.com/office/drawing/2014/main" id="{8F7B0356-BF6B-4003-9B28-815DEC7BB579}"/>
+              </a:ext>
+            </a:extLst>
+          </p:cNvPr>
+          <p:cNvSpPr>
+            <a:spLocks noGrp="1"/>
+          </p:cNvSpPr>
+          <p:nvPr>
+            <p:ph type="title"/>
+          </p:nvPr>
+        </p:nvSpPr>
+        <p:spPr>
+          <a:xfrm>
             <a:off x="2327246" y="3034529"/>
             <a:ext cx="7537507" cy="788941"/>
           </a:xfrm>
@@ -12093,7 +13868,7 @@
 </p:sld>
 </file>
 
-<file path=ppt/slides/slide8.xml><?xml version="1.0" encoding="utf-8"?>
+<file path=ppt/slides/slide9.xml><?xml version="1.0" encoding="utf-8"?>
 <p:sld xmlns:a="http://schemas.openxmlformats.org/drawingml/2006/main" xmlns:r="http://schemas.openxmlformats.org/officeDocument/2006/relationships" xmlns:p="http://schemas.openxmlformats.org/presentationml/2006/main">
   <p:cSld>
     <p:spTree>

--- a/ZagovorSeminarske_JarcDejan.pptx
+++ b/ZagovorSeminarske_JarcDejan.pptx
@@ -5,18 +5,21 @@
     <p:sldMasterId id="2147483660" r:id="rId1"/>
   </p:sldMasterIdLst>
   <p:notesMasterIdLst>
-    <p:notesMasterId r:id="rId11"/>
+    <p:notesMasterId r:id="rId14"/>
   </p:notesMasterIdLst>
   <p:sldIdLst>
     <p:sldId id="256" r:id="rId2"/>
-    <p:sldId id="257" r:id="rId3"/>
-    <p:sldId id="258" r:id="rId4"/>
-    <p:sldId id="259" r:id="rId5"/>
-    <p:sldId id="260" r:id="rId6"/>
-    <p:sldId id="265" r:id="rId7"/>
-    <p:sldId id="261" r:id="rId8"/>
-    <p:sldId id="263" r:id="rId9"/>
-    <p:sldId id="264" r:id="rId10"/>
+    <p:sldId id="266" r:id="rId3"/>
+    <p:sldId id="257" r:id="rId4"/>
+    <p:sldId id="258" r:id="rId5"/>
+    <p:sldId id="259" r:id="rId6"/>
+    <p:sldId id="260" r:id="rId7"/>
+    <p:sldId id="267" r:id="rId8"/>
+    <p:sldId id="265" r:id="rId9"/>
+    <p:sldId id="268" r:id="rId10"/>
+    <p:sldId id="261" r:id="rId11"/>
+    <p:sldId id="263" r:id="rId12"/>
+    <p:sldId id="264" r:id="rId13"/>
   </p:sldIdLst>
   <p:sldSz cx="12192000" cy="6858000"/>
   <p:notesSz cx="6858000" cy="9144000"/>
@@ -205,7 +208,7 @@
           <a:p>
             <a:fld id="{40FA49F6-6208-4197-92FA-DC7BC97E654D}" type="datetimeFigureOut">
               <a:rPr lang="sl-SI" smtClean="0"/>
-              <a:t>18. 04. 2021</a:t>
+              <a:t>19. 04. 2021</a:t>
             </a:fld>
             <a:endParaRPr lang="sl-SI"/>
           </a:p>
@@ -600,7 +603,51 @@
           <a:bodyPr/>
           <a:lstStyle/>
           <a:p>
-            <a:endParaRPr lang="sl-SI" dirty="0"/>
+            <a:r>
+              <a:rPr lang="sl-SI" dirty="0"/>
+              <a:t>Morsejeva abeceda: </a:t>
+            </a:r>
+            <a:r>
+              <a:rPr lang="sl-SI" b="0" i="0" dirty="0">
+                <a:solidFill>
+                  <a:srgbClr val="202122"/>
+                </a:solidFill>
+                <a:effectLst/>
+                <a:latin typeface="Arial" panose="020B0604020202020204" pitchFamily="34" charset="0"/>
+              </a:rPr>
+              <a:t>Razvila sta jo izumitelj telegrafa Samuel Morse in njegov sodelavec Alfred </a:t>
+            </a:r>
+            <a:r>
+              <a:rPr lang="sl-SI" b="0" i="0" dirty="0" err="1">
+                <a:solidFill>
+                  <a:srgbClr val="202122"/>
+                </a:solidFill>
+                <a:effectLst/>
+                <a:latin typeface="Arial" panose="020B0604020202020204" pitchFamily="34" charset="0"/>
+              </a:rPr>
+              <a:t>Vail</a:t>
+            </a:r>
+            <a:r>
+              <a:rPr lang="sl-SI" b="0" i="0" dirty="0">
+                <a:solidFill>
+                  <a:srgbClr val="202122"/>
+                </a:solidFill>
+                <a:effectLst/>
+                <a:latin typeface="Arial" panose="020B0604020202020204" pitchFamily="34" charset="0"/>
+              </a:rPr>
+              <a:t> leta </a:t>
+            </a:r>
+            <a:r>
+              <a:rPr lang="sl-SI" b="1" i="0" dirty="0">
+                <a:solidFill>
+                  <a:srgbClr val="202122"/>
+                </a:solidFill>
+                <a:effectLst/>
+                <a:latin typeface="Arial" panose="020B0604020202020204" pitchFamily="34" charset="0"/>
+              </a:rPr>
+              <a:t>1835.</a:t>
+            </a:r>
+            <a:endParaRPr lang="sl-SI" b="1" dirty="0"/>
           </a:p>
         </p:txBody>
       </p:sp>
@@ -630,7 +677,7 @@
     </p:spTree>
     <p:extLst>
       <p:ext uri="{BB962C8B-B14F-4D97-AF65-F5344CB8AC3E}">
-        <p14:creationId xmlns:p14="http://schemas.microsoft.com/office/powerpoint/2010/main" val="4089331377"/>
+        <p14:creationId xmlns:p14="http://schemas.microsoft.com/office/powerpoint/2010/main" val="3880465567"/>
       </p:ext>
     </p:extLst>
   </p:cSld>
@@ -706,6 +753,101 @@
             <a:fld id="{753682EA-5CE9-4EF9-863F-74E69C3874EB}" type="slidenum">
               <a:rPr lang="sl-SI" smtClean="0"/>
               <a:t>3</a:t>
+            </a:fld>
+            <a:endParaRPr lang="sl-SI"/>
+          </a:p>
+        </p:txBody>
+      </p:sp>
+    </p:spTree>
+    <p:extLst>
+      <p:ext uri="{BB962C8B-B14F-4D97-AF65-F5344CB8AC3E}">
+        <p14:creationId xmlns:p14="http://schemas.microsoft.com/office/powerpoint/2010/main" val="4089331377"/>
+      </p:ext>
+    </p:extLst>
+  </p:cSld>
+  <p:clrMapOvr>
+    <a:masterClrMapping/>
+  </p:clrMapOvr>
+</p:notes>
+</file>
+
+<file path=ppt/notesSlides/notesSlide4.xml><?xml version="1.0" encoding="utf-8"?>
+<p:notes xmlns:a="http://schemas.openxmlformats.org/drawingml/2006/main" xmlns:r="http://schemas.openxmlformats.org/officeDocument/2006/relationships" xmlns:p="http://schemas.openxmlformats.org/presentationml/2006/main">
+  <p:cSld>
+    <p:spTree>
+      <p:nvGrpSpPr>
+        <p:cNvPr id="1" name=""/>
+        <p:cNvGrpSpPr/>
+        <p:nvPr/>
+      </p:nvGrpSpPr>
+      <p:grpSpPr>
+        <a:xfrm>
+          <a:off x="0" y="0"/>
+          <a:ext cx="0" cy="0"/>
+          <a:chOff x="0" y="0"/>
+          <a:chExt cx="0" cy="0"/>
+        </a:xfrm>
+      </p:grpSpPr>
+      <p:sp>
+        <p:nvSpPr>
+          <p:cNvPr id="2" name="Označba mesta stranske slike 1"/>
+          <p:cNvSpPr>
+            <a:spLocks noGrp="1" noRot="1" noChangeAspect="1"/>
+          </p:cNvSpPr>
+          <p:nvPr>
+            <p:ph type="sldImg"/>
+          </p:nvPr>
+        </p:nvSpPr>
+        <p:spPr/>
+      </p:sp>
+      <p:sp>
+        <p:nvSpPr>
+          <p:cNvPr id="3" name="Označba mesta opomb 2"/>
+          <p:cNvSpPr>
+            <a:spLocks noGrp="1"/>
+          </p:cNvSpPr>
+          <p:nvPr>
+            <p:ph type="body" idx="1"/>
+          </p:nvPr>
+        </p:nvSpPr>
+        <p:spPr/>
+        <p:txBody>
+          <a:bodyPr/>
+          <a:lstStyle/>
+          <a:p>
+            <a:r>
+              <a:rPr lang="sl-SI" dirty="0"/>
+              <a:t>Uradno integrirano razvijalno okolje za razvijanje Android aplikacij. Temelji na </a:t>
+            </a:r>
+            <a:r>
+              <a:rPr lang="sl-SI" dirty="0" err="1"/>
+              <a:t>intelliJ</a:t>
+            </a:r>
+            <a:r>
+              <a:rPr lang="sl-SI" dirty="0"/>
+              <a:t> IDEA okolju.</a:t>
+            </a:r>
+          </a:p>
+        </p:txBody>
+      </p:sp>
+      <p:sp>
+        <p:nvSpPr>
+          <p:cNvPr id="4" name="Označba mesta številke diapozitiva 3"/>
+          <p:cNvSpPr>
+            <a:spLocks noGrp="1"/>
+          </p:cNvSpPr>
+          <p:nvPr>
+            <p:ph type="sldNum" sz="quarter" idx="5"/>
+          </p:nvPr>
+        </p:nvSpPr>
+        <p:spPr/>
+        <p:txBody>
+          <a:bodyPr/>
+          <a:lstStyle/>
+          <a:p>
+            <a:fld id="{753682EA-5CE9-4EF9-863F-74E69C3874EB}" type="slidenum">
+              <a:rPr lang="sl-SI" smtClean="0"/>
+              <a:t>4</a:t>
             </a:fld>
             <a:endParaRPr lang="sl-SI"/>
           </a:p>
@@ -910,7 +1052,7 @@
           <a:p>
             <a:fld id="{1843AC4B-3984-4398-A582-3B1C31F223BE}" type="datetimeFigureOut">
               <a:rPr lang="sl-SI" smtClean="0"/>
-              <a:t>18. 04. 2021</a:t>
+              <a:t>19. 04. 2021</a:t>
             </a:fld>
             <a:endParaRPr lang="sl-SI"/>
           </a:p>
@@ -1185,7 +1327,7 @@
           <a:p>
             <a:fld id="{1843AC4B-3984-4398-A582-3B1C31F223BE}" type="datetimeFigureOut">
               <a:rPr lang="sl-SI" smtClean="0"/>
-              <a:t>18. 04. 2021</a:t>
+              <a:t>19. 04. 2021</a:t>
             </a:fld>
             <a:endParaRPr lang="sl-SI"/>
           </a:p>
@@ -1379,7 +1521,7 @@
           <a:p>
             <a:fld id="{1843AC4B-3984-4398-A582-3B1C31F223BE}" type="datetimeFigureOut">
               <a:rPr lang="sl-SI" smtClean="0"/>
-              <a:t>18. 04. 2021</a:t>
+              <a:t>19. 04. 2021</a:t>
             </a:fld>
             <a:endParaRPr lang="sl-SI"/>
           </a:p>
@@ -1652,7 +1794,7 @@
           <a:p>
             <a:fld id="{1843AC4B-3984-4398-A582-3B1C31F223BE}" type="datetimeFigureOut">
               <a:rPr lang="sl-SI" smtClean="0"/>
-              <a:t>18. 04. 2021</a:t>
+              <a:t>19. 04. 2021</a:t>
             </a:fld>
             <a:endParaRPr lang="sl-SI"/>
           </a:p>
@@ -1993,7 +2135,7 @@
           <a:p>
             <a:fld id="{1843AC4B-3984-4398-A582-3B1C31F223BE}" type="datetimeFigureOut">
               <a:rPr lang="sl-SI" smtClean="0"/>
-              <a:t>18. 04. 2021</a:t>
+              <a:t>19. 04. 2021</a:t>
             </a:fld>
             <a:endParaRPr lang="sl-SI"/>
           </a:p>
@@ -2616,7 +2758,7 @@
           <a:p>
             <a:fld id="{1843AC4B-3984-4398-A582-3B1C31F223BE}" type="datetimeFigureOut">
               <a:rPr lang="sl-SI" smtClean="0"/>
-              <a:t>18. 04. 2021</a:t>
+              <a:t>19. 04. 2021</a:t>
             </a:fld>
             <a:endParaRPr lang="sl-SI"/>
           </a:p>
@@ -3476,7 +3618,7 @@
           <a:p>
             <a:fld id="{1843AC4B-3984-4398-A582-3B1C31F223BE}" type="datetimeFigureOut">
               <a:rPr lang="sl-SI" smtClean="0"/>
-              <a:t>18. 04. 2021</a:t>
+              <a:t>19. 04. 2021</a:t>
             </a:fld>
             <a:endParaRPr lang="sl-SI"/>
           </a:p>
@@ -3646,7 +3788,7 @@
           <a:p>
             <a:fld id="{1843AC4B-3984-4398-A582-3B1C31F223BE}" type="datetimeFigureOut">
               <a:rPr lang="sl-SI" smtClean="0"/>
-              <a:t>18. 04. 2021</a:t>
+              <a:t>19. 04. 2021</a:t>
             </a:fld>
             <a:endParaRPr lang="sl-SI"/>
           </a:p>
@@ -3826,7 +3968,7 @@
           <a:p>
             <a:fld id="{1843AC4B-3984-4398-A582-3B1C31F223BE}" type="datetimeFigureOut">
               <a:rPr lang="sl-SI" smtClean="0"/>
-              <a:t>18. 04. 2021</a:t>
+              <a:t>19. 04. 2021</a:t>
             </a:fld>
             <a:endParaRPr lang="sl-SI"/>
           </a:p>
@@ -3996,7 +4138,7 @@
           <a:p>
             <a:fld id="{1843AC4B-3984-4398-A582-3B1C31F223BE}" type="datetimeFigureOut">
               <a:rPr lang="sl-SI" smtClean="0"/>
-              <a:t>18. 04. 2021</a:t>
+              <a:t>19. 04. 2021</a:t>
             </a:fld>
             <a:endParaRPr lang="sl-SI"/>
           </a:p>
@@ -4243,7 +4385,7 @@
           <a:p>
             <a:fld id="{1843AC4B-3984-4398-A582-3B1C31F223BE}" type="datetimeFigureOut">
               <a:rPr lang="sl-SI" smtClean="0"/>
-              <a:t>18. 04. 2021</a:t>
+              <a:t>19. 04. 2021</a:t>
             </a:fld>
             <a:endParaRPr lang="sl-SI"/>
           </a:p>
@@ -4535,7 +4677,7 @@
           <a:p>
             <a:fld id="{1843AC4B-3984-4398-A582-3B1C31F223BE}" type="datetimeFigureOut">
               <a:rPr lang="sl-SI" smtClean="0"/>
-              <a:t>18. 04. 2021</a:t>
+              <a:t>19. 04. 2021</a:t>
             </a:fld>
             <a:endParaRPr lang="sl-SI"/>
           </a:p>
@@ -4979,7 +5121,7 @@
           <a:p>
             <a:fld id="{1843AC4B-3984-4398-A582-3B1C31F223BE}" type="datetimeFigureOut">
               <a:rPr lang="sl-SI" smtClean="0"/>
-              <a:t>18. 04. 2021</a:t>
+              <a:t>19. 04. 2021</a:t>
             </a:fld>
             <a:endParaRPr lang="sl-SI"/>
           </a:p>
@@ -5097,7 +5239,7 @@
           <a:p>
             <a:fld id="{1843AC4B-3984-4398-A582-3B1C31F223BE}" type="datetimeFigureOut">
               <a:rPr lang="sl-SI" smtClean="0"/>
-              <a:t>18. 04. 2021</a:t>
+              <a:t>19. 04. 2021</a:t>
             </a:fld>
             <a:endParaRPr lang="sl-SI"/>
           </a:p>
@@ -5192,7 +5334,7 @@
           <a:p>
             <a:fld id="{1843AC4B-3984-4398-A582-3B1C31F223BE}" type="datetimeFigureOut">
               <a:rPr lang="sl-SI" smtClean="0"/>
-              <a:t>18. 04. 2021</a:t>
+              <a:t>19. 04. 2021</a:t>
             </a:fld>
             <a:endParaRPr lang="sl-SI"/>
           </a:p>
@@ -5471,7 +5613,7 @@
           <a:p>
             <a:fld id="{1843AC4B-3984-4398-A582-3B1C31F223BE}" type="datetimeFigureOut">
               <a:rPr lang="sl-SI" smtClean="0"/>
-              <a:t>18. 04. 2021</a:t>
+              <a:t>19. 04. 2021</a:t>
             </a:fld>
             <a:endParaRPr lang="sl-SI"/>
           </a:p>
@@ -5746,7 +5888,7 @@
           <a:p>
             <a:fld id="{1843AC4B-3984-4398-A582-3B1C31F223BE}" type="datetimeFigureOut">
               <a:rPr lang="sl-SI" smtClean="0"/>
-              <a:t>18. 04. 2021</a:t>
+              <a:t>19. 04. 2021</a:t>
             </a:fld>
             <a:endParaRPr lang="sl-SI"/>
           </a:p>
@@ -6175,7 +6317,7 @@
           <a:p>
             <a:fld id="{1843AC4B-3984-4398-A582-3B1C31F223BE}" type="datetimeFigureOut">
               <a:rPr lang="sl-SI" smtClean="0"/>
-              <a:t>18. 04. 2021</a:t>
+              <a:t>19. 04. 2021</a:t>
             </a:fld>
             <a:endParaRPr lang="sl-SI"/>
           </a:p>
@@ -6931,6 +7073,209 @@
   <p:clrMapOvr>
     <a:masterClrMapping/>
   </p:clrMapOvr>
+  <p:transition spd="slow">
+    <p:push dir="u"/>
+  </p:transition>
+</p:sld>
+</file>
+
+<file path=ppt/slides/slide10.xml><?xml version="1.0" encoding="utf-8"?>
+<p:sld xmlns:a="http://schemas.openxmlformats.org/drawingml/2006/main" xmlns:r="http://schemas.openxmlformats.org/officeDocument/2006/relationships" xmlns:p="http://schemas.openxmlformats.org/presentationml/2006/main">
+  <p:cSld>
+    <p:spTree>
+      <p:nvGrpSpPr>
+        <p:cNvPr id="1" name=""/>
+        <p:cNvGrpSpPr/>
+        <p:nvPr/>
+      </p:nvGrpSpPr>
+      <p:grpSpPr>
+        <a:xfrm>
+          <a:off x="0" y="0"/>
+          <a:ext cx="0" cy="0"/>
+          <a:chOff x="0" y="0"/>
+          <a:chExt cx="0" cy="0"/>
+        </a:xfrm>
+      </p:grpSpPr>
+      <p:sp>
+        <p:nvSpPr>
+          <p:cNvPr id="2" name="Naslov 1">
+            <a:extLst>
+              <a:ext uri="{FF2B5EF4-FFF2-40B4-BE49-F238E27FC236}">
+                <a16:creationId xmlns:a16="http://schemas.microsoft.com/office/drawing/2014/main" id="{8F7B0356-BF6B-4003-9B28-815DEC7BB579}"/>
+              </a:ext>
+            </a:extLst>
+          </p:cNvPr>
+          <p:cNvSpPr>
+            <a:spLocks noGrp="1"/>
+          </p:cNvSpPr>
+          <p:nvPr>
+            <p:ph type="title"/>
+          </p:nvPr>
+        </p:nvSpPr>
+        <p:spPr>
+          <a:xfrm>
+            <a:off x="3656604" y="3034529"/>
+            <a:ext cx="5150511" cy="788941"/>
+          </a:xfrm>
+        </p:spPr>
+        <p:txBody>
+          <a:bodyPr/>
+          <a:lstStyle/>
+          <a:p>
+            <a:r>
+              <a:rPr lang="sl-SI" b="1" i="1" dirty="0"/>
+              <a:t>Preizkus aplikacije</a:t>
+            </a:r>
+          </a:p>
+        </p:txBody>
+      </p:sp>
+    </p:spTree>
+    <p:extLst>
+      <p:ext uri="{BB962C8B-B14F-4D97-AF65-F5344CB8AC3E}">
+        <p14:creationId xmlns:p14="http://schemas.microsoft.com/office/powerpoint/2010/main" val="3029313313"/>
+      </p:ext>
+    </p:extLst>
+  </p:cSld>
+  <p:clrMapOvr>
+    <a:masterClrMapping/>
+  </p:clrMapOvr>
+  <p:transition spd="slow">
+    <p:push dir="u"/>
+  </p:transition>
+</p:sld>
+</file>
+
+<file path=ppt/slides/slide11.xml><?xml version="1.0" encoding="utf-8"?>
+<p:sld xmlns:a="http://schemas.openxmlformats.org/drawingml/2006/main" xmlns:r="http://schemas.openxmlformats.org/officeDocument/2006/relationships" xmlns:p="http://schemas.openxmlformats.org/presentationml/2006/main">
+  <p:cSld>
+    <p:spTree>
+      <p:nvGrpSpPr>
+        <p:cNvPr id="1" name=""/>
+        <p:cNvGrpSpPr/>
+        <p:nvPr/>
+      </p:nvGrpSpPr>
+      <p:grpSpPr>
+        <a:xfrm>
+          <a:off x="0" y="0"/>
+          <a:ext cx="0" cy="0"/>
+          <a:chOff x="0" y="0"/>
+          <a:chExt cx="0" cy="0"/>
+        </a:xfrm>
+      </p:grpSpPr>
+      <p:sp>
+        <p:nvSpPr>
+          <p:cNvPr id="2" name="Naslov 1">
+            <a:extLst>
+              <a:ext uri="{FF2B5EF4-FFF2-40B4-BE49-F238E27FC236}">
+                <a16:creationId xmlns:a16="http://schemas.microsoft.com/office/drawing/2014/main" id="{8F7B0356-BF6B-4003-9B28-815DEC7BB579}"/>
+              </a:ext>
+            </a:extLst>
+          </p:cNvPr>
+          <p:cNvSpPr>
+            <a:spLocks noGrp="1"/>
+          </p:cNvSpPr>
+          <p:nvPr>
+            <p:ph type="title"/>
+          </p:nvPr>
+        </p:nvSpPr>
+        <p:spPr>
+          <a:xfrm>
+            <a:off x="2327246" y="3034529"/>
+            <a:ext cx="7537507" cy="788941"/>
+          </a:xfrm>
+        </p:spPr>
+        <p:txBody>
+          <a:bodyPr/>
+          <a:lstStyle/>
+          <a:p>
+            <a:pPr algn="ctr"/>
+            <a:r>
+              <a:rPr lang="sl-SI" sz="4400" b="1" i="1" dirty="0"/>
+              <a:t>Hvala za vašo pozornost!</a:t>
+            </a:r>
+          </a:p>
+        </p:txBody>
+      </p:sp>
+    </p:spTree>
+    <p:extLst>
+      <p:ext uri="{BB962C8B-B14F-4D97-AF65-F5344CB8AC3E}">
+        <p14:creationId xmlns:p14="http://schemas.microsoft.com/office/powerpoint/2010/main" val="3067158252"/>
+      </p:ext>
+    </p:extLst>
+  </p:cSld>
+  <p:clrMapOvr>
+    <a:masterClrMapping/>
+  </p:clrMapOvr>
+  <p:transition spd="slow">
+    <p:push dir="u"/>
+  </p:transition>
+</p:sld>
+</file>
+
+<file path=ppt/slides/slide12.xml><?xml version="1.0" encoding="utf-8"?>
+<p:sld xmlns:a="http://schemas.openxmlformats.org/drawingml/2006/main" xmlns:r="http://schemas.openxmlformats.org/officeDocument/2006/relationships" xmlns:p="http://schemas.openxmlformats.org/presentationml/2006/main">
+  <p:cSld>
+    <p:spTree>
+      <p:nvGrpSpPr>
+        <p:cNvPr id="1" name=""/>
+        <p:cNvGrpSpPr/>
+        <p:nvPr/>
+      </p:nvGrpSpPr>
+      <p:grpSpPr>
+        <a:xfrm>
+          <a:off x="0" y="0"/>
+          <a:ext cx="0" cy="0"/>
+          <a:chOff x="0" y="0"/>
+          <a:chExt cx="0" cy="0"/>
+        </a:xfrm>
+      </p:grpSpPr>
+      <p:sp>
+        <p:nvSpPr>
+          <p:cNvPr id="2" name="Naslov 1">
+            <a:extLst>
+              <a:ext uri="{FF2B5EF4-FFF2-40B4-BE49-F238E27FC236}">
+                <a16:creationId xmlns:a16="http://schemas.microsoft.com/office/drawing/2014/main" id="{8F7B0356-BF6B-4003-9B28-815DEC7BB579}"/>
+              </a:ext>
+            </a:extLst>
+          </p:cNvPr>
+          <p:cNvSpPr>
+            <a:spLocks noGrp="1"/>
+          </p:cNvSpPr>
+          <p:nvPr>
+            <p:ph type="title"/>
+          </p:nvPr>
+        </p:nvSpPr>
+        <p:spPr>
+          <a:xfrm>
+            <a:off x="3520744" y="3034529"/>
+            <a:ext cx="5150511" cy="788941"/>
+          </a:xfrm>
+        </p:spPr>
+        <p:txBody>
+          <a:bodyPr/>
+          <a:lstStyle/>
+          <a:p>
+            <a:pPr algn="ctr"/>
+            <a:r>
+              <a:rPr lang="sl-SI" b="1" i="1" dirty="0"/>
+              <a:t>Vprašanja</a:t>
+            </a:r>
+          </a:p>
+        </p:txBody>
+      </p:sp>
+    </p:spTree>
+    <p:extLst>
+      <p:ext uri="{BB962C8B-B14F-4D97-AF65-F5344CB8AC3E}">
+        <p14:creationId xmlns:p14="http://schemas.microsoft.com/office/powerpoint/2010/main" val="4125238056"/>
+      </p:ext>
+    </p:extLst>
+  </p:cSld>
+  <p:clrMapOvr>
+    <a:masterClrMapping/>
+  </p:clrMapOvr>
+  <p:transition spd="slow">
+    <p:push dir="u"/>
+  </p:transition>
 </p:sld>
 </file>
 
@@ -6961,7 +7306,7 @@
       </p:grpSpPr>
       <p:sp>
         <p:nvSpPr>
-          <p:cNvPr id="9" name="Rectangle 8">
+          <p:cNvPr id="71" name="Rectangle 70">
             <a:extLst>
               <a:ext uri="{FF2B5EF4-FFF2-40B4-BE49-F238E27FC236}">
                 <a16:creationId xmlns:a16="http://schemas.microsoft.com/office/drawing/2014/main" id="{B4AAD3FD-83A5-4B89-9F8F-01B8870865BE}"/>
@@ -7024,7 +7369,7 @@
           <p:cNvPr id="2" name="Naslov 1">
             <a:extLst>
               <a:ext uri="{FF2B5EF4-FFF2-40B4-BE49-F238E27FC236}">
-                <a16:creationId xmlns:a16="http://schemas.microsoft.com/office/drawing/2014/main" id="{50E158AA-21DE-45E8-B01C-BA66B5CD0A8A}"/>
+                <a16:creationId xmlns:a16="http://schemas.microsoft.com/office/drawing/2014/main" id="{2399C53C-79D4-4481-88BC-4E975829E5D0}"/>
               </a:ext>
             </a:extLst>
           </p:cNvPr>
@@ -7053,14 +7398,14 @@
                   <a:srgbClr val="EBEBEB"/>
                 </a:solidFill>
               </a:rPr>
-              <a:t>Ideja </a:t>
-            </a:r>
-          </a:p>
-        </p:txBody>
-      </p:sp>
-      <p:sp>
-        <p:nvSpPr>
-          <p:cNvPr id="11" name="Freeform 31">
+              <a:t>Potreba po pripomočku</a:t>
+            </a:r>
+          </a:p>
+        </p:txBody>
+      </p:sp>
+      <p:sp>
+        <p:nvSpPr>
+          <p:cNvPr id="73" name="Freeform 31">
             <a:extLst>
               <a:ext uri="{FF2B5EF4-FFF2-40B4-BE49-F238E27FC236}">
                 <a16:creationId xmlns:a16="http://schemas.microsoft.com/office/drawing/2014/main" id="{61752F1D-FC0F-4103-9584-630E643CCDA6}"/>
@@ -7412,7 +7757,7 @@
       </p:sp>
       <p:sp useBgFill="1">
         <p:nvSpPr>
-          <p:cNvPr id="13" name="Freeform: Shape 12">
+          <p:cNvPr id="75" name="Freeform: Shape 74">
             <a:extLst>
               <a:ext uri="{FF2B5EF4-FFF2-40B4-BE49-F238E27FC236}">
                 <a16:creationId xmlns:a16="http://schemas.microsoft.com/office/drawing/2014/main" id="{70151CB7-E7DE-4917-B831-01DF9CE01306}"/>
@@ -7873,45 +8218,9 @@
           </a:ln>
         </p:spPr>
       </p:sp>
-      <p:pic>
-        <p:nvPicPr>
-          <p:cNvPr id="4" name="Slika 3">
-            <a:extLst>
-              <a:ext uri="{FF2B5EF4-FFF2-40B4-BE49-F238E27FC236}">
-                <a16:creationId xmlns:a16="http://schemas.microsoft.com/office/drawing/2014/main" id="{9959A6BE-E855-4104-A996-AFFC7DA4E3D3}"/>
-              </a:ext>
-            </a:extLst>
-          </p:cNvPr>
-          <p:cNvPicPr/>
-          <p:nvPr/>
-        </p:nvPicPr>
-        <p:blipFill>
-          <a:blip r:embed="rId3">
-            <a:extLst>
-              <a:ext uri="{28A0092B-C50C-407E-A947-70E740481C1C}">
-                <a14:useLocalDpi xmlns:a14="http://schemas.microsoft.com/office/drawing/2010/main" val="0"/>
-              </a:ext>
-            </a:extLst>
-          </a:blip>
-          <a:stretch>
-            <a:fillRect/>
-          </a:stretch>
-        </p:blipFill>
-        <p:spPr bwMode="auto">
-          <a:xfrm>
-            <a:off x="6093992" y="1351229"/>
-            <a:ext cx="5449889" cy="4155539"/>
-          </a:xfrm>
-          <a:prstGeom prst="rect">
-            <a:avLst/>
-          </a:prstGeom>
-          <a:noFill/>
-          <a:effectLst/>
-        </p:spPr>
-      </p:pic>
-      <p:sp>
-        <p:nvSpPr>
-          <p:cNvPr id="15" name="Rectangle 14">
+      <p:sp>
+        <p:nvSpPr>
+          <p:cNvPr id="77" name="Rectangle 76">
             <a:extLst>
               <a:ext uri="{FF2B5EF4-FFF2-40B4-BE49-F238E27FC236}">
                 <a16:creationId xmlns:a16="http://schemas.microsoft.com/office/drawing/2014/main" id="{A92A1116-1C84-41DF-B803-1F7B0883EC82}"/>
@@ -7967,7 +8276,7 @@
           <p:cNvPr id="3" name="Označba mesta vsebine 2">
             <a:extLst>
               <a:ext uri="{FF2B5EF4-FFF2-40B4-BE49-F238E27FC236}">
-                <a16:creationId xmlns:a16="http://schemas.microsoft.com/office/drawing/2014/main" id="{98786A0D-D9B9-4930-9C4B-3B3975800B78}"/>
+                <a16:creationId xmlns:a16="http://schemas.microsoft.com/office/drawing/2014/main" id="{D1177A2B-114C-4DFB-91DE-773C0D40975D}"/>
               </a:ext>
             </a:extLst>
           </p:cNvPr>
@@ -7990,108 +8299,282 @@
           </a:bodyPr>
           <a:lstStyle/>
           <a:p>
-            <a:pPr marL="0" indent="0">
-              <a:buNone/>
-            </a:pPr>
-            <a:r>
-              <a:rPr lang="sl-SI">
+            <a:r>
+              <a:rPr lang="sl-SI" dirty="0">
                 <a:solidFill>
                   <a:srgbClr val="EBEBEB"/>
                 </a:solidFill>
               </a:rPr>
-              <a:t>Aplikacija, ki:</a:t>
-            </a:r>
-          </a:p>
-          <a:p>
-            <a:pPr>
-              <a:buFont typeface="Wingdings" panose="05000000000000000000" pitchFamily="2" charset="2"/>
-              <a:buChar char="ü"/>
-            </a:pPr>
-            <a:r>
-              <a:rPr lang="sl-SI">
+              <a:t>Za učenje in poučevanje telegrafije</a:t>
+            </a:r>
+          </a:p>
+          <a:p>
+            <a:r>
+              <a:rPr lang="sl-SI" dirty="0">
                 <a:solidFill>
                   <a:srgbClr val="EBEBEB"/>
                 </a:solidFill>
               </a:rPr>
-              <a:t>Prevaja v Morsejevo abecedo (in obratno)</a:t>
-            </a:r>
-          </a:p>
-          <a:p>
-            <a:pPr>
-              <a:buFont typeface="Wingdings" panose="05000000000000000000" pitchFamily="2" charset="2"/>
-              <a:buChar char="ü"/>
-            </a:pPr>
-            <a:r>
-              <a:rPr lang="sl-SI">
+              <a:t>Hitro in učinkovito</a:t>
+            </a:r>
+          </a:p>
+          <a:p>
+            <a:r>
+              <a:rPr lang="sl-SI" dirty="0">
                 <a:solidFill>
                   <a:srgbClr val="EBEBEB"/>
                 </a:solidFill>
               </a:rPr>
-              <a:t>Pomaga pri učenju Morsejeve abecede</a:t>
-            </a:r>
-          </a:p>
-          <a:p>
-            <a:pPr>
-              <a:buFont typeface="Wingdings" panose="05000000000000000000" pitchFamily="2" charset="2"/>
-              <a:buChar char="ü"/>
-            </a:pPr>
-            <a:r>
-              <a:rPr lang="sl-SI">
-                <a:solidFill>
-                  <a:srgbClr val="EBEBEB"/>
-                </a:solidFill>
-              </a:rPr>
-              <a:t>Olajša delo v telegrafiji</a:t>
-            </a:r>
-          </a:p>
-          <a:p>
-            <a:pPr>
-              <a:buFont typeface="Wingdings" panose="05000000000000000000" pitchFamily="2" charset="2"/>
-              <a:buChar char="ü"/>
-            </a:pPr>
-            <a:r>
-              <a:rPr lang="sl-SI">
-                <a:solidFill>
-                  <a:srgbClr val="EBEBEB"/>
-                </a:solidFill>
-              </a:rPr>
-              <a:t>Je preprosta za uporabo</a:t>
-            </a:r>
-          </a:p>
-          <a:p>
-            <a:pPr>
-              <a:buFont typeface="Wingdings" panose="05000000000000000000" pitchFamily="2" charset="2"/>
-              <a:buChar char="ü"/>
-            </a:pPr>
-            <a:endParaRPr lang="sl-SI">
+              <a:t>Vsem in vedno dostopno</a:t>
+            </a:r>
+          </a:p>
+          <a:p>
+            <a:endParaRPr lang="sl-SI" dirty="0">
               <a:solidFill>
                 <a:srgbClr val="EBEBEB"/>
               </a:solidFill>
             </a:endParaRPr>
           </a:p>
-          <a:p>
-            <a:pPr>
-              <a:buFont typeface="Wingdings" panose="05000000000000000000" pitchFamily="2" charset="2"/>
-              <a:buChar char="ü"/>
-            </a:pPr>
-            <a:endParaRPr lang="sl-SI">
-              <a:solidFill>
-                <a:srgbClr val="EBEBEB"/>
-              </a:solidFill>
-            </a:endParaRPr>
+        </p:txBody>
+      </p:sp>
+      <p:pic>
+        <p:nvPicPr>
+          <p:cNvPr id="1028" name="Picture 4">
+            <a:extLst>
+              <a:ext uri="{FF2B5EF4-FFF2-40B4-BE49-F238E27FC236}">
+                <a16:creationId xmlns:a16="http://schemas.microsoft.com/office/drawing/2014/main" id="{3EA66A5E-02A5-45FC-A11C-04D78E6FDA53}"/>
+              </a:ext>
+            </a:extLst>
+          </p:cNvPr>
+          <p:cNvPicPr>
+            <a:picLocks noChangeAspect="1" noChangeArrowheads="1"/>
+          </p:cNvPicPr>
+          <p:nvPr/>
+        </p:nvPicPr>
+        <p:blipFill>
+          <a:blip r:embed="rId3">
+            <a:extLst>
+              <a:ext uri="{28A0092B-C50C-407E-A947-70E740481C1C}">
+                <a14:useLocalDpi xmlns:a14="http://schemas.microsoft.com/office/drawing/2010/main" val="0"/>
+              </a:ext>
+            </a:extLst>
+          </a:blip>
+          <a:srcRect/>
+          <a:stretch>
+            <a:fillRect/>
+          </a:stretch>
+        </p:blipFill>
+        <p:spPr bwMode="auto">
+          <a:xfrm>
+            <a:off x="6010715" y="312025"/>
+            <a:ext cx="3114681" cy="2664440"/>
+          </a:xfrm>
+          <a:prstGeom prst="rect">
+            <a:avLst/>
+          </a:prstGeom>
+          <a:noFill/>
+          <a:extLst>
+            <a:ext uri="{909E8E84-426E-40DD-AFC4-6F175D3DCCD1}">
+              <a14:hiddenFill xmlns:a14="http://schemas.microsoft.com/office/drawing/2010/main">
+                <a:solidFill>
+                  <a:srgbClr val="FFFFFF"/>
+                </a:solidFill>
+              </a14:hiddenFill>
+            </a:ext>
+          </a:extLst>
+        </p:spPr>
+      </p:pic>
+      <p:sp>
+        <p:nvSpPr>
+          <p:cNvPr id="4" name="PoljeZBesedilom 3">
+            <a:extLst>
+              <a:ext uri="{FF2B5EF4-FFF2-40B4-BE49-F238E27FC236}">
+                <a16:creationId xmlns:a16="http://schemas.microsoft.com/office/drawing/2014/main" id="{AECA47A1-A4A2-413A-9DFD-AC59078D4A97}"/>
+              </a:ext>
+            </a:extLst>
+          </p:cNvPr>
+          <p:cNvSpPr txBox="1"/>
+          <p:nvPr/>
+        </p:nvSpPr>
+        <p:spPr>
+          <a:xfrm>
+            <a:off x="5892023" y="2919158"/>
+            <a:ext cx="3004349" cy="246221"/>
+          </a:xfrm>
+          <a:prstGeom prst="rect">
+            <a:avLst/>
+          </a:prstGeom>
+          <a:noFill/>
+        </p:spPr>
+        <p:txBody>
+          <a:bodyPr wrap="none" rtlCol="0">
+            <a:spAutoFit/>
+          </a:bodyPr>
+          <a:lstStyle/>
+          <a:p>
+            <a:r>
+              <a:rPr lang="sl-SI" sz="1000" i="1" dirty="0"/>
+              <a:t>Vir: </a:t>
+            </a:r>
+            <a:r>
+              <a:rPr lang="sl-SI" sz="1000" i="1" dirty="0">
+                <a:hlinkClick r:id="rId4"/>
+              </a:rPr>
+              <a:t>https://en.wikipedia.org/wiki/Morse_code</a:t>
+            </a:r>
+            <a:endParaRPr lang="sl-SI" sz="1000" i="1" dirty="0"/>
+          </a:p>
+        </p:txBody>
+      </p:sp>
+      <p:pic>
+        <p:nvPicPr>
+          <p:cNvPr id="1036" name="Picture 12">
+            <a:extLst>
+              <a:ext uri="{FF2B5EF4-FFF2-40B4-BE49-F238E27FC236}">
+                <a16:creationId xmlns:a16="http://schemas.microsoft.com/office/drawing/2014/main" id="{CA11447C-6A27-4E97-B0C9-12CFECBDED10}"/>
+              </a:ext>
+            </a:extLst>
+          </p:cNvPr>
+          <p:cNvPicPr>
+            <a:picLocks noChangeAspect="1" noChangeArrowheads="1"/>
+          </p:cNvPicPr>
+          <p:nvPr/>
+        </p:nvPicPr>
+        <p:blipFill>
+          <a:blip r:embed="rId5">
+            <a:extLst>
+              <a:ext uri="{28A0092B-C50C-407E-A947-70E740481C1C}">
+                <a14:useLocalDpi xmlns:a14="http://schemas.microsoft.com/office/drawing/2010/main" val="0"/>
+              </a:ext>
+            </a:extLst>
+          </a:blip>
+          <a:srcRect/>
+          <a:stretch>
+            <a:fillRect/>
+          </a:stretch>
+        </p:blipFill>
+        <p:spPr bwMode="auto">
+          <a:xfrm>
+            <a:off x="9594916" y="4226903"/>
+            <a:ext cx="2167789" cy="1089314"/>
+          </a:xfrm>
+          <a:prstGeom prst="rect">
+            <a:avLst/>
+          </a:prstGeom>
+          <a:noFill/>
+          <a:extLst>
+            <a:ext uri="{909E8E84-426E-40DD-AFC4-6F175D3DCCD1}">
+              <a14:hiddenFill xmlns:a14="http://schemas.microsoft.com/office/drawing/2010/main">
+                <a:solidFill>
+                  <a:srgbClr val="FFFFFF"/>
+                </a:solidFill>
+              </a14:hiddenFill>
+            </a:ext>
+          </a:extLst>
+        </p:spPr>
+      </p:pic>
+      <p:pic>
+        <p:nvPicPr>
+          <p:cNvPr id="1038" name="Picture 14" descr="Programming With Arduino &amp; MindPlus-S.O.S Distress Signal">
+            <a:extLst>
+              <a:ext uri="{FF2B5EF4-FFF2-40B4-BE49-F238E27FC236}">
+                <a16:creationId xmlns:a16="http://schemas.microsoft.com/office/drawing/2014/main" id="{63889C6C-A4E9-494C-A599-98897497B407}"/>
+              </a:ext>
+            </a:extLst>
+          </p:cNvPr>
+          <p:cNvPicPr>
+            <a:picLocks noChangeAspect="1" noChangeArrowheads="1"/>
+          </p:cNvPicPr>
+          <p:nvPr/>
+        </p:nvPicPr>
+        <p:blipFill>
+          <a:blip r:embed="rId6">
+            <a:extLst>
+              <a:ext uri="{28A0092B-C50C-407E-A947-70E740481C1C}">
+                <a14:useLocalDpi xmlns:a14="http://schemas.microsoft.com/office/drawing/2010/main" val="0"/>
+              </a:ext>
+            </a:extLst>
+          </a:blip>
+          <a:srcRect/>
+          <a:stretch>
+            <a:fillRect/>
+          </a:stretch>
+        </p:blipFill>
+        <p:spPr bwMode="auto">
+          <a:xfrm>
+            <a:off x="6010715" y="3319302"/>
+            <a:ext cx="3154906" cy="2904517"/>
+          </a:xfrm>
+          <a:prstGeom prst="rect">
+            <a:avLst/>
+          </a:prstGeom>
+          <a:noFill/>
+          <a:extLst>
+            <a:ext uri="{909E8E84-426E-40DD-AFC4-6F175D3DCCD1}">
+              <a14:hiddenFill xmlns:a14="http://schemas.microsoft.com/office/drawing/2010/main">
+                <a:solidFill>
+                  <a:srgbClr val="FFFFFF"/>
+                </a:solidFill>
+              </a14:hiddenFill>
+            </a:ext>
+          </a:extLst>
+        </p:spPr>
+      </p:pic>
+      <p:sp>
+        <p:nvSpPr>
+          <p:cNvPr id="17" name="PoljeZBesedilom 16">
+            <a:extLst>
+              <a:ext uri="{FF2B5EF4-FFF2-40B4-BE49-F238E27FC236}">
+                <a16:creationId xmlns:a16="http://schemas.microsoft.com/office/drawing/2014/main" id="{6A26C2F9-6D25-40C6-BE34-F13AB7111B27}"/>
+              </a:ext>
+            </a:extLst>
+          </p:cNvPr>
+          <p:cNvSpPr txBox="1"/>
+          <p:nvPr/>
+        </p:nvSpPr>
+        <p:spPr>
+          <a:xfrm>
+            <a:off x="5892023" y="6156226"/>
+            <a:ext cx="5373322" cy="261610"/>
+          </a:xfrm>
+          <a:prstGeom prst="rect">
+            <a:avLst/>
+          </a:prstGeom>
+          <a:noFill/>
+        </p:spPr>
+        <p:txBody>
+          <a:bodyPr wrap="square">
+            <a:spAutoFit/>
+          </a:bodyPr>
+          <a:lstStyle/>
+          <a:p>
+            <a:r>
+              <a:rPr lang="sl-SI" sz="1050" i="1" dirty="0"/>
+              <a:t>Vir: </a:t>
+            </a:r>
+            <a:r>
+              <a:rPr lang="sl-SI" sz="1050" i="1" dirty="0">
+                <a:hlinkClick r:id="rId7"/>
+              </a:rPr>
+              <a:t>https://www.instructables.com/SOS-Distress-Signal/</a:t>
+            </a:r>
+            <a:endParaRPr lang="sl-SI" sz="1050" i="1" dirty="0"/>
           </a:p>
         </p:txBody>
       </p:sp>
     </p:spTree>
     <p:extLst>
       <p:ext uri="{BB962C8B-B14F-4D97-AF65-F5344CB8AC3E}">
-        <p14:creationId xmlns:p14="http://schemas.microsoft.com/office/powerpoint/2010/main" val="90611696"/>
+        <p14:creationId xmlns:p14="http://schemas.microsoft.com/office/powerpoint/2010/main" val="1342788043"/>
       </p:ext>
     </p:extLst>
   </p:cSld>
   <p:clrMapOvr>
     <a:overrideClrMapping bg1="lt1" tx1="dk1" bg2="lt2" tx2="dk2" accent1="accent1" accent2="accent2" accent3="accent3" accent4="accent4" accent5="accent5" accent6="accent6" hlink="hlink" folHlink="folHlink"/>
   </p:clrMapOvr>
+  <p:transition spd="slow">
+    <p:push dir="u"/>
+  </p:transition>
 </p:sld>
 </file>
 
@@ -8185,7 +8668,7 @@
           <p:cNvPr id="2" name="Naslov 1">
             <a:extLst>
               <a:ext uri="{FF2B5EF4-FFF2-40B4-BE49-F238E27FC236}">
-                <a16:creationId xmlns:a16="http://schemas.microsoft.com/office/drawing/2014/main" id="{5C6BD068-635D-4177-84C7-A2B136A6206D}"/>
+                <a16:creationId xmlns:a16="http://schemas.microsoft.com/office/drawing/2014/main" id="{50E158AA-21DE-45E8-B01C-BA66B5CD0A8A}"/>
               </a:ext>
             </a:extLst>
           </p:cNvPr>
@@ -8214,7 +8697,7 @@
                   <a:srgbClr val="EBEBEB"/>
                 </a:solidFill>
               </a:rPr>
-              <a:t>Izbira okolja</a:t>
+              <a:t>Ideja </a:t>
             </a:r>
           </a:p>
         </p:txBody>
@@ -9039,7 +9522,7 @@
           <p:cNvPr id="4" name="Slika 3">
             <a:extLst>
               <a:ext uri="{FF2B5EF4-FFF2-40B4-BE49-F238E27FC236}">
-                <a16:creationId xmlns:a16="http://schemas.microsoft.com/office/drawing/2014/main" id="{E5FB96F1-812C-4689-8CF8-75DFB3F36A6D}"/>
+                <a16:creationId xmlns:a16="http://schemas.microsoft.com/office/drawing/2014/main" id="{9959A6BE-E855-4104-A996-AFFC7DA4E3D3}"/>
               </a:ext>
             </a:extLst>
           </p:cNvPr>
@@ -9047,7 +9530,7 @@
           <p:nvPr/>
         </p:nvPicPr>
         <p:blipFill>
-          <a:blip r:embed="rId3" cstate="print">
+          <a:blip r:embed="rId3">
             <a:extLst>
               <a:ext uri="{28A0092B-C50C-407E-A947-70E740481C1C}">
                 <a14:useLocalDpi xmlns:a14="http://schemas.microsoft.com/office/drawing/2010/main" val="0"/>
@@ -9060,8 +9543,8 @@
         </p:blipFill>
         <p:spPr bwMode="auto">
           <a:xfrm>
-            <a:off x="5618809" y="1526865"/>
-            <a:ext cx="6336662" cy="4118155"/>
+            <a:off x="6093992" y="1351229"/>
+            <a:ext cx="5449889" cy="4155539"/>
           </a:xfrm>
           <a:prstGeom prst="rect">
             <a:avLst/>
@@ -9128,7 +9611,7 @@
           <p:cNvPr id="3" name="Označba mesta vsebine 2">
             <a:extLst>
               <a:ext uri="{FF2B5EF4-FFF2-40B4-BE49-F238E27FC236}">
-                <a16:creationId xmlns:a16="http://schemas.microsoft.com/office/drawing/2014/main" id="{04D46D47-06A5-4C6B-9684-0A18A29D2C4A}"/>
+                <a16:creationId xmlns:a16="http://schemas.microsoft.com/office/drawing/2014/main" id="{98786A0D-D9B9-4930-9C4B-3B3975800B78}"/>
               </a:ext>
             </a:extLst>
           </p:cNvPr>
@@ -9155,26 +9638,18 @@
               <a:buNone/>
             </a:pPr>
             <a:r>
-              <a:rPr lang="sl-SI" b="1">
-                <a:solidFill>
-                  <a:srgbClr val="EBEBEB"/>
-                </a:solidFill>
-              </a:rPr>
-              <a:t>Android Studio</a:t>
-            </a:r>
-            <a:r>
               <a:rPr lang="sl-SI">
                 <a:solidFill>
                   <a:srgbClr val="EBEBEB"/>
                 </a:solidFill>
               </a:rPr>
-              <a:t>:</a:t>
+              <a:t>Aplikacija, ki:</a:t>
             </a:r>
           </a:p>
           <a:p>
             <a:pPr>
-              <a:buFont typeface="Arial" panose="020B0604020202020204" pitchFamily="34" charset="0"/>
-              <a:buChar char="•"/>
+              <a:buFont typeface="Wingdings" panose="05000000000000000000" pitchFamily="2" charset="2"/>
+              <a:buChar char="ü"/>
             </a:pPr>
             <a:r>
               <a:rPr lang="sl-SI">
@@ -9182,13 +9657,13 @@
                   <a:srgbClr val="EBEBEB"/>
                 </a:solidFill>
               </a:rPr>
-              <a:t>Java</a:t>
+              <a:t>Prevaja v Morsejevo abecedo (in obratno)</a:t>
             </a:r>
           </a:p>
           <a:p>
             <a:pPr>
-              <a:buFont typeface="Arial" panose="020B0604020202020204" pitchFamily="34" charset="0"/>
-              <a:buChar char="•"/>
+              <a:buFont typeface="Wingdings" panose="05000000000000000000" pitchFamily="2" charset="2"/>
+              <a:buChar char="ü"/>
             </a:pPr>
             <a:r>
               <a:rPr lang="sl-SI">
@@ -9196,13 +9671,13 @@
                   <a:srgbClr val="EBEBEB"/>
                 </a:solidFill>
               </a:rPr>
-              <a:t>XML</a:t>
+              <a:t>Pomaga pri učenju Morsejeve abecede</a:t>
             </a:r>
           </a:p>
           <a:p>
             <a:pPr>
-              <a:buFont typeface="Arial" panose="020B0604020202020204" pitchFamily="34" charset="0"/>
-              <a:buChar char="•"/>
+              <a:buFont typeface="Wingdings" panose="05000000000000000000" pitchFamily="2" charset="2"/>
+              <a:buChar char="ü"/>
             </a:pPr>
             <a:r>
               <a:rPr lang="sl-SI">
@@ -9210,13 +9685,13 @@
                   <a:srgbClr val="EBEBEB"/>
                 </a:solidFill>
               </a:rPr>
-              <a:t>Gradle</a:t>
+              <a:t>Olajša delo v telegrafiji</a:t>
             </a:r>
           </a:p>
           <a:p>
             <a:pPr>
-              <a:buFont typeface="Arial" panose="020B0604020202020204" pitchFamily="34" charset="0"/>
-              <a:buChar char="•"/>
+              <a:buFont typeface="Wingdings" panose="05000000000000000000" pitchFamily="2" charset="2"/>
+              <a:buChar char="ü"/>
             </a:pPr>
             <a:r>
               <a:rPr lang="sl-SI">
@@ -9224,13 +9699,13 @@
                   <a:srgbClr val="EBEBEB"/>
                 </a:solidFill>
               </a:rPr>
-              <a:t>Android Virtual Device (AVD)</a:t>
+              <a:t>Je preprosta za uporabo</a:t>
             </a:r>
           </a:p>
           <a:p>
             <a:pPr>
-              <a:buFont typeface="Arial" panose="020B0604020202020204" pitchFamily="34" charset="0"/>
-              <a:buChar char="•"/>
+              <a:buFont typeface="Wingdings" panose="05000000000000000000" pitchFamily="2" charset="2"/>
+              <a:buChar char="ü"/>
             </a:pPr>
             <a:endParaRPr lang="sl-SI">
               <a:solidFill>
@@ -9240,8 +9715,8 @@
           </a:p>
           <a:p>
             <a:pPr>
-              <a:buFont typeface="Arial" panose="020B0604020202020204" pitchFamily="34" charset="0"/>
-              <a:buChar char="•"/>
+              <a:buFont typeface="Wingdings" panose="05000000000000000000" pitchFamily="2" charset="2"/>
+              <a:buChar char="ü"/>
             </a:pPr>
             <a:endParaRPr lang="sl-SI">
               <a:solidFill>
@@ -9249,28 +9724,178 @@
               </a:solidFill>
             </a:endParaRPr>
           </a:p>
-          <a:p>
-            <a:pPr marL="0" indent="0">
-              <a:buNone/>
-            </a:pPr>
-            <a:endParaRPr lang="sl-SI">
-              <a:solidFill>
-                <a:srgbClr val="EBEBEB"/>
-              </a:solidFill>
-            </a:endParaRPr>
-          </a:p>
-        </p:txBody>
-      </p:sp>
+        </p:txBody>
+      </p:sp>
+      <p:pic>
+        <p:nvPicPr>
+          <p:cNvPr id="6" name="Slika 5">
+            <a:extLst>
+              <a:ext uri="{FF2B5EF4-FFF2-40B4-BE49-F238E27FC236}">
+                <a16:creationId xmlns:a16="http://schemas.microsoft.com/office/drawing/2014/main" id="{8DE69B38-5FED-44DF-8849-BE1D989B0B4C}"/>
+              </a:ext>
+            </a:extLst>
+          </p:cNvPr>
+          <p:cNvPicPr>
+            <a:picLocks noChangeAspect="1"/>
+          </p:cNvPicPr>
+          <p:nvPr/>
+        </p:nvPicPr>
+        <p:blipFill>
+          <a:blip r:embed="rId4"/>
+          <a:stretch>
+            <a:fillRect/>
+          </a:stretch>
+        </p:blipFill>
+        <p:spPr>
+          <a:xfrm>
+            <a:off x="5766691" y="1569985"/>
+            <a:ext cx="5449889" cy="4577082"/>
+          </a:xfrm>
+          <a:prstGeom prst="rect">
+            <a:avLst/>
+          </a:prstGeom>
+        </p:spPr>
+      </p:pic>
     </p:spTree>
     <p:extLst>
       <p:ext uri="{BB962C8B-B14F-4D97-AF65-F5344CB8AC3E}">
-        <p14:creationId xmlns:p14="http://schemas.microsoft.com/office/powerpoint/2010/main" val="3709270258"/>
+        <p14:creationId xmlns:p14="http://schemas.microsoft.com/office/powerpoint/2010/main" val="90611696"/>
       </p:ext>
     </p:extLst>
   </p:cSld>
   <p:clrMapOvr>
     <a:overrideClrMapping bg1="lt1" tx1="dk1" bg2="lt2" tx2="dk2" accent1="accent1" accent2="accent2" accent3="accent3" accent4="accent4" accent5="accent5" accent6="accent6" hlink="hlink" folHlink="folHlink"/>
   </p:clrMapOvr>
+  <p:transition spd="slow">
+    <p:push dir="u"/>
+  </p:transition>
+  <p:timing>
+    <p:tnLst>
+      <p:par>
+        <p:cTn id="1" dur="indefinite" restart="never" nodeType="tmRoot">
+          <p:childTnLst>
+            <p:seq concurrent="1" nextAc="seek">
+              <p:cTn id="2" dur="indefinite" nodeType="mainSeq">
+                <p:childTnLst>
+                  <p:par>
+                    <p:cTn id="3" fill="hold">
+                      <p:stCondLst>
+                        <p:cond delay="indefinite"/>
+                      </p:stCondLst>
+                      <p:childTnLst>
+                        <p:par>
+                          <p:cTn id="4" fill="hold">
+                            <p:stCondLst>
+                              <p:cond delay="0"/>
+                            </p:stCondLst>
+                            <p:childTnLst>
+                              <p:par>
+                                <p:cTn id="5" presetID="22" presetClass="exit" presetSubtype="4" fill="hold" nodeType="clickEffect">
+                                  <p:stCondLst>
+                                    <p:cond delay="0"/>
+                                  </p:stCondLst>
+                                  <p:childTnLst>
+                                    <p:animEffect transition="out" filter="wipe(down)">
+                                      <p:cBhvr>
+                                        <p:cTn id="6" dur="1000"/>
+                                        <p:tgtEl>
+                                          <p:spTgt spid="4"/>
+                                        </p:tgtEl>
+                                      </p:cBhvr>
+                                    </p:animEffect>
+                                    <p:set>
+                                      <p:cBhvr>
+                                        <p:cTn id="7" dur="1" fill="hold">
+                                          <p:stCondLst>
+                                            <p:cond delay="999"/>
+                                          </p:stCondLst>
+                                        </p:cTn>
+                                        <p:tgtEl>
+                                          <p:spTgt spid="4"/>
+                                        </p:tgtEl>
+                                        <p:attrNameLst>
+                                          <p:attrName>style.visibility</p:attrName>
+                                        </p:attrNameLst>
+                                      </p:cBhvr>
+                                      <p:to>
+                                        <p:strVal val="hidden"/>
+                                      </p:to>
+                                    </p:set>
+                                  </p:childTnLst>
+                                </p:cTn>
+                              </p:par>
+                            </p:childTnLst>
+                          </p:cTn>
+                        </p:par>
+                        <p:par>
+                          <p:cTn id="8" fill="hold">
+                            <p:stCondLst>
+                              <p:cond delay="1000"/>
+                            </p:stCondLst>
+                            <p:childTnLst>
+                              <p:par>
+                                <p:cTn id="9" presetID="22" presetClass="entr" presetSubtype="4" fill="hold" nodeType="afterEffect">
+                                  <p:stCondLst>
+                                    <p:cond delay="0"/>
+                                  </p:stCondLst>
+                                  <p:childTnLst>
+                                    <p:set>
+                                      <p:cBhvr>
+                                        <p:cTn id="10" dur="1" fill="hold">
+                                          <p:stCondLst>
+                                            <p:cond delay="0"/>
+                                          </p:stCondLst>
+                                        </p:cTn>
+                                        <p:tgtEl>
+                                          <p:spTgt spid="6"/>
+                                        </p:tgtEl>
+                                        <p:attrNameLst>
+                                          <p:attrName>style.visibility</p:attrName>
+                                        </p:attrNameLst>
+                                      </p:cBhvr>
+                                      <p:to>
+                                        <p:strVal val="visible"/>
+                                      </p:to>
+                                    </p:set>
+                                    <p:animEffect transition="in" filter="wipe(down)">
+                                      <p:cBhvr>
+                                        <p:cTn id="11" dur="1000"/>
+                                        <p:tgtEl>
+                                          <p:spTgt spid="6"/>
+                                        </p:tgtEl>
+                                      </p:cBhvr>
+                                    </p:animEffect>
+                                  </p:childTnLst>
+                                </p:cTn>
+                              </p:par>
+                            </p:childTnLst>
+                          </p:cTn>
+                        </p:par>
+                      </p:childTnLst>
+                    </p:cTn>
+                  </p:par>
+                </p:childTnLst>
+              </p:cTn>
+              <p:prevCondLst>
+                <p:cond evt="onPrev" delay="0">
+                  <p:tgtEl>
+                    <p:sldTgt/>
+                  </p:tgtEl>
+                </p:cond>
+              </p:prevCondLst>
+              <p:nextCondLst>
+                <p:cond evt="onNext" delay="0">
+                  <p:tgtEl>
+                    <p:sldTgt/>
+                  </p:tgtEl>
+                </p:cond>
+              </p:nextCondLst>
+            </p:seq>
+          </p:childTnLst>
+        </p:cTn>
+      </p:par>
+    </p:tnLst>
+  </p:timing>
 </p:sld>
 </file>
 
@@ -9364,7 +9989,7 @@
           <p:cNvPr id="2" name="Naslov 1">
             <a:extLst>
               <a:ext uri="{FF2B5EF4-FFF2-40B4-BE49-F238E27FC236}">
-                <a16:creationId xmlns:a16="http://schemas.microsoft.com/office/drawing/2014/main" id="{FA736354-F3CF-4266-A8DB-B4804F0EE439}"/>
+                <a16:creationId xmlns:a16="http://schemas.microsoft.com/office/drawing/2014/main" id="{5C6BD068-635D-4177-84C7-A2B136A6206D}"/>
               </a:ext>
             </a:extLst>
           </p:cNvPr>
@@ -9393,7 +10018,7 @@
                   <a:srgbClr val="EBEBEB"/>
                 </a:solidFill>
               </a:rPr>
-              <a:t>Načrtovanje</a:t>
+              <a:t>Izbira okolja</a:t>
             </a:r>
           </a:p>
         </p:txBody>
@@ -10218,6 +10843,1530 @@
           <p:cNvPr id="4" name="Slika 3">
             <a:extLst>
               <a:ext uri="{FF2B5EF4-FFF2-40B4-BE49-F238E27FC236}">
+                <a16:creationId xmlns:a16="http://schemas.microsoft.com/office/drawing/2014/main" id="{E5FB96F1-812C-4689-8CF8-75DFB3F36A6D}"/>
+              </a:ext>
+            </a:extLst>
+          </p:cNvPr>
+          <p:cNvPicPr/>
+          <p:nvPr/>
+        </p:nvPicPr>
+        <p:blipFill>
+          <a:blip r:embed="rId3" cstate="print">
+            <a:extLst>
+              <a:ext uri="{28A0092B-C50C-407E-A947-70E740481C1C}">
+                <a14:useLocalDpi xmlns:a14="http://schemas.microsoft.com/office/drawing/2010/main" val="0"/>
+              </a:ext>
+            </a:extLst>
+          </a:blip>
+          <a:stretch>
+            <a:fillRect/>
+          </a:stretch>
+        </p:blipFill>
+        <p:spPr bwMode="auto">
+          <a:xfrm>
+            <a:off x="5618809" y="1526865"/>
+            <a:ext cx="6336662" cy="4118155"/>
+          </a:xfrm>
+          <a:prstGeom prst="rect">
+            <a:avLst/>
+          </a:prstGeom>
+          <a:noFill/>
+          <a:effectLst/>
+        </p:spPr>
+      </p:pic>
+      <p:sp>
+        <p:nvSpPr>
+          <p:cNvPr id="15" name="Rectangle 14">
+            <a:extLst>
+              <a:ext uri="{FF2B5EF4-FFF2-40B4-BE49-F238E27FC236}">
+                <a16:creationId xmlns:a16="http://schemas.microsoft.com/office/drawing/2014/main" id="{A92A1116-1C84-41DF-B803-1F7B0883EC82}"/>
+              </a:ext>
+              <a:ext uri="{C183D7F6-B498-43B3-948B-1728B52AA6E4}">
+                <adec:decorative xmlns:adec="http://schemas.microsoft.com/office/drawing/2017/decorative" val="1"/>
+              </a:ext>
+            </a:extLst>
+          </p:cNvPr>
+          <p:cNvSpPr>
+            <a:spLocks noGrp="1" noRot="1" noChangeAspect="1" noMove="1" noResize="1" noEditPoints="1" noAdjustHandles="1" noChangeArrowheads="1" noChangeShapeType="1" noTextEdit="1"/>
+          </p:cNvSpPr>
+          <p:nvPr>
+            <p:extLst>
+              <p:ext uri="{386F3935-93C4-4BCD-93E2-E3B085C9AB24}">
+                <p16:designElem xmlns:p16="http://schemas.microsoft.com/office/powerpoint/2015/main" val="1"/>
+              </p:ext>
+            </p:extLst>
+          </p:nvPr>
+        </p:nvSpPr>
+        <p:spPr>
+          <a:xfrm>
+            <a:off x="10442448" y="0"/>
+            <a:ext cx="685800" cy="1143000"/>
+          </a:xfrm>
+          <a:prstGeom prst="rect">
+            <a:avLst/>
+          </a:prstGeom>
+          <a:solidFill>
+            <a:schemeClr val="accent1"/>
+          </a:solidFill>
+          <a:ln>
+            <a:noFill/>
+          </a:ln>
+        </p:spPr>
+        <p:style>
+          <a:lnRef idx="1">
+            <a:schemeClr val="accent1"/>
+          </a:lnRef>
+          <a:fillRef idx="3">
+            <a:schemeClr val="accent1"/>
+          </a:fillRef>
+          <a:effectRef idx="2">
+            <a:schemeClr val="accent1"/>
+          </a:effectRef>
+          <a:fontRef idx="minor">
+            <a:schemeClr val="lt1"/>
+          </a:fontRef>
+        </p:style>
+      </p:sp>
+      <p:sp>
+        <p:nvSpPr>
+          <p:cNvPr id="3" name="Označba mesta vsebine 2">
+            <a:extLst>
+              <a:ext uri="{FF2B5EF4-FFF2-40B4-BE49-F238E27FC236}">
+                <a16:creationId xmlns:a16="http://schemas.microsoft.com/office/drawing/2014/main" id="{04D46D47-06A5-4C6B-9684-0A18A29D2C4A}"/>
+              </a:ext>
+            </a:extLst>
+          </p:cNvPr>
+          <p:cNvSpPr>
+            <a:spLocks noGrp="1"/>
+          </p:cNvSpPr>
+          <p:nvPr>
+            <p:ph idx="1"/>
+          </p:nvPr>
+        </p:nvSpPr>
+        <p:spPr>
+          <a:xfrm>
+            <a:off x="648931" y="2438400"/>
+            <a:ext cx="4166509" cy="3785419"/>
+          </a:xfrm>
+        </p:spPr>
+        <p:txBody>
+          <a:bodyPr>
+            <a:normAutofit lnSpcReduction="10000"/>
+          </a:bodyPr>
+          <a:lstStyle/>
+          <a:p>
+            <a:pPr marL="0" indent="0">
+              <a:buNone/>
+            </a:pPr>
+            <a:r>
+              <a:rPr lang="sl-SI" b="1" dirty="0">
+                <a:solidFill>
+                  <a:srgbClr val="EBEBEB"/>
+                </a:solidFill>
+              </a:rPr>
+              <a:t>Android Studio</a:t>
+            </a:r>
+            <a:r>
+              <a:rPr lang="sl-SI" dirty="0">
+                <a:solidFill>
+                  <a:srgbClr val="EBEBEB"/>
+                </a:solidFill>
+              </a:rPr>
+              <a:t>:</a:t>
+            </a:r>
+          </a:p>
+          <a:p>
+            <a:pPr>
+              <a:buFont typeface="Arial" panose="020B0604020202020204" pitchFamily="34" charset="0"/>
+              <a:buChar char="•"/>
+            </a:pPr>
+            <a:r>
+              <a:rPr lang="sl-SI" dirty="0">
+                <a:solidFill>
+                  <a:srgbClr val="EBEBEB"/>
+                </a:solidFill>
+              </a:rPr>
+              <a:t>Java</a:t>
+            </a:r>
+          </a:p>
+          <a:p>
+            <a:pPr>
+              <a:buFont typeface="Arial" panose="020B0604020202020204" pitchFamily="34" charset="0"/>
+              <a:buChar char="•"/>
+            </a:pPr>
+            <a:r>
+              <a:rPr lang="sl-SI" dirty="0">
+                <a:solidFill>
+                  <a:srgbClr val="EBEBEB"/>
+                </a:solidFill>
+              </a:rPr>
+              <a:t>XML</a:t>
+            </a:r>
+          </a:p>
+          <a:p>
+            <a:pPr>
+              <a:buFont typeface="Arial" panose="020B0604020202020204" pitchFamily="34" charset="0"/>
+              <a:buChar char="•"/>
+            </a:pPr>
+            <a:r>
+              <a:rPr lang="sl-SI" dirty="0" err="1">
+                <a:solidFill>
+                  <a:srgbClr val="EBEBEB"/>
+                </a:solidFill>
+              </a:rPr>
+              <a:t>Gradle</a:t>
+            </a:r>
+            <a:r>
+              <a:rPr lang="sl-SI" dirty="0">
+                <a:solidFill>
+                  <a:srgbClr val="EBEBEB"/>
+                </a:solidFill>
+              </a:rPr>
+              <a:t> (gradnja, testiranje…) </a:t>
+            </a:r>
+          </a:p>
+          <a:p>
+            <a:pPr>
+              <a:buFont typeface="Arial" panose="020B0604020202020204" pitchFamily="34" charset="0"/>
+              <a:buChar char="•"/>
+            </a:pPr>
+            <a:r>
+              <a:rPr lang="sl-SI" dirty="0">
+                <a:solidFill>
+                  <a:srgbClr val="EBEBEB"/>
+                </a:solidFill>
+              </a:rPr>
+              <a:t>Android </a:t>
+            </a:r>
+            <a:r>
+              <a:rPr lang="sl-SI" dirty="0" err="1">
+                <a:solidFill>
+                  <a:srgbClr val="EBEBEB"/>
+                </a:solidFill>
+              </a:rPr>
+              <a:t>Virtual</a:t>
+            </a:r>
+            <a:r>
+              <a:rPr lang="sl-SI" dirty="0">
+                <a:solidFill>
+                  <a:srgbClr val="EBEBEB"/>
+                </a:solidFill>
+              </a:rPr>
+              <a:t> Device (AVD)</a:t>
+            </a:r>
+          </a:p>
+          <a:p>
+            <a:pPr>
+              <a:buFont typeface="Arial" panose="020B0604020202020204" pitchFamily="34" charset="0"/>
+              <a:buChar char="•"/>
+            </a:pPr>
+            <a:r>
+              <a:rPr lang="sl-SI" dirty="0" err="1">
+                <a:solidFill>
+                  <a:srgbClr val="EBEBEB"/>
+                </a:solidFill>
+              </a:rPr>
+              <a:t>GitHub</a:t>
+            </a:r>
+            <a:r>
+              <a:rPr lang="sl-SI" dirty="0">
+                <a:solidFill>
+                  <a:srgbClr val="EBEBEB"/>
+                </a:solidFill>
+              </a:rPr>
+              <a:t> integracija</a:t>
+            </a:r>
+          </a:p>
+          <a:p>
+            <a:pPr>
+              <a:buFont typeface="Arial" panose="020B0604020202020204" pitchFamily="34" charset="0"/>
+              <a:buChar char="•"/>
+            </a:pPr>
+            <a:r>
+              <a:rPr lang="sl-SI" dirty="0">
+                <a:solidFill>
+                  <a:srgbClr val="EBEBEB"/>
+                </a:solidFill>
+              </a:rPr>
+              <a:t>Testiranje</a:t>
+            </a:r>
+          </a:p>
+          <a:p>
+            <a:pPr>
+              <a:buFont typeface="Arial" panose="020B0604020202020204" pitchFamily="34" charset="0"/>
+              <a:buChar char="•"/>
+            </a:pPr>
+            <a:r>
+              <a:rPr lang="sl-SI" dirty="0">
+                <a:solidFill>
+                  <a:srgbClr val="EBEBEB"/>
+                </a:solidFill>
+              </a:rPr>
+              <a:t>Sintaktična kontrola</a:t>
+            </a:r>
+          </a:p>
+          <a:p>
+            <a:pPr>
+              <a:buFont typeface="Arial" panose="020B0604020202020204" pitchFamily="34" charset="0"/>
+              <a:buChar char="•"/>
+            </a:pPr>
+            <a:r>
+              <a:rPr lang="sl-SI" dirty="0">
+                <a:solidFill>
+                  <a:srgbClr val="EBEBEB"/>
+                </a:solidFill>
+              </a:rPr>
+              <a:t>Svetovanje</a:t>
+            </a:r>
+          </a:p>
+          <a:p>
+            <a:pPr>
+              <a:buFont typeface="Arial" panose="020B0604020202020204" pitchFamily="34" charset="0"/>
+              <a:buChar char="•"/>
+            </a:pPr>
+            <a:endParaRPr lang="sl-SI" dirty="0">
+              <a:solidFill>
+                <a:srgbClr val="EBEBEB"/>
+              </a:solidFill>
+            </a:endParaRPr>
+          </a:p>
+          <a:p>
+            <a:pPr>
+              <a:buFont typeface="Arial" panose="020B0604020202020204" pitchFamily="34" charset="0"/>
+              <a:buChar char="•"/>
+            </a:pPr>
+            <a:endParaRPr lang="sl-SI" dirty="0">
+              <a:solidFill>
+                <a:srgbClr val="EBEBEB"/>
+              </a:solidFill>
+            </a:endParaRPr>
+          </a:p>
+          <a:p>
+            <a:pPr marL="0" indent="0">
+              <a:buNone/>
+            </a:pPr>
+            <a:endParaRPr lang="sl-SI" dirty="0">
+              <a:solidFill>
+                <a:srgbClr val="EBEBEB"/>
+              </a:solidFill>
+            </a:endParaRPr>
+          </a:p>
+        </p:txBody>
+      </p:sp>
+      <p:pic>
+        <p:nvPicPr>
+          <p:cNvPr id="2050" name="Picture 2" descr="Android Studio for beginners, Part 2: Explore and code the app | InfoWorld">
+            <a:extLst>
+              <a:ext uri="{FF2B5EF4-FFF2-40B4-BE49-F238E27FC236}">
+                <a16:creationId xmlns:a16="http://schemas.microsoft.com/office/drawing/2014/main" id="{B171E08A-2289-4052-89D8-9CA23EDEFEA8}"/>
+              </a:ext>
+            </a:extLst>
+          </p:cNvPr>
+          <p:cNvPicPr>
+            <a:picLocks noChangeAspect="1" noChangeArrowheads="1"/>
+          </p:cNvPicPr>
+          <p:nvPr/>
+        </p:nvPicPr>
+        <p:blipFill>
+          <a:blip r:embed="rId4">
+            <a:extLst>
+              <a:ext uri="{28A0092B-C50C-407E-A947-70E740481C1C}">
+                <a14:useLocalDpi xmlns:a14="http://schemas.microsoft.com/office/drawing/2010/main" val="0"/>
+              </a:ext>
+            </a:extLst>
+          </a:blip>
+          <a:srcRect/>
+          <a:stretch>
+            <a:fillRect/>
+          </a:stretch>
+        </p:blipFill>
+        <p:spPr bwMode="auto">
+          <a:xfrm>
+            <a:off x="5723710" y="1490513"/>
+            <a:ext cx="6231761" cy="4154507"/>
+          </a:xfrm>
+          <a:prstGeom prst="rect">
+            <a:avLst/>
+          </a:prstGeom>
+          <a:noFill/>
+          <a:extLst>
+            <a:ext uri="{909E8E84-426E-40DD-AFC4-6F175D3DCCD1}">
+              <a14:hiddenFill xmlns:a14="http://schemas.microsoft.com/office/drawing/2010/main">
+                <a:solidFill>
+                  <a:srgbClr val="FFFFFF"/>
+                </a:solidFill>
+              </a14:hiddenFill>
+            </a:ext>
+          </a:extLst>
+        </p:spPr>
+      </p:pic>
+      <p:sp>
+        <p:nvSpPr>
+          <p:cNvPr id="5" name="PoljeZBesedilom 4">
+            <a:extLst>
+              <a:ext uri="{FF2B5EF4-FFF2-40B4-BE49-F238E27FC236}">
+                <a16:creationId xmlns:a16="http://schemas.microsoft.com/office/drawing/2014/main" id="{0082104B-B117-46C0-B747-2BA5518BD3CB}"/>
+              </a:ext>
+            </a:extLst>
+          </p:cNvPr>
+          <p:cNvSpPr txBox="1"/>
+          <p:nvPr/>
+        </p:nvSpPr>
+        <p:spPr>
+          <a:xfrm>
+            <a:off x="5464371" y="5681371"/>
+            <a:ext cx="6491100" cy="430887"/>
+          </a:xfrm>
+          <a:prstGeom prst="rect">
+            <a:avLst/>
+          </a:prstGeom>
+          <a:noFill/>
+        </p:spPr>
+        <p:txBody>
+          <a:bodyPr wrap="square" rtlCol="0">
+            <a:spAutoFit/>
+          </a:bodyPr>
+          <a:lstStyle/>
+          <a:p>
+            <a:r>
+              <a:rPr lang="sl-SI" sz="1050" dirty="0"/>
+              <a:t>Vir: </a:t>
+            </a:r>
+            <a:r>
+              <a:rPr lang="sl-SI" sz="1050" dirty="0">
+                <a:hlinkClick r:id="rId5"/>
+              </a:rPr>
+              <a:t>https://www.infoworld.com/article/3104621/android-studio-for-beginners-part-2-explore-and-code-the-app.html</a:t>
+            </a:r>
+            <a:endParaRPr lang="sl-SI" sz="1050" dirty="0"/>
+          </a:p>
+        </p:txBody>
+      </p:sp>
+    </p:spTree>
+    <p:extLst>
+      <p:ext uri="{BB962C8B-B14F-4D97-AF65-F5344CB8AC3E}">
+        <p14:creationId xmlns:p14="http://schemas.microsoft.com/office/powerpoint/2010/main" val="3709270258"/>
+      </p:ext>
+    </p:extLst>
+  </p:cSld>
+  <p:clrMapOvr>
+    <a:overrideClrMapping bg1="lt1" tx1="dk1" bg2="lt2" tx2="dk2" accent1="accent1" accent2="accent2" accent3="accent3" accent4="accent4" accent5="accent5" accent6="accent6" hlink="hlink" folHlink="folHlink"/>
+  </p:clrMapOvr>
+  <p:transition spd="slow">
+    <p:push dir="u"/>
+  </p:transition>
+  <p:timing>
+    <p:tnLst>
+      <p:par>
+        <p:cTn id="1" dur="indefinite" restart="never" nodeType="tmRoot">
+          <p:childTnLst>
+            <p:seq concurrent="1" nextAc="seek">
+              <p:cTn id="2" dur="indefinite" nodeType="mainSeq">
+                <p:childTnLst>
+                  <p:par>
+                    <p:cTn id="3" fill="hold">
+                      <p:stCondLst>
+                        <p:cond delay="indefinite"/>
+                      </p:stCondLst>
+                      <p:childTnLst>
+                        <p:par>
+                          <p:cTn id="4" fill="hold">
+                            <p:stCondLst>
+                              <p:cond delay="0"/>
+                            </p:stCondLst>
+                            <p:childTnLst>
+                              <p:par>
+                                <p:cTn id="5" presetID="22" presetClass="exit" presetSubtype="4" fill="hold" nodeType="clickEffect">
+                                  <p:stCondLst>
+                                    <p:cond delay="0"/>
+                                  </p:stCondLst>
+                                  <p:childTnLst>
+                                    <p:animEffect transition="out" filter="wipe(down)">
+                                      <p:cBhvr>
+                                        <p:cTn id="6" dur="500"/>
+                                        <p:tgtEl>
+                                          <p:spTgt spid="2050"/>
+                                        </p:tgtEl>
+                                      </p:cBhvr>
+                                    </p:animEffect>
+                                    <p:set>
+                                      <p:cBhvr>
+                                        <p:cTn id="7" dur="1" fill="hold">
+                                          <p:stCondLst>
+                                            <p:cond delay="499"/>
+                                          </p:stCondLst>
+                                        </p:cTn>
+                                        <p:tgtEl>
+                                          <p:spTgt spid="2050"/>
+                                        </p:tgtEl>
+                                        <p:attrNameLst>
+                                          <p:attrName>style.visibility</p:attrName>
+                                        </p:attrNameLst>
+                                      </p:cBhvr>
+                                      <p:to>
+                                        <p:strVal val="hidden"/>
+                                      </p:to>
+                                    </p:set>
+                                  </p:childTnLst>
+                                </p:cTn>
+                              </p:par>
+                              <p:par>
+                                <p:cTn id="8" presetID="22" presetClass="exit" presetSubtype="4" fill="hold" grpId="0" nodeType="withEffect">
+                                  <p:stCondLst>
+                                    <p:cond delay="0"/>
+                                  </p:stCondLst>
+                                  <p:childTnLst>
+                                    <p:animEffect transition="out" filter="wipe(down)">
+                                      <p:cBhvr>
+                                        <p:cTn id="9" dur="500"/>
+                                        <p:tgtEl>
+                                          <p:spTgt spid="5"/>
+                                        </p:tgtEl>
+                                      </p:cBhvr>
+                                    </p:animEffect>
+                                    <p:set>
+                                      <p:cBhvr>
+                                        <p:cTn id="10" dur="1" fill="hold">
+                                          <p:stCondLst>
+                                            <p:cond delay="499"/>
+                                          </p:stCondLst>
+                                        </p:cTn>
+                                        <p:tgtEl>
+                                          <p:spTgt spid="5"/>
+                                        </p:tgtEl>
+                                        <p:attrNameLst>
+                                          <p:attrName>style.visibility</p:attrName>
+                                        </p:attrNameLst>
+                                      </p:cBhvr>
+                                      <p:to>
+                                        <p:strVal val="hidden"/>
+                                      </p:to>
+                                    </p:set>
+                                  </p:childTnLst>
+                                </p:cTn>
+                              </p:par>
+                            </p:childTnLst>
+                          </p:cTn>
+                        </p:par>
+                        <p:par>
+                          <p:cTn id="11" fill="hold">
+                            <p:stCondLst>
+                              <p:cond delay="500"/>
+                            </p:stCondLst>
+                            <p:childTnLst>
+                              <p:par>
+                                <p:cTn id="12" presetID="22" presetClass="entr" presetSubtype="4" fill="hold" nodeType="afterEffect">
+                                  <p:stCondLst>
+                                    <p:cond delay="0"/>
+                                  </p:stCondLst>
+                                  <p:childTnLst>
+                                    <p:set>
+                                      <p:cBhvr>
+                                        <p:cTn id="13" dur="1" fill="hold">
+                                          <p:stCondLst>
+                                            <p:cond delay="0"/>
+                                          </p:stCondLst>
+                                        </p:cTn>
+                                        <p:tgtEl>
+                                          <p:spTgt spid="4"/>
+                                        </p:tgtEl>
+                                        <p:attrNameLst>
+                                          <p:attrName>style.visibility</p:attrName>
+                                        </p:attrNameLst>
+                                      </p:cBhvr>
+                                      <p:to>
+                                        <p:strVal val="visible"/>
+                                      </p:to>
+                                    </p:set>
+                                    <p:animEffect transition="in" filter="wipe(down)">
+                                      <p:cBhvr>
+                                        <p:cTn id="14" dur="500"/>
+                                        <p:tgtEl>
+                                          <p:spTgt spid="4"/>
+                                        </p:tgtEl>
+                                      </p:cBhvr>
+                                    </p:animEffect>
+                                  </p:childTnLst>
+                                </p:cTn>
+                              </p:par>
+                            </p:childTnLst>
+                          </p:cTn>
+                        </p:par>
+                      </p:childTnLst>
+                    </p:cTn>
+                  </p:par>
+                </p:childTnLst>
+              </p:cTn>
+              <p:prevCondLst>
+                <p:cond evt="onPrev" delay="0">
+                  <p:tgtEl>
+                    <p:sldTgt/>
+                  </p:tgtEl>
+                </p:cond>
+              </p:prevCondLst>
+              <p:nextCondLst>
+                <p:cond evt="onNext" delay="0">
+                  <p:tgtEl>
+                    <p:sldTgt/>
+                  </p:tgtEl>
+                </p:cond>
+              </p:nextCondLst>
+            </p:seq>
+          </p:childTnLst>
+        </p:cTn>
+      </p:par>
+    </p:tnLst>
+    <p:bldLst>
+      <p:bldP spid="5" grpId="0"/>
+    </p:bldLst>
+  </p:timing>
+</p:sld>
+</file>
+
+<file path=ppt/slides/slide5.xml><?xml version="1.0" encoding="utf-8"?>
+<p:sld xmlns:a="http://schemas.openxmlformats.org/drawingml/2006/main" xmlns:r="http://schemas.openxmlformats.org/officeDocument/2006/relationships" xmlns:p="http://schemas.openxmlformats.org/presentationml/2006/main">
+  <p:cSld>
+    <p:bg>
+      <p:bgPr>
+        <a:solidFill>
+          <a:schemeClr val="bg1"/>
+        </a:solidFill>
+        <a:effectLst/>
+      </p:bgPr>
+    </p:bg>
+    <p:spTree>
+      <p:nvGrpSpPr>
+        <p:cNvPr id="1" name=""/>
+        <p:cNvGrpSpPr/>
+        <p:nvPr/>
+      </p:nvGrpSpPr>
+      <p:grpSpPr>
+        <a:xfrm>
+          <a:off x="0" y="0"/>
+          <a:ext cx="0" cy="0"/>
+          <a:chOff x="0" y="0"/>
+          <a:chExt cx="0" cy="0"/>
+        </a:xfrm>
+      </p:grpSpPr>
+      <p:sp>
+        <p:nvSpPr>
+          <p:cNvPr id="9" name="Rectangle 8">
+            <a:extLst>
+              <a:ext uri="{FF2B5EF4-FFF2-40B4-BE49-F238E27FC236}">
+                <a16:creationId xmlns:a16="http://schemas.microsoft.com/office/drawing/2014/main" id="{B4AAD3FD-83A5-4B89-9F8F-01B8870865BE}"/>
+              </a:ext>
+              <a:ext uri="{C183D7F6-B498-43B3-948B-1728B52AA6E4}">
+                <adec:decorative xmlns:adec="http://schemas.microsoft.com/office/drawing/2017/decorative" val="1"/>
+              </a:ext>
+            </a:extLst>
+          </p:cNvPr>
+          <p:cNvSpPr>
+            <a:spLocks noGrp="1" noRot="1" noChangeAspect="1" noMove="1" noResize="1" noEditPoints="1" noAdjustHandles="1" noChangeArrowheads="1" noChangeShapeType="1" noTextEdit="1"/>
+          </p:cNvSpPr>
+          <p:nvPr>
+            <p:extLst>
+              <p:ext uri="{386F3935-93C4-4BCD-93E2-E3B085C9AB24}">
+                <p16:designElem xmlns:p16="http://schemas.microsoft.com/office/powerpoint/2015/main" val="1"/>
+              </p:ext>
+            </p:extLst>
+          </p:nvPr>
+        </p:nvSpPr>
+        <p:spPr>
+          <a:xfrm>
+            <a:off x="0" y="0"/>
+            <a:ext cx="12192000" cy="6858000"/>
+          </a:xfrm>
+          <a:prstGeom prst="rect">
+            <a:avLst/>
+          </a:prstGeom>
+          <a:ln>
+            <a:noFill/>
+          </a:ln>
+        </p:spPr>
+        <p:style>
+          <a:lnRef idx="2">
+            <a:schemeClr val="accent1">
+              <a:shade val="50000"/>
+            </a:schemeClr>
+          </a:lnRef>
+          <a:fillRef idx="1003">
+            <a:schemeClr val="dk2"/>
+          </a:fillRef>
+          <a:effectRef idx="0">
+            <a:schemeClr val="accent1"/>
+          </a:effectRef>
+          <a:fontRef idx="minor">
+            <a:schemeClr val="lt1"/>
+          </a:fontRef>
+        </p:style>
+        <p:txBody>
+          <a:bodyPr rtlCol="0" anchor="ctr"/>
+          <a:lstStyle/>
+          <a:p>
+            <a:pPr algn="ctr"/>
+            <a:endParaRPr lang="en-US"/>
+          </a:p>
+        </p:txBody>
+      </p:sp>
+      <p:sp>
+        <p:nvSpPr>
+          <p:cNvPr id="2" name="Naslov 1">
+            <a:extLst>
+              <a:ext uri="{FF2B5EF4-FFF2-40B4-BE49-F238E27FC236}">
+                <a16:creationId xmlns:a16="http://schemas.microsoft.com/office/drawing/2014/main" id="{FA736354-F3CF-4266-A8DB-B4804F0EE439}"/>
+              </a:ext>
+            </a:extLst>
+          </p:cNvPr>
+          <p:cNvSpPr>
+            <a:spLocks noGrp="1"/>
+          </p:cNvSpPr>
+          <p:nvPr>
+            <p:ph type="title"/>
+          </p:nvPr>
+        </p:nvSpPr>
+        <p:spPr>
+          <a:xfrm>
+            <a:off x="648931" y="629266"/>
+            <a:ext cx="4166510" cy="1622321"/>
+          </a:xfrm>
+        </p:spPr>
+        <p:txBody>
+          <a:bodyPr>
+            <a:normAutofit/>
+          </a:bodyPr>
+          <a:lstStyle/>
+          <a:p>
+            <a:r>
+              <a:rPr lang="sl-SI">
+                <a:solidFill>
+                  <a:srgbClr val="EBEBEB"/>
+                </a:solidFill>
+              </a:rPr>
+              <a:t>Načrtovanje</a:t>
+            </a:r>
+          </a:p>
+        </p:txBody>
+      </p:sp>
+      <p:sp>
+        <p:nvSpPr>
+          <p:cNvPr id="11" name="Freeform 31">
+            <a:extLst>
+              <a:ext uri="{FF2B5EF4-FFF2-40B4-BE49-F238E27FC236}">
+                <a16:creationId xmlns:a16="http://schemas.microsoft.com/office/drawing/2014/main" id="{61752F1D-FC0F-4103-9584-630E643CCDA6}"/>
+              </a:ext>
+              <a:ext uri="{C183D7F6-B498-43B3-948B-1728B52AA6E4}">
+                <adec:decorative xmlns:adec="http://schemas.microsoft.com/office/drawing/2017/decorative" val="1"/>
+              </a:ext>
+            </a:extLst>
+          </p:cNvPr>
+          <p:cNvSpPr>
+            <a:spLocks noGrp="1" noRot="1" noChangeAspect="1" noMove="1" noResize="1" noEditPoints="1" noAdjustHandles="1" noChangeArrowheads="1" noChangeShapeType="1" noTextEdit="1"/>
+          </p:cNvSpPr>
+          <p:nvPr>
+            <p:extLst>
+              <p:ext uri="{386F3935-93C4-4BCD-93E2-E3B085C9AB24}">
+                <p16:designElem xmlns:p16="http://schemas.microsoft.com/office/powerpoint/2015/main" val="1"/>
+              </p:ext>
+            </p:extLst>
+          </p:nvPr>
+        </p:nvSpPr>
+        <p:spPr>
+          <a:xfrm>
+            <a:off x="4994020" y="-1"/>
+            <a:ext cx="559472" cy="3709642"/>
+          </a:xfrm>
+          <a:custGeom>
+            <a:avLst/>
+            <a:gdLst>
+              <a:gd name="connsiteX0" fmla="*/ 0 w 559472"/>
+              <a:gd name="connsiteY0" fmla="*/ 0 h 3709642"/>
+              <a:gd name="connsiteX1" fmla="*/ 473952 w 559472"/>
+              <a:gd name="connsiteY1" fmla="*/ 0 h 3709642"/>
+              <a:gd name="connsiteX2" fmla="*/ 485840 w 559472"/>
+              <a:gd name="connsiteY2" fmla="*/ 161194 h 3709642"/>
+              <a:gd name="connsiteX3" fmla="*/ 523949 w 559472"/>
+              <a:gd name="connsiteY3" fmla="*/ 3672197 h 3709642"/>
+              <a:gd name="connsiteX4" fmla="*/ 454748 w 559472"/>
+              <a:gd name="connsiteY4" fmla="*/ 3709642 h 3709642"/>
+              <a:gd name="connsiteX5" fmla="*/ 448224 w 559472"/>
+              <a:gd name="connsiteY5" fmla="*/ 3510471 h 3709642"/>
+              <a:gd name="connsiteX6" fmla="*/ 443564 w 559472"/>
+              <a:gd name="connsiteY6" fmla="*/ 3408563 h 3709642"/>
+              <a:gd name="connsiteX7" fmla="*/ 438902 w 559472"/>
+              <a:gd name="connsiteY7" fmla="*/ 3304407 h 3709642"/>
+              <a:gd name="connsiteX8" fmla="*/ 433941 w 559472"/>
+              <a:gd name="connsiteY8" fmla="*/ 3198777 h 3709642"/>
+              <a:gd name="connsiteX9" fmla="*/ 427584 w 559472"/>
+              <a:gd name="connsiteY9" fmla="*/ 3092510 h 3709642"/>
+              <a:gd name="connsiteX10" fmla="*/ 420988 w 559472"/>
+              <a:gd name="connsiteY10" fmla="*/ 2984390 h 3709642"/>
+              <a:gd name="connsiteX11" fmla="*/ 414330 w 559472"/>
+              <a:gd name="connsiteY11" fmla="*/ 2874401 h 3709642"/>
+              <a:gd name="connsiteX12" fmla="*/ 406840 w 559472"/>
+              <a:gd name="connsiteY12" fmla="*/ 2762980 h 3709642"/>
+              <a:gd name="connsiteX13" fmla="*/ 397745 w 559472"/>
+              <a:gd name="connsiteY13" fmla="*/ 2650566 h 3709642"/>
+              <a:gd name="connsiteX14" fmla="*/ 389154 w 559472"/>
+              <a:gd name="connsiteY14" fmla="*/ 2536612 h 3709642"/>
+              <a:gd name="connsiteX15" fmla="*/ 379225 w 559472"/>
+              <a:gd name="connsiteY15" fmla="*/ 2421642 h 3709642"/>
+              <a:gd name="connsiteX16" fmla="*/ 368316 w 559472"/>
+              <a:gd name="connsiteY16" fmla="*/ 2305627 h 3709642"/>
+              <a:gd name="connsiteX17" fmla="*/ 357466 w 559472"/>
+              <a:gd name="connsiteY17" fmla="*/ 2189233 h 3709642"/>
+              <a:gd name="connsiteX18" fmla="*/ 344982 w 559472"/>
+              <a:gd name="connsiteY18" fmla="*/ 2071473 h 3709642"/>
+              <a:gd name="connsiteX19" fmla="*/ 332466 w 559472"/>
+              <a:gd name="connsiteY19" fmla="*/ 1952216 h 3709642"/>
+              <a:gd name="connsiteX20" fmla="*/ 319121 w 559472"/>
+              <a:gd name="connsiteY20" fmla="*/ 1833776 h 3709642"/>
+              <a:gd name="connsiteX21" fmla="*/ 304408 w 559472"/>
+              <a:gd name="connsiteY21" fmla="*/ 1713948 h 3709642"/>
+              <a:gd name="connsiteX22" fmla="*/ 288685 w 559472"/>
+              <a:gd name="connsiteY22" fmla="*/ 1592703 h 3709642"/>
+              <a:gd name="connsiteX23" fmla="*/ 273050 w 559472"/>
+              <a:gd name="connsiteY23" fmla="*/ 1471451 h 3709642"/>
+              <a:gd name="connsiteX24" fmla="*/ 255813 w 559472"/>
+              <a:gd name="connsiteY24" fmla="*/ 1350328 h 3709642"/>
+              <a:gd name="connsiteX25" fmla="*/ 237060 w 559472"/>
+              <a:gd name="connsiteY25" fmla="*/ 1227080 h 3709642"/>
+              <a:gd name="connsiteX26" fmla="*/ 218488 w 559472"/>
+              <a:gd name="connsiteY26" fmla="*/ 1106065 h 3709642"/>
+              <a:gd name="connsiteX27" fmla="*/ 198221 w 559472"/>
+              <a:gd name="connsiteY27" fmla="*/ 982940 h 3709642"/>
+              <a:gd name="connsiteX28" fmla="*/ 177152 w 559472"/>
+              <a:gd name="connsiteY28" fmla="*/ 858755 h 3709642"/>
+              <a:gd name="connsiteX29" fmla="*/ 155551 w 559472"/>
+              <a:gd name="connsiteY29" fmla="*/ 736861 h 3709642"/>
+              <a:gd name="connsiteX30" fmla="*/ 131782 w 559472"/>
+              <a:gd name="connsiteY30" fmla="*/ 613645 h 3709642"/>
+              <a:gd name="connsiteX31" fmla="*/ 107123 w 559472"/>
+              <a:gd name="connsiteY31" fmla="*/ 490500 h 3709642"/>
+              <a:gd name="connsiteX32" fmla="*/ 82552 w 559472"/>
+              <a:gd name="connsiteY32" fmla="*/ 367348 h 3709642"/>
+              <a:gd name="connsiteX33" fmla="*/ 55608 w 559472"/>
+              <a:gd name="connsiteY33" fmla="*/ 244762 h 3709642"/>
+              <a:gd name="connsiteX34" fmla="*/ 28130 w 559472"/>
+              <a:gd name="connsiteY34" fmla="*/ 122220 h 3709642"/>
+              <a:gd name="connsiteX35" fmla="*/ 0 w 559472"/>
+              <a:gd name="connsiteY35" fmla="*/ 0 h 3709642"/>
+            </a:gdLst>
+            <a:ahLst/>
+            <a:cxnLst>
+              <a:cxn ang="0">
+                <a:pos x="connsiteX0" y="connsiteY0"/>
+              </a:cxn>
+              <a:cxn ang="0">
+                <a:pos x="connsiteX1" y="connsiteY1"/>
+              </a:cxn>
+              <a:cxn ang="0">
+                <a:pos x="connsiteX2" y="connsiteY2"/>
+              </a:cxn>
+              <a:cxn ang="0">
+                <a:pos x="connsiteX3" y="connsiteY3"/>
+              </a:cxn>
+              <a:cxn ang="0">
+                <a:pos x="connsiteX4" y="connsiteY4"/>
+              </a:cxn>
+              <a:cxn ang="0">
+                <a:pos x="connsiteX5" y="connsiteY5"/>
+              </a:cxn>
+              <a:cxn ang="0">
+                <a:pos x="connsiteX6" y="connsiteY6"/>
+              </a:cxn>
+              <a:cxn ang="0">
+                <a:pos x="connsiteX7" y="connsiteY7"/>
+              </a:cxn>
+              <a:cxn ang="0">
+                <a:pos x="connsiteX8" y="connsiteY8"/>
+              </a:cxn>
+              <a:cxn ang="0">
+                <a:pos x="connsiteX9" y="connsiteY9"/>
+              </a:cxn>
+              <a:cxn ang="0">
+                <a:pos x="connsiteX10" y="connsiteY10"/>
+              </a:cxn>
+              <a:cxn ang="0">
+                <a:pos x="connsiteX11" y="connsiteY11"/>
+              </a:cxn>
+              <a:cxn ang="0">
+                <a:pos x="connsiteX12" y="connsiteY12"/>
+              </a:cxn>
+              <a:cxn ang="0">
+                <a:pos x="connsiteX13" y="connsiteY13"/>
+              </a:cxn>
+              <a:cxn ang="0">
+                <a:pos x="connsiteX14" y="connsiteY14"/>
+              </a:cxn>
+              <a:cxn ang="0">
+                <a:pos x="connsiteX15" y="connsiteY15"/>
+              </a:cxn>
+              <a:cxn ang="0">
+                <a:pos x="connsiteX16" y="connsiteY16"/>
+              </a:cxn>
+              <a:cxn ang="0">
+                <a:pos x="connsiteX17" y="connsiteY17"/>
+              </a:cxn>
+              <a:cxn ang="0">
+                <a:pos x="connsiteX18" y="connsiteY18"/>
+              </a:cxn>
+              <a:cxn ang="0">
+                <a:pos x="connsiteX19" y="connsiteY19"/>
+              </a:cxn>
+              <a:cxn ang="0">
+                <a:pos x="connsiteX20" y="connsiteY20"/>
+              </a:cxn>
+              <a:cxn ang="0">
+                <a:pos x="connsiteX21" y="connsiteY21"/>
+              </a:cxn>
+              <a:cxn ang="0">
+                <a:pos x="connsiteX22" y="connsiteY22"/>
+              </a:cxn>
+              <a:cxn ang="0">
+                <a:pos x="connsiteX23" y="connsiteY23"/>
+              </a:cxn>
+              <a:cxn ang="0">
+                <a:pos x="connsiteX24" y="connsiteY24"/>
+              </a:cxn>
+              <a:cxn ang="0">
+                <a:pos x="connsiteX25" y="connsiteY25"/>
+              </a:cxn>
+              <a:cxn ang="0">
+                <a:pos x="connsiteX26" y="connsiteY26"/>
+              </a:cxn>
+              <a:cxn ang="0">
+                <a:pos x="connsiteX27" y="connsiteY27"/>
+              </a:cxn>
+              <a:cxn ang="0">
+                <a:pos x="connsiteX28" y="connsiteY28"/>
+              </a:cxn>
+              <a:cxn ang="0">
+                <a:pos x="connsiteX29" y="connsiteY29"/>
+              </a:cxn>
+              <a:cxn ang="0">
+                <a:pos x="connsiteX30" y="connsiteY30"/>
+              </a:cxn>
+              <a:cxn ang="0">
+                <a:pos x="connsiteX31" y="connsiteY31"/>
+              </a:cxn>
+              <a:cxn ang="0">
+                <a:pos x="connsiteX32" y="connsiteY32"/>
+              </a:cxn>
+              <a:cxn ang="0">
+                <a:pos x="connsiteX33" y="connsiteY33"/>
+              </a:cxn>
+              <a:cxn ang="0">
+                <a:pos x="connsiteX34" y="connsiteY34"/>
+              </a:cxn>
+              <a:cxn ang="0">
+                <a:pos x="connsiteX35" y="connsiteY35"/>
+              </a:cxn>
+            </a:cxnLst>
+            <a:rect l="l" t="t" r="r" b="b"/>
+            <a:pathLst>
+              <a:path w="559472" h="3709642">
+                <a:moveTo>
+                  <a:pt x="0" y="0"/>
+                </a:moveTo>
+                <a:lnTo>
+                  <a:pt x="473952" y="0"/>
+                </a:lnTo>
+                <a:lnTo>
+                  <a:pt x="485840" y="161194"/>
+                </a:lnTo>
+                <a:cubicBezTo>
+                  <a:pt x="552063" y="1147770"/>
+                  <a:pt x="592441" y="3086737"/>
+                  <a:pt x="523949" y="3672197"/>
+                </a:cubicBezTo>
+                <a:cubicBezTo>
+                  <a:pt x="500842" y="3684557"/>
+                  <a:pt x="477855" y="3697282"/>
+                  <a:pt x="454748" y="3709642"/>
+                </a:cubicBezTo>
+                <a:lnTo>
+                  <a:pt x="448224" y="3510471"/>
+                </a:lnTo>
+                <a:lnTo>
+                  <a:pt x="443564" y="3408563"/>
+                </a:lnTo>
+                <a:lnTo>
+                  <a:pt x="438902" y="3304407"/>
+                </a:lnTo>
+                <a:lnTo>
+                  <a:pt x="433941" y="3198777"/>
+                </a:lnTo>
+                <a:lnTo>
+                  <a:pt x="427584" y="3092510"/>
+                </a:lnTo>
+                <a:lnTo>
+                  <a:pt x="420988" y="2984390"/>
+                </a:lnTo>
+                <a:lnTo>
+                  <a:pt x="414330" y="2874401"/>
+                </a:lnTo>
+                <a:lnTo>
+                  <a:pt x="406840" y="2762980"/>
+                </a:lnTo>
+                <a:lnTo>
+                  <a:pt x="397745" y="2650566"/>
+                </a:lnTo>
+                <a:lnTo>
+                  <a:pt x="389154" y="2536612"/>
+                </a:lnTo>
+                <a:lnTo>
+                  <a:pt x="379225" y="2421642"/>
+                </a:lnTo>
+                <a:lnTo>
+                  <a:pt x="368316" y="2305627"/>
+                </a:lnTo>
+                <a:lnTo>
+                  <a:pt x="357466" y="2189233"/>
+                </a:lnTo>
+                <a:lnTo>
+                  <a:pt x="344982" y="2071473"/>
+                </a:lnTo>
+                <a:lnTo>
+                  <a:pt x="332466" y="1952216"/>
+                </a:lnTo>
+                <a:lnTo>
+                  <a:pt x="319121" y="1833776"/>
+                </a:lnTo>
+                <a:lnTo>
+                  <a:pt x="304408" y="1713948"/>
+                </a:lnTo>
+                <a:lnTo>
+                  <a:pt x="288685" y="1592703"/>
+                </a:lnTo>
+                <a:lnTo>
+                  <a:pt x="273050" y="1471451"/>
+                </a:lnTo>
+                <a:lnTo>
+                  <a:pt x="255813" y="1350328"/>
+                </a:lnTo>
+                <a:lnTo>
+                  <a:pt x="237060" y="1227080"/>
+                </a:lnTo>
+                <a:lnTo>
+                  <a:pt x="218488" y="1106065"/>
+                </a:lnTo>
+                <a:lnTo>
+                  <a:pt x="198221" y="982940"/>
+                </a:lnTo>
+                <a:lnTo>
+                  <a:pt x="177152" y="858755"/>
+                </a:lnTo>
+                <a:lnTo>
+                  <a:pt x="155551" y="736861"/>
+                </a:lnTo>
+                <a:lnTo>
+                  <a:pt x="131782" y="613645"/>
+                </a:lnTo>
+                <a:lnTo>
+                  <a:pt x="107123" y="490500"/>
+                </a:lnTo>
+                <a:lnTo>
+                  <a:pt x="82552" y="367348"/>
+                </a:lnTo>
+                <a:lnTo>
+                  <a:pt x="55608" y="244762"/>
+                </a:lnTo>
+                <a:lnTo>
+                  <a:pt x="28130" y="122220"/>
+                </a:lnTo>
+                <a:lnTo>
+                  <a:pt x="0" y="0"/>
+                </a:lnTo>
+                <a:close/>
+              </a:path>
+            </a:pathLst>
+          </a:custGeom>
+          <a:solidFill>
+            <a:schemeClr val="bg1">
+              <a:alpha val="20000"/>
+            </a:schemeClr>
+          </a:solidFill>
+          <a:ln>
+            <a:noFill/>
+          </a:ln>
+        </p:spPr>
+        <p:txBody>
+          <a:bodyPr rtlCol="0" anchor="ctr"/>
+          <a:lstStyle/>
+          <a:p>
+            <a:pPr algn="ctr"/>
+            <a:endParaRPr lang="en-US"/>
+          </a:p>
+        </p:txBody>
+      </p:sp>
+      <p:sp useBgFill="1">
+        <p:nvSpPr>
+          <p:cNvPr id="13" name="Freeform: Shape 12">
+            <a:extLst>
+              <a:ext uri="{FF2B5EF4-FFF2-40B4-BE49-F238E27FC236}">
+                <a16:creationId xmlns:a16="http://schemas.microsoft.com/office/drawing/2014/main" id="{70151CB7-E7DE-4917-B831-01DF9CE01306}"/>
+              </a:ext>
+              <a:ext uri="{C183D7F6-B498-43B3-948B-1728B52AA6E4}">
+                <adec:decorative xmlns:adec="http://schemas.microsoft.com/office/drawing/2017/decorative" val="1"/>
+              </a:ext>
+            </a:extLst>
+          </p:cNvPr>
+          <p:cNvSpPr>
+            <a:spLocks noGrp="1" noRot="1" noChangeAspect="1" noMove="1" noResize="1" noEditPoints="1" noAdjustHandles="1" noChangeArrowheads="1" noChangeShapeType="1" noTextEdit="1"/>
+          </p:cNvSpPr>
+          <p:nvPr>
+            <p:extLst>
+              <p:ext uri="{386F3935-93C4-4BCD-93E2-E3B085C9AB24}">
+                <p16:designElem xmlns:p16="http://schemas.microsoft.com/office/powerpoint/2015/main" val="1"/>
+              </p:ext>
+            </p:extLst>
+          </p:nvPr>
+        </p:nvSpPr>
+        <p:spPr bwMode="gray">
+          <a:xfrm rot="16200000">
+            <a:off x="5270819" y="-63600"/>
+            <a:ext cx="6858001" cy="6985200"/>
+          </a:xfrm>
+          <a:custGeom>
+            <a:avLst/>
+            <a:gdLst>
+              <a:gd name="connsiteX0" fmla="*/ 6858001 w 6858001"/>
+              <a:gd name="connsiteY0" fmla="*/ 1177 h 6985200"/>
+              <a:gd name="connsiteX1" fmla="*/ 6858001 w 6858001"/>
+              <a:gd name="connsiteY1" fmla="*/ 1344715 h 6985200"/>
+              <a:gd name="connsiteX2" fmla="*/ 6858000 w 6858001"/>
+              <a:gd name="connsiteY2" fmla="*/ 1344715 h 6985200"/>
+              <a:gd name="connsiteX3" fmla="*/ 6858000 w 6858001"/>
+              <a:gd name="connsiteY3" fmla="*/ 6985200 h 6985200"/>
+              <a:gd name="connsiteX4" fmla="*/ 0 w 6858001"/>
+              <a:gd name="connsiteY4" fmla="*/ 6985199 h 6985200"/>
+              <a:gd name="connsiteX5" fmla="*/ 0 w 6858001"/>
+              <a:gd name="connsiteY5" fmla="*/ 886772 h 6985200"/>
+              <a:gd name="connsiteX6" fmla="*/ 1 w 6858001"/>
+              <a:gd name="connsiteY6" fmla="*/ 886772 h 6985200"/>
+              <a:gd name="connsiteX7" fmla="*/ 1 w 6858001"/>
+              <a:gd name="connsiteY7" fmla="*/ 0 h 6985200"/>
+              <a:gd name="connsiteX8" fmla="*/ 40463 w 6858001"/>
+              <a:gd name="connsiteY8" fmla="*/ 5883 h 6985200"/>
+              <a:gd name="connsiteX9" fmla="*/ 159107 w 6858001"/>
+              <a:gd name="connsiteY9" fmla="*/ 23196 h 6985200"/>
+              <a:gd name="connsiteX10" fmla="*/ 245518 w 6858001"/>
+              <a:gd name="connsiteY10" fmla="*/ 35299 h 6985200"/>
+              <a:gd name="connsiteX11" fmla="*/ 348388 w 6858001"/>
+              <a:gd name="connsiteY11" fmla="*/ 48073 h 6985200"/>
+              <a:gd name="connsiteX12" fmla="*/ 470460 w 6858001"/>
+              <a:gd name="connsiteY12" fmla="*/ 63369 h 6985200"/>
+              <a:gd name="connsiteX13" fmla="*/ 605563 w 6858001"/>
+              <a:gd name="connsiteY13" fmla="*/ 79506 h 6985200"/>
+              <a:gd name="connsiteX14" fmla="*/ 757810 w 6858001"/>
+              <a:gd name="connsiteY14" fmla="*/ 96483 h 6985200"/>
+              <a:gd name="connsiteX15" fmla="*/ 923774 w 6858001"/>
+              <a:gd name="connsiteY15" fmla="*/ 114469 h 6985200"/>
+              <a:gd name="connsiteX16" fmla="*/ 1104139 w 6858001"/>
+              <a:gd name="connsiteY16" fmla="*/ 132454 h 6985200"/>
+              <a:gd name="connsiteX17" fmla="*/ 1296163 w 6858001"/>
+              <a:gd name="connsiteY17" fmla="*/ 150776 h 6985200"/>
+              <a:gd name="connsiteX18" fmla="*/ 1503275 w 6858001"/>
+              <a:gd name="connsiteY18" fmla="*/ 167753 h 6985200"/>
+              <a:gd name="connsiteX19" fmla="*/ 1719988 w 6858001"/>
+              <a:gd name="connsiteY19" fmla="*/ 184058 h 6985200"/>
+              <a:gd name="connsiteX20" fmla="*/ 1949045 w 6858001"/>
+              <a:gd name="connsiteY20" fmla="*/ 198849 h 6985200"/>
+              <a:gd name="connsiteX21" fmla="*/ 2187703 w 6858001"/>
+              <a:gd name="connsiteY21" fmla="*/ 212969 h 6985200"/>
+              <a:gd name="connsiteX22" fmla="*/ 2436649 w 6858001"/>
+              <a:gd name="connsiteY22" fmla="*/ 226248 h 6985200"/>
+              <a:gd name="connsiteX23" fmla="*/ 2564208 w 6858001"/>
+              <a:gd name="connsiteY23" fmla="*/ 230955 h 6985200"/>
+              <a:gd name="connsiteX24" fmla="*/ 2694509 w 6858001"/>
+              <a:gd name="connsiteY24" fmla="*/ 236165 h 6985200"/>
+              <a:gd name="connsiteX25" fmla="*/ 2826869 w 6858001"/>
+              <a:gd name="connsiteY25" fmla="*/ 241040 h 6985200"/>
+              <a:gd name="connsiteX26" fmla="*/ 2959914 w 6858001"/>
+              <a:gd name="connsiteY26" fmla="*/ 244234 h 6985200"/>
+              <a:gd name="connsiteX27" fmla="*/ 3095702 w 6858001"/>
+              <a:gd name="connsiteY27" fmla="*/ 247091 h 6985200"/>
+              <a:gd name="connsiteX28" fmla="*/ 3232862 w 6858001"/>
+              <a:gd name="connsiteY28" fmla="*/ 250117 h 6985200"/>
+              <a:gd name="connsiteX29" fmla="*/ 3372766 w 6858001"/>
+              <a:gd name="connsiteY29" fmla="*/ 252134 h 6985200"/>
+              <a:gd name="connsiteX30" fmla="*/ 3514040 w 6858001"/>
+              <a:gd name="connsiteY30" fmla="*/ 252134 h 6985200"/>
+              <a:gd name="connsiteX31" fmla="*/ 3656686 w 6858001"/>
+              <a:gd name="connsiteY31" fmla="*/ 253142 h 6985200"/>
+              <a:gd name="connsiteX32" fmla="*/ 3800705 w 6858001"/>
+              <a:gd name="connsiteY32" fmla="*/ 252134 h 6985200"/>
+              <a:gd name="connsiteX33" fmla="*/ 3946780 w 6858001"/>
+              <a:gd name="connsiteY33" fmla="*/ 250117 h 6985200"/>
+              <a:gd name="connsiteX34" fmla="*/ 4092856 w 6858001"/>
+              <a:gd name="connsiteY34" fmla="*/ 248268 h 6985200"/>
+              <a:gd name="connsiteX35" fmla="*/ 4240988 w 6858001"/>
+              <a:gd name="connsiteY35" fmla="*/ 244234 h 6985200"/>
+              <a:gd name="connsiteX36" fmla="*/ 4390492 w 6858001"/>
+              <a:gd name="connsiteY36" fmla="*/ 240032 h 6985200"/>
+              <a:gd name="connsiteX37" fmla="*/ 4539997 w 6858001"/>
+              <a:gd name="connsiteY37" fmla="*/ 235157 h 6985200"/>
+              <a:gd name="connsiteX38" fmla="*/ 4690873 w 6858001"/>
+              <a:gd name="connsiteY38" fmla="*/ 228266 h 6985200"/>
+              <a:gd name="connsiteX39" fmla="*/ 4843120 w 6858001"/>
+              <a:gd name="connsiteY39" fmla="*/ 220029 h 6985200"/>
+              <a:gd name="connsiteX40" fmla="*/ 4996054 w 6858001"/>
+              <a:gd name="connsiteY40" fmla="*/ 212129 h 6985200"/>
+              <a:gd name="connsiteX41" fmla="*/ 5148987 w 6858001"/>
+              <a:gd name="connsiteY41" fmla="*/ 202044 h 6985200"/>
+              <a:gd name="connsiteX42" fmla="*/ 5303978 w 6858001"/>
+              <a:gd name="connsiteY42" fmla="*/ 189941 h 6985200"/>
+              <a:gd name="connsiteX43" fmla="*/ 5456911 w 6858001"/>
+              <a:gd name="connsiteY43" fmla="*/ 177839 h 6985200"/>
+              <a:gd name="connsiteX44" fmla="*/ 5612588 w 6858001"/>
+              <a:gd name="connsiteY44" fmla="*/ 163887 h 6985200"/>
+              <a:gd name="connsiteX45" fmla="*/ 5768950 w 6858001"/>
+              <a:gd name="connsiteY45" fmla="*/ 148591 h 6985200"/>
+              <a:gd name="connsiteX46" fmla="*/ 5923255 w 6858001"/>
+              <a:gd name="connsiteY46" fmla="*/ 132455 h 6985200"/>
+              <a:gd name="connsiteX47" fmla="*/ 6079618 w 6858001"/>
+              <a:gd name="connsiteY47" fmla="*/ 113629 h 6985200"/>
+              <a:gd name="connsiteX48" fmla="*/ 6235294 w 6858001"/>
+              <a:gd name="connsiteY48" fmla="*/ 93458 h 6985200"/>
+              <a:gd name="connsiteX49" fmla="*/ 6391657 w 6858001"/>
+              <a:gd name="connsiteY49" fmla="*/ 73455 h 6985200"/>
+              <a:gd name="connsiteX50" fmla="*/ 6547333 w 6858001"/>
+              <a:gd name="connsiteY50" fmla="*/ 50091 h 6985200"/>
+              <a:gd name="connsiteX51" fmla="*/ 6702324 w 6858001"/>
+              <a:gd name="connsiteY51" fmla="*/ 26222 h 6985200"/>
+            </a:gdLst>
+            <a:ahLst/>
+            <a:cxnLst>
+              <a:cxn ang="0">
+                <a:pos x="connsiteX0" y="connsiteY0"/>
+              </a:cxn>
+              <a:cxn ang="0">
+                <a:pos x="connsiteX1" y="connsiteY1"/>
+              </a:cxn>
+              <a:cxn ang="0">
+                <a:pos x="connsiteX2" y="connsiteY2"/>
+              </a:cxn>
+              <a:cxn ang="0">
+                <a:pos x="connsiteX3" y="connsiteY3"/>
+              </a:cxn>
+              <a:cxn ang="0">
+                <a:pos x="connsiteX4" y="connsiteY4"/>
+              </a:cxn>
+              <a:cxn ang="0">
+                <a:pos x="connsiteX5" y="connsiteY5"/>
+              </a:cxn>
+              <a:cxn ang="0">
+                <a:pos x="connsiteX6" y="connsiteY6"/>
+              </a:cxn>
+              <a:cxn ang="0">
+                <a:pos x="connsiteX7" y="connsiteY7"/>
+              </a:cxn>
+              <a:cxn ang="0">
+                <a:pos x="connsiteX8" y="connsiteY8"/>
+              </a:cxn>
+              <a:cxn ang="0">
+                <a:pos x="connsiteX9" y="connsiteY9"/>
+              </a:cxn>
+              <a:cxn ang="0">
+                <a:pos x="connsiteX10" y="connsiteY10"/>
+              </a:cxn>
+              <a:cxn ang="0">
+                <a:pos x="connsiteX11" y="connsiteY11"/>
+              </a:cxn>
+              <a:cxn ang="0">
+                <a:pos x="connsiteX12" y="connsiteY12"/>
+              </a:cxn>
+              <a:cxn ang="0">
+                <a:pos x="connsiteX13" y="connsiteY13"/>
+              </a:cxn>
+              <a:cxn ang="0">
+                <a:pos x="connsiteX14" y="connsiteY14"/>
+              </a:cxn>
+              <a:cxn ang="0">
+                <a:pos x="connsiteX15" y="connsiteY15"/>
+              </a:cxn>
+              <a:cxn ang="0">
+                <a:pos x="connsiteX16" y="connsiteY16"/>
+              </a:cxn>
+              <a:cxn ang="0">
+                <a:pos x="connsiteX17" y="connsiteY17"/>
+              </a:cxn>
+              <a:cxn ang="0">
+                <a:pos x="connsiteX18" y="connsiteY18"/>
+              </a:cxn>
+              <a:cxn ang="0">
+                <a:pos x="connsiteX19" y="connsiteY19"/>
+              </a:cxn>
+              <a:cxn ang="0">
+                <a:pos x="connsiteX20" y="connsiteY20"/>
+              </a:cxn>
+              <a:cxn ang="0">
+                <a:pos x="connsiteX21" y="connsiteY21"/>
+              </a:cxn>
+              <a:cxn ang="0">
+                <a:pos x="connsiteX22" y="connsiteY22"/>
+              </a:cxn>
+              <a:cxn ang="0">
+                <a:pos x="connsiteX23" y="connsiteY23"/>
+              </a:cxn>
+              <a:cxn ang="0">
+                <a:pos x="connsiteX24" y="connsiteY24"/>
+              </a:cxn>
+              <a:cxn ang="0">
+                <a:pos x="connsiteX25" y="connsiteY25"/>
+              </a:cxn>
+              <a:cxn ang="0">
+                <a:pos x="connsiteX26" y="connsiteY26"/>
+              </a:cxn>
+              <a:cxn ang="0">
+                <a:pos x="connsiteX27" y="connsiteY27"/>
+              </a:cxn>
+              <a:cxn ang="0">
+                <a:pos x="connsiteX28" y="connsiteY28"/>
+              </a:cxn>
+              <a:cxn ang="0">
+                <a:pos x="connsiteX29" y="connsiteY29"/>
+              </a:cxn>
+              <a:cxn ang="0">
+                <a:pos x="connsiteX30" y="connsiteY30"/>
+              </a:cxn>
+              <a:cxn ang="0">
+                <a:pos x="connsiteX31" y="connsiteY31"/>
+              </a:cxn>
+              <a:cxn ang="0">
+                <a:pos x="connsiteX32" y="connsiteY32"/>
+              </a:cxn>
+              <a:cxn ang="0">
+                <a:pos x="connsiteX33" y="connsiteY33"/>
+              </a:cxn>
+              <a:cxn ang="0">
+                <a:pos x="connsiteX34" y="connsiteY34"/>
+              </a:cxn>
+              <a:cxn ang="0">
+                <a:pos x="connsiteX35" y="connsiteY35"/>
+              </a:cxn>
+              <a:cxn ang="0">
+                <a:pos x="connsiteX36" y="connsiteY36"/>
+              </a:cxn>
+              <a:cxn ang="0">
+                <a:pos x="connsiteX37" y="connsiteY37"/>
+              </a:cxn>
+              <a:cxn ang="0">
+                <a:pos x="connsiteX38" y="connsiteY38"/>
+              </a:cxn>
+              <a:cxn ang="0">
+                <a:pos x="connsiteX39" y="connsiteY39"/>
+              </a:cxn>
+              <a:cxn ang="0">
+                <a:pos x="connsiteX40" y="connsiteY40"/>
+              </a:cxn>
+              <a:cxn ang="0">
+                <a:pos x="connsiteX41" y="connsiteY41"/>
+              </a:cxn>
+              <a:cxn ang="0">
+                <a:pos x="connsiteX42" y="connsiteY42"/>
+              </a:cxn>
+              <a:cxn ang="0">
+                <a:pos x="connsiteX43" y="connsiteY43"/>
+              </a:cxn>
+              <a:cxn ang="0">
+                <a:pos x="connsiteX44" y="connsiteY44"/>
+              </a:cxn>
+              <a:cxn ang="0">
+                <a:pos x="connsiteX45" y="connsiteY45"/>
+              </a:cxn>
+              <a:cxn ang="0">
+                <a:pos x="connsiteX46" y="connsiteY46"/>
+              </a:cxn>
+              <a:cxn ang="0">
+                <a:pos x="connsiteX47" y="connsiteY47"/>
+              </a:cxn>
+              <a:cxn ang="0">
+                <a:pos x="connsiteX48" y="connsiteY48"/>
+              </a:cxn>
+              <a:cxn ang="0">
+                <a:pos x="connsiteX49" y="connsiteY49"/>
+              </a:cxn>
+              <a:cxn ang="0">
+                <a:pos x="connsiteX50" y="connsiteY50"/>
+              </a:cxn>
+              <a:cxn ang="0">
+                <a:pos x="connsiteX51" y="connsiteY51"/>
+              </a:cxn>
+            </a:cxnLst>
+            <a:rect l="l" t="t" r="r" b="b"/>
+            <a:pathLst>
+              <a:path w="6858001" h="6985200">
+                <a:moveTo>
+                  <a:pt x="6858001" y="1177"/>
+                </a:moveTo>
+                <a:lnTo>
+                  <a:pt x="6858001" y="1344715"/>
+                </a:lnTo>
+                <a:lnTo>
+                  <a:pt x="6858000" y="1344715"/>
+                </a:lnTo>
+                <a:lnTo>
+                  <a:pt x="6858000" y="6985200"/>
+                </a:lnTo>
+                <a:lnTo>
+                  <a:pt x="0" y="6985199"/>
+                </a:lnTo>
+                <a:lnTo>
+                  <a:pt x="0" y="886772"/>
+                </a:lnTo>
+                <a:lnTo>
+                  <a:pt x="1" y="886772"/>
+                </a:lnTo>
+                <a:lnTo>
+                  <a:pt x="1" y="0"/>
+                </a:lnTo>
+                <a:lnTo>
+                  <a:pt x="40463" y="5883"/>
+                </a:lnTo>
+                <a:lnTo>
+                  <a:pt x="159107" y="23196"/>
+                </a:lnTo>
+                <a:lnTo>
+                  <a:pt x="245518" y="35299"/>
+                </a:lnTo>
+                <a:lnTo>
+                  <a:pt x="348388" y="48073"/>
+                </a:lnTo>
+                <a:lnTo>
+                  <a:pt x="470460" y="63369"/>
+                </a:lnTo>
+                <a:lnTo>
+                  <a:pt x="605563" y="79506"/>
+                </a:lnTo>
+                <a:lnTo>
+                  <a:pt x="757810" y="96483"/>
+                </a:lnTo>
+                <a:lnTo>
+                  <a:pt x="923774" y="114469"/>
+                </a:lnTo>
+                <a:lnTo>
+                  <a:pt x="1104139" y="132454"/>
+                </a:lnTo>
+                <a:lnTo>
+                  <a:pt x="1296163" y="150776"/>
+                </a:lnTo>
+                <a:lnTo>
+                  <a:pt x="1503275" y="167753"/>
+                </a:lnTo>
+                <a:lnTo>
+                  <a:pt x="1719988" y="184058"/>
+                </a:lnTo>
+                <a:lnTo>
+                  <a:pt x="1949045" y="198849"/>
+                </a:lnTo>
+                <a:lnTo>
+                  <a:pt x="2187703" y="212969"/>
+                </a:lnTo>
+                <a:lnTo>
+                  <a:pt x="2436649" y="226248"/>
+                </a:lnTo>
+                <a:lnTo>
+                  <a:pt x="2564208" y="230955"/>
+                </a:lnTo>
+                <a:lnTo>
+                  <a:pt x="2694509" y="236165"/>
+                </a:lnTo>
+                <a:lnTo>
+                  <a:pt x="2826869" y="241040"/>
+                </a:lnTo>
+                <a:lnTo>
+                  <a:pt x="2959914" y="244234"/>
+                </a:lnTo>
+                <a:lnTo>
+                  <a:pt x="3095702" y="247091"/>
+                </a:lnTo>
+                <a:lnTo>
+                  <a:pt x="3232862" y="250117"/>
+                </a:lnTo>
+                <a:lnTo>
+                  <a:pt x="3372766" y="252134"/>
+                </a:lnTo>
+                <a:lnTo>
+                  <a:pt x="3514040" y="252134"/>
+                </a:lnTo>
+                <a:lnTo>
+                  <a:pt x="3656686" y="253142"/>
+                </a:lnTo>
+                <a:lnTo>
+                  <a:pt x="3800705" y="252134"/>
+                </a:lnTo>
+                <a:lnTo>
+                  <a:pt x="3946780" y="250117"/>
+                </a:lnTo>
+                <a:lnTo>
+                  <a:pt x="4092856" y="248268"/>
+                </a:lnTo>
+                <a:lnTo>
+                  <a:pt x="4240988" y="244234"/>
+                </a:lnTo>
+                <a:lnTo>
+                  <a:pt x="4390492" y="240032"/>
+                </a:lnTo>
+                <a:lnTo>
+                  <a:pt x="4539997" y="235157"/>
+                </a:lnTo>
+                <a:lnTo>
+                  <a:pt x="4690873" y="228266"/>
+                </a:lnTo>
+                <a:lnTo>
+                  <a:pt x="4843120" y="220029"/>
+                </a:lnTo>
+                <a:lnTo>
+                  <a:pt x="4996054" y="212129"/>
+                </a:lnTo>
+                <a:lnTo>
+                  <a:pt x="5148987" y="202044"/>
+                </a:lnTo>
+                <a:lnTo>
+                  <a:pt x="5303978" y="189941"/>
+                </a:lnTo>
+                <a:lnTo>
+                  <a:pt x="5456911" y="177839"/>
+                </a:lnTo>
+                <a:lnTo>
+                  <a:pt x="5612588" y="163887"/>
+                </a:lnTo>
+                <a:lnTo>
+                  <a:pt x="5768950" y="148591"/>
+                </a:lnTo>
+                <a:lnTo>
+                  <a:pt x="5923255" y="132455"/>
+                </a:lnTo>
+                <a:lnTo>
+                  <a:pt x="6079618" y="113629"/>
+                </a:lnTo>
+                <a:lnTo>
+                  <a:pt x="6235294" y="93458"/>
+                </a:lnTo>
+                <a:lnTo>
+                  <a:pt x="6391657" y="73455"/>
+                </a:lnTo>
+                <a:lnTo>
+                  <a:pt x="6547333" y="50091"/>
+                </a:lnTo>
+                <a:lnTo>
+                  <a:pt x="6702324" y="26222"/>
+                </a:lnTo>
+                <a:close/>
+              </a:path>
+            </a:pathLst>
+          </a:custGeom>
+          <a:ln>
+            <a:noFill/>
+          </a:ln>
+        </p:spPr>
+      </p:sp>
+      <p:pic>
+        <p:nvPicPr>
+          <p:cNvPr id="4" name="Slika 3">
+            <a:extLst>
+              <a:ext uri="{FF2B5EF4-FFF2-40B4-BE49-F238E27FC236}">
                 <a16:creationId xmlns:a16="http://schemas.microsoft.com/office/drawing/2014/main" id="{1FA619C3-A9C1-48F0-97F9-24A043D472C3}"/>
               </a:ext>
             </a:extLst>
@@ -10371,10 +12520,145 @@
   <p:clrMapOvr>
     <a:overrideClrMapping bg1="lt1" tx1="dk1" bg2="lt2" tx2="dk2" accent1="accent1" accent2="accent2" accent3="accent3" accent4="accent4" accent5="accent5" accent6="accent6" hlink="hlink" folHlink="folHlink"/>
   </p:clrMapOvr>
+  <p:transition spd="slow">
+    <p:push dir="u"/>
+  </p:transition>
+  <p:timing>
+    <p:tnLst>
+      <p:par>
+        <p:cTn id="1" dur="indefinite" restart="never" nodeType="tmRoot">
+          <p:childTnLst>
+            <p:seq concurrent="1" nextAc="seek">
+              <p:cTn id="2" dur="indefinite" nodeType="mainSeq">
+                <p:childTnLst>
+                  <p:par>
+                    <p:cTn id="3" fill="hold">
+                      <p:stCondLst>
+                        <p:cond delay="indefinite"/>
+                        <p:cond evt="onBegin" delay="0">
+                          <p:tn val="2"/>
+                        </p:cond>
+                      </p:stCondLst>
+                      <p:childTnLst>
+                        <p:par>
+                          <p:cTn id="4" fill="hold">
+                            <p:stCondLst>
+                              <p:cond delay="0"/>
+                            </p:stCondLst>
+                            <p:childTnLst>
+                              <p:par>
+                                <p:cTn id="5" presetID="53" presetClass="entr" presetSubtype="16" fill="hold" nodeType="withEffect">
+                                  <p:stCondLst>
+                                    <p:cond delay="0"/>
+                                  </p:stCondLst>
+                                  <p:childTnLst>
+                                    <p:set>
+                                      <p:cBhvr>
+                                        <p:cTn id="6" dur="1" fill="hold">
+                                          <p:stCondLst>
+                                            <p:cond delay="0"/>
+                                          </p:stCondLst>
+                                        </p:cTn>
+                                        <p:tgtEl>
+                                          <p:spTgt spid="4"/>
+                                        </p:tgtEl>
+                                        <p:attrNameLst>
+                                          <p:attrName>style.visibility</p:attrName>
+                                        </p:attrNameLst>
+                                      </p:cBhvr>
+                                      <p:to>
+                                        <p:strVal val="visible"/>
+                                      </p:to>
+                                    </p:set>
+                                    <p:anim calcmode="lin" valueType="num">
+                                      <p:cBhvr>
+                                        <p:cTn id="7" dur="1000" fill="hold"/>
+                                        <p:tgtEl>
+                                          <p:spTgt spid="4"/>
+                                        </p:tgtEl>
+                                        <p:attrNameLst>
+                                          <p:attrName>ppt_w</p:attrName>
+                                        </p:attrNameLst>
+                                      </p:cBhvr>
+                                      <p:tavLst>
+                                        <p:tav tm="0">
+                                          <p:val>
+                                            <p:fltVal val="0"/>
+                                          </p:val>
+                                        </p:tav>
+                                        <p:tav tm="100000">
+                                          <p:val>
+                                            <p:strVal val="#ppt_w"/>
+                                          </p:val>
+                                        </p:tav>
+                                      </p:tavLst>
+                                    </p:anim>
+                                    <p:anim calcmode="lin" valueType="num">
+                                      <p:cBhvr>
+                                        <p:cTn id="8" dur="1000" fill="hold"/>
+                                        <p:tgtEl>
+                                          <p:spTgt spid="4"/>
+                                        </p:tgtEl>
+                                        <p:attrNameLst>
+                                          <p:attrName>ppt_h</p:attrName>
+                                        </p:attrNameLst>
+                                      </p:cBhvr>
+                                      <p:tavLst>
+                                        <p:tav tm="0">
+                                          <p:val>
+                                            <p:fltVal val="0"/>
+                                          </p:val>
+                                        </p:tav>
+                                        <p:tav tm="100000">
+                                          <p:val>
+                                            <p:strVal val="#ppt_h"/>
+                                          </p:val>
+                                        </p:tav>
+                                      </p:tavLst>
+                                    </p:anim>
+                                    <p:animEffect transition="in" filter="fade">
+                                      <p:cBhvr>
+                                        <p:cTn id="9" dur="1000"/>
+                                        <p:tgtEl>
+                                          <p:spTgt spid="4"/>
+                                        </p:tgtEl>
+                                      </p:cBhvr>
+                                    </p:animEffect>
+                                  </p:childTnLst>
+                                </p:cTn>
+                              </p:par>
+                            </p:childTnLst>
+                          </p:cTn>
+                        </p:par>
+                      </p:childTnLst>
+                    </p:cTn>
+                  </p:par>
+                </p:childTnLst>
+              </p:cTn>
+              <p:prevCondLst>
+                <p:cond evt="onPrev" delay="0">
+                  <p:tgtEl>
+                    <p:sldTgt/>
+                  </p:tgtEl>
+                </p:cond>
+              </p:prevCondLst>
+              <p:nextCondLst>
+                <p:cond evt="onNext" delay="0">
+                  <p:tgtEl>
+                    <p:sldTgt/>
+                  </p:tgtEl>
+                </p:cond>
+              </p:nextCondLst>
+            </p:seq>
+          </p:childTnLst>
+        </p:cTn>
+      </p:par>
+    </p:tnLst>
+  </p:timing>
 </p:sld>
 </file>
 
-<file path=ppt/slides/slide5.xml><?xml version="1.0" encoding="utf-8"?>
+<file path=ppt/slides/slide6.xml><?xml version="1.0" encoding="utf-8"?>
 <p:sld xmlns:a="http://schemas.openxmlformats.org/drawingml/2006/main" xmlns:r="http://schemas.openxmlformats.org/officeDocument/2006/relationships" xmlns:p="http://schemas.openxmlformats.org/presentationml/2006/main">
   <p:cSld>
     <p:bg>
@@ -10493,7 +12777,7 @@
                   <a:srgbClr val="EBEBEB"/>
                 </a:solidFill>
               </a:rPr>
-              <a:t>Delovanje aplikacije po metodah</a:t>
+              <a:t>Delovanje aplikacije po Java metodah</a:t>
             </a:r>
           </a:p>
         </p:txBody>
@@ -11964,10 +14248,360 @@
   <p:clrMapOvr>
     <a:overrideClrMapping bg1="lt1" tx1="dk1" bg2="lt2" tx2="dk2" accent1="accent1" accent2="accent2" accent3="accent3" accent4="accent4" accent5="accent5" accent6="accent6" hlink="hlink" folHlink="folHlink"/>
   </p:clrMapOvr>
+  <p:transition spd="slow">
+    <p:push dir="u"/>
+  </p:transition>
+  <p:timing>
+    <p:tnLst>
+      <p:par>
+        <p:cTn id="1" dur="indefinite" restart="never" nodeType="tmRoot">
+          <p:childTnLst>
+            <p:seq concurrent="1" nextAc="seek">
+              <p:cTn id="2" dur="indefinite" nodeType="mainSeq">
+                <p:childTnLst>
+                  <p:par>
+                    <p:cTn id="3" fill="hold">
+                      <p:stCondLst>
+                        <p:cond delay="indefinite"/>
+                        <p:cond evt="onBegin" delay="0">
+                          <p:tn val="2"/>
+                        </p:cond>
+                      </p:stCondLst>
+                      <p:childTnLst>
+                        <p:par>
+                          <p:cTn id="4" fill="hold">
+                            <p:stCondLst>
+                              <p:cond delay="0"/>
+                            </p:stCondLst>
+                            <p:childTnLst>
+                              <p:par>
+                                <p:cTn id="5" presetID="22" presetClass="entr" presetSubtype="4" fill="hold" nodeType="withEffect">
+                                  <p:stCondLst>
+                                    <p:cond delay="0"/>
+                                  </p:stCondLst>
+                                  <p:childTnLst>
+                                    <p:set>
+                                      <p:cBhvr>
+                                        <p:cTn id="6" dur="1" fill="hold">
+                                          <p:stCondLst>
+                                            <p:cond delay="0"/>
+                                          </p:stCondLst>
+                                        </p:cTn>
+                                        <p:tgtEl>
+                                          <p:spTgt spid="4"/>
+                                        </p:tgtEl>
+                                        <p:attrNameLst>
+                                          <p:attrName>style.visibility</p:attrName>
+                                        </p:attrNameLst>
+                                      </p:cBhvr>
+                                      <p:to>
+                                        <p:strVal val="visible"/>
+                                      </p:to>
+                                    </p:set>
+                                    <p:animEffect transition="in" filter="wipe(down)">
+                                      <p:cBhvr>
+                                        <p:cTn id="7" dur="500"/>
+                                        <p:tgtEl>
+                                          <p:spTgt spid="4"/>
+                                        </p:tgtEl>
+                                      </p:cBhvr>
+                                    </p:animEffect>
+                                  </p:childTnLst>
+                                </p:cTn>
+                              </p:par>
+                            </p:childTnLst>
+                          </p:cTn>
+                        </p:par>
+                      </p:childTnLst>
+                    </p:cTn>
+                  </p:par>
+                </p:childTnLst>
+              </p:cTn>
+              <p:prevCondLst>
+                <p:cond evt="onPrev" delay="0">
+                  <p:tgtEl>
+                    <p:sldTgt/>
+                  </p:tgtEl>
+                </p:cond>
+              </p:prevCondLst>
+              <p:nextCondLst>
+                <p:cond evt="onNext" delay="0">
+                  <p:tgtEl>
+                    <p:sldTgt/>
+                  </p:tgtEl>
+                </p:cond>
+              </p:nextCondLst>
+            </p:seq>
+          </p:childTnLst>
+        </p:cTn>
+      </p:par>
+    </p:tnLst>
+  </p:timing>
 </p:sld>
 </file>
 
-<file path=ppt/slides/slide6.xml><?xml version="1.0" encoding="utf-8"?>
+<file path=ppt/slides/slide7.xml><?xml version="1.0" encoding="utf-8"?>
+<p:sld xmlns:a="http://schemas.openxmlformats.org/drawingml/2006/main" xmlns:r="http://schemas.openxmlformats.org/officeDocument/2006/relationships" xmlns:p="http://schemas.openxmlformats.org/presentationml/2006/main">
+  <p:cSld>
+    <p:spTree>
+      <p:nvGrpSpPr>
+        <p:cNvPr id="1" name=""/>
+        <p:cNvGrpSpPr/>
+        <p:nvPr/>
+      </p:nvGrpSpPr>
+      <p:grpSpPr>
+        <a:xfrm>
+          <a:off x="0" y="0"/>
+          <a:ext cx="0" cy="0"/>
+          <a:chOff x="0" y="0"/>
+          <a:chExt cx="0" cy="0"/>
+        </a:xfrm>
+      </p:grpSpPr>
+      <p:sp>
+        <p:nvSpPr>
+          <p:cNvPr id="2" name="Naslov 1">
+            <a:extLst>
+              <a:ext uri="{FF2B5EF4-FFF2-40B4-BE49-F238E27FC236}">
+                <a16:creationId xmlns:a16="http://schemas.microsoft.com/office/drawing/2014/main" id="{EAB1C9F1-6CAF-452E-B60E-CE7642D9AE64}"/>
+              </a:ext>
+            </a:extLst>
+          </p:cNvPr>
+          <p:cNvSpPr>
+            <a:spLocks noGrp="1"/>
+          </p:cNvSpPr>
+          <p:nvPr>
+            <p:ph type="title"/>
+          </p:nvPr>
+        </p:nvSpPr>
+        <p:spPr/>
+        <p:txBody>
+          <a:bodyPr/>
+          <a:lstStyle/>
+          <a:p>
+            <a:r>
+              <a:rPr lang="sl-SI" dirty="0"/>
+              <a:t>XML </a:t>
+            </a:r>
+            <a:r>
+              <a:rPr lang="sl-SI" sz="1800" dirty="0"/>
+              <a:t>(angl. </a:t>
+            </a:r>
+            <a:r>
+              <a:rPr lang="sl-SI" sz="1800" b="1" dirty="0" err="1"/>
+              <a:t>Extensible</a:t>
+            </a:r>
+            <a:r>
+              <a:rPr lang="sl-SI" sz="1800" b="1" dirty="0"/>
+              <a:t> </a:t>
+            </a:r>
+            <a:r>
+              <a:rPr lang="sl-SI" sz="1800" b="1" dirty="0" err="1"/>
+              <a:t>Markup</a:t>
+            </a:r>
+            <a:r>
+              <a:rPr lang="sl-SI" sz="1800" b="1" dirty="0"/>
+              <a:t> </a:t>
+            </a:r>
+            <a:r>
+              <a:rPr lang="sl-SI" sz="1800" b="1" dirty="0" err="1"/>
+              <a:t>Language</a:t>
+            </a:r>
+            <a:r>
+              <a:rPr lang="sl-SI" sz="1800" dirty="0"/>
+              <a:t>)</a:t>
+            </a:r>
+            <a:br>
+              <a:rPr lang="sl-SI" dirty="0"/>
+            </a:br>
+            <a:endParaRPr lang="sl-SI" dirty="0"/>
+          </a:p>
+        </p:txBody>
+      </p:sp>
+      <p:sp>
+        <p:nvSpPr>
+          <p:cNvPr id="3" name="Označba mesta vsebine 2">
+            <a:extLst>
+              <a:ext uri="{FF2B5EF4-FFF2-40B4-BE49-F238E27FC236}">
+                <a16:creationId xmlns:a16="http://schemas.microsoft.com/office/drawing/2014/main" id="{3CA75AA0-2641-48D0-ABA4-E7E39C84E6AC}"/>
+              </a:ext>
+            </a:extLst>
+          </p:cNvPr>
+          <p:cNvSpPr>
+            <a:spLocks noGrp="1"/>
+          </p:cNvSpPr>
+          <p:nvPr>
+            <p:ph idx="1"/>
+          </p:nvPr>
+        </p:nvSpPr>
+        <p:spPr/>
+        <p:txBody>
+          <a:bodyPr/>
+          <a:lstStyle/>
+          <a:p>
+            <a:r>
+              <a:rPr lang="sl-SI" dirty="0"/>
+              <a:t>Podobno kakor delo s HTML in CSS</a:t>
+            </a:r>
+          </a:p>
+          <a:p>
+            <a:r>
+              <a:rPr lang="sl-SI" dirty="0"/>
+              <a:t>Najzahtevnejši del  </a:t>
+            </a:r>
+          </a:p>
+          <a:p>
+            <a:r>
+              <a:rPr lang="sl-SI" dirty="0"/>
+              <a:t>Odgovoren za izgled aplikacije</a:t>
+            </a:r>
+          </a:p>
+          <a:p>
+            <a:r>
+              <a:rPr lang="sl-SI" dirty="0"/>
+              <a:t>Prilagajanje na različne naprave in postavitve</a:t>
+            </a:r>
+          </a:p>
+          <a:p>
+            <a:r>
+              <a:rPr lang="sl-SI" dirty="0"/>
+              <a:t>Zelo pomembno spoštovanje uporabniške izkušnje</a:t>
+            </a:r>
+          </a:p>
+          <a:p>
+            <a:endParaRPr lang="sl-SI" dirty="0"/>
+          </a:p>
+          <a:p>
+            <a:endParaRPr lang="sl-SI" dirty="0"/>
+          </a:p>
+        </p:txBody>
+      </p:sp>
+      <p:pic>
+        <p:nvPicPr>
+          <p:cNvPr id="6" name="Slika 5">
+            <a:extLst>
+              <a:ext uri="{FF2B5EF4-FFF2-40B4-BE49-F238E27FC236}">
+                <a16:creationId xmlns:a16="http://schemas.microsoft.com/office/drawing/2014/main" id="{5D92BBAA-EA8E-4432-93E7-2B7CE522A06C}"/>
+              </a:ext>
+            </a:extLst>
+          </p:cNvPr>
+          <p:cNvPicPr>
+            <a:picLocks noChangeAspect="1"/>
+          </p:cNvPicPr>
+          <p:nvPr/>
+        </p:nvPicPr>
+        <p:blipFill>
+          <a:blip r:embed="rId2"/>
+          <a:stretch>
+            <a:fillRect/>
+          </a:stretch>
+        </p:blipFill>
+        <p:spPr>
+          <a:xfrm>
+            <a:off x="219074" y="269026"/>
+            <a:ext cx="11753851" cy="6341822"/>
+          </a:xfrm>
+          <a:prstGeom prst="rect">
+            <a:avLst/>
+          </a:prstGeom>
+        </p:spPr>
+      </p:pic>
+    </p:spTree>
+    <p:extLst>
+      <p:ext uri="{BB962C8B-B14F-4D97-AF65-F5344CB8AC3E}">
+        <p14:creationId xmlns:p14="http://schemas.microsoft.com/office/powerpoint/2010/main" val="3777121919"/>
+      </p:ext>
+    </p:extLst>
+  </p:cSld>
+  <p:clrMapOvr>
+    <a:masterClrMapping/>
+  </p:clrMapOvr>
+  <p:timing>
+    <p:tnLst>
+      <p:par>
+        <p:cTn id="1" dur="indefinite" restart="never" nodeType="tmRoot">
+          <p:childTnLst>
+            <p:seq concurrent="1" nextAc="seek">
+              <p:cTn id="2" dur="indefinite" nodeType="mainSeq">
+                <p:childTnLst>
+                  <p:par>
+                    <p:cTn id="3" fill="hold">
+                      <p:stCondLst>
+                        <p:cond delay="indefinite"/>
+                      </p:stCondLst>
+                      <p:childTnLst>
+                        <p:par>
+                          <p:cTn id="4" fill="hold">
+                            <p:stCondLst>
+                              <p:cond delay="0"/>
+                            </p:stCondLst>
+                            <p:childTnLst>
+                              <p:par>
+                                <p:cTn id="5" presetID="6" presetClass="entr" presetSubtype="16" fill="hold" nodeType="clickEffect">
+                                  <p:stCondLst>
+                                    <p:cond delay="0"/>
+                                  </p:stCondLst>
+                                  <p:childTnLst>
+                                    <p:set>
+                                      <p:cBhvr>
+                                        <p:cTn id="6" dur="1" fill="hold">
+                                          <p:stCondLst>
+                                            <p:cond delay="0"/>
+                                          </p:stCondLst>
+                                        </p:cTn>
+                                        <p:tgtEl>
+                                          <p:spTgt spid="6"/>
+                                        </p:tgtEl>
+                                        <p:attrNameLst>
+                                          <p:attrName>style.visibility</p:attrName>
+                                        </p:attrNameLst>
+                                      </p:cBhvr>
+                                      <p:to>
+                                        <p:strVal val="visible"/>
+                                      </p:to>
+                                    </p:set>
+                                    <p:animEffect transition="in" filter="circle(in)">
+                                      <p:cBhvr>
+                                        <p:cTn id="7" dur="2000"/>
+                                        <p:tgtEl>
+                                          <p:spTgt spid="6"/>
+                                        </p:tgtEl>
+                                      </p:cBhvr>
+                                    </p:animEffect>
+                                  </p:childTnLst>
+                                </p:cTn>
+                              </p:par>
+                            </p:childTnLst>
+                          </p:cTn>
+                        </p:par>
+                      </p:childTnLst>
+                    </p:cTn>
+                  </p:par>
+                </p:childTnLst>
+              </p:cTn>
+              <p:prevCondLst>
+                <p:cond evt="onPrev" delay="0">
+                  <p:tgtEl>
+                    <p:sldTgt/>
+                  </p:tgtEl>
+                </p:cond>
+              </p:prevCondLst>
+              <p:nextCondLst>
+                <p:cond evt="onNext" delay="0">
+                  <p:tgtEl>
+                    <p:sldTgt/>
+                  </p:tgtEl>
+                </p:cond>
+              </p:nextCondLst>
+            </p:seq>
+          </p:childTnLst>
+        </p:cTn>
+      </p:par>
+    </p:tnLst>
+  </p:timing>
+</p:sld>
+</file>
+
+<file path=ppt/slides/slide8.xml><?xml version="1.0" encoding="utf-8"?>
 <p:sld xmlns:a="http://schemas.openxmlformats.org/drawingml/2006/main" xmlns:r="http://schemas.openxmlformats.org/officeDocument/2006/relationships" xmlns:p="http://schemas.openxmlformats.org/presentationml/2006/main">
   <p:cSld>
     <p:bg>
@@ -13738,133 +16372,9 @@
   <p:clrMapOvr>
     <a:overrideClrMapping bg1="lt1" tx1="dk1" bg2="lt2" tx2="dk2" accent1="accent1" accent2="accent2" accent3="accent3" accent4="accent4" accent5="accent5" accent6="accent6" hlink="hlink" folHlink="folHlink"/>
   </p:clrMapOvr>
-</p:sld>
-</file>
-
-<file path=ppt/slides/slide7.xml><?xml version="1.0" encoding="utf-8"?>
-<p:sld xmlns:a="http://schemas.openxmlformats.org/drawingml/2006/main" xmlns:r="http://schemas.openxmlformats.org/officeDocument/2006/relationships" xmlns:p="http://schemas.openxmlformats.org/presentationml/2006/main">
-  <p:cSld>
-    <p:spTree>
-      <p:nvGrpSpPr>
-        <p:cNvPr id="1" name=""/>
-        <p:cNvGrpSpPr/>
-        <p:nvPr/>
-      </p:nvGrpSpPr>
-      <p:grpSpPr>
-        <a:xfrm>
-          <a:off x="0" y="0"/>
-          <a:ext cx="0" cy="0"/>
-          <a:chOff x="0" y="0"/>
-          <a:chExt cx="0" cy="0"/>
-        </a:xfrm>
-      </p:grpSpPr>
-      <p:sp>
-        <p:nvSpPr>
-          <p:cNvPr id="2" name="Naslov 1">
-            <a:extLst>
-              <a:ext uri="{FF2B5EF4-FFF2-40B4-BE49-F238E27FC236}">
-                <a16:creationId xmlns:a16="http://schemas.microsoft.com/office/drawing/2014/main" id="{8F7B0356-BF6B-4003-9B28-815DEC7BB579}"/>
-              </a:ext>
-            </a:extLst>
-          </p:cNvPr>
-          <p:cNvSpPr>
-            <a:spLocks noGrp="1"/>
-          </p:cNvSpPr>
-          <p:nvPr>
-            <p:ph type="title"/>
-          </p:nvPr>
-        </p:nvSpPr>
-        <p:spPr>
-          <a:xfrm>
-            <a:off x="3656604" y="3034529"/>
-            <a:ext cx="5150511" cy="788941"/>
-          </a:xfrm>
-        </p:spPr>
-        <p:txBody>
-          <a:bodyPr/>
-          <a:lstStyle/>
-          <a:p>
-            <a:r>
-              <a:rPr lang="sl-SI" b="1" i="1" dirty="0"/>
-              <a:t>Preizkus aplikacije</a:t>
-            </a:r>
-          </a:p>
-        </p:txBody>
-      </p:sp>
-    </p:spTree>
-    <p:extLst>
-      <p:ext uri="{BB962C8B-B14F-4D97-AF65-F5344CB8AC3E}">
-        <p14:creationId xmlns:p14="http://schemas.microsoft.com/office/powerpoint/2010/main" val="3029313313"/>
-      </p:ext>
-    </p:extLst>
-  </p:cSld>
-  <p:clrMapOvr>
-    <a:masterClrMapping/>
-  </p:clrMapOvr>
-</p:sld>
-</file>
-
-<file path=ppt/slides/slide8.xml><?xml version="1.0" encoding="utf-8"?>
-<p:sld xmlns:a="http://schemas.openxmlformats.org/drawingml/2006/main" xmlns:r="http://schemas.openxmlformats.org/officeDocument/2006/relationships" xmlns:p="http://schemas.openxmlformats.org/presentationml/2006/main">
-  <p:cSld>
-    <p:spTree>
-      <p:nvGrpSpPr>
-        <p:cNvPr id="1" name=""/>
-        <p:cNvGrpSpPr/>
-        <p:nvPr/>
-      </p:nvGrpSpPr>
-      <p:grpSpPr>
-        <a:xfrm>
-          <a:off x="0" y="0"/>
-          <a:ext cx="0" cy="0"/>
-          <a:chOff x="0" y="0"/>
-          <a:chExt cx="0" cy="0"/>
-        </a:xfrm>
-      </p:grpSpPr>
-      <p:sp>
-        <p:nvSpPr>
-          <p:cNvPr id="2" name="Naslov 1">
-            <a:extLst>
-              <a:ext uri="{FF2B5EF4-FFF2-40B4-BE49-F238E27FC236}">
-                <a16:creationId xmlns:a16="http://schemas.microsoft.com/office/drawing/2014/main" id="{8F7B0356-BF6B-4003-9B28-815DEC7BB579}"/>
-              </a:ext>
-            </a:extLst>
-          </p:cNvPr>
-          <p:cNvSpPr>
-            <a:spLocks noGrp="1"/>
-          </p:cNvSpPr>
-          <p:nvPr>
-            <p:ph type="title"/>
-          </p:nvPr>
-        </p:nvSpPr>
-        <p:spPr>
-          <a:xfrm>
-            <a:off x="2327246" y="3034529"/>
-            <a:ext cx="7537507" cy="788941"/>
-          </a:xfrm>
-        </p:spPr>
-        <p:txBody>
-          <a:bodyPr/>
-          <a:lstStyle/>
-          <a:p>
-            <a:pPr algn="ctr"/>
-            <a:r>
-              <a:rPr lang="sl-SI" sz="4400" b="1" i="1" dirty="0"/>
-              <a:t>Hvala za vašo pozornost!</a:t>
-            </a:r>
-          </a:p>
-        </p:txBody>
-      </p:sp>
-    </p:spTree>
-    <p:extLst>
-      <p:ext uri="{BB962C8B-B14F-4D97-AF65-F5344CB8AC3E}">
-        <p14:creationId xmlns:p14="http://schemas.microsoft.com/office/powerpoint/2010/main" val="3067158252"/>
-      </p:ext>
-    </p:extLst>
-  </p:cSld>
-  <p:clrMapOvr>
-    <a:masterClrMapping/>
-  </p:clrMapOvr>
+  <p:transition spd="slow">
+    <p:push dir="u"/>
+  </p:transition>
 </p:sld>
 </file>
 
@@ -13890,7 +16400,7 @@
           <p:cNvPr id="2" name="Naslov 1">
             <a:extLst>
               <a:ext uri="{FF2B5EF4-FFF2-40B4-BE49-F238E27FC236}">
-                <a16:creationId xmlns:a16="http://schemas.microsoft.com/office/drawing/2014/main" id="{8F7B0356-BF6B-4003-9B28-815DEC7BB579}"/>
+                <a16:creationId xmlns:a16="http://schemas.microsoft.com/office/drawing/2014/main" id="{009BF4DF-E8CE-46F3-ADC5-E7568B59E82E}"/>
               </a:ext>
             </a:extLst>
           </p:cNvPr>
@@ -13901,28 +16411,156 @@
             <p:ph type="title"/>
           </p:nvPr>
         </p:nvSpPr>
+        <p:spPr/>
+        <p:txBody>
+          <a:bodyPr/>
+          <a:lstStyle/>
+          <a:p>
+            <a:r>
+              <a:rPr lang="sl-SI" dirty="0"/>
+              <a:t>Možne izboljšave in načrti</a:t>
+            </a:r>
+          </a:p>
+        </p:txBody>
+      </p:sp>
+      <p:sp>
+        <p:nvSpPr>
+          <p:cNvPr id="3" name="Označba mesta vsebine 2">
+            <a:extLst>
+              <a:ext uri="{FF2B5EF4-FFF2-40B4-BE49-F238E27FC236}">
+                <a16:creationId xmlns:a16="http://schemas.microsoft.com/office/drawing/2014/main" id="{A3E8A0FC-15FF-4301-8EC4-DD1FBC0A6438}"/>
+              </a:ext>
+            </a:extLst>
+          </p:cNvPr>
+          <p:cNvSpPr>
+            <a:spLocks noGrp="1"/>
+          </p:cNvSpPr>
+          <p:nvPr>
+            <p:ph idx="1"/>
+          </p:nvPr>
+        </p:nvSpPr>
+        <p:spPr/>
+        <p:txBody>
+          <a:bodyPr/>
+          <a:lstStyle/>
+          <a:p>
+            <a:r>
+              <a:rPr lang="sl-SI" dirty="0"/>
+              <a:t>Morse oddajnik – pretvorba v svetlobni ali zvočni signal</a:t>
+            </a:r>
+          </a:p>
+          <a:p>
+            <a:r>
+              <a:rPr lang="sl-SI" dirty="0"/>
+              <a:t>Javno dostopna</a:t>
+            </a:r>
+          </a:p>
+          <a:p>
+            <a:r>
+              <a:rPr lang="sl-SI" dirty="0"/>
+              <a:t>Nasveti</a:t>
+            </a:r>
+          </a:p>
+          <a:p>
+            <a:r>
+              <a:rPr lang="sl-SI" dirty="0"/>
+              <a:t>Učni kvizi</a:t>
+            </a:r>
+          </a:p>
+          <a:p>
+            <a:r>
+              <a:rPr lang="sl-SI" dirty="0"/>
+              <a:t>Winklerjeva abeceda (semafor)</a:t>
+            </a:r>
+          </a:p>
+          <a:p>
+            <a:r>
+              <a:rPr lang="sl-SI" dirty="0" err="1"/>
+              <a:t>iOS</a:t>
+            </a:r>
+            <a:r>
+              <a:rPr lang="sl-SI" dirty="0"/>
+              <a:t> </a:t>
+            </a:r>
+          </a:p>
+        </p:txBody>
+      </p:sp>
+      <p:pic>
+        <p:nvPicPr>
+          <p:cNvPr id="5" name="Slika 4">
+            <a:extLst>
+              <a:ext uri="{FF2B5EF4-FFF2-40B4-BE49-F238E27FC236}">
+                <a16:creationId xmlns:a16="http://schemas.microsoft.com/office/drawing/2014/main" id="{D724FF7E-D947-471F-9D87-36CDDFFEC68F}"/>
+              </a:ext>
+            </a:extLst>
+          </p:cNvPr>
+          <p:cNvPicPr>
+            <a:picLocks noChangeAspect="1"/>
+          </p:cNvPicPr>
+          <p:nvPr/>
+        </p:nvPicPr>
+        <p:blipFill>
+          <a:blip r:embed="rId2"/>
+          <a:stretch>
+            <a:fillRect/>
+          </a:stretch>
+        </p:blipFill>
         <p:spPr>
           <a:xfrm>
-            <a:off x="3520744" y="3034529"/>
-            <a:ext cx="5150511" cy="788941"/>
+            <a:off x="7805737" y="2990850"/>
+            <a:ext cx="3952875" cy="3162300"/>
           </a:xfrm>
+          <a:prstGeom prst="rect">
+            <a:avLst/>
+          </a:prstGeom>
         </p:spPr>
-        <p:txBody>
-          <a:bodyPr/>
+      </p:pic>
+      <p:sp>
+        <p:nvSpPr>
+          <p:cNvPr id="6" name="PoljeZBesedilom 5">
+            <a:extLst>
+              <a:ext uri="{FF2B5EF4-FFF2-40B4-BE49-F238E27FC236}">
+                <a16:creationId xmlns:a16="http://schemas.microsoft.com/office/drawing/2014/main" id="{39AEA6F1-18A6-492B-ADBD-F202266A20E2}"/>
+              </a:ext>
+            </a:extLst>
+          </p:cNvPr>
+          <p:cNvSpPr txBox="1"/>
+          <p:nvPr/>
+        </p:nvSpPr>
+        <p:spPr>
+          <a:xfrm>
+            <a:off x="7715250" y="6121441"/>
+            <a:ext cx="3262432" cy="253916"/>
+          </a:xfrm>
+          <a:prstGeom prst="rect">
+            <a:avLst/>
+          </a:prstGeom>
+          <a:noFill/>
+        </p:spPr>
+        <p:txBody>
+          <a:bodyPr wrap="none" rtlCol="0">
+            <a:spAutoFit/>
+          </a:bodyPr>
           <a:lstStyle/>
           <a:p>
-            <a:pPr algn="ctr"/>
-            <a:r>
-              <a:rPr lang="sl-SI" b="1" i="1" dirty="0"/>
-              <a:t>Vprašanja</a:t>
-            </a:r>
+            <a:r>
+              <a:rPr lang="sl-SI" sz="1050" dirty="0"/>
+              <a:t>Vir: </a:t>
+            </a:r>
+            <a:r>
+              <a:rPr lang="sl-SI" sz="1050" dirty="0">
+                <a:hlinkClick r:id="rId3"/>
+              </a:rPr>
+              <a:t>https://www.taborniki.si/signalne-zastavice/</a:t>
+            </a:r>
+            <a:endParaRPr lang="sl-SI" sz="1050" dirty="0"/>
           </a:p>
         </p:txBody>
       </p:sp>
     </p:spTree>
     <p:extLst>
       <p:ext uri="{BB962C8B-B14F-4D97-AF65-F5344CB8AC3E}">
-        <p14:creationId xmlns:p14="http://schemas.microsoft.com/office/powerpoint/2010/main" val="4125238056"/>
+        <p14:creationId xmlns:p14="http://schemas.microsoft.com/office/powerpoint/2010/main" val="824588866"/>
       </p:ext>
     </p:extLst>
   </p:cSld>
